--- a/01 Classes/Aula 11 e 12 Desenvolvimento Web PHP - PHP.pptx
+++ b/01 Classes/Aula 11 e 12 Desenvolvimento Web PHP - PHP.pptx
@@ -5,7 +5,7 @@
     <p:sldMasterId id="2147483648" r:id="rId1"/>
   </p:sldMasterIdLst>
   <p:notesMasterIdLst>
-    <p:notesMasterId r:id="rId31"/>
+    <p:notesMasterId r:id="rId39"/>
   </p:notesMasterIdLst>
   <p:sldIdLst>
     <p:sldId id="256" r:id="rId2"/>
@@ -27,16 +27,24 @@
     <p:sldId id="412" r:id="rId18"/>
     <p:sldId id="410" r:id="rId19"/>
     <p:sldId id="411" r:id="rId20"/>
-    <p:sldId id="401" r:id="rId21"/>
-    <p:sldId id="416" r:id="rId22"/>
-    <p:sldId id="399" r:id="rId23"/>
-    <p:sldId id="417" r:id="rId24"/>
-    <p:sldId id="400" r:id="rId25"/>
-    <p:sldId id="333" r:id="rId26"/>
-    <p:sldId id="323" r:id="rId27"/>
-    <p:sldId id="334" r:id="rId28"/>
-    <p:sldId id="337" r:id="rId29"/>
-    <p:sldId id="309" r:id="rId30"/>
+    <p:sldId id="423" r:id="rId21"/>
+    <p:sldId id="424" r:id="rId22"/>
+    <p:sldId id="425" r:id="rId23"/>
+    <p:sldId id="401" r:id="rId24"/>
+    <p:sldId id="416" r:id="rId25"/>
+    <p:sldId id="399" r:id="rId26"/>
+    <p:sldId id="417" r:id="rId27"/>
+    <p:sldId id="422" r:id="rId28"/>
+    <p:sldId id="400" r:id="rId29"/>
+    <p:sldId id="418" r:id="rId30"/>
+    <p:sldId id="420" r:id="rId31"/>
+    <p:sldId id="421" r:id="rId32"/>
+    <p:sldId id="419" r:id="rId33"/>
+    <p:sldId id="333" r:id="rId34"/>
+    <p:sldId id="323" r:id="rId35"/>
+    <p:sldId id="334" r:id="rId36"/>
+    <p:sldId id="337" r:id="rId37"/>
+    <p:sldId id="309" r:id="rId38"/>
   </p:sldIdLst>
   <p:sldSz cx="9144000" cy="5143500" type="screen16x9"/>
   <p:notesSz cx="6858000" cy="9144000"/>
@@ -1172,7 +1180,7 @@
     </p:spTree>
     <p:extLst>
       <p:ext uri="{BB962C8B-B14F-4D97-AF65-F5344CB8AC3E}">
-        <p14:creationId xmlns:p14="http://schemas.microsoft.com/office/powerpoint/2010/main" val="960253242"/>
+        <p14:creationId xmlns:p14="http://schemas.microsoft.com/office/powerpoint/2010/main" val="1295579518"/>
       </p:ext>
     </p:extLst>
   </p:cSld>
@@ -1238,7 +1246,7 @@
     </p:spTree>
     <p:extLst>
       <p:ext uri="{BB962C8B-B14F-4D97-AF65-F5344CB8AC3E}">
-        <p14:creationId xmlns:p14="http://schemas.microsoft.com/office/powerpoint/2010/main" val="1433993117"/>
+        <p14:creationId xmlns:p14="http://schemas.microsoft.com/office/powerpoint/2010/main" val="6429998"/>
       </p:ext>
     </p:extLst>
   </p:cSld>
@@ -1370,7 +1378,7 @@
     </p:spTree>
     <p:extLst>
       <p:ext uri="{BB962C8B-B14F-4D97-AF65-F5344CB8AC3E}">
-        <p14:creationId xmlns:p14="http://schemas.microsoft.com/office/powerpoint/2010/main" val="4223948796"/>
+        <p14:creationId xmlns:p14="http://schemas.microsoft.com/office/powerpoint/2010/main" val="3677791715"/>
       </p:ext>
     </p:extLst>
   </p:cSld>
@@ -1436,7 +1444,7 @@
     </p:spTree>
     <p:extLst>
       <p:ext uri="{BB962C8B-B14F-4D97-AF65-F5344CB8AC3E}">
-        <p14:creationId xmlns:p14="http://schemas.microsoft.com/office/powerpoint/2010/main" val="1977888375"/>
+        <p14:creationId xmlns:p14="http://schemas.microsoft.com/office/powerpoint/2010/main" val="960253242"/>
       </p:ext>
     </p:extLst>
   </p:cSld>
@@ -1502,7 +1510,7 @@
     </p:spTree>
     <p:extLst>
       <p:ext uri="{BB962C8B-B14F-4D97-AF65-F5344CB8AC3E}">
-        <p14:creationId xmlns:p14="http://schemas.microsoft.com/office/powerpoint/2010/main" val="3927254347"/>
+        <p14:creationId xmlns:p14="http://schemas.microsoft.com/office/powerpoint/2010/main" val="1433993117"/>
       </p:ext>
     </p:extLst>
   </p:cSld>
@@ -1568,7 +1576,7 @@
     </p:spTree>
     <p:extLst>
       <p:ext uri="{BB962C8B-B14F-4D97-AF65-F5344CB8AC3E}">
-        <p14:creationId xmlns:p14="http://schemas.microsoft.com/office/powerpoint/2010/main" val="585304384"/>
+        <p14:creationId xmlns:p14="http://schemas.microsoft.com/office/powerpoint/2010/main" val="4223948796"/>
       </p:ext>
     </p:extLst>
   </p:cSld>
@@ -1634,7 +1642,7 @@
     </p:spTree>
     <p:extLst>
       <p:ext uri="{BB962C8B-B14F-4D97-AF65-F5344CB8AC3E}">
-        <p14:creationId xmlns:p14="http://schemas.microsoft.com/office/powerpoint/2010/main" val="2709569597"/>
+        <p14:creationId xmlns:p14="http://schemas.microsoft.com/office/powerpoint/2010/main" val="1977888375"/>
       </p:ext>
     </p:extLst>
   </p:cSld>
@@ -1700,7 +1708,7 @@
     </p:spTree>
     <p:extLst>
       <p:ext uri="{BB962C8B-B14F-4D97-AF65-F5344CB8AC3E}">
-        <p14:creationId xmlns:p14="http://schemas.microsoft.com/office/powerpoint/2010/main" val="2296249050"/>
+        <p14:creationId xmlns:p14="http://schemas.microsoft.com/office/powerpoint/2010/main" val="726319059"/>
       </p:ext>
     </p:extLst>
   </p:cSld>
@@ -1766,7 +1774,205 @@
     </p:spTree>
     <p:extLst>
       <p:ext uri="{BB962C8B-B14F-4D97-AF65-F5344CB8AC3E}">
-        <p14:creationId xmlns:p14="http://schemas.microsoft.com/office/powerpoint/2010/main" val="4290351292"/>
+        <p14:creationId xmlns:p14="http://schemas.microsoft.com/office/powerpoint/2010/main" val="3927254347"/>
+      </p:ext>
+    </p:extLst>
+  </p:cSld>
+  <p:clrMapOvr>
+    <a:masterClrMapping/>
+  </p:clrMapOvr>
+</p:notes>
+</file>
+
+<file path=ppt/notesSlides/notesSlide27.xml><?xml version="1.0" encoding="utf-8"?>
+<p:notes xmlns:a="http://schemas.openxmlformats.org/drawingml/2006/main" xmlns:r="http://schemas.openxmlformats.org/officeDocument/2006/relationships" xmlns:p="http://schemas.openxmlformats.org/presentationml/2006/main">
+  <p:cSld>
+    <p:spTree>
+      <p:nvGrpSpPr>
+        <p:cNvPr id="1" name=""/>
+        <p:cNvGrpSpPr/>
+        <p:nvPr/>
+      </p:nvGrpSpPr>
+      <p:grpSpPr>
+        <a:xfrm>
+          <a:off x="0" y="0"/>
+          <a:ext cx="0" cy="0"/>
+          <a:chOff x="0" y="0"/>
+          <a:chExt cx="0" cy="0"/>
+        </a:xfrm>
+      </p:grpSpPr>
+      <p:sp>
+        <p:nvSpPr>
+          <p:cNvPr id="2" name="Espaço Reservado para Imagem de Slide 1"/>
+          <p:cNvSpPr>
+            <a:spLocks noGrp="1" noRot="1" noChangeAspect="1"/>
+          </p:cNvSpPr>
+          <p:nvPr>
+            <p:ph type="sldImg"/>
+          </p:nvPr>
+        </p:nvSpPr>
+        <p:spPr>
+          <a:xfrm>
+            <a:off x="381000" y="685800"/>
+            <a:ext cx="6096000" cy="3429000"/>
+          </a:xfrm>
+        </p:spPr>
+      </p:sp>
+      <p:sp>
+        <p:nvSpPr>
+          <p:cNvPr id="3" name="Espaço Reservado para Anotações 2"/>
+          <p:cNvSpPr>
+            <a:spLocks noGrp="1"/>
+          </p:cNvSpPr>
+          <p:nvPr>
+            <p:ph type="body" idx="1"/>
+          </p:nvPr>
+        </p:nvSpPr>
+        <p:spPr/>
+        <p:txBody>
+          <a:bodyPr/>
+          <a:lstStyle/>
+          <a:p>
+            <a:endParaRPr lang="pt-BR" dirty="0"/>
+          </a:p>
+        </p:txBody>
+      </p:sp>
+    </p:spTree>
+    <p:extLst>
+      <p:ext uri="{BB962C8B-B14F-4D97-AF65-F5344CB8AC3E}">
+        <p14:creationId xmlns:p14="http://schemas.microsoft.com/office/powerpoint/2010/main" val="2978299195"/>
+      </p:ext>
+    </p:extLst>
+  </p:cSld>
+  <p:clrMapOvr>
+    <a:masterClrMapping/>
+  </p:clrMapOvr>
+</p:notes>
+</file>
+
+<file path=ppt/notesSlides/notesSlide28.xml><?xml version="1.0" encoding="utf-8"?>
+<p:notes xmlns:a="http://schemas.openxmlformats.org/drawingml/2006/main" xmlns:r="http://schemas.openxmlformats.org/officeDocument/2006/relationships" xmlns:p="http://schemas.openxmlformats.org/presentationml/2006/main">
+  <p:cSld>
+    <p:spTree>
+      <p:nvGrpSpPr>
+        <p:cNvPr id="1" name=""/>
+        <p:cNvGrpSpPr/>
+        <p:nvPr/>
+      </p:nvGrpSpPr>
+      <p:grpSpPr>
+        <a:xfrm>
+          <a:off x="0" y="0"/>
+          <a:ext cx="0" cy="0"/>
+          <a:chOff x="0" y="0"/>
+          <a:chExt cx="0" cy="0"/>
+        </a:xfrm>
+      </p:grpSpPr>
+      <p:sp>
+        <p:nvSpPr>
+          <p:cNvPr id="2" name="Espaço Reservado para Imagem de Slide 1"/>
+          <p:cNvSpPr>
+            <a:spLocks noGrp="1" noRot="1" noChangeAspect="1"/>
+          </p:cNvSpPr>
+          <p:nvPr>
+            <p:ph type="sldImg"/>
+          </p:nvPr>
+        </p:nvSpPr>
+        <p:spPr>
+          <a:xfrm>
+            <a:off x="381000" y="685800"/>
+            <a:ext cx="6096000" cy="3429000"/>
+          </a:xfrm>
+        </p:spPr>
+      </p:sp>
+      <p:sp>
+        <p:nvSpPr>
+          <p:cNvPr id="3" name="Espaço Reservado para Anotações 2"/>
+          <p:cNvSpPr>
+            <a:spLocks noGrp="1"/>
+          </p:cNvSpPr>
+          <p:nvPr>
+            <p:ph type="body" idx="1"/>
+          </p:nvPr>
+        </p:nvSpPr>
+        <p:spPr/>
+        <p:txBody>
+          <a:bodyPr/>
+          <a:lstStyle/>
+          <a:p>
+            <a:endParaRPr lang="pt-BR" dirty="0"/>
+          </a:p>
+        </p:txBody>
+      </p:sp>
+    </p:spTree>
+    <p:extLst>
+      <p:ext uri="{BB962C8B-B14F-4D97-AF65-F5344CB8AC3E}">
+        <p14:creationId xmlns:p14="http://schemas.microsoft.com/office/powerpoint/2010/main" val="4044526132"/>
+      </p:ext>
+    </p:extLst>
+  </p:cSld>
+  <p:clrMapOvr>
+    <a:masterClrMapping/>
+  </p:clrMapOvr>
+</p:notes>
+</file>
+
+<file path=ppt/notesSlides/notesSlide29.xml><?xml version="1.0" encoding="utf-8"?>
+<p:notes xmlns:a="http://schemas.openxmlformats.org/drawingml/2006/main" xmlns:r="http://schemas.openxmlformats.org/officeDocument/2006/relationships" xmlns:p="http://schemas.openxmlformats.org/presentationml/2006/main">
+  <p:cSld>
+    <p:spTree>
+      <p:nvGrpSpPr>
+        <p:cNvPr id="1" name=""/>
+        <p:cNvGrpSpPr/>
+        <p:nvPr/>
+      </p:nvGrpSpPr>
+      <p:grpSpPr>
+        <a:xfrm>
+          <a:off x="0" y="0"/>
+          <a:ext cx="0" cy="0"/>
+          <a:chOff x="0" y="0"/>
+          <a:chExt cx="0" cy="0"/>
+        </a:xfrm>
+      </p:grpSpPr>
+      <p:sp>
+        <p:nvSpPr>
+          <p:cNvPr id="2" name="Espaço Reservado para Imagem de Slide 1"/>
+          <p:cNvSpPr>
+            <a:spLocks noGrp="1" noRot="1" noChangeAspect="1"/>
+          </p:cNvSpPr>
+          <p:nvPr>
+            <p:ph type="sldImg"/>
+          </p:nvPr>
+        </p:nvSpPr>
+        <p:spPr>
+          <a:xfrm>
+            <a:off x="381000" y="685800"/>
+            <a:ext cx="6096000" cy="3429000"/>
+          </a:xfrm>
+        </p:spPr>
+      </p:sp>
+      <p:sp>
+        <p:nvSpPr>
+          <p:cNvPr id="3" name="Espaço Reservado para Anotações 2"/>
+          <p:cNvSpPr>
+            <a:spLocks noGrp="1"/>
+          </p:cNvSpPr>
+          <p:nvPr>
+            <p:ph type="body" idx="1"/>
+          </p:nvPr>
+        </p:nvSpPr>
+        <p:spPr/>
+        <p:txBody>
+          <a:bodyPr/>
+          <a:lstStyle/>
+          <a:p>
+            <a:endParaRPr lang="pt-BR" dirty="0"/>
+          </a:p>
+        </p:txBody>
+      </p:sp>
+    </p:spTree>
+    <p:extLst>
+      <p:ext uri="{BB962C8B-B14F-4D97-AF65-F5344CB8AC3E}">
+        <p14:creationId xmlns:p14="http://schemas.microsoft.com/office/powerpoint/2010/main" val="4191191229"/>
       </p:ext>
     </p:extLst>
   </p:cSld>
@@ -1833,6 +2039,336 @@
     <p:extLst>
       <p:ext uri="{BB962C8B-B14F-4D97-AF65-F5344CB8AC3E}">
         <p14:creationId xmlns:p14="http://schemas.microsoft.com/office/powerpoint/2010/main" val="3720170734"/>
+      </p:ext>
+    </p:extLst>
+  </p:cSld>
+  <p:clrMapOvr>
+    <a:masterClrMapping/>
+  </p:clrMapOvr>
+</p:notes>
+</file>
+
+<file path=ppt/notesSlides/notesSlide30.xml><?xml version="1.0" encoding="utf-8"?>
+<p:notes xmlns:a="http://schemas.openxmlformats.org/drawingml/2006/main" xmlns:r="http://schemas.openxmlformats.org/officeDocument/2006/relationships" xmlns:p="http://schemas.openxmlformats.org/presentationml/2006/main">
+  <p:cSld>
+    <p:spTree>
+      <p:nvGrpSpPr>
+        <p:cNvPr id="1" name=""/>
+        <p:cNvGrpSpPr/>
+        <p:nvPr/>
+      </p:nvGrpSpPr>
+      <p:grpSpPr>
+        <a:xfrm>
+          <a:off x="0" y="0"/>
+          <a:ext cx="0" cy="0"/>
+          <a:chOff x="0" y="0"/>
+          <a:chExt cx="0" cy="0"/>
+        </a:xfrm>
+      </p:grpSpPr>
+      <p:sp>
+        <p:nvSpPr>
+          <p:cNvPr id="2" name="Espaço Reservado para Imagem de Slide 1"/>
+          <p:cNvSpPr>
+            <a:spLocks noGrp="1" noRot="1" noChangeAspect="1"/>
+          </p:cNvSpPr>
+          <p:nvPr>
+            <p:ph type="sldImg"/>
+          </p:nvPr>
+        </p:nvSpPr>
+        <p:spPr>
+          <a:xfrm>
+            <a:off x="381000" y="685800"/>
+            <a:ext cx="6096000" cy="3429000"/>
+          </a:xfrm>
+        </p:spPr>
+      </p:sp>
+      <p:sp>
+        <p:nvSpPr>
+          <p:cNvPr id="3" name="Espaço Reservado para Anotações 2"/>
+          <p:cNvSpPr>
+            <a:spLocks noGrp="1"/>
+          </p:cNvSpPr>
+          <p:nvPr>
+            <p:ph type="body" idx="1"/>
+          </p:nvPr>
+        </p:nvSpPr>
+        <p:spPr/>
+        <p:txBody>
+          <a:bodyPr/>
+          <a:lstStyle/>
+          <a:p>
+            <a:endParaRPr lang="pt-BR" dirty="0"/>
+          </a:p>
+        </p:txBody>
+      </p:sp>
+    </p:spTree>
+    <p:extLst>
+      <p:ext uri="{BB962C8B-B14F-4D97-AF65-F5344CB8AC3E}">
+        <p14:creationId xmlns:p14="http://schemas.microsoft.com/office/powerpoint/2010/main" val="2676787490"/>
+      </p:ext>
+    </p:extLst>
+  </p:cSld>
+  <p:clrMapOvr>
+    <a:masterClrMapping/>
+  </p:clrMapOvr>
+</p:notes>
+</file>
+
+<file path=ppt/notesSlides/notesSlide31.xml><?xml version="1.0" encoding="utf-8"?>
+<p:notes xmlns:a="http://schemas.openxmlformats.org/drawingml/2006/main" xmlns:r="http://schemas.openxmlformats.org/officeDocument/2006/relationships" xmlns:p="http://schemas.openxmlformats.org/presentationml/2006/main">
+  <p:cSld>
+    <p:spTree>
+      <p:nvGrpSpPr>
+        <p:cNvPr id="1" name=""/>
+        <p:cNvGrpSpPr/>
+        <p:nvPr/>
+      </p:nvGrpSpPr>
+      <p:grpSpPr>
+        <a:xfrm>
+          <a:off x="0" y="0"/>
+          <a:ext cx="0" cy="0"/>
+          <a:chOff x="0" y="0"/>
+          <a:chExt cx="0" cy="0"/>
+        </a:xfrm>
+      </p:grpSpPr>
+      <p:sp>
+        <p:nvSpPr>
+          <p:cNvPr id="2" name="Espaço Reservado para Imagem de Slide 1"/>
+          <p:cNvSpPr>
+            <a:spLocks noGrp="1" noRot="1" noChangeAspect="1"/>
+          </p:cNvSpPr>
+          <p:nvPr>
+            <p:ph type="sldImg"/>
+          </p:nvPr>
+        </p:nvSpPr>
+        <p:spPr>
+          <a:xfrm>
+            <a:off x="381000" y="685800"/>
+            <a:ext cx="6096000" cy="3429000"/>
+          </a:xfrm>
+        </p:spPr>
+      </p:sp>
+      <p:sp>
+        <p:nvSpPr>
+          <p:cNvPr id="3" name="Espaço Reservado para Anotações 2"/>
+          <p:cNvSpPr>
+            <a:spLocks noGrp="1"/>
+          </p:cNvSpPr>
+          <p:nvPr>
+            <p:ph type="body" idx="1"/>
+          </p:nvPr>
+        </p:nvSpPr>
+        <p:spPr/>
+        <p:txBody>
+          <a:bodyPr/>
+          <a:lstStyle/>
+          <a:p>
+            <a:endParaRPr lang="pt-BR" dirty="0"/>
+          </a:p>
+        </p:txBody>
+      </p:sp>
+    </p:spTree>
+    <p:extLst>
+      <p:ext uri="{BB962C8B-B14F-4D97-AF65-F5344CB8AC3E}">
+        <p14:creationId xmlns:p14="http://schemas.microsoft.com/office/powerpoint/2010/main" val="585304384"/>
+      </p:ext>
+    </p:extLst>
+  </p:cSld>
+  <p:clrMapOvr>
+    <a:masterClrMapping/>
+  </p:clrMapOvr>
+</p:notes>
+</file>
+
+<file path=ppt/notesSlides/notesSlide32.xml><?xml version="1.0" encoding="utf-8"?>
+<p:notes xmlns:a="http://schemas.openxmlformats.org/drawingml/2006/main" xmlns:r="http://schemas.openxmlformats.org/officeDocument/2006/relationships" xmlns:p="http://schemas.openxmlformats.org/presentationml/2006/main">
+  <p:cSld>
+    <p:spTree>
+      <p:nvGrpSpPr>
+        <p:cNvPr id="1" name=""/>
+        <p:cNvGrpSpPr/>
+        <p:nvPr/>
+      </p:nvGrpSpPr>
+      <p:grpSpPr>
+        <a:xfrm>
+          <a:off x="0" y="0"/>
+          <a:ext cx="0" cy="0"/>
+          <a:chOff x="0" y="0"/>
+          <a:chExt cx="0" cy="0"/>
+        </a:xfrm>
+      </p:grpSpPr>
+      <p:sp>
+        <p:nvSpPr>
+          <p:cNvPr id="2" name="Espaço Reservado para Imagem de Slide 1"/>
+          <p:cNvSpPr>
+            <a:spLocks noGrp="1" noRot="1" noChangeAspect="1"/>
+          </p:cNvSpPr>
+          <p:nvPr>
+            <p:ph type="sldImg"/>
+          </p:nvPr>
+        </p:nvSpPr>
+        <p:spPr>
+          <a:xfrm>
+            <a:off x="381000" y="685800"/>
+            <a:ext cx="6096000" cy="3429000"/>
+          </a:xfrm>
+        </p:spPr>
+      </p:sp>
+      <p:sp>
+        <p:nvSpPr>
+          <p:cNvPr id="3" name="Espaço Reservado para Anotações 2"/>
+          <p:cNvSpPr>
+            <a:spLocks noGrp="1"/>
+          </p:cNvSpPr>
+          <p:nvPr>
+            <p:ph type="body" idx="1"/>
+          </p:nvPr>
+        </p:nvSpPr>
+        <p:spPr/>
+        <p:txBody>
+          <a:bodyPr/>
+          <a:lstStyle/>
+          <a:p>
+            <a:endParaRPr lang="pt-BR" dirty="0"/>
+          </a:p>
+        </p:txBody>
+      </p:sp>
+    </p:spTree>
+    <p:extLst>
+      <p:ext uri="{BB962C8B-B14F-4D97-AF65-F5344CB8AC3E}">
+        <p14:creationId xmlns:p14="http://schemas.microsoft.com/office/powerpoint/2010/main" val="2709569597"/>
+      </p:ext>
+    </p:extLst>
+  </p:cSld>
+  <p:clrMapOvr>
+    <a:masterClrMapping/>
+  </p:clrMapOvr>
+</p:notes>
+</file>
+
+<file path=ppt/notesSlides/notesSlide33.xml><?xml version="1.0" encoding="utf-8"?>
+<p:notes xmlns:a="http://schemas.openxmlformats.org/drawingml/2006/main" xmlns:r="http://schemas.openxmlformats.org/officeDocument/2006/relationships" xmlns:p="http://schemas.openxmlformats.org/presentationml/2006/main">
+  <p:cSld>
+    <p:spTree>
+      <p:nvGrpSpPr>
+        <p:cNvPr id="1" name=""/>
+        <p:cNvGrpSpPr/>
+        <p:nvPr/>
+      </p:nvGrpSpPr>
+      <p:grpSpPr>
+        <a:xfrm>
+          <a:off x="0" y="0"/>
+          <a:ext cx="0" cy="0"/>
+          <a:chOff x="0" y="0"/>
+          <a:chExt cx="0" cy="0"/>
+        </a:xfrm>
+      </p:grpSpPr>
+      <p:sp>
+        <p:nvSpPr>
+          <p:cNvPr id="2" name="Espaço Reservado para Imagem de Slide 1"/>
+          <p:cNvSpPr>
+            <a:spLocks noGrp="1" noRot="1" noChangeAspect="1"/>
+          </p:cNvSpPr>
+          <p:nvPr>
+            <p:ph type="sldImg"/>
+          </p:nvPr>
+        </p:nvSpPr>
+        <p:spPr>
+          <a:xfrm>
+            <a:off x="381000" y="685800"/>
+            <a:ext cx="6096000" cy="3429000"/>
+          </a:xfrm>
+        </p:spPr>
+      </p:sp>
+      <p:sp>
+        <p:nvSpPr>
+          <p:cNvPr id="3" name="Espaço Reservado para Anotações 2"/>
+          <p:cNvSpPr>
+            <a:spLocks noGrp="1"/>
+          </p:cNvSpPr>
+          <p:nvPr>
+            <p:ph type="body" idx="1"/>
+          </p:nvPr>
+        </p:nvSpPr>
+        <p:spPr/>
+        <p:txBody>
+          <a:bodyPr/>
+          <a:lstStyle/>
+          <a:p>
+            <a:endParaRPr lang="pt-BR" dirty="0"/>
+          </a:p>
+        </p:txBody>
+      </p:sp>
+    </p:spTree>
+    <p:extLst>
+      <p:ext uri="{BB962C8B-B14F-4D97-AF65-F5344CB8AC3E}">
+        <p14:creationId xmlns:p14="http://schemas.microsoft.com/office/powerpoint/2010/main" val="2296249050"/>
+      </p:ext>
+    </p:extLst>
+  </p:cSld>
+  <p:clrMapOvr>
+    <a:masterClrMapping/>
+  </p:clrMapOvr>
+</p:notes>
+</file>
+
+<file path=ppt/notesSlides/notesSlide34.xml><?xml version="1.0" encoding="utf-8"?>
+<p:notes xmlns:a="http://schemas.openxmlformats.org/drawingml/2006/main" xmlns:r="http://schemas.openxmlformats.org/officeDocument/2006/relationships" xmlns:p="http://schemas.openxmlformats.org/presentationml/2006/main">
+  <p:cSld>
+    <p:spTree>
+      <p:nvGrpSpPr>
+        <p:cNvPr id="1" name=""/>
+        <p:cNvGrpSpPr/>
+        <p:nvPr/>
+      </p:nvGrpSpPr>
+      <p:grpSpPr>
+        <a:xfrm>
+          <a:off x="0" y="0"/>
+          <a:ext cx="0" cy="0"/>
+          <a:chOff x="0" y="0"/>
+          <a:chExt cx="0" cy="0"/>
+        </a:xfrm>
+      </p:grpSpPr>
+      <p:sp>
+        <p:nvSpPr>
+          <p:cNvPr id="2" name="Espaço Reservado para Imagem de Slide 1"/>
+          <p:cNvSpPr>
+            <a:spLocks noGrp="1" noRot="1" noChangeAspect="1"/>
+          </p:cNvSpPr>
+          <p:nvPr>
+            <p:ph type="sldImg"/>
+          </p:nvPr>
+        </p:nvSpPr>
+        <p:spPr>
+          <a:xfrm>
+            <a:off x="381000" y="685800"/>
+            <a:ext cx="6096000" cy="3429000"/>
+          </a:xfrm>
+        </p:spPr>
+      </p:sp>
+      <p:sp>
+        <p:nvSpPr>
+          <p:cNvPr id="3" name="Espaço Reservado para Anotações 2"/>
+          <p:cNvSpPr>
+            <a:spLocks noGrp="1"/>
+          </p:cNvSpPr>
+          <p:nvPr>
+            <p:ph type="body" idx="1"/>
+          </p:nvPr>
+        </p:nvSpPr>
+        <p:spPr/>
+        <p:txBody>
+          <a:bodyPr/>
+          <a:lstStyle/>
+          <a:p>
+            <a:endParaRPr lang="pt-BR" dirty="0"/>
+          </a:p>
+        </p:txBody>
+      </p:sp>
+    </p:spTree>
+    <p:extLst>
+      <p:ext uri="{BB962C8B-B14F-4D97-AF65-F5344CB8AC3E}">
+        <p14:creationId xmlns:p14="http://schemas.microsoft.com/office/powerpoint/2010/main" val="4290351292"/>
       </p:ext>
     </p:extLst>
   </p:cSld>
@@ -7581,7 +8117,7 @@
                 <a:latin typeface="Times New Roman" panose="02020603050405020304" pitchFamily="18" charset="0"/>
                 <a:cs typeface="Times New Roman" panose="02020603050405020304" pitchFamily="18" charset="0"/>
               </a:rPr>
-              <a:t>: ( ); %*/; +-; </a:t>
+              <a:t>: ( ); ^; %*/; +-; </a:t>
             </a:r>
             <a:r>
               <a:rPr lang="pt-BR" sz="2400" b="1" dirty="0">
@@ -7601,7 +8137,7 @@
                 <a:latin typeface="Times New Roman" panose="02020603050405020304" pitchFamily="18" charset="0"/>
                 <a:cs typeface="Times New Roman" panose="02020603050405020304" pitchFamily="18" charset="0"/>
               </a:rPr>
-              <a:t>: &gt;; &lt;; &gt;=; &lt;=; !=; ==; ===</a:t>
+              <a:t>: &gt;; &lt;; &gt;=; &lt;=; !=; ==; ===;</a:t>
             </a:r>
           </a:p>
           <a:p>
@@ -8337,6 +8873,22 @@
               </a:rPr>
               <a:t>Funções</a:t>
             </a:r>
+            <a:r>
+              <a:rPr lang="en-US" b="1" dirty="0">
+                <a:solidFill>
+                  <a:srgbClr val="0070C0"/>
+                </a:solidFill>
+              </a:rPr>
+              <a:t> </a:t>
+            </a:r>
+            <a:r>
+              <a:rPr lang="en-US" b="1" dirty="0" err="1">
+                <a:solidFill>
+                  <a:srgbClr val="0070C0"/>
+                </a:solidFill>
+              </a:rPr>
+              <a:t>Internas</a:t>
+            </a:r>
             <a:endParaRPr lang="en-US" b="1" dirty="0">
               <a:solidFill>
                 <a:srgbClr val="0070C0"/>
@@ -8863,6 +9415,22 @@
                 </a:solidFill>
               </a:rPr>
               <a:t>Funções</a:t>
+            </a:r>
+            <a:r>
+              <a:rPr lang="en-US" b="1" dirty="0">
+                <a:solidFill>
+                  <a:srgbClr val="0070C0"/>
+                </a:solidFill>
+              </a:rPr>
+              <a:t> </a:t>
+            </a:r>
+            <a:r>
+              <a:rPr lang="en-US" b="1" dirty="0" err="1">
+                <a:solidFill>
+                  <a:srgbClr val="0070C0"/>
+                </a:solidFill>
+              </a:rPr>
+              <a:t>Internas</a:t>
             </a:r>
             <a:endParaRPr lang="en-US" b="1" dirty="0">
               <a:solidFill>
@@ -9595,8 +10163,37 @@
                   <a:srgbClr val="0070C0"/>
                 </a:solidFill>
               </a:rPr>
-              <a:t>PHP – Entrada de Dados GET</a:t>
-            </a:r>
+              <a:t>PHP – </a:t>
+            </a:r>
+            <a:r>
+              <a:rPr lang="en-US" b="1" dirty="0" err="1">
+                <a:solidFill>
+                  <a:srgbClr val="0070C0"/>
+                </a:solidFill>
+              </a:rPr>
+              <a:t>Funções</a:t>
+            </a:r>
+            <a:r>
+              <a:rPr lang="en-US" b="1" dirty="0">
+                <a:solidFill>
+                  <a:srgbClr val="0070C0"/>
+                </a:solidFill>
+              </a:rPr>
+              <a:t> </a:t>
+            </a:r>
+            <a:r>
+              <a:rPr lang="en-US" b="1" dirty="0" err="1">
+                <a:solidFill>
+                  <a:srgbClr val="0070C0"/>
+                </a:solidFill>
+              </a:rPr>
+              <a:t>Próprias</a:t>
+            </a:r>
+            <a:endParaRPr lang="en-US" b="1" dirty="0">
+              <a:solidFill>
+                <a:srgbClr val="0070C0"/>
+              </a:solidFill>
+            </a:endParaRPr>
           </a:p>
         </p:txBody>
       </p:sp>
@@ -9626,16 +10223,70 @@
               <a:buNone/>
             </a:pPr>
             <a:r>
-              <a:rPr lang="pt-BR" sz="2400" dirty="0">
-                <a:solidFill>
-                  <a:schemeClr val="tx1"/>
-                </a:solidFill>
-                <a:latin typeface="Times New Roman" panose="02020603050405020304" pitchFamily="18" charset="0"/>
-                <a:cs typeface="Times New Roman" panose="02020603050405020304" pitchFamily="18" charset="0"/>
-                <a:hlinkClick r:id="rId3"/>
-              </a:rPr>
-              <a:t>http://localhost/arquivo.php?x=9&amp;y=5</a:t>
-            </a:r>
+              <a:rPr lang="pt-BR" sz="2400" b="1" dirty="0" err="1">
+                <a:solidFill>
+                  <a:schemeClr val="tx1"/>
+                </a:solidFill>
+                <a:latin typeface="Times New Roman" panose="02020603050405020304" pitchFamily="18" charset="0"/>
+                <a:cs typeface="Times New Roman" panose="02020603050405020304" pitchFamily="18" charset="0"/>
+              </a:rPr>
+              <a:t>function</a:t>
+            </a:r>
+            <a:r>
+              <a:rPr lang="pt-BR" sz="2400" dirty="0">
+                <a:solidFill>
+                  <a:schemeClr val="tx1"/>
+                </a:solidFill>
+                <a:latin typeface="Times New Roman" panose="02020603050405020304" pitchFamily="18" charset="0"/>
+                <a:cs typeface="Times New Roman" panose="02020603050405020304" pitchFamily="18" charset="0"/>
+              </a:rPr>
+              <a:t> </a:t>
+            </a:r>
+            <a:r>
+              <a:rPr lang="pt-BR" sz="2400" dirty="0" err="1">
+                <a:solidFill>
+                  <a:schemeClr val="tx1"/>
+                </a:solidFill>
+                <a:latin typeface="Times New Roman" panose="02020603050405020304" pitchFamily="18" charset="0"/>
+                <a:cs typeface="Times New Roman" panose="02020603050405020304" pitchFamily="18" charset="0"/>
+              </a:rPr>
+              <a:t>nomeDaFuncao</a:t>
+            </a:r>
+            <a:r>
+              <a:rPr lang="pt-BR" sz="2400" dirty="0">
+                <a:solidFill>
+                  <a:schemeClr val="tx1"/>
+                </a:solidFill>
+                <a:latin typeface="Times New Roman" panose="02020603050405020304" pitchFamily="18" charset="0"/>
+                <a:cs typeface="Times New Roman" panose="02020603050405020304" pitchFamily="18" charset="0"/>
+              </a:rPr>
+              <a:t>(</a:t>
+            </a:r>
+            <a:r>
+              <a:rPr lang="pt-BR" sz="2400" b="1" dirty="0">
+                <a:solidFill>
+                  <a:srgbClr val="FF0000"/>
+                </a:solidFill>
+                <a:latin typeface="Times New Roman" panose="02020603050405020304" pitchFamily="18" charset="0"/>
+                <a:cs typeface="Times New Roman" panose="02020603050405020304" pitchFamily="18" charset="0"/>
+              </a:rPr>
+              <a:t>parâmetros</a:t>
+            </a:r>
+            <a:r>
+              <a:rPr lang="pt-BR" sz="2400" dirty="0">
+                <a:solidFill>
+                  <a:schemeClr val="tx1"/>
+                </a:solidFill>
+                <a:latin typeface="Times New Roman" panose="02020603050405020304" pitchFamily="18" charset="0"/>
+                <a:cs typeface="Times New Roman" panose="02020603050405020304" pitchFamily="18" charset="0"/>
+              </a:rPr>
+              <a:t>) { instruções }</a:t>
+            </a:r>
+          </a:p>
+          <a:p>
+            <a:pPr marL="0" indent="0" algn="just">
+              <a:buNone/>
+            </a:pPr>
             <a:endParaRPr lang="pt-BR" sz="2400" dirty="0">
               <a:solidFill>
                 <a:schemeClr val="tx1"/>
@@ -9648,13 +10299,26 @@
             <a:pPr marL="0" indent="0" algn="just">
               <a:buNone/>
             </a:pPr>
-            <a:endParaRPr lang="pt-BR" sz="2400" dirty="0">
-              <a:solidFill>
-                <a:schemeClr val="tx1"/>
-              </a:solidFill>
-              <a:latin typeface="Times New Roman" panose="02020603050405020304" pitchFamily="18" charset="0"/>
-              <a:cs typeface="Times New Roman" panose="02020603050405020304" pitchFamily="18" charset="0"/>
-            </a:endParaRPr>
+            <a:r>
+              <a:rPr lang="pt-BR" sz="2400" b="1" dirty="0">
+                <a:solidFill>
+                  <a:srgbClr val="FF0000"/>
+                </a:solidFill>
+                <a:latin typeface="Times New Roman" panose="02020603050405020304" pitchFamily="18" charset="0"/>
+                <a:cs typeface="Times New Roman" panose="02020603050405020304" pitchFamily="18" charset="0"/>
+              </a:rPr>
+              <a:t>Exemplo</a:t>
+            </a:r>
+            <a:r>
+              <a:rPr lang="pt-BR" sz="2400" dirty="0">
+                <a:solidFill>
+                  <a:schemeClr val="tx1"/>
+                </a:solidFill>
+                <a:latin typeface="Times New Roman" panose="02020603050405020304" pitchFamily="18" charset="0"/>
+                <a:cs typeface="Times New Roman" panose="02020603050405020304" pitchFamily="18" charset="0"/>
+              </a:rPr>
+              <a:t>:</a:t>
+            </a:r>
           </a:p>
           <a:p>
             <a:pPr marL="0" indent="0" algn="just">
@@ -9710,54 +10374,19 @@
                 <a:latin typeface="Times New Roman" panose="02020603050405020304" pitchFamily="18" charset="0"/>
                 <a:cs typeface="Times New Roman" panose="02020603050405020304" pitchFamily="18" charset="0"/>
               </a:rPr>
-              <a:t>	$n1 = $_GET[“x”];</a:t>
-            </a:r>
-          </a:p>
-          <a:p>
-            <a:pPr marL="0" indent="0" algn="just">
-              <a:buNone/>
-            </a:pPr>
-            <a:r>
-              <a:rPr lang="pt-BR" sz="2400" dirty="0">
-                <a:solidFill>
-                  <a:schemeClr val="tx1"/>
-                </a:solidFill>
-                <a:latin typeface="Times New Roman" panose="02020603050405020304" pitchFamily="18" charset="0"/>
-                <a:cs typeface="Times New Roman" panose="02020603050405020304" pitchFamily="18" charset="0"/>
-              </a:rPr>
-              <a:t>	$n2 = $_GET[“y”];</a:t>
-            </a:r>
-          </a:p>
-          <a:p>
-            <a:pPr marL="0" indent="0" algn="just">
-              <a:buNone/>
-            </a:pPr>
-            <a:r>
-              <a:rPr lang="pt-BR" sz="2400" dirty="0">
-                <a:solidFill>
-                  <a:schemeClr val="tx1"/>
-                </a:solidFill>
-                <a:latin typeface="Times New Roman" panose="02020603050405020304" pitchFamily="18" charset="0"/>
-                <a:cs typeface="Times New Roman" panose="02020603050405020304" pitchFamily="18" charset="0"/>
-              </a:rPr>
-              <a:t>	$soma = $n1 + $n2;</a:t>
-            </a:r>
-          </a:p>
-          <a:p>
-            <a:pPr marL="0" indent="0" algn="just">
-              <a:buNone/>
-            </a:pPr>
-            <a:r>
-              <a:rPr lang="pt-BR" sz="2400" dirty="0">
-                <a:solidFill>
-                  <a:schemeClr val="tx1"/>
-                </a:solidFill>
-                <a:latin typeface="Times New Roman" panose="02020603050405020304" pitchFamily="18" charset="0"/>
-                <a:cs typeface="Times New Roman" panose="02020603050405020304" pitchFamily="18" charset="0"/>
-              </a:rPr>
               <a:t>	</a:t>
             </a:r>
             <a:r>
+              <a:rPr lang="pt-BR" sz="2400" b="1" dirty="0">
+                <a:solidFill>
+                  <a:schemeClr val="tx1"/>
+                </a:solidFill>
+                <a:latin typeface="Times New Roman" panose="02020603050405020304" pitchFamily="18" charset="0"/>
+                <a:cs typeface="Times New Roman" panose="02020603050405020304" pitchFamily="18" charset="0"/>
+              </a:rPr>
+              <a:t> </a:t>
+            </a:r>
+            <a:r>
               <a:rPr lang="pt-BR" sz="2400" b="1" dirty="0" err="1">
                 <a:solidFill>
                   <a:schemeClr val="tx1"/>
@@ -9765,6 +10394,81 @@
                 <a:latin typeface="Times New Roman" panose="02020603050405020304" pitchFamily="18" charset="0"/>
                 <a:cs typeface="Times New Roman" panose="02020603050405020304" pitchFamily="18" charset="0"/>
               </a:rPr>
+              <a:t>function</a:t>
+            </a:r>
+            <a:r>
+              <a:rPr lang="pt-BR" sz="2400" dirty="0">
+                <a:solidFill>
+                  <a:schemeClr val="tx1"/>
+                </a:solidFill>
+                <a:latin typeface="Times New Roman" panose="02020603050405020304" pitchFamily="18" charset="0"/>
+                <a:cs typeface="Times New Roman" panose="02020603050405020304" pitchFamily="18" charset="0"/>
+              </a:rPr>
+              <a:t> </a:t>
+            </a:r>
+            <a:r>
+              <a:rPr lang="pt-BR" sz="2400" b="1" dirty="0">
+                <a:solidFill>
+                  <a:srgbClr val="FF0000"/>
+                </a:solidFill>
+                <a:latin typeface="Times New Roman" panose="02020603050405020304" pitchFamily="18" charset="0"/>
+                <a:cs typeface="Times New Roman" panose="02020603050405020304" pitchFamily="18" charset="0"/>
+              </a:rPr>
+              <a:t>soma</a:t>
+            </a:r>
+            <a:r>
+              <a:rPr lang="pt-BR" sz="2400" dirty="0">
+                <a:solidFill>
+                  <a:schemeClr val="tx1"/>
+                </a:solidFill>
+                <a:latin typeface="Times New Roman" panose="02020603050405020304" pitchFamily="18" charset="0"/>
+                <a:cs typeface="Times New Roman" panose="02020603050405020304" pitchFamily="18" charset="0"/>
+              </a:rPr>
+              <a:t>($a, $b){ $r = $a + $b; </a:t>
+            </a:r>
+            <a:r>
+              <a:rPr lang="pt-BR" sz="2400" b="1" dirty="0" err="1">
+                <a:solidFill>
+                  <a:schemeClr val="tx1"/>
+                </a:solidFill>
+                <a:latin typeface="Times New Roman" panose="02020603050405020304" pitchFamily="18" charset="0"/>
+                <a:cs typeface="Times New Roman" panose="02020603050405020304" pitchFamily="18" charset="0"/>
+              </a:rPr>
+              <a:t>return</a:t>
+            </a:r>
+            <a:r>
+              <a:rPr lang="pt-BR" sz="2400" dirty="0">
+                <a:solidFill>
+                  <a:schemeClr val="tx1"/>
+                </a:solidFill>
+                <a:latin typeface="Times New Roman" panose="02020603050405020304" pitchFamily="18" charset="0"/>
+                <a:cs typeface="Times New Roman" panose="02020603050405020304" pitchFamily="18" charset="0"/>
+              </a:rPr>
+              <a:t> $r; };</a:t>
+            </a:r>
+          </a:p>
+          <a:p>
+            <a:pPr marL="0" indent="0" algn="just">
+              <a:buNone/>
+            </a:pPr>
+            <a:r>
+              <a:rPr lang="pt-BR" sz="2400" dirty="0">
+                <a:solidFill>
+                  <a:schemeClr val="tx1"/>
+                </a:solidFill>
+                <a:latin typeface="Times New Roman" panose="02020603050405020304" pitchFamily="18" charset="0"/>
+                <a:cs typeface="Times New Roman" panose="02020603050405020304" pitchFamily="18" charset="0"/>
+              </a:rPr>
+              <a:t>	 </a:t>
+            </a:r>
+            <a:r>
+              <a:rPr lang="pt-BR" sz="2400" b="1" dirty="0" err="1">
+                <a:solidFill>
+                  <a:schemeClr val="tx1"/>
+                </a:solidFill>
+                <a:latin typeface="Times New Roman" panose="02020603050405020304" pitchFamily="18" charset="0"/>
+                <a:cs typeface="Times New Roman" panose="02020603050405020304" pitchFamily="18" charset="0"/>
+              </a:rPr>
               <a:t>echo</a:t>
             </a:r>
             <a:r>
@@ -9775,7 +10479,37 @@
                 <a:latin typeface="Times New Roman" panose="02020603050405020304" pitchFamily="18" charset="0"/>
                 <a:cs typeface="Times New Roman" panose="02020603050405020304" pitchFamily="18" charset="0"/>
               </a:rPr>
-              <a:t> “total da soma: $soma”;</a:t>
+              <a:t> “</a:t>
+            </a:r>
+            <a:r>
+              <a:rPr lang="pt-BR" sz="2400" dirty="0" err="1">
+                <a:solidFill>
+                  <a:schemeClr val="tx1"/>
+                </a:solidFill>
+                <a:latin typeface="Times New Roman" panose="02020603050405020304" pitchFamily="18" charset="0"/>
+                <a:cs typeface="Times New Roman" panose="02020603050405020304" pitchFamily="18" charset="0"/>
+              </a:rPr>
+              <a:t>Total:”.</a:t>
+            </a:r>
+            <a:r>
+              <a:rPr lang="pt-BR" sz="2400" b="1" dirty="0" err="1">
+                <a:solidFill>
+                  <a:srgbClr val="FF0000"/>
+                </a:solidFill>
+                <a:latin typeface="Times New Roman" panose="02020603050405020304" pitchFamily="18" charset="0"/>
+                <a:cs typeface="Times New Roman" panose="02020603050405020304" pitchFamily="18" charset="0"/>
+              </a:rPr>
+              <a:t>soma</a:t>
+            </a:r>
+            <a:r>
+              <a:rPr lang="pt-BR" sz="2400" dirty="0">
+                <a:solidFill>
+                  <a:schemeClr val="tx1"/>
+                </a:solidFill>
+                <a:latin typeface="Times New Roman" panose="02020603050405020304" pitchFamily="18" charset="0"/>
+                <a:cs typeface="Times New Roman" panose="02020603050405020304" pitchFamily="18" charset="0"/>
+              </a:rPr>
+              <a:t>(8, 7);</a:t>
             </a:r>
           </a:p>
           <a:p>
@@ -9808,7 +10542,7 @@
     </p:spTree>
     <p:extLst>
       <p:ext uri="{BB962C8B-B14F-4D97-AF65-F5344CB8AC3E}">
-        <p14:creationId xmlns:p14="http://schemas.microsoft.com/office/powerpoint/2010/main" val="3067034610"/>
+        <p14:creationId xmlns:p14="http://schemas.microsoft.com/office/powerpoint/2010/main" val="3788675827"/>
       </p:ext>
     </p:extLst>
   </p:cSld>
@@ -9864,8 +10598,37 @@
                   <a:srgbClr val="0070C0"/>
                 </a:solidFill>
               </a:rPr>
-              <a:t>PHP – Entrada de Dados Form</a:t>
-            </a:r>
+              <a:t>PHP – </a:t>
+            </a:r>
+            <a:r>
+              <a:rPr lang="en-US" b="1" dirty="0" err="1">
+                <a:solidFill>
+                  <a:srgbClr val="0070C0"/>
+                </a:solidFill>
+              </a:rPr>
+              <a:t>Funções</a:t>
+            </a:r>
+            <a:r>
+              <a:rPr lang="en-US" b="1" dirty="0">
+                <a:solidFill>
+                  <a:srgbClr val="0070C0"/>
+                </a:solidFill>
+              </a:rPr>
+              <a:t> </a:t>
+            </a:r>
+            <a:r>
+              <a:rPr lang="en-US" b="1" dirty="0" err="1">
+                <a:solidFill>
+                  <a:srgbClr val="0070C0"/>
+                </a:solidFill>
+              </a:rPr>
+              <a:t>Próprias</a:t>
+            </a:r>
+            <a:endParaRPr lang="en-US" b="1" dirty="0">
+              <a:solidFill>
+                <a:srgbClr val="0070C0"/>
+              </a:solidFill>
+            </a:endParaRPr>
           </a:p>
         </p:txBody>
       </p:sp>
@@ -9881,7 +10644,7 @@
         </p:nvSpPr>
         <p:spPr>
           <a:xfrm>
-            <a:off x="142865" y="1049838"/>
+            <a:off x="142865" y="1012260"/>
             <a:ext cx="8865056" cy="3900208"/>
           </a:xfrm>
         </p:spPr>
@@ -9895,7 +10658,112 @@
               <a:buNone/>
             </a:pPr>
             <a:r>
-              <a:rPr lang="pt-BR" sz="2400" dirty="0">
+              <a:rPr lang="pt-BR" sz="2000" b="1" dirty="0" err="1">
+                <a:solidFill>
+                  <a:schemeClr val="tx1"/>
+                </a:solidFill>
+                <a:latin typeface="Times New Roman" panose="02020603050405020304" pitchFamily="18" charset="0"/>
+                <a:cs typeface="Times New Roman" panose="02020603050405020304" pitchFamily="18" charset="0"/>
+              </a:rPr>
+              <a:t>func_get_args</a:t>
+            </a:r>
+            <a:r>
+              <a:rPr lang="pt-BR" sz="2000" b="1" dirty="0">
+                <a:solidFill>
+                  <a:schemeClr val="tx1"/>
+                </a:solidFill>
+                <a:latin typeface="Times New Roman" panose="02020603050405020304" pitchFamily="18" charset="0"/>
+                <a:cs typeface="Times New Roman" panose="02020603050405020304" pitchFamily="18" charset="0"/>
+              </a:rPr>
+              <a:t>() = </a:t>
+            </a:r>
+            <a:r>
+              <a:rPr lang="pt-BR" sz="2000" dirty="0">
+                <a:solidFill>
+                  <a:schemeClr val="tx1"/>
+                </a:solidFill>
+                <a:latin typeface="Times New Roman" panose="02020603050405020304" pitchFamily="18" charset="0"/>
+                <a:cs typeface="Times New Roman" panose="02020603050405020304" pitchFamily="18" charset="0"/>
+              </a:rPr>
+              <a:t>cria um vetor de parâmetros. </a:t>
+            </a:r>
+            <a:r>
+              <a:rPr lang="pt-BR" sz="2000" b="1" dirty="0" err="1">
+                <a:solidFill>
+                  <a:srgbClr val="FF0000"/>
+                </a:solidFill>
+                <a:latin typeface="Times New Roman" panose="02020603050405020304" pitchFamily="18" charset="0"/>
+                <a:cs typeface="Times New Roman" panose="02020603050405020304" pitchFamily="18" charset="0"/>
+              </a:rPr>
+              <a:t>func_num_args</a:t>
+            </a:r>
+            <a:r>
+              <a:rPr lang="pt-BR" sz="2000" b="1" dirty="0">
+                <a:solidFill>
+                  <a:srgbClr val="FF0000"/>
+                </a:solidFill>
+                <a:latin typeface="Times New Roman" panose="02020603050405020304" pitchFamily="18" charset="0"/>
+                <a:cs typeface="Times New Roman" panose="02020603050405020304" pitchFamily="18" charset="0"/>
+              </a:rPr>
+              <a:t>() </a:t>
+            </a:r>
+            <a:r>
+              <a:rPr lang="pt-BR" sz="2000" dirty="0">
+                <a:solidFill>
+                  <a:schemeClr val="tx1"/>
+                </a:solidFill>
+                <a:latin typeface="Times New Roman" panose="02020603050405020304" pitchFamily="18" charset="0"/>
+                <a:cs typeface="Times New Roman" panose="02020603050405020304" pitchFamily="18" charset="0"/>
+              </a:rPr>
+              <a:t>= retorna a quantidade de argumentos. </a:t>
+            </a:r>
+            <a:r>
+              <a:rPr lang="pt-BR" sz="2000" b="1" dirty="0">
+                <a:solidFill>
+                  <a:srgbClr val="FF0000"/>
+                </a:solidFill>
+                <a:latin typeface="Times New Roman" panose="02020603050405020304" pitchFamily="18" charset="0"/>
+                <a:cs typeface="Times New Roman" panose="02020603050405020304" pitchFamily="18" charset="0"/>
+              </a:rPr>
+              <a:t>Exemplo</a:t>
+            </a:r>
+            <a:r>
+              <a:rPr lang="pt-BR" sz="2000" dirty="0">
+                <a:solidFill>
+                  <a:schemeClr val="tx1"/>
+                </a:solidFill>
+                <a:latin typeface="Times New Roman" panose="02020603050405020304" pitchFamily="18" charset="0"/>
+                <a:cs typeface="Times New Roman" panose="02020603050405020304" pitchFamily="18" charset="0"/>
+              </a:rPr>
+              <a:t>: </a:t>
+            </a:r>
+            <a:r>
+              <a:rPr lang="pt-BR" sz="2000" b="1" dirty="0">
+                <a:solidFill>
+                  <a:schemeClr val="tx1"/>
+                </a:solidFill>
+                <a:latin typeface="Times New Roman" panose="02020603050405020304" pitchFamily="18" charset="0"/>
+                <a:cs typeface="Times New Roman" panose="02020603050405020304" pitchFamily="18" charset="0"/>
+              </a:rPr>
+              <a:t>múltiplos parâmetros</a:t>
+            </a:r>
+            <a:r>
+              <a:rPr lang="pt-BR" sz="2000" dirty="0">
+                <a:solidFill>
+                  <a:schemeClr val="tx1"/>
+                </a:solidFill>
+                <a:latin typeface="Times New Roman" panose="02020603050405020304" pitchFamily="18" charset="0"/>
+                <a:cs typeface="Times New Roman" panose="02020603050405020304" pitchFamily="18" charset="0"/>
+              </a:rPr>
+              <a:t>.</a:t>
+            </a:r>
+          </a:p>
+          <a:p>
+            <a:pPr marL="0" indent="0" algn="just">
+              <a:buNone/>
+            </a:pPr>
+            <a:r>
+              <a:rPr lang="pt-BR" sz="2000" dirty="0">
                 <a:solidFill>
                   <a:schemeClr val="tx1"/>
                 </a:solidFill>
@@ -9905,383 +10773,26 @@
               <a:t>&lt;</a:t>
             </a:r>
             <a:r>
-              <a:rPr lang="pt-BR" sz="2400" b="1" dirty="0" err="1">
-                <a:solidFill>
-                  <a:schemeClr val="tx1"/>
-                </a:solidFill>
-                <a:latin typeface="Times New Roman" panose="02020603050405020304" pitchFamily="18" charset="0"/>
-                <a:cs typeface="Times New Roman" panose="02020603050405020304" pitchFamily="18" charset="0"/>
-              </a:rPr>
-              <a:t>form</a:t>
-            </a:r>
-            <a:r>
-              <a:rPr lang="pt-BR" sz="2400" dirty="0">
-                <a:solidFill>
-                  <a:schemeClr val="tx1"/>
-                </a:solidFill>
-                <a:latin typeface="Times New Roman" panose="02020603050405020304" pitchFamily="18" charset="0"/>
-                <a:cs typeface="Times New Roman" panose="02020603050405020304" pitchFamily="18" charset="0"/>
-              </a:rPr>
-              <a:t> </a:t>
-            </a:r>
-            <a:r>
-              <a:rPr lang="pt-BR" sz="2400" dirty="0" err="1">
-                <a:solidFill>
-                  <a:schemeClr val="tx1"/>
-                </a:solidFill>
-                <a:latin typeface="Times New Roman" panose="02020603050405020304" pitchFamily="18" charset="0"/>
-                <a:cs typeface="Times New Roman" panose="02020603050405020304" pitchFamily="18" charset="0"/>
-              </a:rPr>
-              <a:t>method</a:t>
-            </a:r>
-            <a:r>
-              <a:rPr lang="pt-BR" sz="2400" dirty="0">
-                <a:solidFill>
-                  <a:schemeClr val="tx1"/>
-                </a:solidFill>
-                <a:latin typeface="Times New Roman" panose="02020603050405020304" pitchFamily="18" charset="0"/>
-                <a:cs typeface="Times New Roman" panose="02020603050405020304" pitchFamily="18" charset="0"/>
-              </a:rPr>
-              <a:t>=“</a:t>
-            </a:r>
-            <a:r>
-              <a:rPr lang="pt-BR" sz="2400" b="1" dirty="0" err="1">
+              <a:rPr lang="pt-BR" sz="2000" b="1" dirty="0">
                 <a:solidFill>
                   <a:srgbClr val="FF0000"/>
                 </a:solidFill>
                 <a:latin typeface="Times New Roman" panose="02020603050405020304" pitchFamily="18" charset="0"/>
                 <a:cs typeface="Times New Roman" panose="02020603050405020304" pitchFamily="18" charset="0"/>
               </a:rPr>
-              <a:t>get</a:t>
-            </a:r>
-            <a:r>
-              <a:rPr lang="pt-BR" sz="2400" b="1" dirty="0">
+              <a:t>?</a:t>
+            </a:r>
+            <a:r>
+              <a:rPr lang="pt-BR" sz="2000" b="1" dirty="0" err="1">
                 <a:solidFill>
                   <a:srgbClr val="FF0000"/>
                 </a:solidFill>
                 <a:latin typeface="Times New Roman" panose="02020603050405020304" pitchFamily="18" charset="0"/>
                 <a:cs typeface="Times New Roman" panose="02020603050405020304" pitchFamily="18" charset="0"/>
               </a:rPr>
-              <a:t>/post</a:t>
-            </a:r>
-            <a:r>
-              <a:rPr lang="pt-BR" sz="2400" dirty="0">
-                <a:solidFill>
-                  <a:schemeClr val="tx1"/>
-                </a:solidFill>
-                <a:latin typeface="Times New Roman" panose="02020603050405020304" pitchFamily="18" charset="0"/>
-                <a:cs typeface="Times New Roman" panose="02020603050405020304" pitchFamily="18" charset="0"/>
-              </a:rPr>
-              <a:t>” </a:t>
-            </a:r>
-            <a:r>
-              <a:rPr lang="pt-BR" sz="2400" dirty="0" err="1">
-                <a:solidFill>
-                  <a:schemeClr val="tx1"/>
-                </a:solidFill>
-                <a:latin typeface="Times New Roman" panose="02020603050405020304" pitchFamily="18" charset="0"/>
-                <a:cs typeface="Times New Roman" panose="02020603050405020304" pitchFamily="18" charset="0"/>
-              </a:rPr>
-              <a:t>action</a:t>
-            </a:r>
-            <a:r>
-              <a:rPr lang="pt-BR" sz="2400" dirty="0">
-                <a:solidFill>
-                  <a:schemeClr val="tx1"/>
-                </a:solidFill>
-                <a:latin typeface="Times New Roman" panose="02020603050405020304" pitchFamily="18" charset="0"/>
-                <a:cs typeface="Times New Roman" panose="02020603050405020304" pitchFamily="18" charset="0"/>
-              </a:rPr>
-              <a:t>=“</a:t>
-            </a:r>
-            <a:r>
-              <a:rPr lang="pt-BR" sz="2400" b="1" dirty="0" err="1">
-                <a:solidFill>
-                  <a:schemeClr val="tx1"/>
-                </a:solidFill>
-                <a:latin typeface="Times New Roman" panose="02020603050405020304" pitchFamily="18" charset="0"/>
-                <a:cs typeface="Times New Roman" panose="02020603050405020304" pitchFamily="18" charset="0"/>
-              </a:rPr>
-              <a:t>arquivo.php</a:t>
-            </a:r>
-            <a:r>
-              <a:rPr lang="pt-BR" sz="2400" dirty="0">
-                <a:solidFill>
-                  <a:schemeClr val="tx1"/>
-                </a:solidFill>
-                <a:latin typeface="Times New Roman" panose="02020603050405020304" pitchFamily="18" charset="0"/>
-                <a:cs typeface="Times New Roman" panose="02020603050405020304" pitchFamily="18" charset="0"/>
-              </a:rPr>
-              <a:t>”&gt;</a:t>
-            </a:r>
-          </a:p>
-          <a:p>
-            <a:pPr marL="0" indent="0" algn="just">
-              <a:buNone/>
-            </a:pPr>
-            <a:r>
-              <a:rPr lang="pt-BR" sz="2400" dirty="0">
-                <a:solidFill>
-                  <a:schemeClr val="tx1"/>
-                </a:solidFill>
-                <a:latin typeface="Times New Roman" panose="02020603050405020304" pitchFamily="18" charset="0"/>
-                <a:cs typeface="Times New Roman" panose="02020603050405020304" pitchFamily="18" charset="0"/>
-              </a:rPr>
-              <a:t>	Idade:&lt;</a:t>
-            </a:r>
-            <a:r>
-              <a:rPr lang="pt-BR" sz="2400" b="1" dirty="0">
-                <a:solidFill>
-                  <a:schemeClr val="tx1"/>
-                </a:solidFill>
-                <a:latin typeface="Times New Roman" panose="02020603050405020304" pitchFamily="18" charset="0"/>
-                <a:cs typeface="Times New Roman" panose="02020603050405020304" pitchFamily="18" charset="0"/>
-              </a:rPr>
-              <a:t>input</a:t>
-            </a:r>
-            <a:r>
-              <a:rPr lang="pt-BR" sz="2400" dirty="0">
-                <a:solidFill>
-                  <a:schemeClr val="tx1"/>
-                </a:solidFill>
-                <a:latin typeface="Times New Roman" panose="02020603050405020304" pitchFamily="18" charset="0"/>
-                <a:cs typeface="Times New Roman" panose="02020603050405020304" pitchFamily="18" charset="0"/>
-              </a:rPr>
-              <a:t> </a:t>
-            </a:r>
-            <a:r>
-              <a:rPr lang="pt-BR" sz="2400" dirty="0" err="1">
-                <a:solidFill>
-                  <a:schemeClr val="tx1"/>
-                </a:solidFill>
-                <a:latin typeface="Times New Roman" panose="02020603050405020304" pitchFamily="18" charset="0"/>
-                <a:cs typeface="Times New Roman" panose="02020603050405020304" pitchFamily="18" charset="0"/>
-              </a:rPr>
-              <a:t>type</a:t>
-            </a:r>
-            <a:r>
-              <a:rPr lang="pt-BR" sz="2400" dirty="0">
-                <a:solidFill>
-                  <a:schemeClr val="tx1"/>
-                </a:solidFill>
-                <a:latin typeface="Times New Roman" panose="02020603050405020304" pitchFamily="18" charset="0"/>
-                <a:cs typeface="Times New Roman" panose="02020603050405020304" pitchFamily="18" charset="0"/>
-              </a:rPr>
-              <a:t>=“</a:t>
-            </a:r>
-            <a:r>
-              <a:rPr lang="pt-BR" sz="2400" dirty="0" err="1">
-                <a:solidFill>
-                  <a:schemeClr val="tx1"/>
-                </a:solidFill>
-                <a:latin typeface="Times New Roman" panose="02020603050405020304" pitchFamily="18" charset="0"/>
-                <a:cs typeface="Times New Roman" panose="02020603050405020304" pitchFamily="18" charset="0"/>
-              </a:rPr>
-              <a:t>text</a:t>
-            </a:r>
-            <a:r>
-              <a:rPr lang="pt-BR" sz="2400" dirty="0">
-                <a:solidFill>
-                  <a:schemeClr val="tx1"/>
-                </a:solidFill>
-                <a:latin typeface="Times New Roman" panose="02020603050405020304" pitchFamily="18" charset="0"/>
-                <a:cs typeface="Times New Roman" panose="02020603050405020304" pitchFamily="18" charset="0"/>
-              </a:rPr>
-              <a:t>” </a:t>
-            </a:r>
-            <a:r>
-              <a:rPr lang="pt-BR" sz="2400" b="1" dirty="0" err="1">
-                <a:solidFill>
-                  <a:schemeClr val="tx1"/>
-                </a:solidFill>
-                <a:latin typeface="Times New Roman" panose="02020603050405020304" pitchFamily="18" charset="0"/>
-                <a:cs typeface="Times New Roman" panose="02020603050405020304" pitchFamily="18" charset="0"/>
-              </a:rPr>
-              <a:t>name</a:t>
-            </a:r>
-            <a:r>
-              <a:rPr lang="pt-BR" sz="2400" dirty="0">
-                <a:solidFill>
-                  <a:schemeClr val="tx1"/>
-                </a:solidFill>
-                <a:latin typeface="Times New Roman" panose="02020603050405020304" pitchFamily="18" charset="0"/>
-                <a:cs typeface="Times New Roman" panose="02020603050405020304" pitchFamily="18" charset="0"/>
-              </a:rPr>
-              <a:t>=“</a:t>
-            </a:r>
-            <a:r>
-              <a:rPr lang="pt-BR" sz="2400" dirty="0" err="1">
-                <a:solidFill>
-                  <a:schemeClr val="tx1"/>
-                </a:solidFill>
-                <a:latin typeface="Times New Roman" panose="02020603050405020304" pitchFamily="18" charset="0"/>
-                <a:cs typeface="Times New Roman" panose="02020603050405020304" pitchFamily="18" charset="0"/>
-              </a:rPr>
-              <a:t>p_idade</a:t>
-            </a:r>
-            <a:r>
-              <a:rPr lang="pt-BR" sz="2400" dirty="0">
-                <a:solidFill>
-                  <a:schemeClr val="tx1"/>
-                </a:solidFill>
-                <a:latin typeface="Times New Roman" panose="02020603050405020304" pitchFamily="18" charset="0"/>
-                <a:cs typeface="Times New Roman" panose="02020603050405020304" pitchFamily="18" charset="0"/>
-              </a:rPr>
-              <a:t>”/&gt;</a:t>
-            </a:r>
-          </a:p>
-          <a:p>
-            <a:pPr marL="0" indent="0" algn="just">
-              <a:buNone/>
-            </a:pPr>
-            <a:r>
-              <a:rPr lang="pt-BR" sz="2400" dirty="0">
-                <a:solidFill>
-                  <a:schemeClr val="tx1"/>
-                </a:solidFill>
-                <a:latin typeface="Times New Roman" panose="02020603050405020304" pitchFamily="18" charset="0"/>
-                <a:cs typeface="Times New Roman" panose="02020603050405020304" pitchFamily="18" charset="0"/>
-              </a:rPr>
-              <a:t>&lt;/</a:t>
-            </a:r>
-            <a:r>
-              <a:rPr lang="pt-BR" sz="2400" b="1" dirty="0" err="1">
-                <a:solidFill>
-                  <a:schemeClr val="tx1"/>
-                </a:solidFill>
-                <a:latin typeface="Times New Roman" panose="02020603050405020304" pitchFamily="18" charset="0"/>
-                <a:cs typeface="Times New Roman" panose="02020603050405020304" pitchFamily="18" charset="0"/>
-              </a:rPr>
-              <a:t>form</a:t>
-            </a:r>
-            <a:r>
-              <a:rPr lang="pt-BR" sz="2400" dirty="0">
-                <a:solidFill>
-                  <a:schemeClr val="tx1"/>
-                </a:solidFill>
-                <a:latin typeface="Times New Roman" panose="02020603050405020304" pitchFamily="18" charset="0"/>
-                <a:cs typeface="Times New Roman" panose="02020603050405020304" pitchFamily="18" charset="0"/>
-              </a:rPr>
-              <a:t>&gt;</a:t>
-            </a:r>
-          </a:p>
-          <a:p>
-            <a:pPr marL="0" indent="0" algn="just">
-              <a:buNone/>
-            </a:pPr>
-            <a:endParaRPr lang="pt-BR" sz="2400" dirty="0">
-              <a:solidFill>
-                <a:schemeClr val="tx1"/>
-              </a:solidFill>
-              <a:latin typeface="Times New Roman" panose="02020603050405020304" pitchFamily="18" charset="0"/>
-              <a:cs typeface="Times New Roman" panose="02020603050405020304" pitchFamily="18" charset="0"/>
-            </a:endParaRPr>
-          </a:p>
-          <a:p>
-            <a:pPr marL="0" indent="0" algn="just">
-              <a:buNone/>
-            </a:pPr>
-            <a:r>
-              <a:rPr lang="pt-BR" sz="2400" dirty="0">
-                <a:solidFill>
-                  <a:schemeClr val="tx1"/>
-                </a:solidFill>
-                <a:latin typeface="Times New Roman" panose="02020603050405020304" pitchFamily="18" charset="0"/>
-                <a:cs typeface="Times New Roman" panose="02020603050405020304" pitchFamily="18" charset="0"/>
-              </a:rPr>
-              <a:t>&lt;</a:t>
-            </a:r>
-            <a:r>
-              <a:rPr lang="pt-BR" sz="2400" b="1" dirty="0">
-                <a:solidFill>
-                  <a:srgbClr val="FF0000"/>
-                </a:solidFill>
-                <a:latin typeface="Times New Roman" panose="02020603050405020304" pitchFamily="18" charset="0"/>
-                <a:cs typeface="Times New Roman" panose="02020603050405020304" pitchFamily="18" charset="0"/>
-              </a:rPr>
-              <a:t>?</a:t>
-            </a:r>
-            <a:r>
-              <a:rPr lang="pt-BR" sz="2400" b="1" dirty="0" err="1">
-                <a:solidFill>
-                  <a:srgbClr val="FF0000"/>
-                </a:solidFill>
-                <a:latin typeface="Times New Roman" panose="02020603050405020304" pitchFamily="18" charset="0"/>
-                <a:cs typeface="Times New Roman" panose="02020603050405020304" pitchFamily="18" charset="0"/>
-              </a:rPr>
               <a:t>php</a:t>
             </a:r>
-            <a:r>
-              <a:rPr lang="pt-BR" sz="2400" b="1" dirty="0">
-                <a:solidFill>
-                  <a:srgbClr val="FF0000"/>
-                </a:solidFill>
-                <a:latin typeface="Times New Roman" panose="02020603050405020304" pitchFamily="18" charset="0"/>
-                <a:cs typeface="Times New Roman" panose="02020603050405020304" pitchFamily="18" charset="0"/>
-              </a:rPr>
-              <a:t> // </a:t>
-            </a:r>
-            <a:r>
-              <a:rPr lang="pt-BR" sz="2400" b="1" dirty="0">
-                <a:solidFill>
-                  <a:schemeClr val="tx1"/>
-                </a:solidFill>
-                <a:latin typeface="Times New Roman" panose="02020603050405020304" pitchFamily="18" charset="0"/>
-                <a:cs typeface="Times New Roman" panose="02020603050405020304" pitchFamily="18" charset="0"/>
-              </a:rPr>
-              <a:t>Nota</a:t>
-            </a:r>
-            <a:r>
-              <a:rPr lang="pt-BR" sz="2400" dirty="0">
-                <a:solidFill>
-                  <a:schemeClr val="tx1"/>
-                </a:solidFill>
-                <a:latin typeface="Times New Roman" panose="02020603050405020304" pitchFamily="18" charset="0"/>
-                <a:cs typeface="Times New Roman" panose="02020603050405020304" pitchFamily="18" charset="0"/>
-              </a:rPr>
-              <a:t>: A </a:t>
-            </a:r>
-            <a:r>
-              <a:rPr lang="pt-BR" sz="2400" b="1" dirty="0">
-                <a:solidFill>
-                  <a:schemeClr val="tx1"/>
-                </a:solidFill>
-                <a:latin typeface="Times New Roman" panose="02020603050405020304" pitchFamily="18" charset="0"/>
-                <a:cs typeface="Times New Roman" panose="02020603050405020304" pitchFamily="18" charset="0"/>
-              </a:rPr>
-              <a:t>função </a:t>
-            </a:r>
-            <a:r>
-              <a:rPr lang="pt-BR" sz="2400" b="1" dirty="0" err="1">
-                <a:solidFill>
-                  <a:schemeClr val="tx1"/>
-                </a:solidFill>
-                <a:latin typeface="Times New Roman" panose="02020603050405020304" pitchFamily="18" charset="0"/>
-                <a:cs typeface="Times New Roman" panose="02020603050405020304" pitchFamily="18" charset="0"/>
-              </a:rPr>
-              <a:t>issue</a:t>
-            </a:r>
-            <a:r>
-              <a:rPr lang="pt-BR" sz="2400" b="1" dirty="0">
-                <a:solidFill>
-                  <a:schemeClr val="tx1"/>
-                </a:solidFill>
-                <a:latin typeface="Times New Roman" panose="02020603050405020304" pitchFamily="18" charset="0"/>
-                <a:cs typeface="Times New Roman" panose="02020603050405020304" pitchFamily="18" charset="0"/>
-              </a:rPr>
-              <a:t>()</a:t>
-            </a:r>
-            <a:r>
-              <a:rPr lang="pt-BR" sz="2400" dirty="0">
-                <a:solidFill>
-                  <a:schemeClr val="tx1"/>
-                </a:solidFill>
-                <a:latin typeface="Times New Roman" panose="02020603050405020304" pitchFamily="18" charset="0"/>
-                <a:cs typeface="Times New Roman" panose="02020603050405020304" pitchFamily="18" charset="0"/>
-              </a:rPr>
-              <a:t> testar o valor que vem da URL.</a:t>
-            </a:r>
-            <a:endParaRPr lang="pt-BR" sz="2400" b="1" dirty="0">
+            <a:endParaRPr lang="pt-BR" sz="2000" b="1" dirty="0">
               <a:solidFill>
                 <a:srgbClr val="FF0000"/>
               </a:solidFill>
@@ -10294,7 +10805,7 @@
               <a:buNone/>
             </a:pPr>
             <a:r>
-              <a:rPr lang="pt-BR" sz="2400" dirty="0">
+              <a:rPr lang="pt-BR" sz="2000" dirty="0">
                 <a:solidFill>
                   <a:schemeClr val="tx1"/>
                 </a:solidFill>
@@ -10304,17 +10815,112 @@
               <a:t>	</a:t>
             </a:r>
             <a:r>
-              <a:rPr lang="pt-BR" sz="2400" b="1" dirty="0">
-                <a:solidFill>
-                  <a:schemeClr val="tx1"/>
-                </a:solidFill>
-                <a:latin typeface="Times New Roman" panose="02020603050405020304" pitchFamily="18" charset="0"/>
-                <a:cs typeface="Times New Roman" panose="02020603050405020304" pitchFamily="18" charset="0"/>
-              </a:rPr>
-              <a:t>$idade</a:t>
-            </a:r>
-            <a:r>
-              <a:rPr lang="pt-BR" sz="2400" dirty="0">
+              <a:rPr lang="pt-BR" sz="2000" b="1" dirty="0">
+                <a:solidFill>
+                  <a:schemeClr val="tx1"/>
+                </a:solidFill>
+                <a:latin typeface="Times New Roman" panose="02020603050405020304" pitchFamily="18" charset="0"/>
+                <a:cs typeface="Times New Roman" panose="02020603050405020304" pitchFamily="18" charset="0"/>
+              </a:rPr>
+              <a:t> </a:t>
+            </a:r>
+            <a:r>
+              <a:rPr lang="pt-BR" sz="2000" b="1" dirty="0" err="1">
+                <a:solidFill>
+                  <a:schemeClr val="tx1"/>
+                </a:solidFill>
+                <a:latin typeface="Times New Roman" panose="02020603050405020304" pitchFamily="18" charset="0"/>
+                <a:cs typeface="Times New Roman" panose="02020603050405020304" pitchFamily="18" charset="0"/>
+              </a:rPr>
+              <a:t>function</a:t>
+            </a:r>
+            <a:r>
+              <a:rPr lang="pt-BR" sz="2000" dirty="0">
+                <a:solidFill>
+                  <a:schemeClr val="tx1"/>
+                </a:solidFill>
+                <a:latin typeface="Times New Roman" panose="02020603050405020304" pitchFamily="18" charset="0"/>
+                <a:cs typeface="Times New Roman" panose="02020603050405020304" pitchFamily="18" charset="0"/>
+              </a:rPr>
+              <a:t> </a:t>
+            </a:r>
+            <a:r>
+              <a:rPr lang="pt-BR" sz="2000" b="1" dirty="0">
+                <a:solidFill>
+                  <a:srgbClr val="FF0000"/>
+                </a:solidFill>
+                <a:latin typeface="Times New Roman" panose="02020603050405020304" pitchFamily="18" charset="0"/>
+                <a:cs typeface="Times New Roman" panose="02020603050405020304" pitchFamily="18" charset="0"/>
+              </a:rPr>
+              <a:t>soma</a:t>
+            </a:r>
+            <a:r>
+              <a:rPr lang="pt-BR" sz="2000" dirty="0">
+                <a:solidFill>
+                  <a:schemeClr val="tx1"/>
+                </a:solidFill>
+                <a:latin typeface="Times New Roman" panose="02020603050405020304" pitchFamily="18" charset="0"/>
+                <a:cs typeface="Times New Roman" panose="02020603050405020304" pitchFamily="18" charset="0"/>
+              </a:rPr>
+              <a:t>(){ </a:t>
+            </a:r>
+          </a:p>
+          <a:p>
+            <a:pPr marL="0" indent="0" algn="just">
+              <a:buNone/>
+            </a:pPr>
+            <a:r>
+              <a:rPr lang="pt-BR" sz="2000" dirty="0">
+                <a:solidFill>
+                  <a:schemeClr val="tx1"/>
+                </a:solidFill>
+                <a:latin typeface="Times New Roman" panose="02020603050405020304" pitchFamily="18" charset="0"/>
+                <a:cs typeface="Times New Roman" panose="02020603050405020304" pitchFamily="18" charset="0"/>
+              </a:rPr>
+              <a:t>		$vetor = </a:t>
+            </a:r>
+            <a:r>
+              <a:rPr lang="pt-BR" sz="2000" b="1" dirty="0" err="1">
+                <a:solidFill>
+                  <a:srgbClr val="FF0000"/>
+                </a:solidFill>
+                <a:latin typeface="Times New Roman" panose="02020603050405020304" pitchFamily="18" charset="0"/>
+                <a:cs typeface="Times New Roman" panose="02020603050405020304" pitchFamily="18" charset="0"/>
+              </a:rPr>
+              <a:t>func_get_args</a:t>
+            </a:r>
+            <a:r>
+              <a:rPr lang="pt-BR" sz="2000" b="1" dirty="0">
+                <a:solidFill>
+                  <a:srgbClr val="FF0000"/>
+                </a:solidFill>
+                <a:latin typeface="Times New Roman" panose="02020603050405020304" pitchFamily="18" charset="0"/>
+                <a:cs typeface="Times New Roman" panose="02020603050405020304" pitchFamily="18" charset="0"/>
+              </a:rPr>
+              <a:t>()</a:t>
+            </a:r>
+            <a:r>
+              <a:rPr lang="pt-BR" sz="2000" dirty="0">
+                <a:solidFill>
+                  <a:schemeClr val="tx1"/>
+                </a:solidFill>
+                <a:latin typeface="Times New Roman" panose="02020603050405020304" pitchFamily="18" charset="0"/>
+                <a:cs typeface="Times New Roman" panose="02020603050405020304" pitchFamily="18" charset="0"/>
+              </a:rPr>
+              <a:t>; $</a:t>
+            </a:r>
+            <a:r>
+              <a:rPr lang="pt-BR" sz="2000" dirty="0" err="1">
+                <a:solidFill>
+                  <a:schemeClr val="tx1"/>
+                </a:solidFill>
+                <a:latin typeface="Times New Roman" panose="02020603050405020304" pitchFamily="18" charset="0"/>
+                <a:cs typeface="Times New Roman" panose="02020603050405020304" pitchFamily="18" charset="0"/>
+              </a:rPr>
+              <a:t>totArgs</a:t>
+            </a:r>
+            <a:r>
+              <a:rPr lang="pt-BR" sz="2000" dirty="0">
                 <a:solidFill>
                   <a:schemeClr val="tx1"/>
                 </a:solidFill>
@@ -10324,69 +10930,234 @@
               <a:t> = </a:t>
             </a:r>
             <a:r>
-              <a:rPr lang="pt-BR" sz="2400" b="1" dirty="0" err="1">
-                <a:solidFill>
-                  <a:schemeClr val="tx1"/>
-                </a:solidFill>
-                <a:latin typeface="Times New Roman" panose="02020603050405020304" pitchFamily="18" charset="0"/>
-                <a:cs typeface="Times New Roman" panose="02020603050405020304" pitchFamily="18" charset="0"/>
-              </a:rPr>
-              <a:t>isset</a:t>
-            </a:r>
-            <a:r>
-              <a:rPr lang="pt-BR" sz="2400" dirty="0">
-                <a:solidFill>
-                  <a:schemeClr val="tx1"/>
-                </a:solidFill>
-                <a:latin typeface="Times New Roman" panose="02020603050405020304" pitchFamily="18" charset="0"/>
-                <a:cs typeface="Times New Roman" panose="02020603050405020304" pitchFamily="18" charset="0"/>
-              </a:rPr>
-              <a:t>($_</a:t>
-            </a:r>
-            <a:r>
-              <a:rPr lang="pt-BR" sz="2400" b="1" dirty="0">
-                <a:solidFill>
-                  <a:schemeClr val="tx1"/>
-                </a:solidFill>
-                <a:latin typeface="Times New Roman" panose="02020603050405020304" pitchFamily="18" charset="0"/>
-                <a:cs typeface="Times New Roman" panose="02020603050405020304" pitchFamily="18" charset="0"/>
-              </a:rPr>
-              <a:t>GET</a:t>
-            </a:r>
-            <a:r>
-              <a:rPr lang="pt-BR" sz="2400" dirty="0">
-                <a:solidFill>
-                  <a:schemeClr val="tx1"/>
-                </a:solidFill>
-                <a:latin typeface="Times New Roman" panose="02020603050405020304" pitchFamily="18" charset="0"/>
-                <a:cs typeface="Times New Roman" panose="02020603050405020304" pitchFamily="18" charset="0"/>
-              </a:rPr>
-              <a:t>[“</a:t>
-            </a:r>
-            <a:r>
-              <a:rPr lang="pt-BR" sz="2400" dirty="0" err="1">
-                <a:solidFill>
-                  <a:schemeClr val="tx1"/>
-                </a:solidFill>
-                <a:latin typeface="Times New Roman" panose="02020603050405020304" pitchFamily="18" charset="0"/>
-                <a:cs typeface="Times New Roman" panose="02020603050405020304" pitchFamily="18" charset="0"/>
-              </a:rPr>
-              <a:t>p_idade</a:t>
-            </a:r>
-            <a:r>
-              <a:rPr lang="pt-BR" sz="2400" dirty="0">
-                <a:solidFill>
-                  <a:schemeClr val="tx1"/>
-                </a:solidFill>
-                <a:latin typeface="Times New Roman" panose="02020603050405020304" pitchFamily="18" charset="0"/>
-                <a:cs typeface="Times New Roman" panose="02020603050405020304" pitchFamily="18" charset="0"/>
-              </a:rPr>
-              <a:t>”]) </a:t>
-            </a:r>
-            <a:r>
-              <a:rPr lang="pt-BR" sz="2400" b="1" dirty="0">
-                <a:solidFill>
-                  <a:schemeClr val="tx1"/>
+              <a:rPr lang="pt-BR" sz="2000" b="1" dirty="0" err="1">
+                <a:solidFill>
+                  <a:srgbClr val="FF0000"/>
+                </a:solidFill>
+                <a:latin typeface="Times New Roman" panose="02020603050405020304" pitchFamily="18" charset="0"/>
+                <a:cs typeface="Times New Roman" panose="02020603050405020304" pitchFamily="18" charset="0"/>
+              </a:rPr>
+              <a:t>func_num_args</a:t>
+            </a:r>
+            <a:r>
+              <a:rPr lang="pt-BR" sz="2000" b="1" dirty="0">
+                <a:solidFill>
+                  <a:srgbClr val="FF0000"/>
+                </a:solidFill>
+                <a:latin typeface="Times New Roman" panose="02020603050405020304" pitchFamily="18" charset="0"/>
+                <a:cs typeface="Times New Roman" panose="02020603050405020304" pitchFamily="18" charset="0"/>
+              </a:rPr>
+              <a:t>()</a:t>
+            </a:r>
+            <a:r>
+              <a:rPr lang="pt-BR" sz="2000" dirty="0">
+                <a:solidFill>
+                  <a:schemeClr val="tx1"/>
+                </a:solidFill>
+                <a:latin typeface="Times New Roman" panose="02020603050405020304" pitchFamily="18" charset="0"/>
+                <a:cs typeface="Times New Roman" panose="02020603050405020304" pitchFamily="18" charset="0"/>
+              </a:rPr>
+              <a:t>; $soma = 0;</a:t>
+            </a:r>
+          </a:p>
+          <a:p>
+            <a:pPr marL="0" indent="0" algn="just">
+              <a:buNone/>
+            </a:pPr>
+            <a:r>
+              <a:rPr lang="pt-BR" sz="2000" dirty="0">
+                <a:solidFill>
+                  <a:schemeClr val="tx1"/>
+                </a:solidFill>
+                <a:latin typeface="Times New Roman" panose="02020603050405020304" pitchFamily="18" charset="0"/>
+                <a:cs typeface="Times New Roman" panose="02020603050405020304" pitchFamily="18" charset="0"/>
+              </a:rPr>
+              <a:t>		</a:t>
+            </a:r>
+            <a:r>
+              <a:rPr lang="pt-BR" sz="2000" b="1" dirty="0">
+                <a:solidFill>
+                  <a:schemeClr val="tx1"/>
+                </a:solidFill>
+                <a:latin typeface="Times New Roman" panose="02020603050405020304" pitchFamily="18" charset="0"/>
+                <a:cs typeface="Times New Roman" panose="02020603050405020304" pitchFamily="18" charset="0"/>
+              </a:rPr>
+              <a:t>for</a:t>
+            </a:r>
+            <a:r>
+              <a:rPr lang="pt-BR" sz="2000" dirty="0">
+                <a:solidFill>
+                  <a:schemeClr val="tx1"/>
+                </a:solidFill>
+                <a:latin typeface="Times New Roman" panose="02020603050405020304" pitchFamily="18" charset="0"/>
+                <a:cs typeface="Times New Roman" panose="02020603050405020304" pitchFamily="18" charset="0"/>
+              </a:rPr>
+              <a:t> ($x = 0; $x &lt; $</a:t>
+            </a:r>
+            <a:r>
+              <a:rPr lang="pt-BR" sz="2000" dirty="0" err="1">
+                <a:solidFill>
+                  <a:schemeClr val="tx1"/>
+                </a:solidFill>
+                <a:latin typeface="Times New Roman" panose="02020603050405020304" pitchFamily="18" charset="0"/>
+                <a:cs typeface="Times New Roman" panose="02020603050405020304" pitchFamily="18" charset="0"/>
+              </a:rPr>
+              <a:t>totArgs</a:t>
+            </a:r>
+            <a:r>
+              <a:rPr lang="pt-BR" sz="2000" dirty="0">
+                <a:solidFill>
+                  <a:schemeClr val="tx1"/>
+                </a:solidFill>
+                <a:latin typeface="Times New Roman" panose="02020603050405020304" pitchFamily="18" charset="0"/>
+                <a:cs typeface="Times New Roman" panose="02020603050405020304" pitchFamily="18" charset="0"/>
+              </a:rPr>
+              <a:t>; x++) {</a:t>
+            </a:r>
+          </a:p>
+          <a:p>
+            <a:pPr marL="0" indent="0" algn="just">
+              <a:buNone/>
+            </a:pPr>
+            <a:r>
+              <a:rPr lang="pt-BR" sz="2000" b="1" dirty="0">
+                <a:solidFill>
+                  <a:schemeClr val="tx1"/>
+                </a:solidFill>
+                <a:latin typeface="Times New Roman" panose="02020603050405020304" pitchFamily="18" charset="0"/>
+                <a:cs typeface="Times New Roman" panose="02020603050405020304" pitchFamily="18" charset="0"/>
+              </a:rPr>
+              <a:t>			</a:t>
+            </a:r>
+            <a:r>
+              <a:rPr lang="pt-BR" sz="2000" dirty="0">
+                <a:solidFill>
+                  <a:schemeClr val="tx1"/>
+                </a:solidFill>
+                <a:latin typeface="Times New Roman" panose="02020603050405020304" pitchFamily="18" charset="0"/>
+                <a:cs typeface="Times New Roman" panose="02020603050405020304" pitchFamily="18" charset="0"/>
+              </a:rPr>
+              <a:t>$soma += $vetor[$x]; }</a:t>
+            </a:r>
+          </a:p>
+          <a:p>
+            <a:pPr marL="0" indent="0" algn="just">
+              <a:buNone/>
+            </a:pPr>
+            <a:r>
+              <a:rPr lang="pt-BR" sz="2000" dirty="0">
+                <a:solidFill>
+                  <a:schemeClr val="tx1"/>
+                </a:solidFill>
+                <a:latin typeface="Times New Roman" panose="02020603050405020304" pitchFamily="18" charset="0"/>
+                <a:cs typeface="Times New Roman" panose="02020603050405020304" pitchFamily="18" charset="0"/>
+              </a:rPr>
+              <a:t>		</a:t>
+            </a:r>
+            <a:r>
+              <a:rPr lang="pt-BR" sz="2000" b="1" dirty="0" err="1">
+                <a:solidFill>
+                  <a:schemeClr val="tx1"/>
+                </a:solidFill>
+                <a:latin typeface="Times New Roman" panose="02020603050405020304" pitchFamily="18" charset="0"/>
+                <a:cs typeface="Times New Roman" panose="02020603050405020304" pitchFamily="18" charset="0"/>
+              </a:rPr>
+              <a:t>return</a:t>
+            </a:r>
+            <a:r>
+              <a:rPr lang="pt-BR" sz="2000" dirty="0">
+                <a:solidFill>
+                  <a:schemeClr val="tx1"/>
+                </a:solidFill>
+                <a:latin typeface="Times New Roman" panose="02020603050405020304" pitchFamily="18" charset="0"/>
+                <a:cs typeface="Times New Roman" panose="02020603050405020304" pitchFamily="18" charset="0"/>
+              </a:rPr>
+              <a:t>  $soma;</a:t>
+            </a:r>
+          </a:p>
+          <a:p>
+            <a:pPr marL="0" indent="0" algn="just">
+              <a:buNone/>
+            </a:pPr>
+            <a:r>
+              <a:rPr lang="pt-BR" sz="2000" dirty="0">
+                <a:solidFill>
+                  <a:schemeClr val="tx1"/>
+                </a:solidFill>
+                <a:latin typeface="Times New Roman" panose="02020603050405020304" pitchFamily="18" charset="0"/>
+                <a:cs typeface="Times New Roman" panose="02020603050405020304" pitchFamily="18" charset="0"/>
+              </a:rPr>
+              <a:t>	};</a:t>
+            </a:r>
+          </a:p>
+          <a:p>
+            <a:pPr marL="0" indent="0" algn="just">
+              <a:buNone/>
+            </a:pPr>
+            <a:r>
+              <a:rPr lang="pt-BR" sz="2000" dirty="0">
+                <a:solidFill>
+                  <a:schemeClr val="tx1"/>
+                </a:solidFill>
+                <a:latin typeface="Times New Roman" panose="02020603050405020304" pitchFamily="18" charset="0"/>
+                <a:cs typeface="Times New Roman" panose="02020603050405020304" pitchFamily="18" charset="0"/>
+              </a:rPr>
+              <a:t>	</a:t>
+            </a:r>
+            <a:r>
+              <a:rPr lang="pt-BR" sz="2000" b="1" dirty="0" err="1">
+                <a:solidFill>
+                  <a:schemeClr val="tx1"/>
+                </a:solidFill>
+                <a:latin typeface="Times New Roman" panose="02020603050405020304" pitchFamily="18" charset="0"/>
+                <a:cs typeface="Times New Roman" panose="02020603050405020304" pitchFamily="18" charset="0"/>
+              </a:rPr>
+              <a:t>echo</a:t>
+            </a:r>
+            <a:r>
+              <a:rPr lang="pt-BR" sz="2000" dirty="0">
+                <a:solidFill>
+                  <a:schemeClr val="tx1"/>
+                </a:solidFill>
+                <a:latin typeface="Times New Roman" panose="02020603050405020304" pitchFamily="18" charset="0"/>
+                <a:cs typeface="Times New Roman" panose="02020603050405020304" pitchFamily="18" charset="0"/>
+              </a:rPr>
+              <a:t> “</a:t>
+            </a:r>
+            <a:r>
+              <a:rPr lang="pt-BR" sz="2000" dirty="0" err="1">
+                <a:solidFill>
+                  <a:schemeClr val="tx1"/>
+                </a:solidFill>
+                <a:latin typeface="Times New Roman" panose="02020603050405020304" pitchFamily="18" charset="0"/>
+                <a:cs typeface="Times New Roman" panose="02020603050405020304" pitchFamily="18" charset="0"/>
+              </a:rPr>
+              <a:t>Total:”.</a:t>
+            </a:r>
+            <a:r>
+              <a:rPr lang="pt-BR" sz="2000" b="1" dirty="0" err="1">
+                <a:solidFill>
+                  <a:srgbClr val="FF0000"/>
+                </a:solidFill>
+                <a:latin typeface="Times New Roman" panose="02020603050405020304" pitchFamily="18" charset="0"/>
+                <a:cs typeface="Times New Roman" panose="02020603050405020304" pitchFamily="18" charset="0"/>
+              </a:rPr>
+              <a:t>soma</a:t>
+            </a:r>
+            <a:r>
+              <a:rPr lang="pt-BR" sz="2000" dirty="0">
+                <a:solidFill>
+                  <a:schemeClr val="tx1"/>
+                </a:solidFill>
+                <a:latin typeface="Times New Roman" panose="02020603050405020304" pitchFamily="18" charset="0"/>
+                <a:cs typeface="Times New Roman" panose="02020603050405020304" pitchFamily="18" charset="0"/>
+              </a:rPr>
+              <a:t>(8, 7, 3, 5, 2); 		</a:t>
+            </a:r>
+            <a:r>
+              <a:rPr lang="pt-BR" sz="2000" b="1" dirty="0">
+                <a:solidFill>
+                  <a:srgbClr val="FF0000"/>
                 </a:solidFill>
                 <a:latin typeface="Times New Roman" panose="02020603050405020304" pitchFamily="18" charset="0"/>
                 <a:cs typeface="Times New Roman" panose="02020603050405020304" pitchFamily="18" charset="0"/>
@@ -10394,227 +11165,7 @@
               <a:t>?</a:t>
             </a:r>
             <a:r>
-              <a:rPr lang="pt-BR" sz="2400" dirty="0">
-                <a:solidFill>
-                  <a:schemeClr val="tx1"/>
-                </a:solidFill>
-                <a:latin typeface="Times New Roman" panose="02020603050405020304" pitchFamily="18" charset="0"/>
-                <a:cs typeface="Times New Roman" panose="02020603050405020304" pitchFamily="18" charset="0"/>
-              </a:rPr>
-              <a:t> $_</a:t>
-            </a:r>
-            <a:r>
-              <a:rPr lang="pt-BR" sz="2400" b="1" dirty="0">
-                <a:solidFill>
-                  <a:schemeClr val="tx1"/>
-                </a:solidFill>
-                <a:latin typeface="Times New Roman" panose="02020603050405020304" pitchFamily="18" charset="0"/>
-                <a:cs typeface="Times New Roman" panose="02020603050405020304" pitchFamily="18" charset="0"/>
-              </a:rPr>
-              <a:t>GET</a:t>
-            </a:r>
-            <a:r>
-              <a:rPr lang="pt-BR" sz="2400" dirty="0">
-                <a:solidFill>
-                  <a:schemeClr val="tx1"/>
-                </a:solidFill>
-                <a:latin typeface="Times New Roman" panose="02020603050405020304" pitchFamily="18" charset="0"/>
-                <a:cs typeface="Times New Roman" panose="02020603050405020304" pitchFamily="18" charset="0"/>
-              </a:rPr>
-              <a:t>[“</a:t>
-            </a:r>
-            <a:r>
-              <a:rPr lang="pt-BR" sz="2400" dirty="0" err="1">
-                <a:solidFill>
-                  <a:schemeClr val="tx1"/>
-                </a:solidFill>
-                <a:latin typeface="Times New Roman" panose="02020603050405020304" pitchFamily="18" charset="0"/>
-                <a:cs typeface="Times New Roman" panose="02020603050405020304" pitchFamily="18" charset="0"/>
-              </a:rPr>
-              <a:t>p_idade</a:t>
-            </a:r>
-            <a:r>
-              <a:rPr lang="pt-BR" sz="2400" dirty="0">
-                <a:solidFill>
-                  <a:schemeClr val="tx1"/>
-                </a:solidFill>
-                <a:latin typeface="Times New Roman" panose="02020603050405020304" pitchFamily="18" charset="0"/>
-                <a:cs typeface="Times New Roman" panose="02020603050405020304" pitchFamily="18" charset="0"/>
-              </a:rPr>
-              <a:t>”] </a:t>
-            </a:r>
-            <a:r>
-              <a:rPr lang="pt-BR" sz="2400" b="1" dirty="0">
-                <a:solidFill>
-                  <a:schemeClr val="tx1"/>
-                </a:solidFill>
-                <a:latin typeface="Times New Roman" panose="02020603050405020304" pitchFamily="18" charset="0"/>
-                <a:cs typeface="Times New Roman" panose="02020603050405020304" pitchFamily="18" charset="0"/>
-              </a:rPr>
-              <a:t>:</a:t>
-            </a:r>
-            <a:r>
-              <a:rPr lang="pt-BR" sz="2400" dirty="0">
-                <a:solidFill>
-                  <a:schemeClr val="tx1"/>
-                </a:solidFill>
-                <a:latin typeface="Times New Roman" panose="02020603050405020304" pitchFamily="18" charset="0"/>
-                <a:cs typeface="Times New Roman" panose="02020603050405020304" pitchFamily="18" charset="0"/>
-              </a:rPr>
-              <a:t> 0;  // OU</a:t>
-            </a:r>
-          </a:p>
-          <a:p>
-            <a:pPr marL="0" indent="0" algn="just">
-              <a:buNone/>
-            </a:pPr>
-            <a:r>
-              <a:rPr lang="pt-BR" sz="2400" dirty="0">
-                <a:solidFill>
-                  <a:schemeClr val="tx1"/>
-                </a:solidFill>
-                <a:latin typeface="Times New Roman" panose="02020603050405020304" pitchFamily="18" charset="0"/>
-                <a:cs typeface="Times New Roman" panose="02020603050405020304" pitchFamily="18" charset="0"/>
-              </a:rPr>
-              <a:t>	</a:t>
-            </a:r>
-            <a:r>
-              <a:rPr lang="pt-BR" sz="2400" b="1" dirty="0">
-                <a:solidFill>
-                  <a:schemeClr val="tx1"/>
-                </a:solidFill>
-                <a:latin typeface="Times New Roman" panose="02020603050405020304" pitchFamily="18" charset="0"/>
-                <a:cs typeface="Times New Roman" panose="02020603050405020304" pitchFamily="18" charset="0"/>
-              </a:rPr>
-              <a:t>$idade</a:t>
-            </a:r>
-            <a:r>
-              <a:rPr lang="pt-BR" sz="2400" dirty="0">
-                <a:solidFill>
-                  <a:schemeClr val="tx1"/>
-                </a:solidFill>
-                <a:latin typeface="Times New Roman" panose="02020603050405020304" pitchFamily="18" charset="0"/>
-                <a:cs typeface="Times New Roman" panose="02020603050405020304" pitchFamily="18" charset="0"/>
-              </a:rPr>
-              <a:t> = </a:t>
-            </a:r>
-            <a:r>
-              <a:rPr lang="pt-BR" sz="2400" b="1" dirty="0" err="1">
-                <a:solidFill>
-                  <a:schemeClr val="tx1"/>
-                </a:solidFill>
-                <a:latin typeface="Times New Roman" panose="02020603050405020304" pitchFamily="18" charset="0"/>
-                <a:cs typeface="Times New Roman" panose="02020603050405020304" pitchFamily="18" charset="0"/>
-              </a:rPr>
-              <a:t>isset</a:t>
-            </a:r>
-            <a:r>
-              <a:rPr lang="pt-BR" sz="2400" dirty="0">
-                <a:solidFill>
-                  <a:schemeClr val="tx1"/>
-                </a:solidFill>
-                <a:latin typeface="Times New Roman" panose="02020603050405020304" pitchFamily="18" charset="0"/>
-                <a:cs typeface="Times New Roman" panose="02020603050405020304" pitchFamily="18" charset="0"/>
-              </a:rPr>
-              <a:t>($_</a:t>
-            </a:r>
-            <a:r>
-              <a:rPr lang="pt-BR" sz="2400" b="1" dirty="0">
-                <a:solidFill>
-                  <a:srgbClr val="FF0000"/>
-                </a:solidFill>
-                <a:latin typeface="Times New Roman" panose="02020603050405020304" pitchFamily="18" charset="0"/>
-                <a:cs typeface="Times New Roman" panose="02020603050405020304" pitchFamily="18" charset="0"/>
-              </a:rPr>
-              <a:t>POST</a:t>
-            </a:r>
-            <a:r>
-              <a:rPr lang="pt-BR" sz="2400" dirty="0">
-                <a:solidFill>
-                  <a:schemeClr val="tx1"/>
-                </a:solidFill>
-                <a:latin typeface="Times New Roman" panose="02020603050405020304" pitchFamily="18" charset="0"/>
-                <a:cs typeface="Times New Roman" panose="02020603050405020304" pitchFamily="18" charset="0"/>
-              </a:rPr>
-              <a:t>[“</a:t>
-            </a:r>
-            <a:r>
-              <a:rPr lang="pt-BR" sz="2400" dirty="0" err="1">
-                <a:solidFill>
-                  <a:schemeClr val="tx1"/>
-                </a:solidFill>
-                <a:latin typeface="Times New Roman" panose="02020603050405020304" pitchFamily="18" charset="0"/>
-                <a:cs typeface="Times New Roman" panose="02020603050405020304" pitchFamily="18" charset="0"/>
-              </a:rPr>
-              <a:t>p_idade</a:t>
-            </a:r>
-            <a:r>
-              <a:rPr lang="pt-BR" sz="2400" dirty="0">
-                <a:solidFill>
-                  <a:schemeClr val="tx1"/>
-                </a:solidFill>
-                <a:latin typeface="Times New Roman" panose="02020603050405020304" pitchFamily="18" charset="0"/>
-                <a:cs typeface="Times New Roman" panose="02020603050405020304" pitchFamily="18" charset="0"/>
-              </a:rPr>
-              <a:t>”]) ? ($_</a:t>
-            </a:r>
-            <a:r>
-              <a:rPr lang="pt-BR" sz="2400" b="1" dirty="0">
-                <a:solidFill>
-                  <a:srgbClr val="FF0000"/>
-                </a:solidFill>
-                <a:latin typeface="Times New Roman" panose="02020603050405020304" pitchFamily="18" charset="0"/>
-                <a:cs typeface="Times New Roman" panose="02020603050405020304" pitchFamily="18" charset="0"/>
-              </a:rPr>
-              <a:t>POST</a:t>
-            </a:r>
-            <a:r>
-              <a:rPr lang="pt-BR" sz="2400" dirty="0">
-                <a:solidFill>
-                  <a:schemeClr val="tx1"/>
-                </a:solidFill>
-                <a:latin typeface="Times New Roman" panose="02020603050405020304" pitchFamily="18" charset="0"/>
-                <a:cs typeface="Times New Roman" panose="02020603050405020304" pitchFamily="18" charset="0"/>
-              </a:rPr>
-              <a:t>[“</a:t>
-            </a:r>
-            <a:r>
-              <a:rPr lang="pt-BR" sz="2400" dirty="0" err="1">
-                <a:solidFill>
-                  <a:schemeClr val="tx1"/>
-                </a:solidFill>
-                <a:latin typeface="Times New Roman" panose="02020603050405020304" pitchFamily="18" charset="0"/>
-                <a:cs typeface="Times New Roman" panose="02020603050405020304" pitchFamily="18" charset="0"/>
-              </a:rPr>
-              <a:t>p_idade</a:t>
-            </a:r>
-            <a:r>
-              <a:rPr lang="pt-BR" sz="2400" dirty="0">
-                <a:solidFill>
-                  <a:schemeClr val="tx1"/>
-                </a:solidFill>
-                <a:latin typeface="Times New Roman" panose="02020603050405020304" pitchFamily="18" charset="0"/>
-                <a:cs typeface="Times New Roman" panose="02020603050405020304" pitchFamily="18" charset="0"/>
-              </a:rPr>
-              <a:t>”]: 0; </a:t>
-            </a:r>
-          </a:p>
-          <a:p>
-            <a:pPr marL="0" indent="0" algn="just">
-              <a:buNone/>
-            </a:pPr>
-            <a:r>
-              <a:rPr lang="pt-BR" sz="2400" b="1" dirty="0">
-                <a:solidFill>
-                  <a:srgbClr val="FF0000"/>
-                </a:solidFill>
-                <a:latin typeface="Times New Roman" panose="02020603050405020304" pitchFamily="18" charset="0"/>
-                <a:cs typeface="Times New Roman" panose="02020603050405020304" pitchFamily="18" charset="0"/>
-              </a:rPr>
-              <a:t>?</a:t>
-            </a:r>
-            <a:r>
-              <a:rPr lang="pt-BR" sz="2400" dirty="0">
+              <a:rPr lang="pt-BR" sz="2000" dirty="0">
                 <a:solidFill>
                   <a:schemeClr val="tx1"/>
                 </a:solidFill>
@@ -10629,7 +11180,7 @@
     </p:spTree>
     <p:extLst>
       <p:ext uri="{BB962C8B-B14F-4D97-AF65-F5344CB8AC3E}">
-        <p14:creationId xmlns:p14="http://schemas.microsoft.com/office/powerpoint/2010/main" val="836791198"/>
+        <p14:creationId xmlns:p14="http://schemas.microsoft.com/office/powerpoint/2010/main" val="2996326242"/>
       </p:ext>
     </p:extLst>
   </p:cSld>
@@ -10693,7 +11244,7 @@
                   <a:srgbClr val="0070C0"/>
                 </a:solidFill>
               </a:rPr>
-              <a:t>Estrutura</a:t>
+              <a:t>Funções</a:t>
             </a:r>
             <a:r>
               <a:rPr lang="en-US" b="1" dirty="0">
@@ -10701,7 +11252,7 @@
                   <a:srgbClr val="0070C0"/>
                 </a:solidFill>
               </a:rPr>
-              <a:t> de </a:t>
+              <a:t> </a:t>
             </a:r>
             <a:r>
               <a:rPr lang="en-US" b="1" dirty="0" err="1">
@@ -10709,7 +11260,7 @@
                   <a:srgbClr val="0070C0"/>
                 </a:solidFill>
               </a:rPr>
-              <a:t>Seleção</a:t>
+              <a:t>Próprias</a:t>
             </a:r>
             <a:endParaRPr lang="en-US" b="1" dirty="0">
               <a:solidFill>
@@ -10731,7 +11282,7 @@
         </p:nvSpPr>
         <p:spPr>
           <a:xfrm>
-            <a:off x="142865" y="1037312"/>
+            <a:off x="142865" y="1012260"/>
             <a:ext cx="8865056" cy="3900208"/>
           </a:xfrm>
         </p:spPr>
@@ -10745,151 +11296,81 @@
               <a:buNone/>
             </a:pPr>
             <a:r>
-              <a:rPr lang="pt-BR" sz="2400" b="1" dirty="0">
+              <a:rPr lang="pt-BR" sz="2000" b="1" dirty="0">
+                <a:solidFill>
+                  <a:schemeClr val="tx1"/>
+                </a:solidFill>
+                <a:latin typeface="Times New Roman" panose="02020603050405020304" pitchFamily="18" charset="0"/>
+                <a:cs typeface="Times New Roman" panose="02020603050405020304" pitchFamily="18" charset="0"/>
+              </a:rPr>
+              <a:t>Passagem de parâmetro</a:t>
+            </a:r>
+            <a:r>
+              <a:rPr lang="pt-BR" sz="2000" dirty="0">
+                <a:solidFill>
+                  <a:schemeClr val="tx1"/>
+                </a:solidFill>
+                <a:latin typeface="Times New Roman" panose="02020603050405020304" pitchFamily="18" charset="0"/>
+                <a:cs typeface="Times New Roman" panose="02020603050405020304" pitchFamily="18" charset="0"/>
+              </a:rPr>
+              <a:t>: Por valor e </a:t>
+            </a:r>
+            <a:r>
+              <a:rPr lang="pt-BR" sz="2000" b="1" dirty="0">
                 <a:solidFill>
                   <a:srgbClr val="FF0000"/>
                 </a:solidFill>
                 <a:latin typeface="Times New Roman" panose="02020603050405020304" pitchFamily="18" charset="0"/>
                 <a:cs typeface="Times New Roman" panose="02020603050405020304" pitchFamily="18" charset="0"/>
               </a:rPr>
-              <a:t>Simples</a:t>
-            </a:r>
-          </a:p>
-          <a:p>
-            <a:pPr marL="0" indent="0" algn="just">
-              <a:buNone/>
-            </a:pPr>
-            <a:r>
-              <a:rPr lang="pt-BR" sz="2400" dirty="0">
-                <a:solidFill>
-                  <a:schemeClr val="tx1"/>
-                </a:solidFill>
-                <a:latin typeface="Times New Roman" panose="02020603050405020304" pitchFamily="18" charset="0"/>
-                <a:cs typeface="Times New Roman" panose="02020603050405020304" pitchFamily="18" charset="0"/>
-              </a:rPr>
-              <a:t>	</a:t>
-            </a:r>
-            <a:r>
-              <a:rPr lang="pt-BR" sz="2400" dirty="0" err="1">
-                <a:solidFill>
-                  <a:schemeClr val="tx1"/>
-                </a:solidFill>
-                <a:latin typeface="Times New Roman" panose="02020603050405020304" pitchFamily="18" charset="0"/>
-                <a:cs typeface="Times New Roman" panose="02020603050405020304" pitchFamily="18" charset="0"/>
-              </a:rPr>
-              <a:t>if</a:t>
-            </a:r>
-            <a:r>
-              <a:rPr lang="pt-BR" sz="2400" dirty="0">
-                <a:solidFill>
-                  <a:schemeClr val="tx1"/>
-                </a:solidFill>
-                <a:latin typeface="Times New Roman" panose="02020603050405020304" pitchFamily="18" charset="0"/>
-                <a:cs typeface="Times New Roman" panose="02020603050405020304" pitchFamily="18" charset="0"/>
-              </a:rPr>
-              <a:t> (</a:t>
-            </a:r>
-            <a:r>
-              <a:rPr lang="pt-BR" sz="2400" b="1" dirty="0" err="1">
-                <a:solidFill>
-                  <a:schemeClr val="tx1"/>
-                </a:solidFill>
-                <a:latin typeface="Times New Roman" panose="02020603050405020304" pitchFamily="18" charset="0"/>
-                <a:cs typeface="Times New Roman" panose="02020603050405020304" pitchFamily="18" charset="0"/>
-              </a:rPr>
-              <a:t>exp</a:t>
-            </a:r>
-            <a:r>
-              <a:rPr lang="pt-BR" sz="2400" dirty="0">
-                <a:solidFill>
-                  <a:schemeClr val="tx1"/>
-                </a:solidFill>
-                <a:latin typeface="Times New Roman" panose="02020603050405020304" pitchFamily="18" charset="0"/>
-                <a:cs typeface="Times New Roman" panose="02020603050405020304" pitchFamily="18" charset="0"/>
-              </a:rPr>
-              <a:t>) { Instruções }</a:t>
-            </a:r>
-          </a:p>
-          <a:p>
-            <a:pPr marL="0" indent="0" algn="just">
-              <a:buNone/>
-            </a:pPr>
-            <a:r>
-              <a:rPr lang="pt-BR" sz="2400" dirty="0">
-                <a:solidFill>
-                  <a:schemeClr val="tx1"/>
-                </a:solidFill>
-                <a:latin typeface="Times New Roman" panose="02020603050405020304" pitchFamily="18" charset="0"/>
-                <a:cs typeface="Times New Roman" panose="02020603050405020304" pitchFamily="18" charset="0"/>
-              </a:rPr>
-              <a:t>	Ex.: </a:t>
-            </a:r>
-            <a:r>
-              <a:rPr lang="pt-BR" sz="2400" dirty="0" err="1">
-                <a:solidFill>
-                  <a:schemeClr val="tx1"/>
-                </a:solidFill>
-                <a:latin typeface="Times New Roman" panose="02020603050405020304" pitchFamily="18" charset="0"/>
-                <a:cs typeface="Times New Roman" panose="02020603050405020304" pitchFamily="18" charset="0"/>
-              </a:rPr>
-              <a:t>if</a:t>
-            </a:r>
-            <a:r>
-              <a:rPr lang="pt-BR" sz="2400" dirty="0">
-                <a:solidFill>
-                  <a:schemeClr val="tx1"/>
-                </a:solidFill>
-                <a:latin typeface="Times New Roman" panose="02020603050405020304" pitchFamily="18" charset="0"/>
-                <a:cs typeface="Times New Roman" panose="02020603050405020304" pitchFamily="18" charset="0"/>
-              </a:rPr>
-              <a:t> (</a:t>
-            </a:r>
-            <a:r>
-              <a:rPr lang="pt-BR" sz="2400" b="1" dirty="0">
-                <a:solidFill>
-                  <a:schemeClr val="tx1"/>
-                </a:solidFill>
-                <a:latin typeface="Times New Roman" panose="02020603050405020304" pitchFamily="18" charset="0"/>
-                <a:cs typeface="Times New Roman" panose="02020603050405020304" pitchFamily="18" charset="0"/>
-              </a:rPr>
-              <a:t>$media</a:t>
-            </a:r>
-            <a:r>
-              <a:rPr lang="pt-BR" sz="2400" dirty="0">
-                <a:solidFill>
-                  <a:schemeClr val="tx1"/>
-                </a:solidFill>
-                <a:latin typeface="Times New Roman" panose="02020603050405020304" pitchFamily="18" charset="0"/>
-                <a:cs typeface="Times New Roman" panose="02020603050405020304" pitchFamily="18" charset="0"/>
-              </a:rPr>
-              <a:t> &gt; 7) { </a:t>
-            </a:r>
-            <a:r>
-              <a:rPr lang="pt-BR" sz="2400" dirty="0" err="1">
-                <a:solidFill>
-                  <a:schemeClr val="tx1"/>
-                </a:solidFill>
-                <a:latin typeface="Times New Roman" panose="02020603050405020304" pitchFamily="18" charset="0"/>
-                <a:cs typeface="Times New Roman" panose="02020603050405020304" pitchFamily="18" charset="0"/>
-              </a:rPr>
-              <a:t>echo</a:t>
-            </a:r>
-            <a:r>
-              <a:rPr lang="pt-BR" sz="2400" dirty="0">
-                <a:solidFill>
-                  <a:schemeClr val="tx1"/>
-                </a:solidFill>
-                <a:latin typeface="Times New Roman" panose="02020603050405020304" pitchFamily="18" charset="0"/>
-                <a:cs typeface="Times New Roman" panose="02020603050405020304" pitchFamily="18" charset="0"/>
-              </a:rPr>
-              <a:t> “Aprovado” }	</a:t>
-            </a:r>
-          </a:p>
-          <a:p>
-            <a:pPr marL="0" indent="0" algn="just">
-              <a:buNone/>
-            </a:pPr>
-            <a:endParaRPr lang="pt-BR" sz="2400" b="1" dirty="0">
+              <a:t>por referência (&amp;)</a:t>
+            </a:r>
+            <a:r>
+              <a:rPr lang="pt-BR" sz="2000" dirty="0">
+                <a:solidFill>
+                  <a:schemeClr val="tx1"/>
+                </a:solidFill>
+                <a:latin typeface="Times New Roman" panose="02020603050405020304" pitchFamily="18" charset="0"/>
+                <a:cs typeface="Times New Roman" panose="02020603050405020304" pitchFamily="18" charset="0"/>
+              </a:rPr>
+              <a:t>.</a:t>
+            </a:r>
+          </a:p>
+          <a:p>
+            <a:pPr marL="0" indent="0" algn="just">
+              <a:buNone/>
+            </a:pPr>
+            <a:r>
+              <a:rPr lang="pt-BR" sz="2000" dirty="0">
+                <a:solidFill>
+                  <a:schemeClr val="tx1"/>
+                </a:solidFill>
+                <a:latin typeface="Times New Roman" panose="02020603050405020304" pitchFamily="18" charset="0"/>
+                <a:cs typeface="Times New Roman" panose="02020603050405020304" pitchFamily="18" charset="0"/>
+              </a:rPr>
+              <a:t>&lt;</a:t>
+            </a:r>
+            <a:r>
+              <a:rPr lang="pt-BR" sz="2000" b="1" dirty="0">
+                <a:solidFill>
+                  <a:srgbClr val="FF0000"/>
+                </a:solidFill>
+                <a:latin typeface="Times New Roman" panose="02020603050405020304" pitchFamily="18" charset="0"/>
+                <a:cs typeface="Times New Roman" panose="02020603050405020304" pitchFamily="18" charset="0"/>
+              </a:rPr>
+              <a:t>?</a:t>
+            </a:r>
+            <a:r>
+              <a:rPr lang="pt-BR" sz="2000" b="1" dirty="0" err="1">
+                <a:solidFill>
+                  <a:srgbClr val="FF0000"/>
+                </a:solidFill>
+                <a:latin typeface="Times New Roman" panose="02020603050405020304" pitchFamily="18" charset="0"/>
+                <a:cs typeface="Times New Roman" panose="02020603050405020304" pitchFamily="18" charset="0"/>
+              </a:rPr>
+              <a:t>php</a:t>
+            </a:r>
+            <a:endParaRPr lang="pt-BR" sz="2000" b="1" dirty="0">
               <a:solidFill>
                 <a:srgbClr val="FF0000"/>
               </a:solidFill>
@@ -10902,157 +11383,107 @@
               <a:buNone/>
             </a:pPr>
             <a:r>
-              <a:rPr lang="pt-BR" sz="2400" b="1" dirty="0">
+              <a:rPr lang="pt-BR" sz="2000" dirty="0">
+                <a:solidFill>
+                  <a:schemeClr val="tx1"/>
+                </a:solidFill>
+                <a:latin typeface="Times New Roman" panose="02020603050405020304" pitchFamily="18" charset="0"/>
+                <a:cs typeface="Times New Roman" panose="02020603050405020304" pitchFamily="18" charset="0"/>
+              </a:rPr>
+              <a:t>	</a:t>
+            </a:r>
+            <a:r>
+              <a:rPr lang="pt-BR" sz="2000" b="1" dirty="0">
+                <a:solidFill>
+                  <a:schemeClr val="tx1"/>
+                </a:solidFill>
+                <a:latin typeface="Times New Roman" panose="02020603050405020304" pitchFamily="18" charset="0"/>
+                <a:cs typeface="Times New Roman" panose="02020603050405020304" pitchFamily="18" charset="0"/>
+              </a:rPr>
+              <a:t> </a:t>
+            </a:r>
+            <a:r>
+              <a:rPr lang="pt-BR" sz="2000" b="1" dirty="0" err="1">
+                <a:solidFill>
+                  <a:schemeClr val="tx1"/>
+                </a:solidFill>
+                <a:latin typeface="Times New Roman" panose="02020603050405020304" pitchFamily="18" charset="0"/>
+                <a:cs typeface="Times New Roman" panose="02020603050405020304" pitchFamily="18" charset="0"/>
+              </a:rPr>
+              <a:t>function</a:t>
+            </a:r>
+            <a:r>
+              <a:rPr lang="pt-BR" sz="2000" dirty="0">
+                <a:solidFill>
+                  <a:schemeClr val="tx1"/>
+                </a:solidFill>
+                <a:latin typeface="Times New Roman" panose="02020603050405020304" pitchFamily="18" charset="0"/>
+                <a:cs typeface="Times New Roman" panose="02020603050405020304" pitchFamily="18" charset="0"/>
+              </a:rPr>
+              <a:t> </a:t>
+            </a:r>
+            <a:r>
+              <a:rPr lang="pt-BR" sz="2000" b="1" dirty="0">
                 <a:solidFill>
                   <a:srgbClr val="FF0000"/>
                 </a:solidFill>
                 <a:latin typeface="Times New Roman" panose="02020603050405020304" pitchFamily="18" charset="0"/>
                 <a:cs typeface="Times New Roman" panose="02020603050405020304" pitchFamily="18" charset="0"/>
               </a:rPr>
-              <a:t>Composta</a:t>
-            </a:r>
-          </a:p>
-          <a:p>
-            <a:pPr marL="0" indent="0" algn="just">
-              <a:buNone/>
-            </a:pPr>
-            <a:r>
-              <a:rPr lang="pt-BR" sz="2400" dirty="0">
-                <a:solidFill>
-                  <a:schemeClr val="tx1"/>
-                </a:solidFill>
-                <a:latin typeface="Times New Roman" panose="02020603050405020304" pitchFamily="18" charset="0"/>
-                <a:cs typeface="Times New Roman" panose="02020603050405020304" pitchFamily="18" charset="0"/>
-              </a:rPr>
-              <a:t>	</a:t>
-            </a:r>
-            <a:r>
-              <a:rPr lang="pt-BR" sz="2400" dirty="0" err="1">
-                <a:solidFill>
-                  <a:schemeClr val="tx1"/>
-                </a:solidFill>
-                <a:latin typeface="Times New Roman" panose="02020603050405020304" pitchFamily="18" charset="0"/>
-                <a:cs typeface="Times New Roman" panose="02020603050405020304" pitchFamily="18" charset="0"/>
-              </a:rPr>
-              <a:t>if</a:t>
-            </a:r>
-            <a:r>
-              <a:rPr lang="pt-BR" sz="2400" dirty="0">
-                <a:solidFill>
-                  <a:schemeClr val="tx1"/>
-                </a:solidFill>
-                <a:latin typeface="Times New Roman" panose="02020603050405020304" pitchFamily="18" charset="0"/>
-                <a:cs typeface="Times New Roman" panose="02020603050405020304" pitchFamily="18" charset="0"/>
-              </a:rPr>
-              <a:t> (</a:t>
-            </a:r>
-            <a:r>
-              <a:rPr lang="pt-BR" sz="2400" b="1" dirty="0" err="1">
-                <a:solidFill>
-                  <a:schemeClr val="tx1"/>
-                </a:solidFill>
-                <a:latin typeface="Times New Roman" panose="02020603050405020304" pitchFamily="18" charset="0"/>
-                <a:cs typeface="Times New Roman" panose="02020603050405020304" pitchFamily="18" charset="0"/>
-              </a:rPr>
-              <a:t>exp</a:t>
-            </a:r>
-            <a:r>
-              <a:rPr lang="pt-BR" sz="2400" b="1" dirty="0">
-                <a:solidFill>
-                  <a:schemeClr val="tx1"/>
-                </a:solidFill>
-                <a:latin typeface="Times New Roman" panose="02020603050405020304" pitchFamily="18" charset="0"/>
-                <a:cs typeface="Times New Roman" panose="02020603050405020304" pitchFamily="18" charset="0"/>
-              </a:rPr>
-              <a:t>)</a:t>
-            </a:r>
-            <a:r>
-              <a:rPr lang="pt-BR" sz="2400" dirty="0">
-                <a:solidFill>
-                  <a:schemeClr val="tx1"/>
-                </a:solidFill>
-                <a:latin typeface="Times New Roman" panose="02020603050405020304" pitchFamily="18" charset="0"/>
-                <a:cs typeface="Times New Roman" panose="02020603050405020304" pitchFamily="18" charset="0"/>
-              </a:rPr>
-              <a:t> { Instruções } </a:t>
-            </a:r>
-            <a:r>
-              <a:rPr lang="pt-BR" sz="2400" dirty="0" err="1">
-                <a:solidFill>
-                  <a:schemeClr val="tx1"/>
-                </a:solidFill>
-                <a:latin typeface="Times New Roman" panose="02020603050405020304" pitchFamily="18" charset="0"/>
-                <a:cs typeface="Times New Roman" panose="02020603050405020304" pitchFamily="18" charset="0"/>
-              </a:rPr>
-              <a:t>else</a:t>
-            </a:r>
-            <a:r>
-              <a:rPr lang="pt-BR" sz="2400" dirty="0">
-                <a:solidFill>
-                  <a:schemeClr val="tx1"/>
-                </a:solidFill>
-                <a:latin typeface="Times New Roman" panose="02020603050405020304" pitchFamily="18" charset="0"/>
-                <a:cs typeface="Times New Roman" panose="02020603050405020304" pitchFamily="18" charset="0"/>
-              </a:rPr>
-              <a:t> { Instruções } </a:t>
-            </a:r>
-          </a:p>
-          <a:p>
-            <a:pPr marL="0" indent="0" algn="just">
-              <a:buNone/>
-            </a:pPr>
-            <a:r>
-              <a:rPr lang="pt-BR" sz="2400" dirty="0">
-                <a:solidFill>
-                  <a:schemeClr val="tx1"/>
-                </a:solidFill>
-                <a:latin typeface="Times New Roman" panose="02020603050405020304" pitchFamily="18" charset="0"/>
-                <a:cs typeface="Times New Roman" panose="02020603050405020304" pitchFamily="18" charset="0"/>
-              </a:rPr>
-              <a:t>	Ex.: </a:t>
-            </a:r>
-            <a:r>
-              <a:rPr lang="pt-BR" sz="2400" dirty="0" err="1">
-                <a:solidFill>
-                  <a:schemeClr val="tx1"/>
-                </a:solidFill>
-                <a:latin typeface="Times New Roman" panose="02020603050405020304" pitchFamily="18" charset="0"/>
-                <a:cs typeface="Times New Roman" panose="02020603050405020304" pitchFamily="18" charset="0"/>
-              </a:rPr>
-              <a:t>if</a:t>
-            </a:r>
-            <a:r>
-              <a:rPr lang="pt-BR" sz="2400" dirty="0">
-                <a:solidFill>
-                  <a:schemeClr val="tx1"/>
-                </a:solidFill>
-                <a:latin typeface="Times New Roman" panose="02020603050405020304" pitchFamily="18" charset="0"/>
-                <a:cs typeface="Times New Roman" panose="02020603050405020304" pitchFamily="18" charset="0"/>
-              </a:rPr>
-              <a:t> (</a:t>
-            </a:r>
-            <a:r>
-              <a:rPr lang="pt-BR" sz="2400" b="1" dirty="0">
-                <a:solidFill>
-                  <a:schemeClr val="tx1"/>
-                </a:solidFill>
-                <a:latin typeface="Times New Roman" panose="02020603050405020304" pitchFamily="18" charset="0"/>
-                <a:cs typeface="Times New Roman" panose="02020603050405020304" pitchFamily="18" charset="0"/>
-              </a:rPr>
-              <a:t>$media</a:t>
-            </a:r>
-            <a:r>
-              <a:rPr lang="pt-BR" sz="2400" dirty="0">
-                <a:solidFill>
-                  <a:schemeClr val="tx1"/>
-                </a:solidFill>
-                <a:latin typeface="Times New Roman" panose="02020603050405020304" pitchFamily="18" charset="0"/>
-                <a:cs typeface="Times New Roman" panose="02020603050405020304" pitchFamily="18" charset="0"/>
-              </a:rPr>
-              <a:t> &gt; 7) { </a:t>
-            </a:r>
-            <a:r>
-              <a:rPr lang="pt-BR" sz="2400" dirty="0" err="1">
+              <a:t>soma</a:t>
+            </a:r>
+            <a:r>
+              <a:rPr lang="pt-BR" sz="2000" dirty="0">
+                <a:solidFill>
+                  <a:schemeClr val="tx1"/>
+                </a:solidFill>
+                <a:latin typeface="Times New Roman" panose="02020603050405020304" pitchFamily="18" charset="0"/>
+                <a:cs typeface="Times New Roman" panose="02020603050405020304" pitchFamily="18" charset="0"/>
+              </a:rPr>
+              <a:t>(&amp;$a){ </a:t>
+            </a:r>
+          </a:p>
+          <a:p>
+            <a:pPr marL="0" indent="0" algn="just">
+              <a:buNone/>
+            </a:pPr>
+            <a:r>
+              <a:rPr lang="pt-BR" sz="2000" b="1" dirty="0">
+                <a:solidFill>
+                  <a:schemeClr val="tx1"/>
+                </a:solidFill>
+                <a:latin typeface="Times New Roman" panose="02020603050405020304" pitchFamily="18" charset="0"/>
+                <a:cs typeface="Times New Roman" panose="02020603050405020304" pitchFamily="18" charset="0"/>
+              </a:rPr>
+              <a:t>			</a:t>
+            </a:r>
+            <a:r>
+              <a:rPr lang="pt-BR" sz="2000" dirty="0">
+                <a:solidFill>
+                  <a:schemeClr val="tx1"/>
+                </a:solidFill>
+                <a:latin typeface="Times New Roman" panose="02020603050405020304" pitchFamily="18" charset="0"/>
+                <a:cs typeface="Times New Roman" panose="02020603050405020304" pitchFamily="18" charset="0"/>
+              </a:rPr>
+              <a:t>$a += $a + 3; }</a:t>
+            </a:r>
+          </a:p>
+          <a:p>
+            <a:pPr marL="0" indent="0" algn="just">
+              <a:buNone/>
+            </a:pPr>
+            <a:r>
+              <a:rPr lang="pt-BR" sz="2000" dirty="0">
+                <a:solidFill>
+                  <a:schemeClr val="tx1"/>
+                </a:solidFill>
+                <a:latin typeface="Times New Roman" panose="02020603050405020304" pitchFamily="18" charset="0"/>
+                <a:cs typeface="Times New Roman" panose="02020603050405020304" pitchFamily="18" charset="0"/>
+              </a:rPr>
+              <a:t>		</a:t>
+            </a:r>
+            <a:r>
+              <a:rPr lang="pt-BR" sz="2000" b="1" dirty="0" err="1">
                 <a:solidFill>
                   <a:schemeClr val="tx1"/>
                 </a:solidFill>
@@ -11062,76 +11493,16 @@
               <a:t>echo</a:t>
             </a:r>
             <a:r>
-              <a:rPr lang="pt-BR" sz="2400" dirty="0">
-                <a:solidFill>
-                  <a:schemeClr val="tx1"/>
-                </a:solidFill>
-                <a:latin typeface="Times New Roman" panose="02020603050405020304" pitchFamily="18" charset="0"/>
-                <a:cs typeface="Times New Roman" panose="02020603050405020304" pitchFamily="18" charset="0"/>
-              </a:rPr>
-              <a:t> “Aprovado” } </a:t>
-            </a:r>
-          </a:p>
-          <a:p>
-            <a:pPr marL="0" indent="0" algn="just">
-              <a:buNone/>
-            </a:pPr>
-            <a:r>
-              <a:rPr lang="pt-BR" sz="2400" dirty="0">
-                <a:solidFill>
-                  <a:schemeClr val="tx1"/>
-                </a:solidFill>
-                <a:latin typeface="Times New Roman" panose="02020603050405020304" pitchFamily="18" charset="0"/>
-                <a:cs typeface="Times New Roman" panose="02020603050405020304" pitchFamily="18" charset="0"/>
-              </a:rPr>
-              <a:t>		 </a:t>
-            </a:r>
-            <a:r>
-              <a:rPr lang="pt-BR" sz="2400" dirty="0" err="1">
-                <a:solidFill>
-                  <a:schemeClr val="tx1"/>
-                </a:solidFill>
-                <a:latin typeface="Times New Roman" panose="02020603050405020304" pitchFamily="18" charset="0"/>
-                <a:cs typeface="Times New Roman" panose="02020603050405020304" pitchFamily="18" charset="0"/>
-              </a:rPr>
-              <a:t>else</a:t>
-            </a:r>
-            <a:r>
-              <a:rPr lang="pt-BR" sz="2400" dirty="0">
-                <a:solidFill>
-                  <a:schemeClr val="tx1"/>
-                </a:solidFill>
-                <a:latin typeface="Times New Roman" panose="02020603050405020304" pitchFamily="18" charset="0"/>
-                <a:cs typeface="Times New Roman" panose="02020603050405020304" pitchFamily="18" charset="0"/>
-              </a:rPr>
-              <a:t> { </a:t>
-            </a:r>
-            <a:r>
-              <a:rPr lang="pt-BR" sz="2400" dirty="0" err="1">
-                <a:solidFill>
-                  <a:schemeClr val="tx1"/>
-                </a:solidFill>
-                <a:latin typeface="Times New Roman" panose="02020603050405020304" pitchFamily="18" charset="0"/>
-                <a:cs typeface="Times New Roman" panose="02020603050405020304" pitchFamily="18" charset="0"/>
-              </a:rPr>
-              <a:t>echo</a:t>
-            </a:r>
-            <a:r>
-              <a:rPr lang="pt-BR" sz="2400" dirty="0">
-                <a:solidFill>
-                  <a:schemeClr val="tx1"/>
-                </a:solidFill>
-                <a:latin typeface="Times New Roman" panose="02020603050405020304" pitchFamily="18" charset="0"/>
-                <a:cs typeface="Times New Roman" panose="02020603050405020304" pitchFamily="18" charset="0"/>
-              </a:rPr>
-              <a:t> “Reprovado” }</a:t>
-            </a:r>
-          </a:p>
-          <a:p>
-            <a:pPr marL="0" indent="0" algn="just">
-              <a:buNone/>
-            </a:pPr>
-            <a:endParaRPr lang="pt-BR" sz="2400" dirty="0">
+              <a:rPr lang="pt-BR" sz="2000">
+                <a:solidFill>
+                  <a:schemeClr val="tx1"/>
+                </a:solidFill>
+                <a:latin typeface="Times New Roman" panose="02020603050405020304" pitchFamily="18" charset="0"/>
+                <a:cs typeface="Times New Roman" panose="02020603050405020304" pitchFamily="18" charset="0"/>
+              </a:rPr>
+              <a:t>  $a;</a:t>
+            </a:r>
+            <a:endParaRPr lang="pt-BR" sz="2000" dirty="0">
               <a:solidFill>
                 <a:schemeClr val="tx1"/>
               </a:solidFill>
@@ -11139,12 +11510,174 @@
               <a:cs typeface="Times New Roman" panose="02020603050405020304" pitchFamily="18" charset="0"/>
             </a:endParaRPr>
           </a:p>
+          <a:p>
+            <a:pPr marL="0" indent="0" algn="just">
+              <a:buNone/>
+            </a:pPr>
+            <a:r>
+              <a:rPr lang="pt-BR" sz="2000" dirty="0">
+                <a:solidFill>
+                  <a:schemeClr val="tx1"/>
+                </a:solidFill>
+                <a:latin typeface="Times New Roman" panose="02020603050405020304" pitchFamily="18" charset="0"/>
+                <a:cs typeface="Times New Roman" panose="02020603050405020304" pitchFamily="18" charset="0"/>
+              </a:rPr>
+              <a:t>	};</a:t>
+            </a:r>
+          </a:p>
+          <a:p>
+            <a:pPr marL="0" indent="0" algn="just">
+              <a:buNone/>
+            </a:pPr>
+            <a:r>
+              <a:rPr lang="pt-BR" sz="2000" dirty="0">
+                <a:solidFill>
+                  <a:schemeClr val="tx1"/>
+                </a:solidFill>
+                <a:latin typeface="Times New Roman" panose="02020603050405020304" pitchFamily="18" charset="0"/>
+                <a:cs typeface="Times New Roman" panose="02020603050405020304" pitchFamily="18" charset="0"/>
+              </a:rPr>
+              <a:t>	$n = 5;</a:t>
+            </a:r>
+          </a:p>
+          <a:p>
+            <a:pPr marL="0" indent="0" algn="just">
+              <a:buNone/>
+            </a:pPr>
+            <a:r>
+              <a:rPr lang="pt-BR" sz="2000" dirty="0">
+                <a:solidFill>
+                  <a:schemeClr val="tx1"/>
+                </a:solidFill>
+                <a:latin typeface="Times New Roman" panose="02020603050405020304" pitchFamily="18" charset="0"/>
+                <a:cs typeface="Times New Roman" panose="02020603050405020304" pitchFamily="18" charset="0"/>
+              </a:rPr>
+              <a:t>	</a:t>
+            </a:r>
+            <a:r>
+              <a:rPr lang="pt-BR" sz="2000" b="1" dirty="0" err="1">
+                <a:solidFill>
+                  <a:schemeClr val="tx1"/>
+                </a:solidFill>
+                <a:latin typeface="Times New Roman" panose="02020603050405020304" pitchFamily="18" charset="0"/>
+                <a:cs typeface="Times New Roman" panose="02020603050405020304" pitchFamily="18" charset="0"/>
+              </a:rPr>
+              <a:t>echo</a:t>
+            </a:r>
+            <a:r>
+              <a:rPr lang="pt-BR" sz="2000" dirty="0">
+                <a:solidFill>
+                  <a:schemeClr val="tx1"/>
+                </a:solidFill>
+                <a:latin typeface="Times New Roman" panose="02020603050405020304" pitchFamily="18" charset="0"/>
+                <a:cs typeface="Times New Roman" panose="02020603050405020304" pitchFamily="18" charset="0"/>
+              </a:rPr>
+              <a:t> “</a:t>
+            </a:r>
+            <a:r>
+              <a:rPr lang="pt-BR" sz="2000" dirty="0" err="1">
+                <a:solidFill>
+                  <a:schemeClr val="tx1"/>
+                </a:solidFill>
+                <a:latin typeface="Times New Roman" panose="02020603050405020304" pitchFamily="18" charset="0"/>
+                <a:cs typeface="Times New Roman" panose="02020603050405020304" pitchFamily="18" charset="0"/>
+              </a:rPr>
+              <a:t>Total:”.</a:t>
+            </a:r>
+            <a:r>
+              <a:rPr lang="pt-BR" sz="2000" b="1" dirty="0" err="1">
+                <a:solidFill>
+                  <a:srgbClr val="FF0000"/>
+                </a:solidFill>
+                <a:latin typeface="Times New Roman" panose="02020603050405020304" pitchFamily="18" charset="0"/>
+                <a:cs typeface="Times New Roman" panose="02020603050405020304" pitchFamily="18" charset="0"/>
+              </a:rPr>
+              <a:t>soma</a:t>
+            </a:r>
+            <a:r>
+              <a:rPr lang="pt-BR" sz="2000" dirty="0">
+                <a:solidFill>
+                  <a:schemeClr val="tx1"/>
+                </a:solidFill>
+                <a:latin typeface="Times New Roman" panose="02020603050405020304" pitchFamily="18" charset="0"/>
+                <a:cs typeface="Times New Roman" panose="02020603050405020304" pitchFamily="18" charset="0"/>
+              </a:rPr>
+              <a:t>($n); 		</a:t>
+            </a:r>
+          </a:p>
+          <a:p>
+            <a:pPr marL="0" indent="0" algn="just">
+              <a:buNone/>
+            </a:pPr>
+            <a:r>
+              <a:rPr lang="pt-BR" sz="2000" b="1" dirty="0">
+                <a:solidFill>
+                  <a:schemeClr val="tx1"/>
+                </a:solidFill>
+                <a:latin typeface="Times New Roman" panose="02020603050405020304" pitchFamily="18" charset="0"/>
+                <a:cs typeface="Times New Roman" panose="02020603050405020304" pitchFamily="18" charset="0"/>
+              </a:rPr>
+              <a:t>	 </a:t>
+            </a:r>
+            <a:r>
+              <a:rPr lang="pt-BR" sz="2000" b="1" dirty="0" err="1">
+                <a:solidFill>
+                  <a:schemeClr val="tx1"/>
+                </a:solidFill>
+                <a:latin typeface="Times New Roman" panose="02020603050405020304" pitchFamily="18" charset="0"/>
+                <a:cs typeface="Times New Roman" panose="02020603050405020304" pitchFamily="18" charset="0"/>
+              </a:rPr>
+              <a:t>echo</a:t>
+            </a:r>
+            <a:r>
+              <a:rPr lang="pt-BR" sz="2000" dirty="0">
+                <a:solidFill>
+                  <a:schemeClr val="tx1"/>
+                </a:solidFill>
+                <a:latin typeface="Times New Roman" panose="02020603050405020304" pitchFamily="18" charset="0"/>
+                <a:cs typeface="Times New Roman" panose="02020603050405020304" pitchFamily="18" charset="0"/>
+              </a:rPr>
+              <a:t> $n;</a:t>
+            </a:r>
+            <a:endParaRPr lang="pt-BR" sz="2000" b="1" dirty="0">
+              <a:solidFill>
+                <a:schemeClr val="tx1"/>
+              </a:solidFill>
+              <a:latin typeface="Times New Roman" panose="02020603050405020304" pitchFamily="18" charset="0"/>
+              <a:cs typeface="Times New Roman" panose="02020603050405020304" pitchFamily="18" charset="0"/>
+            </a:endParaRPr>
+          </a:p>
+          <a:p>
+            <a:pPr marL="0" indent="0" algn="just">
+              <a:buNone/>
+            </a:pPr>
+            <a:r>
+              <a:rPr lang="pt-BR" sz="2000" b="1" dirty="0">
+                <a:solidFill>
+                  <a:srgbClr val="FF0000"/>
+                </a:solidFill>
+                <a:latin typeface="Times New Roman" panose="02020603050405020304" pitchFamily="18" charset="0"/>
+                <a:cs typeface="Times New Roman" panose="02020603050405020304" pitchFamily="18" charset="0"/>
+              </a:rPr>
+              <a:t>?</a:t>
+            </a:r>
+            <a:r>
+              <a:rPr lang="pt-BR" sz="2000" dirty="0">
+                <a:solidFill>
+                  <a:schemeClr val="tx1"/>
+                </a:solidFill>
+                <a:latin typeface="Times New Roman" panose="02020603050405020304" pitchFamily="18" charset="0"/>
+                <a:cs typeface="Times New Roman" panose="02020603050405020304" pitchFamily="18" charset="0"/>
+              </a:rPr>
+              <a:t>&gt;</a:t>
+            </a:r>
+          </a:p>
         </p:txBody>
       </p:sp>
     </p:spTree>
     <p:extLst>
       <p:ext uri="{BB962C8B-B14F-4D97-AF65-F5344CB8AC3E}">
-        <p14:creationId xmlns:p14="http://schemas.microsoft.com/office/powerpoint/2010/main" val="2810226264"/>
+        <p14:creationId xmlns:p14="http://schemas.microsoft.com/office/powerpoint/2010/main" val="4001010355"/>
       </p:ext>
     </p:extLst>
   </p:cSld>
@@ -11200,37 +11733,8 @@
                   <a:srgbClr val="0070C0"/>
                 </a:solidFill>
               </a:rPr>
-              <a:t>PHP – </a:t>
-            </a:r>
-            <a:r>
-              <a:rPr lang="en-US" b="1" dirty="0" err="1">
-                <a:solidFill>
-                  <a:srgbClr val="0070C0"/>
-                </a:solidFill>
-              </a:rPr>
-              <a:t>Estrutura</a:t>
-            </a:r>
-            <a:r>
-              <a:rPr lang="en-US" b="1" dirty="0">
-                <a:solidFill>
-                  <a:srgbClr val="0070C0"/>
-                </a:solidFill>
-              </a:rPr>
-              <a:t> de </a:t>
-            </a:r>
-            <a:r>
-              <a:rPr lang="en-US" b="1" dirty="0" err="1">
-                <a:solidFill>
-                  <a:srgbClr val="0070C0"/>
-                </a:solidFill>
-              </a:rPr>
-              <a:t>Seleção</a:t>
-            </a:r>
-            <a:endParaRPr lang="en-US" b="1" dirty="0">
-              <a:solidFill>
-                <a:srgbClr val="0070C0"/>
-              </a:solidFill>
-            </a:endParaRPr>
+              <a:t>PHP – Entrada de Dados GET</a:t>
+            </a:r>
           </a:p>
         </p:txBody>
       </p:sp>
@@ -11260,6 +11764,61 @@
               <a:buNone/>
             </a:pPr>
             <a:r>
+              <a:rPr lang="pt-BR" sz="2400" dirty="0">
+                <a:solidFill>
+                  <a:schemeClr val="tx1"/>
+                </a:solidFill>
+                <a:latin typeface="Times New Roman" panose="02020603050405020304" pitchFamily="18" charset="0"/>
+                <a:cs typeface="Times New Roman" panose="02020603050405020304" pitchFamily="18" charset="0"/>
+                <a:hlinkClick r:id="rId3"/>
+              </a:rPr>
+              <a:t>http://localhost/arquivo.php?x=9&amp;y=5</a:t>
+            </a:r>
+            <a:endParaRPr lang="pt-BR" sz="2400" dirty="0">
+              <a:solidFill>
+                <a:schemeClr val="tx1"/>
+              </a:solidFill>
+              <a:latin typeface="Times New Roman" panose="02020603050405020304" pitchFamily="18" charset="0"/>
+              <a:cs typeface="Times New Roman" panose="02020603050405020304" pitchFamily="18" charset="0"/>
+            </a:endParaRPr>
+          </a:p>
+          <a:p>
+            <a:pPr marL="0" indent="0" algn="just">
+              <a:buNone/>
+            </a:pPr>
+            <a:endParaRPr lang="pt-BR" sz="2400" dirty="0">
+              <a:solidFill>
+                <a:schemeClr val="tx1"/>
+              </a:solidFill>
+              <a:latin typeface="Times New Roman" panose="02020603050405020304" pitchFamily="18" charset="0"/>
+              <a:cs typeface="Times New Roman" panose="02020603050405020304" pitchFamily="18" charset="0"/>
+            </a:endParaRPr>
+          </a:p>
+          <a:p>
+            <a:pPr marL="0" indent="0" algn="just">
+              <a:buNone/>
+            </a:pPr>
+            <a:r>
+              <a:rPr lang="pt-BR" sz="2400" dirty="0">
+                <a:solidFill>
+                  <a:schemeClr val="tx1"/>
+                </a:solidFill>
+                <a:latin typeface="Times New Roman" panose="02020603050405020304" pitchFamily="18" charset="0"/>
+                <a:cs typeface="Times New Roman" panose="02020603050405020304" pitchFamily="18" charset="0"/>
+              </a:rPr>
+              <a:t>&lt;</a:t>
+            </a:r>
+            <a:r>
+              <a:rPr lang="pt-BR" sz="2400" b="1" dirty="0">
+                <a:solidFill>
+                  <a:srgbClr val="FF0000"/>
+                </a:solidFill>
+                <a:latin typeface="Times New Roman" panose="02020603050405020304" pitchFamily="18" charset="0"/>
+                <a:cs typeface="Times New Roman" panose="02020603050405020304" pitchFamily="18" charset="0"/>
+              </a:rPr>
+              <a:t>?</a:t>
+            </a:r>
+            <a:r>
               <a:rPr lang="pt-BR" sz="2400" b="1" dirty="0" err="1">
                 <a:solidFill>
                   <a:srgbClr val="FF0000"/>
@@ -11267,227 +11826,7 @@
                 <a:latin typeface="Times New Roman" panose="02020603050405020304" pitchFamily="18" charset="0"/>
                 <a:cs typeface="Times New Roman" panose="02020603050405020304" pitchFamily="18" charset="0"/>
               </a:rPr>
-              <a:t>Multiseleção</a:t>
-            </a:r>
-            <a:r>
-              <a:rPr lang="pt-BR" sz="2400" b="1" dirty="0">
-                <a:solidFill>
-                  <a:srgbClr val="FF0000"/>
-                </a:solidFill>
-                <a:latin typeface="Times New Roman" panose="02020603050405020304" pitchFamily="18" charset="0"/>
-                <a:cs typeface="Times New Roman" panose="02020603050405020304" pitchFamily="18" charset="0"/>
-              </a:rPr>
-              <a:t> (switch)</a:t>
-            </a:r>
-          </a:p>
-          <a:p>
-            <a:pPr marL="0" indent="0" algn="just">
-              <a:buNone/>
-            </a:pPr>
-            <a:r>
-              <a:rPr lang="pt-BR" sz="2400" dirty="0">
-                <a:solidFill>
-                  <a:schemeClr val="tx1"/>
-                </a:solidFill>
-                <a:latin typeface="Times New Roman" panose="02020603050405020304" pitchFamily="18" charset="0"/>
-                <a:cs typeface="Times New Roman" panose="02020603050405020304" pitchFamily="18" charset="0"/>
-              </a:rPr>
-              <a:t>	</a:t>
-            </a:r>
-          </a:p>
-          <a:p>
-            <a:pPr marL="0" indent="0" algn="just">
-              <a:buNone/>
-            </a:pPr>
-            <a:r>
-              <a:rPr lang="pt-BR" sz="2400" b="1" dirty="0">
-                <a:solidFill>
-                  <a:schemeClr val="tx1"/>
-                </a:solidFill>
-                <a:latin typeface="Times New Roman" panose="02020603050405020304" pitchFamily="18" charset="0"/>
-                <a:cs typeface="Times New Roman" panose="02020603050405020304" pitchFamily="18" charset="0"/>
-              </a:rPr>
-              <a:t>	switch ( </a:t>
-            </a:r>
-            <a:r>
-              <a:rPr lang="pt-BR" sz="2400" b="1" dirty="0" err="1">
-                <a:solidFill>
-                  <a:schemeClr val="tx1"/>
-                </a:solidFill>
-                <a:latin typeface="Times New Roman" panose="02020603050405020304" pitchFamily="18" charset="0"/>
-                <a:cs typeface="Times New Roman" panose="02020603050405020304" pitchFamily="18" charset="0"/>
-              </a:rPr>
-              <a:t>exp</a:t>
-            </a:r>
-            <a:r>
-              <a:rPr lang="pt-BR" sz="2400" dirty="0">
-                <a:solidFill>
-                  <a:schemeClr val="tx1"/>
-                </a:solidFill>
-                <a:latin typeface="Times New Roman" panose="02020603050405020304" pitchFamily="18" charset="0"/>
-                <a:cs typeface="Times New Roman" panose="02020603050405020304" pitchFamily="18" charset="0"/>
-              </a:rPr>
-              <a:t>) </a:t>
-            </a:r>
-            <a:r>
-              <a:rPr lang="pt-BR" sz="2400" b="1" dirty="0">
-                <a:solidFill>
-                  <a:srgbClr val="FF0000"/>
-                </a:solidFill>
-                <a:latin typeface="Times New Roman" panose="02020603050405020304" pitchFamily="18" charset="0"/>
-                <a:cs typeface="Times New Roman" panose="02020603050405020304" pitchFamily="18" charset="0"/>
-              </a:rPr>
-              <a:t>{</a:t>
-            </a:r>
-          </a:p>
-          <a:p>
-            <a:pPr marL="891540" lvl="2" indent="0" algn="just">
-              <a:buNone/>
-            </a:pPr>
-            <a:r>
-              <a:rPr lang="pt-BR" sz="2400" dirty="0">
-                <a:solidFill>
-                  <a:schemeClr val="tx1"/>
-                </a:solidFill>
-                <a:latin typeface="Times New Roman" panose="02020603050405020304" pitchFamily="18" charset="0"/>
-                <a:cs typeface="Times New Roman" panose="02020603050405020304" pitchFamily="18" charset="0"/>
-              </a:rPr>
-              <a:t>	</a:t>
-            </a:r>
-            <a:r>
-              <a:rPr lang="pt-BR" sz="2400" b="1" dirty="0">
-                <a:solidFill>
-                  <a:schemeClr val="tx1"/>
-                </a:solidFill>
-                <a:latin typeface="Times New Roman" panose="02020603050405020304" pitchFamily="18" charset="0"/>
-                <a:cs typeface="Times New Roman" panose="02020603050405020304" pitchFamily="18" charset="0"/>
-              </a:rPr>
-              <a:t>case</a:t>
-            </a:r>
-            <a:r>
-              <a:rPr lang="pt-BR" sz="2400" dirty="0">
-                <a:solidFill>
-                  <a:schemeClr val="tx1"/>
-                </a:solidFill>
-                <a:latin typeface="Times New Roman" panose="02020603050405020304" pitchFamily="18" charset="0"/>
-                <a:cs typeface="Times New Roman" panose="02020603050405020304" pitchFamily="18" charset="0"/>
-              </a:rPr>
-              <a:t> 1: { Instruções; break; }</a:t>
-            </a:r>
-          </a:p>
-          <a:p>
-            <a:pPr marL="891540" lvl="2" indent="0" algn="just">
-              <a:buNone/>
-            </a:pPr>
-            <a:r>
-              <a:rPr lang="pt-BR" sz="2400" dirty="0">
-                <a:solidFill>
-                  <a:schemeClr val="tx1"/>
-                </a:solidFill>
-                <a:latin typeface="Times New Roman" panose="02020603050405020304" pitchFamily="18" charset="0"/>
-                <a:cs typeface="Times New Roman" panose="02020603050405020304" pitchFamily="18" charset="0"/>
-              </a:rPr>
-              <a:t>	</a:t>
-            </a:r>
-            <a:r>
-              <a:rPr lang="pt-BR" sz="2400" b="1" dirty="0">
-                <a:solidFill>
-                  <a:schemeClr val="tx1"/>
-                </a:solidFill>
-                <a:latin typeface="Times New Roman" panose="02020603050405020304" pitchFamily="18" charset="0"/>
-                <a:cs typeface="Times New Roman" panose="02020603050405020304" pitchFamily="18" charset="0"/>
-              </a:rPr>
-              <a:t>case</a:t>
-            </a:r>
-            <a:r>
-              <a:rPr lang="pt-BR" sz="2400" dirty="0">
-                <a:solidFill>
-                  <a:schemeClr val="tx1"/>
-                </a:solidFill>
-                <a:latin typeface="Times New Roman" panose="02020603050405020304" pitchFamily="18" charset="0"/>
-                <a:cs typeface="Times New Roman" panose="02020603050405020304" pitchFamily="18" charset="0"/>
-              </a:rPr>
-              <a:t> 2: { Instruções; break; }</a:t>
-            </a:r>
-          </a:p>
-          <a:p>
-            <a:pPr marL="891540" lvl="2" indent="0" algn="just">
-              <a:buNone/>
-            </a:pPr>
-            <a:r>
-              <a:rPr lang="pt-BR" sz="2400" dirty="0">
-                <a:solidFill>
-                  <a:schemeClr val="tx1"/>
-                </a:solidFill>
-                <a:latin typeface="Times New Roman" panose="02020603050405020304" pitchFamily="18" charset="0"/>
-                <a:cs typeface="Times New Roman" panose="02020603050405020304" pitchFamily="18" charset="0"/>
-              </a:rPr>
-              <a:t>	</a:t>
-            </a:r>
-            <a:r>
-              <a:rPr lang="pt-BR" sz="2400" b="1" dirty="0">
-                <a:solidFill>
-                  <a:schemeClr val="tx1"/>
-                </a:solidFill>
-                <a:latin typeface="Times New Roman" panose="02020603050405020304" pitchFamily="18" charset="0"/>
-                <a:cs typeface="Times New Roman" panose="02020603050405020304" pitchFamily="18" charset="0"/>
-              </a:rPr>
-              <a:t>case</a:t>
-            </a:r>
-            <a:r>
-              <a:rPr lang="pt-BR" sz="2400" dirty="0">
-                <a:solidFill>
-                  <a:schemeClr val="tx1"/>
-                </a:solidFill>
-                <a:latin typeface="Times New Roman" panose="02020603050405020304" pitchFamily="18" charset="0"/>
-                <a:cs typeface="Times New Roman" panose="02020603050405020304" pitchFamily="18" charset="0"/>
-              </a:rPr>
-              <a:t> 3: { Instruções; break; }</a:t>
-            </a:r>
-          </a:p>
-          <a:p>
-            <a:pPr marL="0" indent="0" algn="just">
-              <a:buNone/>
-            </a:pPr>
-            <a:r>
-              <a:rPr lang="pt-BR" sz="2400" b="1" dirty="0">
-                <a:solidFill>
-                  <a:srgbClr val="FF0000"/>
-                </a:solidFill>
-                <a:latin typeface="Times New Roman" panose="02020603050405020304" pitchFamily="18" charset="0"/>
-                <a:cs typeface="Times New Roman" panose="02020603050405020304" pitchFamily="18" charset="0"/>
-              </a:rPr>
-              <a:t>		default</a:t>
-            </a:r>
-            <a:r>
-              <a:rPr lang="pt-BR" sz="2400" dirty="0">
-                <a:solidFill>
-                  <a:schemeClr val="tx1"/>
-                </a:solidFill>
-                <a:latin typeface="Times New Roman" panose="02020603050405020304" pitchFamily="18" charset="0"/>
-                <a:cs typeface="Times New Roman" panose="02020603050405020304" pitchFamily="18" charset="0"/>
-              </a:rPr>
-              <a:t>: { Instruções</a:t>
-            </a:r>
-            <a:r>
-              <a:rPr lang="pt-BR" sz="2400">
-                <a:solidFill>
-                  <a:schemeClr val="tx1"/>
-                </a:solidFill>
-                <a:latin typeface="Times New Roman" panose="02020603050405020304" pitchFamily="18" charset="0"/>
-                <a:cs typeface="Times New Roman" panose="02020603050405020304" pitchFamily="18" charset="0"/>
-              </a:rPr>
-              <a:t>; break; </a:t>
-            </a:r>
-            <a:r>
-              <a:rPr lang="pt-BR" sz="2400" dirty="0">
-                <a:solidFill>
-                  <a:schemeClr val="tx1"/>
-                </a:solidFill>
-                <a:latin typeface="Times New Roman" panose="02020603050405020304" pitchFamily="18" charset="0"/>
-                <a:cs typeface="Times New Roman" panose="02020603050405020304" pitchFamily="18" charset="0"/>
-              </a:rPr>
-              <a:t>}</a:t>
+              <a:t>php</a:t>
             </a:r>
             <a:endParaRPr lang="pt-BR" sz="2400" b="1" dirty="0">
               <a:solidFill>
@@ -11502,6 +11841,86 @@
               <a:buNone/>
             </a:pPr>
             <a:r>
+              <a:rPr lang="pt-BR" sz="2400" dirty="0">
+                <a:solidFill>
+                  <a:schemeClr val="tx1"/>
+                </a:solidFill>
+                <a:latin typeface="Times New Roman" panose="02020603050405020304" pitchFamily="18" charset="0"/>
+                <a:cs typeface="Times New Roman" panose="02020603050405020304" pitchFamily="18" charset="0"/>
+              </a:rPr>
+              <a:t>	$n1 = $_GET[“x”];</a:t>
+            </a:r>
+          </a:p>
+          <a:p>
+            <a:pPr marL="0" indent="0" algn="just">
+              <a:buNone/>
+            </a:pPr>
+            <a:r>
+              <a:rPr lang="pt-BR" sz="2400" dirty="0">
+                <a:solidFill>
+                  <a:schemeClr val="tx1"/>
+                </a:solidFill>
+                <a:latin typeface="Times New Roman" panose="02020603050405020304" pitchFamily="18" charset="0"/>
+                <a:cs typeface="Times New Roman" panose="02020603050405020304" pitchFamily="18" charset="0"/>
+              </a:rPr>
+              <a:t>	$n2 = $_GET[“y”];</a:t>
+            </a:r>
+          </a:p>
+          <a:p>
+            <a:pPr marL="0" indent="0" algn="just">
+              <a:buNone/>
+            </a:pPr>
+            <a:r>
+              <a:rPr lang="pt-BR" sz="2400" dirty="0">
+                <a:solidFill>
+                  <a:schemeClr val="tx1"/>
+                </a:solidFill>
+                <a:latin typeface="Times New Roman" panose="02020603050405020304" pitchFamily="18" charset="0"/>
+                <a:cs typeface="Times New Roman" panose="02020603050405020304" pitchFamily="18" charset="0"/>
+              </a:rPr>
+              <a:t>	$soma = $n1 + $n2;</a:t>
+            </a:r>
+          </a:p>
+          <a:p>
+            <a:pPr marL="0" indent="0" algn="just">
+              <a:buNone/>
+            </a:pPr>
+            <a:r>
+              <a:rPr lang="pt-BR" sz="2400" dirty="0">
+                <a:solidFill>
+                  <a:schemeClr val="tx1"/>
+                </a:solidFill>
+                <a:latin typeface="Times New Roman" panose="02020603050405020304" pitchFamily="18" charset="0"/>
+                <a:cs typeface="Times New Roman" panose="02020603050405020304" pitchFamily="18" charset="0"/>
+              </a:rPr>
+              <a:t>	</a:t>
+            </a:r>
+            <a:r>
+              <a:rPr lang="pt-BR" sz="2400" b="1" dirty="0" err="1">
+                <a:solidFill>
+                  <a:schemeClr val="tx1"/>
+                </a:solidFill>
+                <a:latin typeface="Times New Roman" panose="02020603050405020304" pitchFamily="18" charset="0"/>
+                <a:cs typeface="Times New Roman" panose="02020603050405020304" pitchFamily="18" charset="0"/>
+              </a:rPr>
+              <a:t>echo</a:t>
+            </a:r>
+            <a:r>
+              <a:rPr lang="pt-BR" sz="2400" dirty="0">
+                <a:solidFill>
+                  <a:schemeClr val="tx1"/>
+                </a:solidFill>
+                <a:latin typeface="Times New Roman" panose="02020603050405020304" pitchFamily="18" charset="0"/>
+                <a:cs typeface="Times New Roman" panose="02020603050405020304" pitchFamily="18" charset="0"/>
+              </a:rPr>
+              <a:t> “total da soma: $soma”;</a:t>
+            </a:r>
+          </a:p>
+          <a:p>
+            <a:pPr marL="0" indent="0" algn="just">
+              <a:buNone/>
+            </a:pPr>
+            <a:r>
               <a:rPr lang="pt-BR" sz="2400" b="1" dirty="0">
                 <a:solidFill>
                   <a:srgbClr val="FF0000"/>
@@ -11509,27 +11928,25 @@
                 <a:latin typeface="Times New Roman" panose="02020603050405020304" pitchFamily="18" charset="0"/>
                 <a:cs typeface="Times New Roman" panose="02020603050405020304" pitchFamily="18" charset="0"/>
               </a:rPr>
-              <a:t>	}</a:t>
-            </a:r>
-          </a:p>
-          <a:p>
-            <a:pPr marL="0" indent="0" algn="just">
-              <a:buNone/>
-            </a:pPr>
-            <a:endParaRPr lang="pt-BR" sz="2400" dirty="0">
-              <a:solidFill>
-                <a:schemeClr val="tx1"/>
-              </a:solidFill>
-              <a:latin typeface="Times New Roman" panose="02020603050405020304" pitchFamily="18" charset="0"/>
-              <a:cs typeface="Times New Roman" panose="02020603050405020304" pitchFamily="18" charset="0"/>
-            </a:endParaRPr>
+              <a:t>?</a:t>
+            </a:r>
+            <a:r>
+              <a:rPr lang="pt-BR" sz="2400" dirty="0">
+                <a:solidFill>
+                  <a:schemeClr val="tx1"/>
+                </a:solidFill>
+                <a:latin typeface="Times New Roman" panose="02020603050405020304" pitchFamily="18" charset="0"/>
+                <a:cs typeface="Times New Roman" panose="02020603050405020304" pitchFamily="18" charset="0"/>
+              </a:rPr>
+              <a:t>&gt;</a:t>
+            </a:r>
           </a:p>
         </p:txBody>
       </p:sp>
     </p:spTree>
     <p:extLst>
       <p:ext uri="{BB962C8B-B14F-4D97-AF65-F5344CB8AC3E}">
-        <p14:creationId xmlns:p14="http://schemas.microsoft.com/office/powerpoint/2010/main" val="3896837476"/>
+        <p14:creationId xmlns:p14="http://schemas.microsoft.com/office/powerpoint/2010/main" val="3067034610"/>
       </p:ext>
     </p:extLst>
   </p:cSld>
@@ -11585,37 +12002,8 @@
                   <a:srgbClr val="0070C0"/>
                 </a:solidFill>
               </a:rPr>
-              <a:t>PHP – </a:t>
-            </a:r>
-            <a:r>
-              <a:rPr lang="en-US" b="1" dirty="0" err="1">
-                <a:solidFill>
-                  <a:srgbClr val="0070C0"/>
-                </a:solidFill>
-              </a:rPr>
-              <a:t>Estrutura</a:t>
-            </a:r>
-            <a:r>
-              <a:rPr lang="en-US" b="1" dirty="0">
-                <a:solidFill>
-                  <a:srgbClr val="0070C0"/>
-                </a:solidFill>
-              </a:rPr>
-              <a:t> de </a:t>
-            </a:r>
-            <a:r>
-              <a:rPr lang="en-US" b="1" dirty="0" err="1">
-                <a:solidFill>
-                  <a:srgbClr val="0070C0"/>
-                </a:solidFill>
-              </a:rPr>
-              <a:t>Repetição</a:t>
-            </a:r>
-            <a:endParaRPr lang="en-US" b="1" dirty="0">
-              <a:solidFill>
-                <a:srgbClr val="0070C0"/>
-              </a:solidFill>
-            </a:endParaRPr>
+              <a:t>PHP – Entrada de Dados Form</a:t>
+            </a:r>
           </a:p>
         </p:txBody>
       </p:sp>
@@ -11631,7 +12019,7 @@
         </p:nvSpPr>
         <p:spPr>
           <a:xfrm>
-            <a:off x="142865" y="1037312"/>
+            <a:off x="142865" y="1049838"/>
             <a:ext cx="8865056" cy="3900208"/>
           </a:xfrm>
         </p:spPr>
@@ -11652,7 +12040,7 @@
                 <a:latin typeface="Times New Roman" panose="02020603050405020304" pitchFamily="18" charset="0"/>
                 <a:cs typeface="Times New Roman" panose="02020603050405020304" pitchFamily="18" charset="0"/>
               </a:rPr>
-              <a:t>1. </a:t>
+              <a:t>&lt;</a:t>
             </a:r>
             <a:r>
               <a:rPr lang="pt-BR" sz="2400" b="1" dirty="0" err="1">
@@ -11662,17 +12050,17 @@
                 <a:latin typeface="Times New Roman" panose="02020603050405020304" pitchFamily="18" charset="0"/>
                 <a:cs typeface="Times New Roman" panose="02020603050405020304" pitchFamily="18" charset="0"/>
               </a:rPr>
-              <a:t>while</a:t>
-            </a:r>
-            <a:r>
-              <a:rPr lang="pt-BR" sz="2400" dirty="0">
-                <a:solidFill>
-                  <a:schemeClr val="tx1"/>
-                </a:solidFill>
-                <a:latin typeface="Times New Roman" panose="02020603050405020304" pitchFamily="18" charset="0"/>
-                <a:cs typeface="Times New Roman" panose="02020603050405020304" pitchFamily="18" charset="0"/>
-              </a:rPr>
-              <a:t> (</a:t>
+              <a:t>form</a:t>
+            </a:r>
+            <a:r>
+              <a:rPr lang="pt-BR" sz="2400" dirty="0">
+                <a:solidFill>
+                  <a:schemeClr val="tx1"/>
+                </a:solidFill>
+                <a:latin typeface="Times New Roman" panose="02020603050405020304" pitchFamily="18" charset="0"/>
+                <a:cs typeface="Times New Roman" panose="02020603050405020304" pitchFamily="18" charset="0"/>
+              </a:rPr>
+              <a:t> </a:t>
             </a:r>
             <a:r>
               <a:rPr lang="pt-BR" sz="2400" dirty="0" err="1">
@@ -11682,17 +12070,237 @@
                 <a:latin typeface="Times New Roman" panose="02020603050405020304" pitchFamily="18" charset="0"/>
                 <a:cs typeface="Times New Roman" panose="02020603050405020304" pitchFamily="18" charset="0"/>
               </a:rPr>
-              <a:t>exp</a:t>
-            </a:r>
-            <a:r>
-              <a:rPr lang="pt-BR" sz="2400" dirty="0">
-                <a:solidFill>
-                  <a:schemeClr val="tx1"/>
-                </a:solidFill>
-                <a:latin typeface="Times New Roman" panose="02020603050405020304" pitchFamily="18" charset="0"/>
-                <a:cs typeface="Times New Roman" panose="02020603050405020304" pitchFamily="18" charset="0"/>
-              </a:rPr>
-              <a:t>) { instruções }</a:t>
+              <a:t>method</a:t>
+            </a:r>
+            <a:r>
+              <a:rPr lang="pt-BR" sz="2400" dirty="0">
+                <a:solidFill>
+                  <a:schemeClr val="tx1"/>
+                </a:solidFill>
+                <a:latin typeface="Times New Roman" panose="02020603050405020304" pitchFamily="18" charset="0"/>
+                <a:cs typeface="Times New Roman" panose="02020603050405020304" pitchFamily="18" charset="0"/>
+              </a:rPr>
+              <a:t>=“</a:t>
+            </a:r>
+            <a:r>
+              <a:rPr lang="pt-BR" sz="2400" b="1" dirty="0" err="1">
+                <a:solidFill>
+                  <a:srgbClr val="FF0000"/>
+                </a:solidFill>
+                <a:latin typeface="Times New Roman" panose="02020603050405020304" pitchFamily="18" charset="0"/>
+                <a:cs typeface="Times New Roman" panose="02020603050405020304" pitchFamily="18" charset="0"/>
+              </a:rPr>
+              <a:t>get</a:t>
+            </a:r>
+            <a:r>
+              <a:rPr lang="pt-BR" sz="2400" b="1" dirty="0">
+                <a:solidFill>
+                  <a:srgbClr val="FF0000"/>
+                </a:solidFill>
+                <a:latin typeface="Times New Roman" panose="02020603050405020304" pitchFamily="18" charset="0"/>
+                <a:cs typeface="Times New Roman" panose="02020603050405020304" pitchFamily="18" charset="0"/>
+              </a:rPr>
+              <a:t>/post</a:t>
+            </a:r>
+            <a:r>
+              <a:rPr lang="pt-BR" sz="2400" dirty="0">
+                <a:solidFill>
+                  <a:schemeClr val="tx1"/>
+                </a:solidFill>
+                <a:latin typeface="Times New Roman" panose="02020603050405020304" pitchFamily="18" charset="0"/>
+                <a:cs typeface="Times New Roman" panose="02020603050405020304" pitchFamily="18" charset="0"/>
+              </a:rPr>
+              <a:t>” </a:t>
+            </a:r>
+            <a:r>
+              <a:rPr lang="pt-BR" sz="2400" dirty="0" err="1">
+                <a:solidFill>
+                  <a:schemeClr val="tx1"/>
+                </a:solidFill>
+                <a:latin typeface="Times New Roman" panose="02020603050405020304" pitchFamily="18" charset="0"/>
+                <a:cs typeface="Times New Roman" panose="02020603050405020304" pitchFamily="18" charset="0"/>
+              </a:rPr>
+              <a:t>action</a:t>
+            </a:r>
+            <a:r>
+              <a:rPr lang="pt-BR" sz="2400" dirty="0">
+                <a:solidFill>
+                  <a:schemeClr val="tx1"/>
+                </a:solidFill>
+                <a:latin typeface="Times New Roman" panose="02020603050405020304" pitchFamily="18" charset="0"/>
+                <a:cs typeface="Times New Roman" panose="02020603050405020304" pitchFamily="18" charset="0"/>
+              </a:rPr>
+              <a:t>=“</a:t>
+            </a:r>
+            <a:r>
+              <a:rPr lang="pt-BR" sz="2400" b="1" dirty="0" err="1">
+                <a:solidFill>
+                  <a:schemeClr val="tx1"/>
+                </a:solidFill>
+                <a:latin typeface="Times New Roman" panose="02020603050405020304" pitchFamily="18" charset="0"/>
+                <a:cs typeface="Times New Roman" panose="02020603050405020304" pitchFamily="18" charset="0"/>
+              </a:rPr>
+              <a:t>arquivo.php</a:t>
+            </a:r>
+            <a:r>
+              <a:rPr lang="pt-BR" sz="2400" dirty="0">
+                <a:solidFill>
+                  <a:schemeClr val="tx1"/>
+                </a:solidFill>
+                <a:latin typeface="Times New Roman" panose="02020603050405020304" pitchFamily="18" charset="0"/>
+                <a:cs typeface="Times New Roman" panose="02020603050405020304" pitchFamily="18" charset="0"/>
+              </a:rPr>
+              <a:t>”&gt;</a:t>
+            </a:r>
+          </a:p>
+          <a:p>
+            <a:pPr marL="0" indent="0" algn="just">
+              <a:buNone/>
+            </a:pPr>
+            <a:r>
+              <a:rPr lang="pt-BR" sz="2400" dirty="0">
+                <a:solidFill>
+                  <a:schemeClr val="tx1"/>
+                </a:solidFill>
+                <a:latin typeface="Times New Roman" panose="02020603050405020304" pitchFamily="18" charset="0"/>
+                <a:cs typeface="Times New Roman" panose="02020603050405020304" pitchFamily="18" charset="0"/>
+              </a:rPr>
+              <a:t>	Idade:&lt;</a:t>
+            </a:r>
+            <a:r>
+              <a:rPr lang="pt-BR" sz="2400" b="1" dirty="0">
+                <a:solidFill>
+                  <a:schemeClr val="tx1"/>
+                </a:solidFill>
+                <a:latin typeface="Times New Roman" panose="02020603050405020304" pitchFamily="18" charset="0"/>
+                <a:cs typeface="Times New Roman" panose="02020603050405020304" pitchFamily="18" charset="0"/>
+              </a:rPr>
+              <a:t>input</a:t>
+            </a:r>
+            <a:r>
+              <a:rPr lang="pt-BR" sz="2400" dirty="0">
+                <a:solidFill>
+                  <a:schemeClr val="tx1"/>
+                </a:solidFill>
+                <a:latin typeface="Times New Roman" panose="02020603050405020304" pitchFamily="18" charset="0"/>
+                <a:cs typeface="Times New Roman" panose="02020603050405020304" pitchFamily="18" charset="0"/>
+              </a:rPr>
+              <a:t> </a:t>
+            </a:r>
+            <a:r>
+              <a:rPr lang="pt-BR" sz="2400" dirty="0" err="1">
+                <a:solidFill>
+                  <a:schemeClr val="tx1"/>
+                </a:solidFill>
+                <a:latin typeface="Times New Roman" panose="02020603050405020304" pitchFamily="18" charset="0"/>
+                <a:cs typeface="Times New Roman" panose="02020603050405020304" pitchFamily="18" charset="0"/>
+              </a:rPr>
+              <a:t>type</a:t>
+            </a:r>
+            <a:r>
+              <a:rPr lang="pt-BR" sz="2400" dirty="0">
+                <a:solidFill>
+                  <a:schemeClr val="tx1"/>
+                </a:solidFill>
+                <a:latin typeface="Times New Roman" panose="02020603050405020304" pitchFamily="18" charset="0"/>
+                <a:cs typeface="Times New Roman" panose="02020603050405020304" pitchFamily="18" charset="0"/>
+              </a:rPr>
+              <a:t>=“</a:t>
+            </a:r>
+            <a:r>
+              <a:rPr lang="pt-BR" sz="2400" dirty="0" err="1">
+                <a:solidFill>
+                  <a:schemeClr val="tx1"/>
+                </a:solidFill>
+                <a:latin typeface="Times New Roman" panose="02020603050405020304" pitchFamily="18" charset="0"/>
+                <a:cs typeface="Times New Roman" panose="02020603050405020304" pitchFamily="18" charset="0"/>
+              </a:rPr>
+              <a:t>text</a:t>
+            </a:r>
+            <a:r>
+              <a:rPr lang="pt-BR" sz="2400" dirty="0">
+                <a:solidFill>
+                  <a:schemeClr val="tx1"/>
+                </a:solidFill>
+                <a:latin typeface="Times New Roman" panose="02020603050405020304" pitchFamily="18" charset="0"/>
+                <a:cs typeface="Times New Roman" panose="02020603050405020304" pitchFamily="18" charset="0"/>
+              </a:rPr>
+              <a:t>” </a:t>
+            </a:r>
+            <a:r>
+              <a:rPr lang="pt-BR" sz="2400" b="1" dirty="0" err="1">
+                <a:solidFill>
+                  <a:schemeClr val="tx1"/>
+                </a:solidFill>
+                <a:latin typeface="Times New Roman" panose="02020603050405020304" pitchFamily="18" charset="0"/>
+                <a:cs typeface="Times New Roman" panose="02020603050405020304" pitchFamily="18" charset="0"/>
+              </a:rPr>
+              <a:t>name</a:t>
+            </a:r>
+            <a:r>
+              <a:rPr lang="pt-BR" sz="2400" dirty="0">
+                <a:solidFill>
+                  <a:schemeClr val="tx1"/>
+                </a:solidFill>
+                <a:latin typeface="Times New Roman" panose="02020603050405020304" pitchFamily="18" charset="0"/>
+                <a:cs typeface="Times New Roman" panose="02020603050405020304" pitchFamily="18" charset="0"/>
+              </a:rPr>
+              <a:t>=“</a:t>
+            </a:r>
+            <a:r>
+              <a:rPr lang="pt-BR" sz="2400" dirty="0" err="1">
+                <a:solidFill>
+                  <a:schemeClr val="tx1"/>
+                </a:solidFill>
+                <a:latin typeface="Times New Roman" panose="02020603050405020304" pitchFamily="18" charset="0"/>
+                <a:cs typeface="Times New Roman" panose="02020603050405020304" pitchFamily="18" charset="0"/>
+              </a:rPr>
+              <a:t>p_idade</a:t>
+            </a:r>
+            <a:r>
+              <a:rPr lang="pt-BR" sz="2400" dirty="0">
+                <a:solidFill>
+                  <a:schemeClr val="tx1"/>
+                </a:solidFill>
+                <a:latin typeface="Times New Roman" panose="02020603050405020304" pitchFamily="18" charset="0"/>
+                <a:cs typeface="Times New Roman" panose="02020603050405020304" pitchFamily="18" charset="0"/>
+              </a:rPr>
+              <a:t>”/&gt;</a:t>
+            </a:r>
+          </a:p>
+          <a:p>
+            <a:pPr marL="0" indent="0" algn="just">
+              <a:buNone/>
+            </a:pPr>
+            <a:r>
+              <a:rPr lang="pt-BR" sz="2400" dirty="0">
+                <a:solidFill>
+                  <a:schemeClr val="tx1"/>
+                </a:solidFill>
+                <a:latin typeface="Times New Roman" panose="02020603050405020304" pitchFamily="18" charset="0"/>
+                <a:cs typeface="Times New Roman" panose="02020603050405020304" pitchFamily="18" charset="0"/>
+              </a:rPr>
+              <a:t>&lt;/</a:t>
+            </a:r>
+            <a:r>
+              <a:rPr lang="pt-BR" sz="2400" b="1" dirty="0" err="1">
+                <a:solidFill>
+                  <a:schemeClr val="tx1"/>
+                </a:solidFill>
+                <a:latin typeface="Times New Roman" panose="02020603050405020304" pitchFamily="18" charset="0"/>
+                <a:cs typeface="Times New Roman" panose="02020603050405020304" pitchFamily="18" charset="0"/>
+              </a:rPr>
+              <a:t>form</a:t>
+            </a:r>
+            <a:r>
+              <a:rPr lang="pt-BR" sz="2400" dirty="0">
+                <a:solidFill>
+                  <a:schemeClr val="tx1"/>
+                </a:solidFill>
+                <a:latin typeface="Times New Roman" panose="02020603050405020304" pitchFamily="18" charset="0"/>
+                <a:cs typeface="Times New Roman" panose="02020603050405020304" pitchFamily="18" charset="0"/>
+              </a:rPr>
+              <a:t>&gt;</a:t>
             </a:r>
           </a:p>
           <a:p>
@@ -11719,71 +12327,101 @@
                 <a:latin typeface="Times New Roman" panose="02020603050405020304" pitchFamily="18" charset="0"/>
                 <a:cs typeface="Times New Roman" panose="02020603050405020304" pitchFamily="18" charset="0"/>
               </a:rPr>
-              <a:t>2. 	{ instruções }</a:t>
-            </a:r>
-          </a:p>
-          <a:p>
-            <a:pPr marL="0" indent="0" algn="just">
-              <a:buNone/>
-            </a:pPr>
-            <a:r>
-              <a:rPr lang="pt-BR" sz="2400" b="1" dirty="0">
-                <a:solidFill>
-                  <a:schemeClr val="tx1"/>
-                </a:solidFill>
-                <a:latin typeface="Times New Roman" panose="02020603050405020304" pitchFamily="18" charset="0"/>
-                <a:cs typeface="Times New Roman" panose="02020603050405020304" pitchFamily="18" charset="0"/>
-              </a:rPr>
-              <a:t>do </a:t>
+              <a:t>&lt;</a:t>
+            </a:r>
+            <a:r>
+              <a:rPr lang="pt-BR" sz="2400" b="1" dirty="0">
+                <a:solidFill>
+                  <a:srgbClr val="FF0000"/>
+                </a:solidFill>
+                <a:latin typeface="Times New Roman" panose="02020603050405020304" pitchFamily="18" charset="0"/>
+                <a:cs typeface="Times New Roman" panose="02020603050405020304" pitchFamily="18" charset="0"/>
+              </a:rPr>
+              <a:t>?</a:t>
             </a:r>
             <a:r>
               <a:rPr lang="pt-BR" sz="2400" b="1" dirty="0" err="1">
                 <a:solidFill>
-                  <a:schemeClr val="tx1"/>
-                </a:solidFill>
-                <a:latin typeface="Times New Roman" panose="02020603050405020304" pitchFamily="18" charset="0"/>
-                <a:cs typeface="Times New Roman" panose="02020603050405020304" pitchFamily="18" charset="0"/>
-              </a:rPr>
-              <a:t>while</a:t>
-            </a:r>
-            <a:r>
-              <a:rPr lang="pt-BR" sz="2400" dirty="0">
-                <a:solidFill>
-                  <a:schemeClr val="tx1"/>
-                </a:solidFill>
-                <a:latin typeface="Times New Roman" panose="02020603050405020304" pitchFamily="18" charset="0"/>
-                <a:cs typeface="Times New Roman" panose="02020603050405020304" pitchFamily="18" charset="0"/>
-              </a:rPr>
-              <a:t> (</a:t>
-            </a:r>
-            <a:r>
-              <a:rPr lang="pt-BR" sz="2400" dirty="0" err="1">
-                <a:solidFill>
-                  <a:schemeClr val="tx1"/>
-                </a:solidFill>
-                <a:latin typeface="Times New Roman" panose="02020603050405020304" pitchFamily="18" charset="0"/>
-                <a:cs typeface="Times New Roman" panose="02020603050405020304" pitchFamily="18" charset="0"/>
-              </a:rPr>
-              <a:t>exp</a:t>
-            </a:r>
-            <a:r>
-              <a:rPr lang="pt-BR" sz="2400" dirty="0">
-                <a:solidFill>
-                  <a:schemeClr val="tx1"/>
-                </a:solidFill>
-                <a:latin typeface="Times New Roman" panose="02020603050405020304" pitchFamily="18" charset="0"/>
-                <a:cs typeface="Times New Roman" panose="02020603050405020304" pitchFamily="18" charset="0"/>
-              </a:rPr>
-              <a:t>);</a:t>
-            </a:r>
-          </a:p>
-          <a:p>
-            <a:pPr marL="0" indent="0" algn="just">
-              <a:buNone/>
-            </a:pPr>
-            <a:endParaRPr lang="pt-BR" sz="2400" dirty="0">
+                  <a:srgbClr val="FF0000"/>
+                </a:solidFill>
+                <a:latin typeface="Times New Roman" panose="02020603050405020304" pitchFamily="18" charset="0"/>
+                <a:cs typeface="Times New Roman" panose="02020603050405020304" pitchFamily="18" charset="0"/>
+              </a:rPr>
+              <a:t>php</a:t>
+            </a:r>
+            <a:r>
+              <a:rPr lang="pt-BR" sz="2400" b="1" dirty="0">
+                <a:solidFill>
+                  <a:srgbClr val="FF0000"/>
+                </a:solidFill>
+                <a:latin typeface="Times New Roman" panose="02020603050405020304" pitchFamily="18" charset="0"/>
+                <a:cs typeface="Times New Roman" panose="02020603050405020304" pitchFamily="18" charset="0"/>
+              </a:rPr>
+              <a:t> // </a:t>
+            </a:r>
+            <a:r>
+              <a:rPr lang="pt-BR" sz="2400" b="1" dirty="0">
+                <a:solidFill>
+                  <a:schemeClr val="tx1"/>
+                </a:solidFill>
+                <a:latin typeface="Times New Roman" panose="02020603050405020304" pitchFamily="18" charset="0"/>
+                <a:cs typeface="Times New Roman" panose="02020603050405020304" pitchFamily="18" charset="0"/>
+              </a:rPr>
+              <a:t>Nota</a:t>
+            </a:r>
+            <a:r>
+              <a:rPr lang="pt-BR" sz="2400" dirty="0">
+                <a:solidFill>
+                  <a:schemeClr val="tx1"/>
+                </a:solidFill>
+                <a:latin typeface="Times New Roman" panose="02020603050405020304" pitchFamily="18" charset="0"/>
+                <a:cs typeface="Times New Roman" panose="02020603050405020304" pitchFamily="18" charset="0"/>
+              </a:rPr>
+              <a:t>: A </a:t>
+            </a:r>
+            <a:r>
+              <a:rPr lang="pt-BR" sz="2400" b="1" dirty="0">
+                <a:solidFill>
+                  <a:schemeClr val="tx1"/>
+                </a:solidFill>
+                <a:latin typeface="Times New Roman" panose="02020603050405020304" pitchFamily="18" charset="0"/>
+                <a:cs typeface="Times New Roman" panose="02020603050405020304" pitchFamily="18" charset="0"/>
+              </a:rPr>
+              <a:t>função </a:t>
+            </a:r>
+            <a:r>
+              <a:rPr lang="pt-BR" sz="2400" b="1" dirty="0" err="1">
+                <a:solidFill>
+                  <a:schemeClr val="tx1"/>
+                </a:solidFill>
+                <a:latin typeface="Times New Roman" panose="02020603050405020304" pitchFamily="18" charset="0"/>
+                <a:cs typeface="Times New Roman" panose="02020603050405020304" pitchFamily="18" charset="0"/>
+              </a:rPr>
+              <a:t>issue</a:t>
+            </a:r>
+            <a:r>
+              <a:rPr lang="pt-BR" sz="2400" b="1" dirty="0">
+                <a:solidFill>
+                  <a:schemeClr val="tx1"/>
+                </a:solidFill>
+                <a:latin typeface="Times New Roman" panose="02020603050405020304" pitchFamily="18" charset="0"/>
+                <a:cs typeface="Times New Roman" panose="02020603050405020304" pitchFamily="18" charset="0"/>
+              </a:rPr>
+              <a:t>()</a:t>
+            </a:r>
+            <a:r>
+              <a:rPr lang="pt-BR" sz="2400" dirty="0">
+                <a:solidFill>
+                  <a:schemeClr val="tx1"/>
+                </a:solidFill>
+                <a:latin typeface="Times New Roman" panose="02020603050405020304" pitchFamily="18" charset="0"/>
+                <a:cs typeface="Times New Roman" panose="02020603050405020304" pitchFamily="18" charset="0"/>
+              </a:rPr>
+              <a:t> testar o valor que vem da URL.</a:t>
+            </a:r>
+            <a:endParaRPr lang="pt-BR" sz="2400" b="1" dirty="0">
               <a:solidFill>
-                <a:schemeClr val="tx1"/>
+                <a:srgbClr val="FF0000"/>
               </a:solidFill>
               <a:latin typeface="Times New Roman" panose="02020603050405020304" pitchFamily="18" charset="0"/>
               <a:cs typeface="Times New Roman" panose="02020603050405020304" pitchFamily="18" charset="0"/>
@@ -11801,47 +12439,335 @@
                 <a:latin typeface="Times New Roman" panose="02020603050405020304" pitchFamily="18" charset="0"/>
                 <a:cs typeface="Times New Roman" panose="02020603050405020304" pitchFamily="18" charset="0"/>
               </a:rPr>
-              <a:t>3. </a:t>
-            </a:r>
-            <a:r>
-              <a:rPr lang="pt-BR" sz="2400" b="1" dirty="0">
-                <a:solidFill>
-                  <a:schemeClr val="tx1"/>
-                </a:solidFill>
-                <a:latin typeface="Times New Roman" panose="02020603050405020304" pitchFamily="18" charset="0"/>
-                <a:cs typeface="Times New Roman" panose="02020603050405020304" pitchFamily="18" charset="0"/>
-              </a:rPr>
-              <a:t>for</a:t>
-            </a:r>
-            <a:r>
-              <a:rPr lang="pt-BR" sz="2400" dirty="0">
-                <a:solidFill>
-                  <a:schemeClr val="tx1"/>
-                </a:solidFill>
-                <a:latin typeface="Times New Roman" panose="02020603050405020304" pitchFamily="18" charset="0"/>
-                <a:cs typeface="Times New Roman" panose="02020603050405020304" pitchFamily="18" charset="0"/>
-              </a:rPr>
-              <a:t> ($x = 0; $x &lt; 10; $x++) { instruções }</a:t>
-            </a:r>
-          </a:p>
-          <a:p>
-            <a:pPr marL="0" indent="0" algn="just">
-              <a:buNone/>
-            </a:pPr>
-            <a:endParaRPr lang="pt-BR" sz="2400" dirty="0">
-              <a:solidFill>
-                <a:schemeClr val="tx1"/>
-              </a:solidFill>
-              <a:latin typeface="Times New Roman" panose="02020603050405020304" pitchFamily="18" charset="0"/>
-              <a:cs typeface="Times New Roman" panose="02020603050405020304" pitchFamily="18" charset="0"/>
-            </a:endParaRPr>
+              <a:t>	</a:t>
+            </a:r>
+            <a:r>
+              <a:rPr lang="pt-BR" sz="2400" b="1" dirty="0">
+                <a:solidFill>
+                  <a:schemeClr val="tx1"/>
+                </a:solidFill>
+                <a:latin typeface="Times New Roman" panose="02020603050405020304" pitchFamily="18" charset="0"/>
+                <a:cs typeface="Times New Roman" panose="02020603050405020304" pitchFamily="18" charset="0"/>
+              </a:rPr>
+              <a:t>$idade</a:t>
+            </a:r>
+            <a:r>
+              <a:rPr lang="pt-BR" sz="2400" dirty="0">
+                <a:solidFill>
+                  <a:schemeClr val="tx1"/>
+                </a:solidFill>
+                <a:latin typeface="Times New Roman" panose="02020603050405020304" pitchFamily="18" charset="0"/>
+                <a:cs typeface="Times New Roman" panose="02020603050405020304" pitchFamily="18" charset="0"/>
+              </a:rPr>
+              <a:t> = </a:t>
+            </a:r>
+            <a:r>
+              <a:rPr lang="pt-BR" sz="2400" b="1" dirty="0" err="1">
+                <a:solidFill>
+                  <a:schemeClr val="tx1"/>
+                </a:solidFill>
+                <a:latin typeface="Times New Roman" panose="02020603050405020304" pitchFamily="18" charset="0"/>
+                <a:cs typeface="Times New Roman" panose="02020603050405020304" pitchFamily="18" charset="0"/>
+              </a:rPr>
+              <a:t>isset</a:t>
+            </a:r>
+            <a:r>
+              <a:rPr lang="pt-BR" sz="2400" dirty="0">
+                <a:solidFill>
+                  <a:schemeClr val="tx1"/>
+                </a:solidFill>
+                <a:latin typeface="Times New Roman" panose="02020603050405020304" pitchFamily="18" charset="0"/>
+                <a:cs typeface="Times New Roman" panose="02020603050405020304" pitchFamily="18" charset="0"/>
+              </a:rPr>
+              <a:t>($_</a:t>
+            </a:r>
+            <a:r>
+              <a:rPr lang="pt-BR" sz="2400" b="1" dirty="0">
+                <a:solidFill>
+                  <a:schemeClr val="tx1"/>
+                </a:solidFill>
+                <a:latin typeface="Times New Roman" panose="02020603050405020304" pitchFamily="18" charset="0"/>
+                <a:cs typeface="Times New Roman" panose="02020603050405020304" pitchFamily="18" charset="0"/>
+              </a:rPr>
+              <a:t>GET</a:t>
+            </a:r>
+            <a:r>
+              <a:rPr lang="pt-BR" sz="2400" dirty="0">
+                <a:solidFill>
+                  <a:schemeClr val="tx1"/>
+                </a:solidFill>
+                <a:latin typeface="Times New Roman" panose="02020603050405020304" pitchFamily="18" charset="0"/>
+                <a:cs typeface="Times New Roman" panose="02020603050405020304" pitchFamily="18" charset="0"/>
+              </a:rPr>
+              <a:t>[“</a:t>
+            </a:r>
+            <a:r>
+              <a:rPr lang="pt-BR" sz="2400" dirty="0" err="1">
+                <a:solidFill>
+                  <a:schemeClr val="tx1"/>
+                </a:solidFill>
+                <a:latin typeface="Times New Roman" panose="02020603050405020304" pitchFamily="18" charset="0"/>
+                <a:cs typeface="Times New Roman" panose="02020603050405020304" pitchFamily="18" charset="0"/>
+              </a:rPr>
+              <a:t>p_idade</a:t>
+            </a:r>
+            <a:r>
+              <a:rPr lang="pt-BR" sz="2400" dirty="0">
+                <a:solidFill>
+                  <a:schemeClr val="tx1"/>
+                </a:solidFill>
+                <a:latin typeface="Times New Roman" panose="02020603050405020304" pitchFamily="18" charset="0"/>
+                <a:cs typeface="Times New Roman" panose="02020603050405020304" pitchFamily="18" charset="0"/>
+              </a:rPr>
+              <a:t>”]) </a:t>
+            </a:r>
+            <a:r>
+              <a:rPr lang="pt-BR" sz="2400" b="1" dirty="0">
+                <a:solidFill>
+                  <a:schemeClr val="tx1"/>
+                </a:solidFill>
+                <a:latin typeface="Times New Roman" panose="02020603050405020304" pitchFamily="18" charset="0"/>
+                <a:cs typeface="Times New Roman" panose="02020603050405020304" pitchFamily="18" charset="0"/>
+              </a:rPr>
+              <a:t>?</a:t>
+            </a:r>
+            <a:r>
+              <a:rPr lang="pt-BR" sz="2400" dirty="0">
+                <a:solidFill>
+                  <a:schemeClr val="tx1"/>
+                </a:solidFill>
+                <a:latin typeface="Times New Roman" panose="02020603050405020304" pitchFamily="18" charset="0"/>
+                <a:cs typeface="Times New Roman" panose="02020603050405020304" pitchFamily="18" charset="0"/>
+              </a:rPr>
+              <a:t> $_</a:t>
+            </a:r>
+            <a:r>
+              <a:rPr lang="pt-BR" sz="2400" b="1" dirty="0">
+                <a:solidFill>
+                  <a:schemeClr val="tx1"/>
+                </a:solidFill>
+                <a:latin typeface="Times New Roman" panose="02020603050405020304" pitchFamily="18" charset="0"/>
+                <a:cs typeface="Times New Roman" panose="02020603050405020304" pitchFamily="18" charset="0"/>
+              </a:rPr>
+              <a:t>GET</a:t>
+            </a:r>
+            <a:r>
+              <a:rPr lang="pt-BR" sz="2400" dirty="0">
+                <a:solidFill>
+                  <a:schemeClr val="tx1"/>
+                </a:solidFill>
+                <a:latin typeface="Times New Roman" panose="02020603050405020304" pitchFamily="18" charset="0"/>
+                <a:cs typeface="Times New Roman" panose="02020603050405020304" pitchFamily="18" charset="0"/>
+              </a:rPr>
+              <a:t>[“</a:t>
+            </a:r>
+            <a:r>
+              <a:rPr lang="pt-BR" sz="2400" dirty="0" err="1">
+                <a:solidFill>
+                  <a:schemeClr val="tx1"/>
+                </a:solidFill>
+                <a:latin typeface="Times New Roman" panose="02020603050405020304" pitchFamily="18" charset="0"/>
+                <a:cs typeface="Times New Roman" panose="02020603050405020304" pitchFamily="18" charset="0"/>
+              </a:rPr>
+              <a:t>p_idade</a:t>
+            </a:r>
+            <a:r>
+              <a:rPr lang="pt-BR" sz="2400" dirty="0">
+                <a:solidFill>
+                  <a:schemeClr val="tx1"/>
+                </a:solidFill>
+                <a:latin typeface="Times New Roman" panose="02020603050405020304" pitchFamily="18" charset="0"/>
+                <a:cs typeface="Times New Roman" panose="02020603050405020304" pitchFamily="18" charset="0"/>
+              </a:rPr>
+              <a:t>”] </a:t>
+            </a:r>
+            <a:r>
+              <a:rPr lang="pt-BR" sz="2400" b="1" dirty="0">
+                <a:solidFill>
+                  <a:schemeClr val="tx1"/>
+                </a:solidFill>
+                <a:latin typeface="Times New Roman" panose="02020603050405020304" pitchFamily="18" charset="0"/>
+                <a:cs typeface="Times New Roman" panose="02020603050405020304" pitchFamily="18" charset="0"/>
+              </a:rPr>
+              <a:t>:</a:t>
+            </a:r>
+            <a:r>
+              <a:rPr lang="pt-BR" sz="2400" dirty="0">
+                <a:solidFill>
+                  <a:schemeClr val="tx1"/>
+                </a:solidFill>
+                <a:latin typeface="Times New Roman" panose="02020603050405020304" pitchFamily="18" charset="0"/>
+                <a:cs typeface="Times New Roman" panose="02020603050405020304" pitchFamily="18" charset="0"/>
+              </a:rPr>
+              <a:t> 0;  // OU</a:t>
+            </a:r>
+          </a:p>
+          <a:p>
+            <a:pPr marL="0" indent="0" algn="just">
+              <a:buNone/>
+            </a:pPr>
+            <a:r>
+              <a:rPr lang="pt-BR" sz="2400" dirty="0">
+                <a:solidFill>
+                  <a:schemeClr val="tx1"/>
+                </a:solidFill>
+                <a:latin typeface="Times New Roman" panose="02020603050405020304" pitchFamily="18" charset="0"/>
+                <a:cs typeface="Times New Roman" panose="02020603050405020304" pitchFamily="18" charset="0"/>
+              </a:rPr>
+              <a:t>	</a:t>
+            </a:r>
+            <a:r>
+              <a:rPr lang="pt-BR" sz="2400" b="1" dirty="0">
+                <a:solidFill>
+                  <a:schemeClr val="tx1"/>
+                </a:solidFill>
+                <a:latin typeface="Times New Roman" panose="02020603050405020304" pitchFamily="18" charset="0"/>
+                <a:cs typeface="Times New Roman" panose="02020603050405020304" pitchFamily="18" charset="0"/>
+              </a:rPr>
+              <a:t>$idade</a:t>
+            </a:r>
+            <a:r>
+              <a:rPr lang="pt-BR" sz="2400" dirty="0">
+                <a:solidFill>
+                  <a:schemeClr val="tx1"/>
+                </a:solidFill>
+                <a:latin typeface="Times New Roman" panose="02020603050405020304" pitchFamily="18" charset="0"/>
+                <a:cs typeface="Times New Roman" panose="02020603050405020304" pitchFamily="18" charset="0"/>
+              </a:rPr>
+              <a:t> = </a:t>
+            </a:r>
+            <a:r>
+              <a:rPr lang="pt-BR" sz="2400" b="1" dirty="0" err="1">
+                <a:solidFill>
+                  <a:schemeClr val="tx1"/>
+                </a:solidFill>
+                <a:latin typeface="Times New Roman" panose="02020603050405020304" pitchFamily="18" charset="0"/>
+                <a:cs typeface="Times New Roman" panose="02020603050405020304" pitchFamily="18" charset="0"/>
+              </a:rPr>
+              <a:t>isset</a:t>
+            </a:r>
+            <a:r>
+              <a:rPr lang="pt-BR" sz="2400" dirty="0">
+                <a:solidFill>
+                  <a:schemeClr val="tx1"/>
+                </a:solidFill>
+                <a:latin typeface="Times New Roman" panose="02020603050405020304" pitchFamily="18" charset="0"/>
+                <a:cs typeface="Times New Roman" panose="02020603050405020304" pitchFamily="18" charset="0"/>
+              </a:rPr>
+              <a:t>($_</a:t>
+            </a:r>
+            <a:r>
+              <a:rPr lang="pt-BR" sz="2400" b="1" dirty="0">
+                <a:solidFill>
+                  <a:srgbClr val="FF0000"/>
+                </a:solidFill>
+                <a:latin typeface="Times New Roman" panose="02020603050405020304" pitchFamily="18" charset="0"/>
+                <a:cs typeface="Times New Roman" panose="02020603050405020304" pitchFamily="18" charset="0"/>
+              </a:rPr>
+              <a:t>POST</a:t>
+            </a:r>
+            <a:r>
+              <a:rPr lang="pt-BR" sz="2400" dirty="0">
+                <a:solidFill>
+                  <a:schemeClr val="tx1"/>
+                </a:solidFill>
+                <a:latin typeface="Times New Roman" panose="02020603050405020304" pitchFamily="18" charset="0"/>
+                <a:cs typeface="Times New Roman" panose="02020603050405020304" pitchFamily="18" charset="0"/>
+              </a:rPr>
+              <a:t>[“</a:t>
+            </a:r>
+            <a:r>
+              <a:rPr lang="pt-BR" sz="2400" dirty="0" err="1">
+                <a:solidFill>
+                  <a:schemeClr val="tx1"/>
+                </a:solidFill>
+                <a:latin typeface="Times New Roman" panose="02020603050405020304" pitchFamily="18" charset="0"/>
+                <a:cs typeface="Times New Roman" panose="02020603050405020304" pitchFamily="18" charset="0"/>
+              </a:rPr>
+              <a:t>p_idade</a:t>
+            </a:r>
+            <a:r>
+              <a:rPr lang="pt-BR" sz="2400" dirty="0">
+                <a:solidFill>
+                  <a:schemeClr val="tx1"/>
+                </a:solidFill>
+                <a:latin typeface="Times New Roman" panose="02020603050405020304" pitchFamily="18" charset="0"/>
+                <a:cs typeface="Times New Roman" panose="02020603050405020304" pitchFamily="18" charset="0"/>
+              </a:rPr>
+              <a:t>”]) ? ($_</a:t>
+            </a:r>
+            <a:r>
+              <a:rPr lang="pt-BR" sz="2400" b="1" dirty="0">
+                <a:solidFill>
+                  <a:srgbClr val="FF0000"/>
+                </a:solidFill>
+                <a:latin typeface="Times New Roman" panose="02020603050405020304" pitchFamily="18" charset="0"/>
+                <a:cs typeface="Times New Roman" panose="02020603050405020304" pitchFamily="18" charset="0"/>
+              </a:rPr>
+              <a:t>POST</a:t>
+            </a:r>
+            <a:r>
+              <a:rPr lang="pt-BR" sz="2400" dirty="0">
+                <a:solidFill>
+                  <a:schemeClr val="tx1"/>
+                </a:solidFill>
+                <a:latin typeface="Times New Roman" panose="02020603050405020304" pitchFamily="18" charset="0"/>
+                <a:cs typeface="Times New Roman" panose="02020603050405020304" pitchFamily="18" charset="0"/>
+              </a:rPr>
+              <a:t>[“</a:t>
+            </a:r>
+            <a:r>
+              <a:rPr lang="pt-BR" sz="2400" dirty="0" err="1">
+                <a:solidFill>
+                  <a:schemeClr val="tx1"/>
+                </a:solidFill>
+                <a:latin typeface="Times New Roman" panose="02020603050405020304" pitchFamily="18" charset="0"/>
+                <a:cs typeface="Times New Roman" panose="02020603050405020304" pitchFamily="18" charset="0"/>
+              </a:rPr>
+              <a:t>p_idade</a:t>
+            </a:r>
+            <a:r>
+              <a:rPr lang="pt-BR" sz="2400" dirty="0">
+                <a:solidFill>
+                  <a:schemeClr val="tx1"/>
+                </a:solidFill>
+                <a:latin typeface="Times New Roman" panose="02020603050405020304" pitchFamily="18" charset="0"/>
+                <a:cs typeface="Times New Roman" panose="02020603050405020304" pitchFamily="18" charset="0"/>
+              </a:rPr>
+              <a:t>”]: 0; </a:t>
+            </a:r>
+          </a:p>
+          <a:p>
+            <a:pPr marL="0" indent="0" algn="just">
+              <a:buNone/>
+            </a:pPr>
+            <a:r>
+              <a:rPr lang="pt-BR" sz="2400" b="1" dirty="0">
+                <a:solidFill>
+                  <a:srgbClr val="FF0000"/>
+                </a:solidFill>
+                <a:latin typeface="Times New Roman" panose="02020603050405020304" pitchFamily="18" charset="0"/>
+                <a:cs typeface="Times New Roman" panose="02020603050405020304" pitchFamily="18" charset="0"/>
+              </a:rPr>
+              <a:t>?</a:t>
+            </a:r>
+            <a:r>
+              <a:rPr lang="pt-BR" sz="2400" dirty="0">
+                <a:solidFill>
+                  <a:schemeClr val="tx1"/>
+                </a:solidFill>
+                <a:latin typeface="Times New Roman" panose="02020603050405020304" pitchFamily="18" charset="0"/>
+                <a:cs typeface="Times New Roman" panose="02020603050405020304" pitchFamily="18" charset="0"/>
+              </a:rPr>
+              <a:t>&gt;</a:t>
+            </a:r>
           </a:p>
         </p:txBody>
       </p:sp>
     </p:spTree>
     <p:extLst>
       <p:ext uri="{BB962C8B-B14F-4D97-AF65-F5344CB8AC3E}">
-        <p14:creationId xmlns:p14="http://schemas.microsoft.com/office/powerpoint/2010/main" val="3523219720"/>
+        <p14:creationId xmlns:p14="http://schemas.microsoft.com/office/powerpoint/2010/main" val="836791198"/>
       </p:ext>
     </p:extLst>
   </p:cSld>
@@ -11892,12 +12818,20 @@
           <a:lstStyle/>
           <a:p>
             <a:r>
+              <a:rPr lang="en-US" b="1" dirty="0">
+                <a:solidFill>
+                  <a:srgbClr val="0070C0"/>
+                </a:solidFill>
+              </a:rPr>
+              <a:t>PHP – </a:t>
+            </a:r>
+            <a:r>
               <a:rPr lang="en-US" b="1" dirty="0" err="1">
                 <a:solidFill>
                   <a:srgbClr val="0070C0"/>
                 </a:solidFill>
               </a:rPr>
-              <a:t>Leitura</a:t>
+              <a:t>Estrutura</a:t>
             </a:r>
             <a:r>
               <a:rPr lang="en-US" b="1" dirty="0">
@@ -11905,7 +12839,7 @@
                   <a:srgbClr val="0070C0"/>
                 </a:solidFill>
               </a:rPr>
-              <a:t> </a:t>
+              <a:t> de </a:t>
             </a:r>
             <a:r>
               <a:rPr lang="en-US" b="1" dirty="0" err="1">
@@ -11913,13 +12847,16 @@
                   <a:srgbClr val="0070C0"/>
                 </a:solidFill>
               </a:rPr>
-              <a:t>Específica</a:t>
-            </a:r>
-            <a:endParaRPr lang="en-US" b="1" dirty="0">
-              <a:solidFill>
-                <a:srgbClr val="0070C0"/>
-              </a:solidFill>
-            </a:endParaRPr>
+              <a:t>Seleção</a:t>
+            </a:r>
+            <a:r>
+              <a:rPr lang="en-US" b="1" dirty="0">
+                <a:solidFill>
+                  <a:srgbClr val="0070C0"/>
+                </a:solidFill>
+              </a:rPr>
+              <a:t> if</a:t>
+            </a:r>
           </a:p>
         </p:txBody>
       </p:sp>
@@ -11935,8 +12872,8 @@
         </p:nvSpPr>
         <p:spPr>
           <a:xfrm>
-            <a:off x="142865" y="1012261"/>
-            <a:ext cx="8865056" cy="3835312"/>
+            <a:off x="142865" y="1037312"/>
+            <a:ext cx="8865056" cy="3900208"/>
           </a:xfrm>
         </p:spPr>
         <p:txBody>
@@ -11948,7 +12885,155 @@
             <a:pPr marL="0" indent="0" algn="just">
               <a:buNone/>
             </a:pPr>
-            <a:endParaRPr lang="pt-BR" sz="2000" dirty="0">
+            <a:r>
+              <a:rPr lang="pt-BR" sz="2400" b="1" dirty="0">
+                <a:solidFill>
+                  <a:srgbClr val="FF0000"/>
+                </a:solidFill>
+                <a:latin typeface="Times New Roman" panose="02020603050405020304" pitchFamily="18" charset="0"/>
+                <a:cs typeface="Times New Roman" panose="02020603050405020304" pitchFamily="18" charset="0"/>
+              </a:rPr>
+              <a:t>Simples</a:t>
+            </a:r>
+          </a:p>
+          <a:p>
+            <a:pPr marL="0" indent="0" algn="just">
+              <a:buNone/>
+            </a:pPr>
+            <a:r>
+              <a:rPr lang="pt-BR" sz="2400" dirty="0">
+                <a:solidFill>
+                  <a:schemeClr val="tx1"/>
+                </a:solidFill>
+                <a:latin typeface="Times New Roman" panose="02020603050405020304" pitchFamily="18" charset="0"/>
+                <a:cs typeface="Times New Roman" panose="02020603050405020304" pitchFamily="18" charset="0"/>
+              </a:rPr>
+              <a:t>	</a:t>
+            </a:r>
+            <a:r>
+              <a:rPr lang="pt-BR" sz="2400" dirty="0" err="1">
+                <a:solidFill>
+                  <a:schemeClr val="tx1"/>
+                </a:solidFill>
+                <a:latin typeface="Times New Roman" panose="02020603050405020304" pitchFamily="18" charset="0"/>
+                <a:cs typeface="Times New Roman" panose="02020603050405020304" pitchFamily="18" charset="0"/>
+              </a:rPr>
+              <a:t>if</a:t>
+            </a:r>
+            <a:r>
+              <a:rPr lang="pt-BR" sz="2400" dirty="0">
+                <a:solidFill>
+                  <a:schemeClr val="tx1"/>
+                </a:solidFill>
+                <a:latin typeface="Times New Roman" panose="02020603050405020304" pitchFamily="18" charset="0"/>
+                <a:cs typeface="Times New Roman" panose="02020603050405020304" pitchFamily="18" charset="0"/>
+              </a:rPr>
+              <a:t> (</a:t>
+            </a:r>
+            <a:r>
+              <a:rPr lang="pt-BR" sz="2400" b="1" dirty="0" err="1">
+                <a:solidFill>
+                  <a:schemeClr val="tx1"/>
+                </a:solidFill>
+                <a:latin typeface="Times New Roman" panose="02020603050405020304" pitchFamily="18" charset="0"/>
+                <a:cs typeface="Times New Roman" panose="02020603050405020304" pitchFamily="18" charset="0"/>
+              </a:rPr>
+              <a:t>exp</a:t>
+            </a:r>
+            <a:r>
+              <a:rPr lang="pt-BR" sz="2400" dirty="0">
+                <a:solidFill>
+                  <a:schemeClr val="tx1"/>
+                </a:solidFill>
+                <a:latin typeface="Times New Roman" panose="02020603050405020304" pitchFamily="18" charset="0"/>
+                <a:cs typeface="Times New Roman" panose="02020603050405020304" pitchFamily="18" charset="0"/>
+              </a:rPr>
+              <a:t>) { Instruções }</a:t>
+            </a:r>
+          </a:p>
+          <a:p>
+            <a:pPr marL="0" indent="0" algn="just">
+              <a:buNone/>
+            </a:pPr>
+            <a:r>
+              <a:rPr lang="pt-BR" sz="2400" dirty="0">
+                <a:solidFill>
+                  <a:schemeClr val="tx1"/>
+                </a:solidFill>
+                <a:latin typeface="Times New Roman" panose="02020603050405020304" pitchFamily="18" charset="0"/>
+                <a:cs typeface="Times New Roman" panose="02020603050405020304" pitchFamily="18" charset="0"/>
+              </a:rPr>
+              <a:t>	Ex.: </a:t>
+            </a:r>
+            <a:r>
+              <a:rPr lang="pt-BR" sz="2400" dirty="0" err="1">
+                <a:solidFill>
+                  <a:schemeClr val="tx1"/>
+                </a:solidFill>
+                <a:latin typeface="Times New Roman" panose="02020603050405020304" pitchFamily="18" charset="0"/>
+                <a:cs typeface="Times New Roman" panose="02020603050405020304" pitchFamily="18" charset="0"/>
+              </a:rPr>
+              <a:t>if</a:t>
+            </a:r>
+            <a:r>
+              <a:rPr lang="pt-BR" sz="2400" dirty="0">
+                <a:solidFill>
+                  <a:schemeClr val="tx1"/>
+                </a:solidFill>
+                <a:latin typeface="Times New Roman" panose="02020603050405020304" pitchFamily="18" charset="0"/>
+                <a:cs typeface="Times New Roman" panose="02020603050405020304" pitchFamily="18" charset="0"/>
+              </a:rPr>
+              <a:t> (</a:t>
+            </a:r>
+            <a:r>
+              <a:rPr lang="pt-BR" sz="2400" b="1" dirty="0">
+                <a:solidFill>
+                  <a:schemeClr val="tx1"/>
+                </a:solidFill>
+                <a:latin typeface="Times New Roman" panose="02020603050405020304" pitchFamily="18" charset="0"/>
+                <a:cs typeface="Times New Roman" panose="02020603050405020304" pitchFamily="18" charset="0"/>
+              </a:rPr>
+              <a:t>$media</a:t>
+            </a:r>
+            <a:r>
+              <a:rPr lang="pt-BR" sz="2400" dirty="0">
+                <a:solidFill>
+                  <a:schemeClr val="tx1"/>
+                </a:solidFill>
+                <a:latin typeface="Times New Roman" panose="02020603050405020304" pitchFamily="18" charset="0"/>
+                <a:cs typeface="Times New Roman" panose="02020603050405020304" pitchFamily="18" charset="0"/>
+              </a:rPr>
+              <a:t> &gt; 7) { </a:t>
+            </a:r>
+            <a:r>
+              <a:rPr lang="pt-BR" sz="2400" dirty="0" err="1">
+                <a:solidFill>
+                  <a:schemeClr val="tx1"/>
+                </a:solidFill>
+                <a:latin typeface="Times New Roman" panose="02020603050405020304" pitchFamily="18" charset="0"/>
+                <a:cs typeface="Times New Roman" panose="02020603050405020304" pitchFamily="18" charset="0"/>
+              </a:rPr>
+              <a:t>echo</a:t>
+            </a:r>
+            <a:r>
+              <a:rPr lang="pt-BR" sz="2400" dirty="0">
+                <a:solidFill>
+                  <a:schemeClr val="tx1"/>
+                </a:solidFill>
+                <a:latin typeface="Times New Roman" panose="02020603050405020304" pitchFamily="18" charset="0"/>
+                <a:cs typeface="Times New Roman" panose="02020603050405020304" pitchFamily="18" charset="0"/>
+              </a:rPr>
+              <a:t> “Aprovado” }	</a:t>
+            </a:r>
+          </a:p>
+          <a:p>
+            <a:pPr marL="0" indent="0" algn="just">
+              <a:buNone/>
+            </a:pPr>
+            <a:endParaRPr lang="pt-BR" sz="2400" b="1" dirty="0">
+              <a:solidFill>
+                <a:srgbClr val="FF0000"/>
+              </a:solidFill>
               <a:latin typeface="Times New Roman" panose="02020603050405020304" pitchFamily="18" charset="0"/>
               <a:cs typeface="Times New Roman" panose="02020603050405020304" pitchFamily="18" charset="0"/>
             </a:endParaRPr>
@@ -11958,47 +13043,244 @@
               <a:buNone/>
             </a:pPr>
             <a:r>
-              <a:rPr lang="pt-BR" sz="2000" dirty="0">
-                <a:latin typeface="Times New Roman" panose="02020603050405020304" pitchFamily="18" charset="0"/>
-                <a:cs typeface="Times New Roman" panose="02020603050405020304" pitchFamily="18" charset="0"/>
-              </a:rPr>
-              <a:t>[1] </a:t>
-            </a:r>
-            <a:r>
-              <a:rPr lang="pt-BR" sz="2000" b="1" dirty="0">
-                <a:latin typeface="Times New Roman" panose="02020603050405020304" pitchFamily="18" charset="0"/>
-                <a:cs typeface="Times New Roman" panose="02020603050405020304" pitchFamily="18" charset="0"/>
-              </a:rPr>
-              <a:t>PHP</a:t>
-            </a:r>
-          </a:p>
-          <a:p>
-            <a:pPr marL="0" indent="0" algn="just">
-              <a:buNone/>
-            </a:pPr>
-            <a:r>
-              <a:rPr lang="pt-BR" sz="2000" b="1" dirty="0">
-                <a:latin typeface="Times New Roman" panose="02020603050405020304" pitchFamily="18" charset="0"/>
-                <a:cs typeface="Times New Roman" panose="02020603050405020304" pitchFamily="18" charset="0"/>
-              </a:rPr>
-              <a:t>	Disponível em</a:t>
-            </a:r>
-            <a:r>
-              <a:rPr lang="pt-BR" sz="2000" dirty="0">
-                <a:latin typeface="Times New Roman" panose="02020603050405020304" pitchFamily="18" charset="0"/>
-                <a:cs typeface="Times New Roman" panose="02020603050405020304" pitchFamily="18" charset="0"/>
-              </a:rPr>
-              <a:t>: </a:t>
-            </a:r>
-            <a:r>
-              <a:rPr lang="pt-BR" sz="2000" dirty="0">
-                <a:latin typeface="Times New Roman" panose="02020603050405020304" pitchFamily="18" charset="0"/>
-                <a:cs typeface="Times New Roman" panose="02020603050405020304" pitchFamily="18" charset="0"/>
-                <a:hlinkClick r:id="rId3"/>
-              </a:rPr>
-              <a:t>https://www.php.net/</a:t>
-            </a:r>
-            <a:endParaRPr lang="pt-BR" sz="2000" dirty="0">
+              <a:rPr lang="pt-BR" sz="2400" b="1" dirty="0">
+                <a:solidFill>
+                  <a:srgbClr val="FF0000"/>
+                </a:solidFill>
+                <a:latin typeface="Times New Roman" panose="02020603050405020304" pitchFamily="18" charset="0"/>
+                <a:cs typeface="Times New Roman" panose="02020603050405020304" pitchFamily="18" charset="0"/>
+              </a:rPr>
+              <a:t>Composta</a:t>
+            </a:r>
+          </a:p>
+          <a:p>
+            <a:pPr marL="0" indent="0" algn="just">
+              <a:buNone/>
+            </a:pPr>
+            <a:r>
+              <a:rPr lang="pt-BR" sz="2400" dirty="0">
+                <a:solidFill>
+                  <a:schemeClr val="tx1"/>
+                </a:solidFill>
+                <a:latin typeface="Times New Roman" panose="02020603050405020304" pitchFamily="18" charset="0"/>
+                <a:cs typeface="Times New Roman" panose="02020603050405020304" pitchFamily="18" charset="0"/>
+              </a:rPr>
+              <a:t>	</a:t>
+            </a:r>
+            <a:r>
+              <a:rPr lang="pt-BR" sz="2400" dirty="0" err="1">
+                <a:solidFill>
+                  <a:schemeClr val="tx1"/>
+                </a:solidFill>
+                <a:latin typeface="Times New Roman" panose="02020603050405020304" pitchFamily="18" charset="0"/>
+                <a:cs typeface="Times New Roman" panose="02020603050405020304" pitchFamily="18" charset="0"/>
+              </a:rPr>
+              <a:t>if</a:t>
+            </a:r>
+            <a:r>
+              <a:rPr lang="pt-BR" sz="2400" dirty="0">
+                <a:solidFill>
+                  <a:schemeClr val="tx1"/>
+                </a:solidFill>
+                <a:latin typeface="Times New Roman" panose="02020603050405020304" pitchFamily="18" charset="0"/>
+                <a:cs typeface="Times New Roman" panose="02020603050405020304" pitchFamily="18" charset="0"/>
+              </a:rPr>
+              <a:t> (</a:t>
+            </a:r>
+            <a:r>
+              <a:rPr lang="pt-BR" sz="2400" b="1" dirty="0" err="1">
+                <a:solidFill>
+                  <a:schemeClr val="tx1"/>
+                </a:solidFill>
+                <a:latin typeface="Times New Roman" panose="02020603050405020304" pitchFamily="18" charset="0"/>
+                <a:cs typeface="Times New Roman" panose="02020603050405020304" pitchFamily="18" charset="0"/>
+              </a:rPr>
+              <a:t>exp</a:t>
+            </a:r>
+            <a:r>
+              <a:rPr lang="pt-BR" sz="2400" b="1" dirty="0">
+                <a:solidFill>
+                  <a:schemeClr val="tx1"/>
+                </a:solidFill>
+                <a:latin typeface="Times New Roman" panose="02020603050405020304" pitchFamily="18" charset="0"/>
+                <a:cs typeface="Times New Roman" panose="02020603050405020304" pitchFamily="18" charset="0"/>
+              </a:rPr>
+              <a:t>)</a:t>
+            </a:r>
+            <a:r>
+              <a:rPr lang="pt-BR" sz="2400" dirty="0">
+                <a:solidFill>
+                  <a:schemeClr val="tx1"/>
+                </a:solidFill>
+                <a:latin typeface="Times New Roman" panose="02020603050405020304" pitchFamily="18" charset="0"/>
+                <a:cs typeface="Times New Roman" panose="02020603050405020304" pitchFamily="18" charset="0"/>
+              </a:rPr>
+              <a:t> { Instruções } </a:t>
+            </a:r>
+            <a:r>
+              <a:rPr lang="pt-BR" sz="2400" dirty="0" err="1">
+                <a:solidFill>
+                  <a:schemeClr val="tx1"/>
+                </a:solidFill>
+                <a:latin typeface="Times New Roman" panose="02020603050405020304" pitchFamily="18" charset="0"/>
+                <a:cs typeface="Times New Roman" panose="02020603050405020304" pitchFamily="18" charset="0"/>
+              </a:rPr>
+              <a:t>else</a:t>
+            </a:r>
+            <a:r>
+              <a:rPr lang="pt-BR" sz="2400" dirty="0">
+                <a:solidFill>
+                  <a:schemeClr val="tx1"/>
+                </a:solidFill>
+                <a:latin typeface="Times New Roman" panose="02020603050405020304" pitchFamily="18" charset="0"/>
+                <a:cs typeface="Times New Roman" panose="02020603050405020304" pitchFamily="18" charset="0"/>
+              </a:rPr>
+              <a:t> { Instruções } </a:t>
+            </a:r>
+          </a:p>
+          <a:p>
+            <a:pPr marL="0" indent="0" algn="just">
+              <a:buNone/>
+            </a:pPr>
+            <a:r>
+              <a:rPr lang="pt-BR" sz="2400" dirty="0">
+                <a:solidFill>
+                  <a:schemeClr val="tx1"/>
+                </a:solidFill>
+                <a:latin typeface="Times New Roman" panose="02020603050405020304" pitchFamily="18" charset="0"/>
+                <a:cs typeface="Times New Roman" panose="02020603050405020304" pitchFamily="18" charset="0"/>
+              </a:rPr>
+              <a:t>	Ex.: </a:t>
+            </a:r>
+            <a:r>
+              <a:rPr lang="pt-BR" sz="2400" dirty="0" err="1">
+                <a:solidFill>
+                  <a:schemeClr val="tx1"/>
+                </a:solidFill>
+                <a:latin typeface="Times New Roman" panose="02020603050405020304" pitchFamily="18" charset="0"/>
+                <a:cs typeface="Times New Roman" panose="02020603050405020304" pitchFamily="18" charset="0"/>
+              </a:rPr>
+              <a:t>if</a:t>
+            </a:r>
+            <a:r>
+              <a:rPr lang="pt-BR" sz="2400" dirty="0">
+                <a:solidFill>
+                  <a:schemeClr val="tx1"/>
+                </a:solidFill>
+                <a:latin typeface="Times New Roman" panose="02020603050405020304" pitchFamily="18" charset="0"/>
+                <a:cs typeface="Times New Roman" panose="02020603050405020304" pitchFamily="18" charset="0"/>
+              </a:rPr>
+              <a:t> (</a:t>
+            </a:r>
+            <a:r>
+              <a:rPr lang="pt-BR" sz="2400" b="1" dirty="0">
+                <a:solidFill>
+                  <a:schemeClr val="tx1"/>
+                </a:solidFill>
+                <a:latin typeface="Times New Roman" panose="02020603050405020304" pitchFamily="18" charset="0"/>
+                <a:cs typeface="Times New Roman" panose="02020603050405020304" pitchFamily="18" charset="0"/>
+              </a:rPr>
+              <a:t>$media</a:t>
+            </a:r>
+            <a:r>
+              <a:rPr lang="pt-BR" sz="2400" dirty="0">
+                <a:solidFill>
+                  <a:schemeClr val="tx1"/>
+                </a:solidFill>
+                <a:latin typeface="Times New Roman" panose="02020603050405020304" pitchFamily="18" charset="0"/>
+                <a:cs typeface="Times New Roman" panose="02020603050405020304" pitchFamily="18" charset="0"/>
+              </a:rPr>
+              <a:t> &gt; 7) { </a:t>
+            </a:r>
+            <a:r>
+              <a:rPr lang="pt-BR" sz="2400" dirty="0" err="1">
+                <a:solidFill>
+                  <a:schemeClr val="tx1"/>
+                </a:solidFill>
+                <a:latin typeface="Times New Roman" panose="02020603050405020304" pitchFamily="18" charset="0"/>
+                <a:cs typeface="Times New Roman" panose="02020603050405020304" pitchFamily="18" charset="0"/>
+              </a:rPr>
+              <a:t>echo</a:t>
+            </a:r>
+            <a:r>
+              <a:rPr lang="pt-BR" sz="2400" dirty="0">
+                <a:solidFill>
+                  <a:schemeClr val="tx1"/>
+                </a:solidFill>
+                <a:latin typeface="Times New Roman" panose="02020603050405020304" pitchFamily="18" charset="0"/>
+                <a:cs typeface="Times New Roman" panose="02020603050405020304" pitchFamily="18" charset="0"/>
+              </a:rPr>
+              <a:t> “Aprovado” } </a:t>
+            </a:r>
+          </a:p>
+          <a:p>
+            <a:pPr marL="0" indent="0" algn="just">
+              <a:buNone/>
+            </a:pPr>
+            <a:r>
+              <a:rPr lang="pt-BR" sz="2400" dirty="0">
+                <a:solidFill>
+                  <a:schemeClr val="tx1"/>
+                </a:solidFill>
+                <a:latin typeface="Times New Roman" panose="02020603050405020304" pitchFamily="18" charset="0"/>
+                <a:cs typeface="Times New Roman" panose="02020603050405020304" pitchFamily="18" charset="0"/>
+              </a:rPr>
+              <a:t>		 </a:t>
+            </a:r>
+            <a:r>
+              <a:rPr lang="pt-BR" sz="2400" dirty="0" err="1">
+                <a:solidFill>
+                  <a:schemeClr val="tx1"/>
+                </a:solidFill>
+                <a:latin typeface="Times New Roman" panose="02020603050405020304" pitchFamily="18" charset="0"/>
+                <a:cs typeface="Times New Roman" panose="02020603050405020304" pitchFamily="18" charset="0"/>
+              </a:rPr>
+              <a:t>else</a:t>
+            </a:r>
+            <a:r>
+              <a:rPr lang="pt-BR" sz="2400" dirty="0">
+                <a:solidFill>
+                  <a:schemeClr val="tx1"/>
+                </a:solidFill>
+                <a:latin typeface="Times New Roman" panose="02020603050405020304" pitchFamily="18" charset="0"/>
+                <a:cs typeface="Times New Roman" panose="02020603050405020304" pitchFamily="18" charset="0"/>
+              </a:rPr>
+              <a:t> { </a:t>
+            </a:r>
+            <a:r>
+              <a:rPr lang="pt-BR" sz="2400" dirty="0" err="1">
+                <a:solidFill>
+                  <a:schemeClr val="tx1"/>
+                </a:solidFill>
+                <a:latin typeface="Times New Roman" panose="02020603050405020304" pitchFamily="18" charset="0"/>
+                <a:cs typeface="Times New Roman" panose="02020603050405020304" pitchFamily="18" charset="0"/>
+              </a:rPr>
+              <a:t>echo</a:t>
+            </a:r>
+            <a:r>
+              <a:rPr lang="pt-BR" sz="2400" dirty="0">
+                <a:solidFill>
+                  <a:schemeClr val="tx1"/>
+                </a:solidFill>
+                <a:latin typeface="Times New Roman" panose="02020603050405020304" pitchFamily="18" charset="0"/>
+                <a:cs typeface="Times New Roman" panose="02020603050405020304" pitchFamily="18" charset="0"/>
+              </a:rPr>
+              <a:t> “Reprovado” } // </a:t>
+            </a:r>
+            <a:r>
+              <a:rPr lang="pt-BR" sz="2400" b="1" dirty="0" err="1">
+                <a:solidFill>
+                  <a:srgbClr val="FF0000"/>
+                </a:solidFill>
+                <a:latin typeface="Times New Roman" panose="02020603050405020304" pitchFamily="18" charset="0"/>
+                <a:cs typeface="Times New Roman" panose="02020603050405020304" pitchFamily="18" charset="0"/>
+              </a:rPr>
+              <a:t>elsefi</a:t>
+            </a:r>
+            <a:endParaRPr lang="pt-BR" sz="2400" b="1" dirty="0">
+              <a:solidFill>
+                <a:srgbClr val="FF0000"/>
+              </a:solidFill>
               <a:latin typeface="Times New Roman" panose="02020603050405020304" pitchFamily="18" charset="0"/>
               <a:cs typeface="Times New Roman" panose="02020603050405020304" pitchFamily="18" charset="0"/>
             </a:endParaRPr>
@@ -12007,82 +13289,10 @@
             <a:pPr marL="0" indent="0" algn="just">
               <a:buNone/>
             </a:pPr>
-            <a:endParaRPr lang="pt-BR" sz="2000" dirty="0">
-              <a:latin typeface="Times New Roman" panose="02020603050405020304" pitchFamily="18" charset="0"/>
-              <a:cs typeface="Times New Roman" panose="02020603050405020304" pitchFamily="18" charset="0"/>
-            </a:endParaRPr>
-          </a:p>
-          <a:p>
-            <a:pPr marL="0" indent="0" algn="just">
-              <a:buNone/>
-            </a:pPr>
-            <a:endParaRPr lang="pt-BR" sz="2000" dirty="0">
-              <a:latin typeface="Times New Roman" panose="02020603050405020304" pitchFamily="18" charset="0"/>
-              <a:cs typeface="Times New Roman" panose="02020603050405020304" pitchFamily="18" charset="0"/>
-            </a:endParaRPr>
-          </a:p>
-          <a:p>
-            <a:pPr marL="0" indent="0" algn="just">
-              <a:buNone/>
-            </a:pPr>
-            <a:r>
-              <a:rPr lang="pt-BR" sz="2000" dirty="0">
-                <a:latin typeface="Times New Roman" panose="02020603050405020304" pitchFamily="18" charset="0"/>
-                <a:cs typeface="Times New Roman" panose="02020603050405020304" pitchFamily="18" charset="0"/>
-              </a:rPr>
-              <a:t>[2] </a:t>
-            </a:r>
-            <a:r>
-              <a:rPr lang="pt-BR" sz="2000" b="1" dirty="0">
-                <a:latin typeface="Times New Roman" panose="02020603050405020304" pitchFamily="18" charset="0"/>
-                <a:cs typeface="Times New Roman" panose="02020603050405020304" pitchFamily="18" charset="0"/>
-              </a:rPr>
-              <a:t>W3Schools</a:t>
-            </a:r>
-          </a:p>
-          <a:p>
-            <a:pPr marL="0" indent="0" algn="just">
-              <a:buNone/>
-            </a:pPr>
-            <a:r>
-              <a:rPr lang="pt-BR" sz="2000" dirty="0">
-                <a:latin typeface="Times New Roman" panose="02020603050405020304" pitchFamily="18" charset="0"/>
-                <a:cs typeface="Times New Roman" panose="02020603050405020304" pitchFamily="18" charset="0"/>
-              </a:rPr>
-              <a:t>	</a:t>
-            </a:r>
-            <a:r>
-              <a:rPr lang="pt-BR" sz="2000" b="1" dirty="0">
-                <a:latin typeface="Times New Roman" panose="02020603050405020304" pitchFamily="18" charset="0"/>
-                <a:cs typeface="Times New Roman" panose="02020603050405020304" pitchFamily="18" charset="0"/>
-              </a:rPr>
-              <a:t> Disponível em</a:t>
-            </a:r>
-            <a:r>
-              <a:rPr lang="pt-BR" sz="2000" dirty="0">
-                <a:latin typeface="Times New Roman" panose="02020603050405020304" pitchFamily="18" charset="0"/>
-                <a:cs typeface="Times New Roman" panose="02020603050405020304" pitchFamily="18" charset="0"/>
-              </a:rPr>
-              <a:t>: </a:t>
-            </a:r>
-            <a:r>
-              <a:rPr lang="pt-BR" sz="2000" dirty="0">
-                <a:latin typeface="Times New Roman" panose="02020603050405020304" pitchFamily="18" charset="0"/>
-                <a:cs typeface="Times New Roman" panose="02020603050405020304" pitchFamily="18" charset="0"/>
-                <a:hlinkClick r:id="rId4"/>
-              </a:rPr>
-              <a:t>https://www.w3schools.com/php/default.asp</a:t>
-            </a:r>
-            <a:endParaRPr lang="pt-BR" sz="2000" dirty="0">
-              <a:latin typeface="Times New Roman" panose="02020603050405020304" pitchFamily="18" charset="0"/>
-              <a:cs typeface="Times New Roman" panose="02020603050405020304" pitchFamily="18" charset="0"/>
-            </a:endParaRPr>
-          </a:p>
-          <a:p>
-            <a:pPr marL="0" indent="0" algn="just">
-              <a:buNone/>
-            </a:pPr>
-            <a:endParaRPr lang="pt-BR" sz="2000" dirty="0">
+            <a:endParaRPr lang="pt-BR" sz="2400" dirty="0">
+              <a:solidFill>
+                <a:schemeClr val="tx1"/>
+              </a:solidFill>
               <a:latin typeface="Times New Roman" panose="02020603050405020304" pitchFamily="18" charset="0"/>
               <a:cs typeface="Times New Roman" panose="02020603050405020304" pitchFamily="18" charset="0"/>
             </a:endParaRPr>
@@ -12092,7 +13302,7 @@
     </p:spTree>
     <p:extLst>
       <p:ext uri="{BB962C8B-B14F-4D97-AF65-F5344CB8AC3E}">
-        <p14:creationId xmlns:p14="http://schemas.microsoft.com/office/powerpoint/2010/main" val="3680270425"/>
+        <p14:creationId xmlns:p14="http://schemas.microsoft.com/office/powerpoint/2010/main" val="2810226264"/>
       </p:ext>
     </p:extLst>
   </p:cSld>
@@ -12143,12 +13353,20 @@
           <a:lstStyle/>
           <a:p>
             <a:r>
+              <a:rPr lang="en-US" b="1" dirty="0">
+                <a:solidFill>
+                  <a:srgbClr val="0070C0"/>
+                </a:solidFill>
+              </a:rPr>
+              <a:t>PHP – </a:t>
+            </a:r>
+            <a:r>
               <a:rPr lang="en-US" b="1" dirty="0" err="1">
                 <a:solidFill>
                   <a:srgbClr val="0070C0"/>
                 </a:solidFill>
               </a:rPr>
-              <a:t>Aprenda</a:t>
+              <a:t>Estrutura</a:t>
             </a:r>
             <a:r>
               <a:rPr lang="en-US" b="1" dirty="0">
@@ -12156,7 +13374,23 @@
                   <a:srgbClr val="0070C0"/>
                 </a:solidFill>
               </a:rPr>
-              <a:t>+</a:t>
+              <a:t> de </a:t>
+            </a:r>
+            <a:r>
+              <a:rPr lang="en-US" b="1" dirty="0" err="1">
+                <a:solidFill>
+                  <a:srgbClr val="0070C0"/>
+                </a:solidFill>
+              </a:rPr>
+              <a:t>Seleção</a:t>
+            </a:r>
+            <a:r>
+              <a:rPr lang="en-US" b="1" dirty="0">
+                <a:solidFill>
+                  <a:srgbClr val="0070C0"/>
+                </a:solidFill>
+              </a:rPr>
+              <a:t> switch</a:t>
             </a:r>
           </a:p>
         </p:txBody>
@@ -12173,8 +13407,8 @@
         </p:nvSpPr>
         <p:spPr>
           <a:xfrm>
-            <a:off x="142865" y="1200151"/>
-            <a:ext cx="8865056" cy="3394472"/>
+            <a:off x="142865" y="1037312"/>
+            <a:ext cx="8865056" cy="3900208"/>
           </a:xfrm>
         </p:spPr>
         <p:txBody>
@@ -12186,7 +13420,220 @@
             <a:pPr marL="0" indent="0" algn="just">
               <a:buNone/>
             </a:pPr>
-            <a:endParaRPr lang="pt-BR" sz="2400" dirty="0">
+            <a:r>
+              <a:rPr lang="pt-BR" sz="2400" b="1" dirty="0">
+                <a:solidFill>
+                  <a:srgbClr val="FF0000"/>
+                </a:solidFill>
+                <a:latin typeface="Times New Roman" panose="02020603050405020304" pitchFamily="18" charset="0"/>
+                <a:cs typeface="Times New Roman" panose="02020603050405020304" pitchFamily="18" charset="0"/>
+              </a:rPr>
+              <a:t>Exemplo:</a:t>
+            </a:r>
+          </a:p>
+          <a:p>
+            <a:pPr marL="0" indent="0" algn="just">
+              <a:buNone/>
+            </a:pPr>
+            <a:r>
+              <a:rPr lang="pt-BR" sz="2400" dirty="0">
+                <a:solidFill>
+                  <a:schemeClr val="tx1"/>
+                </a:solidFill>
+                <a:latin typeface="Times New Roman" panose="02020603050405020304" pitchFamily="18" charset="0"/>
+                <a:cs typeface="Times New Roman" panose="02020603050405020304" pitchFamily="18" charset="0"/>
+              </a:rPr>
+              <a:t>	</a:t>
+            </a:r>
+          </a:p>
+          <a:p>
+            <a:pPr marL="0" indent="0" algn="just">
+              <a:buNone/>
+            </a:pPr>
+            <a:r>
+              <a:rPr lang="pt-BR" sz="2400" b="1" dirty="0">
+                <a:solidFill>
+                  <a:schemeClr val="tx1"/>
+                </a:solidFill>
+                <a:latin typeface="Times New Roman" panose="02020603050405020304" pitchFamily="18" charset="0"/>
+                <a:cs typeface="Times New Roman" panose="02020603050405020304" pitchFamily="18" charset="0"/>
+              </a:rPr>
+              <a:t>	switch (</a:t>
+            </a:r>
+            <a:r>
+              <a:rPr lang="pt-BR" sz="2400" b="1" dirty="0">
+                <a:solidFill>
+                  <a:srgbClr val="FF0000"/>
+                </a:solidFill>
+                <a:latin typeface="Times New Roman" panose="02020603050405020304" pitchFamily="18" charset="0"/>
+                <a:cs typeface="Times New Roman" panose="02020603050405020304" pitchFamily="18" charset="0"/>
+              </a:rPr>
+              <a:t>$</a:t>
+            </a:r>
+            <a:r>
+              <a:rPr lang="pt-BR" sz="2400" b="1" dirty="0" err="1">
+                <a:solidFill>
+                  <a:srgbClr val="FF0000"/>
+                </a:solidFill>
+                <a:latin typeface="Times New Roman" panose="02020603050405020304" pitchFamily="18" charset="0"/>
+                <a:cs typeface="Times New Roman" panose="02020603050405020304" pitchFamily="18" charset="0"/>
+              </a:rPr>
+              <a:t>variavel</a:t>
+            </a:r>
+            <a:r>
+              <a:rPr lang="pt-BR" sz="2400" dirty="0">
+                <a:solidFill>
+                  <a:schemeClr val="tx1"/>
+                </a:solidFill>
+                <a:latin typeface="Times New Roman" panose="02020603050405020304" pitchFamily="18" charset="0"/>
+                <a:cs typeface="Times New Roman" panose="02020603050405020304" pitchFamily="18" charset="0"/>
+              </a:rPr>
+              <a:t>) </a:t>
+            </a:r>
+            <a:r>
+              <a:rPr lang="pt-BR" sz="2400" b="1" dirty="0">
+                <a:solidFill>
+                  <a:srgbClr val="FF0000"/>
+                </a:solidFill>
+                <a:latin typeface="Times New Roman" panose="02020603050405020304" pitchFamily="18" charset="0"/>
+                <a:cs typeface="Times New Roman" panose="02020603050405020304" pitchFamily="18" charset="0"/>
+              </a:rPr>
+              <a:t>{</a:t>
+            </a:r>
+          </a:p>
+          <a:p>
+            <a:pPr marL="891540" lvl="2" indent="0" algn="just">
+              <a:buNone/>
+            </a:pPr>
+            <a:r>
+              <a:rPr lang="pt-BR" sz="2400" dirty="0">
+                <a:solidFill>
+                  <a:schemeClr val="tx1"/>
+                </a:solidFill>
+                <a:latin typeface="Times New Roman" panose="02020603050405020304" pitchFamily="18" charset="0"/>
+                <a:cs typeface="Times New Roman" panose="02020603050405020304" pitchFamily="18" charset="0"/>
+              </a:rPr>
+              <a:t>	</a:t>
+            </a:r>
+            <a:r>
+              <a:rPr lang="pt-BR" sz="2400" b="1" dirty="0">
+                <a:solidFill>
+                  <a:schemeClr val="tx1"/>
+                </a:solidFill>
+                <a:latin typeface="Times New Roman" panose="02020603050405020304" pitchFamily="18" charset="0"/>
+                <a:cs typeface="Times New Roman" panose="02020603050405020304" pitchFamily="18" charset="0"/>
+              </a:rPr>
+              <a:t>case</a:t>
+            </a:r>
+            <a:r>
+              <a:rPr lang="pt-BR" sz="2400" dirty="0">
+                <a:solidFill>
+                  <a:schemeClr val="tx1"/>
+                </a:solidFill>
+                <a:latin typeface="Times New Roman" panose="02020603050405020304" pitchFamily="18" charset="0"/>
+                <a:cs typeface="Times New Roman" panose="02020603050405020304" pitchFamily="18" charset="0"/>
+              </a:rPr>
+              <a:t> 1: { Instruções; break; }</a:t>
+            </a:r>
+          </a:p>
+          <a:p>
+            <a:pPr marL="891540" lvl="2" indent="0" algn="just">
+              <a:buNone/>
+            </a:pPr>
+            <a:r>
+              <a:rPr lang="pt-BR" sz="2400" dirty="0">
+                <a:solidFill>
+                  <a:schemeClr val="tx1"/>
+                </a:solidFill>
+                <a:latin typeface="Times New Roman" panose="02020603050405020304" pitchFamily="18" charset="0"/>
+                <a:cs typeface="Times New Roman" panose="02020603050405020304" pitchFamily="18" charset="0"/>
+              </a:rPr>
+              <a:t>	</a:t>
+            </a:r>
+            <a:r>
+              <a:rPr lang="pt-BR" sz="2400" b="1" dirty="0">
+                <a:solidFill>
+                  <a:schemeClr val="tx1"/>
+                </a:solidFill>
+                <a:latin typeface="Times New Roman" panose="02020603050405020304" pitchFamily="18" charset="0"/>
+                <a:cs typeface="Times New Roman" panose="02020603050405020304" pitchFamily="18" charset="0"/>
+              </a:rPr>
+              <a:t>case</a:t>
+            </a:r>
+            <a:r>
+              <a:rPr lang="pt-BR" sz="2400" dirty="0">
+                <a:solidFill>
+                  <a:schemeClr val="tx1"/>
+                </a:solidFill>
+                <a:latin typeface="Times New Roman" panose="02020603050405020304" pitchFamily="18" charset="0"/>
+                <a:cs typeface="Times New Roman" panose="02020603050405020304" pitchFamily="18" charset="0"/>
+              </a:rPr>
+              <a:t> 2: { Instruções; break; }</a:t>
+            </a:r>
+          </a:p>
+          <a:p>
+            <a:pPr marL="891540" lvl="2" indent="0" algn="just">
+              <a:buNone/>
+            </a:pPr>
+            <a:r>
+              <a:rPr lang="pt-BR" sz="2400" dirty="0">
+                <a:solidFill>
+                  <a:schemeClr val="tx1"/>
+                </a:solidFill>
+                <a:latin typeface="Times New Roman" panose="02020603050405020304" pitchFamily="18" charset="0"/>
+                <a:cs typeface="Times New Roman" panose="02020603050405020304" pitchFamily="18" charset="0"/>
+              </a:rPr>
+              <a:t>	</a:t>
+            </a:r>
+            <a:r>
+              <a:rPr lang="pt-BR" sz="2400" b="1" dirty="0">
+                <a:solidFill>
+                  <a:schemeClr val="tx1"/>
+                </a:solidFill>
+                <a:latin typeface="Times New Roman" panose="02020603050405020304" pitchFamily="18" charset="0"/>
+                <a:cs typeface="Times New Roman" panose="02020603050405020304" pitchFamily="18" charset="0"/>
+              </a:rPr>
+              <a:t>case</a:t>
+            </a:r>
+            <a:r>
+              <a:rPr lang="pt-BR" sz="2400" dirty="0">
+                <a:solidFill>
+                  <a:schemeClr val="tx1"/>
+                </a:solidFill>
+                <a:latin typeface="Times New Roman" panose="02020603050405020304" pitchFamily="18" charset="0"/>
+                <a:cs typeface="Times New Roman" panose="02020603050405020304" pitchFamily="18" charset="0"/>
+              </a:rPr>
+              <a:t> 3: { Instruções; break; }</a:t>
+            </a:r>
+          </a:p>
+          <a:p>
+            <a:pPr marL="0" indent="0" algn="just">
+              <a:buNone/>
+            </a:pPr>
+            <a:r>
+              <a:rPr lang="pt-BR" sz="2400" b="1" dirty="0">
+                <a:solidFill>
+                  <a:srgbClr val="FF0000"/>
+                </a:solidFill>
+                <a:latin typeface="Times New Roman" panose="02020603050405020304" pitchFamily="18" charset="0"/>
+                <a:cs typeface="Times New Roman" panose="02020603050405020304" pitchFamily="18" charset="0"/>
+              </a:rPr>
+              <a:t>		default</a:t>
+            </a:r>
+            <a:r>
+              <a:rPr lang="pt-BR" sz="2400" dirty="0">
+                <a:solidFill>
+                  <a:schemeClr val="tx1"/>
+                </a:solidFill>
+                <a:latin typeface="Times New Roman" panose="02020603050405020304" pitchFamily="18" charset="0"/>
+                <a:cs typeface="Times New Roman" panose="02020603050405020304" pitchFamily="18" charset="0"/>
+              </a:rPr>
+              <a:t>: { Instruções; }</a:t>
+            </a:r>
+            <a:endParaRPr lang="pt-BR" sz="2400" b="1" dirty="0">
+              <a:solidFill>
+                <a:srgbClr val="FF0000"/>
+              </a:solidFill>
               <a:latin typeface="Times New Roman" panose="02020603050405020304" pitchFamily="18" charset="0"/>
               <a:cs typeface="Times New Roman" panose="02020603050405020304" pitchFamily="18" charset="0"/>
             </a:endParaRPr>
@@ -12196,165 +13643,19 @@
               <a:buNone/>
             </a:pPr>
             <a:r>
-              <a:rPr lang="pt-BR" sz="2400" dirty="0">
-                <a:latin typeface="Times New Roman" panose="02020603050405020304" pitchFamily="18" charset="0"/>
-                <a:cs typeface="Times New Roman" panose="02020603050405020304" pitchFamily="18" charset="0"/>
-              </a:rPr>
-              <a:t>[1] Construindo classes no PHP orientado a objetos</a:t>
-            </a:r>
-          </a:p>
-          <a:p>
-            <a:pPr marL="0" indent="0" algn="just">
-              <a:buNone/>
-            </a:pPr>
-            <a:r>
-              <a:rPr lang="pt-BR" sz="2400" dirty="0">
-                <a:latin typeface="Times New Roman" panose="02020603050405020304" pitchFamily="18" charset="0"/>
-                <a:cs typeface="Times New Roman" panose="02020603050405020304" pitchFamily="18" charset="0"/>
-              </a:rPr>
-              <a:t>	</a:t>
-            </a:r>
-            <a:r>
-              <a:rPr lang="pt-BR" sz="2400" dirty="0">
-                <a:latin typeface="Times New Roman" panose="02020603050405020304" pitchFamily="18" charset="0"/>
-                <a:cs typeface="Times New Roman" panose="02020603050405020304" pitchFamily="18" charset="0"/>
-                <a:hlinkClick r:id="rId3"/>
-              </a:rPr>
-              <a:t>https://www.youtube.com/watch?v=xoH1WDI9l0I</a:t>
+              <a:rPr lang="pt-BR" sz="2400" b="1" dirty="0">
+                <a:solidFill>
+                  <a:srgbClr val="FF0000"/>
+                </a:solidFill>
+                <a:latin typeface="Times New Roman" panose="02020603050405020304" pitchFamily="18" charset="0"/>
+                <a:cs typeface="Times New Roman" panose="02020603050405020304" pitchFamily="18" charset="0"/>
+              </a:rPr>
+              <a:t>	}</a:t>
             </a:r>
             <a:endParaRPr lang="pt-BR" sz="2400" dirty="0">
-              <a:latin typeface="Times New Roman" panose="02020603050405020304" pitchFamily="18" charset="0"/>
-              <a:cs typeface="Times New Roman" panose="02020603050405020304" pitchFamily="18" charset="0"/>
-            </a:endParaRPr>
-          </a:p>
-          <a:p>
-            <a:pPr marL="0" indent="0" algn="just">
-              <a:buNone/>
-            </a:pPr>
-            <a:endParaRPr lang="pt-BR" sz="2400" dirty="0">
-              <a:latin typeface="Times New Roman" panose="02020603050405020304" pitchFamily="18" charset="0"/>
-              <a:cs typeface="Times New Roman" panose="02020603050405020304" pitchFamily="18" charset="0"/>
-            </a:endParaRPr>
-          </a:p>
-          <a:p>
-            <a:pPr marL="0" indent="0" algn="just">
-              <a:buNone/>
-            </a:pPr>
-            <a:r>
-              <a:rPr lang="pt-BR" sz="2400" dirty="0">
-                <a:latin typeface="Times New Roman" panose="02020603050405020304" pitchFamily="18" charset="0"/>
-                <a:cs typeface="Times New Roman" panose="02020603050405020304" pitchFamily="18" charset="0"/>
-              </a:rPr>
-              <a:t>[2] </a:t>
-            </a:r>
-            <a:r>
-              <a:rPr lang="pt-BR" sz="2400" dirty="0" err="1">
-                <a:latin typeface="Times New Roman" panose="02020603050405020304" pitchFamily="18" charset="0"/>
-                <a:cs typeface="Times New Roman" panose="02020603050405020304" pitchFamily="18" charset="0"/>
-              </a:rPr>
-              <a:t>Creating</a:t>
-            </a:r>
-            <a:r>
-              <a:rPr lang="pt-BR" sz="2400" dirty="0">
-                <a:latin typeface="Times New Roman" panose="02020603050405020304" pitchFamily="18" charset="0"/>
-                <a:cs typeface="Times New Roman" panose="02020603050405020304" pitchFamily="18" charset="0"/>
-              </a:rPr>
-              <a:t> classes, </a:t>
-            </a:r>
-            <a:r>
-              <a:rPr lang="pt-BR" sz="2400" dirty="0" err="1">
-                <a:latin typeface="Times New Roman" panose="02020603050405020304" pitchFamily="18" charset="0"/>
-                <a:cs typeface="Times New Roman" panose="02020603050405020304" pitchFamily="18" charset="0"/>
-              </a:rPr>
-              <a:t>properties</a:t>
-            </a:r>
-            <a:r>
-              <a:rPr lang="pt-BR" sz="2400" dirty="0">
-                <a:latin typeface="Times New Roman" panose="02020603050405020304" pitchFamily="18" charset="0"/>
-                <a:cs typeface="Times New Roman" panose="02020603050405020304" pitchFamily="18" charset="0"/>
-              </a:rPr>
-              <a:t>, </a:t>
-            </a:r>
-            <a:r>
-              <a:rPr lang="pt-BR" sz="2400" dirty="0" err="1">
-                <a:latin typeface="Times New Roman" panose="02020603050405020304" pitchFamily="18" charset="0"/>
-                <a:cs typeface="Times New Roman" panose="02020603050405020304" pitchFamily="18" charset="0"/>
-              </a:rPr>
-              <a:t>methods</a:t>
-            </a:r>
-            <a:r>
-              <a:rPr lang="pt-BR" sz="2400" dirty="0">
-                <a:latin typeface="Times New Roman" panose="02020603050405020304" pitchFamily="18" charset="0"/>
-                <a:cs typeface="Times New Roman" panose="02020603050405020304" pitchFamily="18" charset="0"/>
-              </a:rPr>
-              <a:t> - OOP in PHP – Part 1</a:t>
-            </a:r>
-          </a:p>
-          <a:p>
-            <a:pPr marL="0" indent="0" algn="just">
-              <a:buNone/>
-            </a:pPr>
-            <a:r>
-              <a:rPr lang="pt-BR" sz="2400" dirty="0">
-                <a:latin typeface="Times New Roman" panose="02020603050405020304" pitchFamily="18" charset="0"/>
-                <a:cs typeface="Times New Roman" panose="02020603050405020304" pitchFamily="18" charset="0"/>
-              </a:rPr>
-              <a:t>	</a:t>
-            </a:r>
-            <a:r>
-              <a:rPr lang="pt-BR" sz="2400" dirty="0">
-                <a:latin typeface="Times New Roman" panose="02020603050405020304" pitchFamily="18" charset="0"/>
-                <a:cs typeface="Times New Roman" panose="02020603050405020304" pitchFamily="18" charset="0"/>
-                <a:hlinkClick r:id="rId4"/>
-              </a:rPr>
-              <a:t>https://www.youtube.com/watch?v=4xvCT7UPY3k</a:t>
-            </a:r>
-            <a:endParaRPr lang="pt-BR" sz="2400" dirty="0">
-              <a:latin typeface="Times New Roman" panose="02020603050405020304" pitchFamily="18" charset="0"/>
-              <a:cs typeface="Times New Roman" panose="02020603050405020304" pitchFamily="18" charset="0"/>
-            </a:endParaRPr>
-          </a:p>
-          <a:p>
-            <a:pPr marL="0" indent="0" algn="just">
-              <a:buNone/>
-            </a:pPr>
-            <a:endParaRPr lang="pt-BR" sz="2400" dirty="0">
-              <a:latin typeface="Times New Roman" panose="02020603050405020304" pitchFamily="18" charset="0"/>
-              <a:cs typeface="Times New Roman" panose="02020603050405020304" pitchFamily="18" charset="0"/>
-            </a:endParaRPr>
-          </a:p>
-          <a:p>
-            <a:pPr marL="0" indent="0" algn="just">
-              <a:buNone/>
-            </a:pPr>
-            <a:endParaRPr lang="pt-BR" sz="2400" dirty="0">
-              <a:latin typeface="Times New Roman" panose="02020603050405020304" pitchFamily="18" charset="0"/>
-              <a:cs typeface="Times New Roman" panose="02020603050405020304" pitchFamily="18" charset="0"/>
-            </a:endParaRPr>
-          </a:p>
-          <a:p>
-            <a:pPr marL="0" indent="0" algn="just">
-              <a:buNone/>
-            </a:pPr>
-            <a:endParaRPr lang="pt-BR" sz="2400" dirty="0">
-              <a:latin typeface="Times New Roman" panose="02020603050405020304" pitchFamily="18" charset="0"/>
-              <a:cs typeface="Times New Roman" panose="02020603050405020304" pitchFamily="18" charset="0"/>
-            </a:endParaRPr>
-          </a:p>
-          <a:p>
-            <a:pPr marL="0" indent="0" algn="just">
-              <a:buNone/>
-            </a:pPr>
-            <a:endParaRPr lang="pt-BR" sz="2400" dirty="0">
-              <a:latin typeface="Times New Roman" panose="02020603050405020304" pitchFamily="18" charset="0"/>
-              <a:cs typeface="Times New Roman" panose="02020603050405020304" pitchFamily="18" charset="0"/>
-            </a:endParaRPr>
-          </a:p>
-          <a:p>
-            <a:pPr marL="0" indent="0" algn="just">
-              <a:buNone/>
-            </a:pPr>
-            <a:endParaRPr lang="pt-BR" sz="2400" dirty="0">
+              <a:solidFill>
+                <a:schemeClr val="tx1"/>
+              </a:solidFill>
               <a:latin typeface="Times New Roman" panose="02020603050405020304" pitchFamily="18" charset="0"/>
               <a:cs typeface="Times New Roman" panose="02020603050405020304" pitchFamily="18" charset="0"/>
             </a:endParaRPr>
@@ -12364,7 +13665,7 @@
     </p:spTree>
     <p:extLst>
       <p:ext uri="{BB962C8B-B14F-4D97-AF65-F5344CB8AC3E}">
-        <p14:creationId xmlns:p14="http://schemas.microsoft.com/office/powerpoint/2010/main" val="2747596967"/>
+        <p14:creationId xmlns:p14="http://schemas.microsoft.com/office/powerpoint/2010/main" val="3896837476"/>
       </p:ext>
     </p:extLst>
   </p:cSld>
@@ -12415,12 +13716,20 @@
           <a:lstStyle/>
           <a:p>
             <a:r>
+              <a:rPr lang="en-US" b="1" dirty="0">
+                <a:solidFill>
+                  <a:srgbClr val="0070C0"/>
+                </a:solidFill>
+              </a:rPr>
+              <a:t>PHP – </a:t>
+            </a:r>
+            <a:r>
               <a:rPr lang="en-US" b="1" dirty="0" err="1">
                 <a:solidFill>
                   <a:srgbClr val="0070C0"/>
                 </a:solidFill>
               </a:rPr>
-              <a:t>Dinâmica</a:t>
+              <a:t>Estrutura</a:t>
             </a:r>
             <a:r>
               <a:rPr lang="en-US" b="1" dirty="0">
@@ -12428,7 +13737,7 @@
                   <a:srgbClr val="0070C0"/>
                 </a:solidFill>
               </a:rPr>
-              <a:t>/</a:t>
+              <a:t> de </a:t>
             </a:r>
             <a:r>
               <a:rPr lang="en-US" b="1" dirty="0" err="1">
@@ -12436,13 +13745,16 @@
                   <a:srgbClr val="0070C0"/>
                 </a:solidFill>
               </a:rPr>
-              <a:t>Atividades</a:t>
-            </a:r>
-            <a:endParaRPr lang="en-US" b="1" dirty="0">
-              <a:solidFill>
-                <a:srgbClr val="0070C0"/>
-              </a:solidFill>
-            </a:endParaRPr>
+              <a:t>Seleção</a:t>
+            </a:r>
+            <a:r>
+              <a:rPr lang="en-US" b="1" dirty="0">
+                <a:solidFill>
+                  <a:srgbClr val="0070C0"/>
+                </a:solidFill>
+              </a:rPr>
+              <a:t> switch</a:t>
+            </a:r>
           </a:p>
         </p:txBody>
       </p:sp>
@@ -12458,8 +13770,8 @@
         </p:nvSpPr>
         <p:spPr>
           <a:xfrm>
-            <a:off x="139472" y="1063230"/>
-            <a:ext cx="8865056" cy="3606305"/>
+            <a:off x="142865" y="1037311"/>
+            <a:ext cx="8865056" cy="3960573"/>
           </a:xfrm>
         </p:spPr>
         <p:txBody>
@@ -12468,105 +13780,298 @@
           </a:bodyPr>
           <a:lstStyle/>
           <a:p>
-            <a:pPr algn="just">
-              <a:buFontTx/>
-              <a:buChar char="-"/>
-            </a:pPr>
-            <a:r>
-              <a:rPr lang="pt-BR" dirty="0">
-                <a:latin typeface="Times New Roman" panose="02020603050405020304" pitchFamily="18" charset="0"/>
-                <a:cs typeface="Times New Roman" panose="02020603050405020304" pitchFamily="18" charset="0"/>
-              </a:rPr>
-              <a:t>Exercícios de Fixação </a:t>
-            </a:r>
-            <a:r>
-              <a:rPr lang="pt-BR" b="1" dirty="0">
-                <a:latin typeface="Times New Roman" panose="02020603050405020304" pitchFamily="18" charset="0"/>
-                <a:cs typeface="Times New Roman" panose="02020603050405020304" pitchFamily="18" charset="0"/>
-              </a:rPr>
-              <a:t>PHP</a:t>
-            </a:r>
-          </a:p>
-          <a:p>
-            <a:pPr marL="0" indent="0" algn="just">
-              <a:buNone/>
-            </a:pPr>
-            <a:r>
-              <a:rPr lang="pt-BR" dirty="0">
+            <a:pPr marL="0" indent="0" algn="just">
+              <a:buNone/>
+            </a:pPr>
+            <a:r>
+              <a:rPr lang="pt-BR" sz="2400" b="1" dirty="0">
+                <a:solidFill>
+                  <a:schemeClr val="tx1"/>
+                </a:solidFill>
+                <a:latin typeface="Times New Roman" panose="02020603050405020304" pitchFamily="18" charset="0"/>
+                <a:cs typeface="Times New Roman" panose="02020603050405020304" pitchFamily="18" charset="0"/>
+              </a:rPr>
+              <a:t>	switch (</a:t>
+            </a:r>
+            <a:r>
+              <a:rPr lang="pt-BR" sz="2400" b="1" dirty="0">
+                <a:solidFill>
+                  <a:srgbClr val="FF0000"/>
+                </a:solidFill>
+                <a:latin typeface="Times New Roman" panose="02020603050405020304" pitchFamily="18" charset="0"/>
+                <a:cs typeface="Times New Roman" panose="02020603050405020304" pitchFamily="18" charset="0"/>
+              </a:rPr>
+              <a:t>$</a:t>
+            </a:r>
+            <a:r>
+              <a:rPr lang="pt-BR" sz="2400" b="1" dirty="0" err="1">
+                <a:solidFill>
+                  <a:srgbClr val="FF0000"/>
+                </a:solidFill>
+                <a:latin typeface="Times New Roman" panose="02020603050405020304" pitchFamily="18" charset="0"/>
+                <a:cs typeface="Times New Roman" panose="02020603050405020304" pitchFamily="18" charset="0"/>
+              </a:rPr>
+              <a:t>variavel</a:t>
+            </a:r>
+            <a:r>
+              <a:rPr lang="pt-BR" sz="2400" dirty="0">
+                <a:solidFill>
+                  <a:schemeClr val="tx1"/>
+                </a:solidFill>
+                <a:latin typeface="Times New Roman" panose="02020603050405020304" pitchFamily="18" charset="0"/>
+                <a:cs typeface="Times New Roman" panose="02020603050405020304" pitchFamily="18" charset="0"/>
+              </a:rPr>
+              <a:t>) </a:t>
+            </a:r>
+            <a:r>
+              <a:rPr lang="pt-BR" sz="2400" b="1" dirty="0">
+                <a:solidFill>
+                  <a:srgbClr val="FF0000"/>
+                </a:solidFill>
+                <a:latin typeface="Times New Roman" panose="02020603050405020304" pitchFamily="18" charset="0"/>
+                <a:cs typeface="Times New Roman" panose="02020603050405020304" pitchFamily="18" charset="0"/>
+              </a:rPr>
+              <a:t>{</a:t>
+            </a:r>
+          </a:p>
+          <a:p>
+            <a:pPr marL="891540" lvl="2" indent="0" algn="just">
+              <a:buNone/>
+            </a:pPr>
+            <a:r>
+              <a:rPr lang="pt-BR" sz="2400" dirty="0">
+                <a:solidFill>
+                  <a:schemeClr val="tx1"/>
+                </a:solidFill>
                 <a:latin typeface="Times New Roman" panose="02020603050405020304" pitchFamily="18" charset="0"/>
                 <a:cs typeface="Times New Roman" panose="02020603050405020304" pitchFamily="18" charset="0"/>
               </a:rPr>
               <a:t>	</a:t>
             </a:r>
             <a:r>
-              <a:rPr lang="pt-BR" b="1" dirty="0">
+              <a:rPr lang="pt-BR" sz="2400" b="1" dirty="0">
+                <a:solidFill>
+                  <a:schemeClr val="tx1"/>
+                </a:solidFill>
+                <a:latin typeface="Times New Roman" panose="02020603050405020304" pitchFamily="18" charset="0"/>
+                <a:cs typeface="Times New Roman" panose="02020603050405020304" pitchFamily="18" charset="0"/>
+              </a:rPr>
+              <a:t>case</a:t>
+            </a:r>
+            <a:r>
+              <a:rPr lang="pt-BR" sz="2400" dirty="0">
+                <a:solidFill>
+                  <a:schemeClr val="tx1"/>
+                </a:solidFill>
+                <a:latin typeface="Times New Roman" panose="02020603050405020304" pitchFamily="18" charset="0"/>
+                <a:cs typeface="Times New Roman" panose="02020603050405020304" pitchFamily="18" charset="0"/>
+              </a:rPr>
+              <a:t> 1:</a:t>
+            </a:r>
+          </a:p>
+          <a:p>
+            <a:pPr marL="891540" lvl="2" indent="0" algn="just">
+              <a:buNone/>
+            </a:pPr>
+            <a:r>
+              <a:rPr lang="pt-BR" sz="2400" dirty="0">
+                <a:solidFill>
+                  <a:schemeClr val="tx1"/>
+                </a:solidFill>
+                <a:latin typeface="Times New Roman" panose="02020603050405020304" pitchFamily="18" charset="0"/>
+                <a:cs typeface="Times New Roman" panose="02020603050405020304" pitchFamily="18" charset="0"/>
+              </a:rPr>
+              <a:t>	</a:t>
+            </a:r>
+            <a:r>
+              <a:rPr lang="pt-BR" sz="2400" b="1" dirty="0">
+                <a:solidFill>
+                  <a:schemeClr val="tx1"/>
+                </a:solidFill>
+                <a:latin typeface="Times New Roman" panose="02020603050405020304" pitchFamily="18" charset="0"/>
+                <a:cs typeface="Times New Roman" panose="02020603050405020304" pitchFamily="18" charset="0"/>
+              </a:rPr>
+              <a:t>case</a:t>
+            </a:r>
+            <a:r>
+              <a:rPr lang="pt-BR" sz="2400" dirty="0">
+                <a:solidFill>
+                  <a:schemeClr val="tx1"/>
+                </a:solidFill>
+                <a:latin typeface="Times New Roman" panose="02020603050405020304" pitchFamily="18" charset="0"/>
+                <a:cs typeface="Times New Roman" panose="02020603050405020304" pitchFamily="18" charset="0"/>
+              </a:rPr>
+              <a:t> 2:</a:t>
+            </a:r>
+          </a:p>
+          <a:p>
+            <a:pPr marL="891540" lvl="2" indent="0" algn="just">
+              <a:buNone/>
+            </a:pPr>
+            <a:r>
+              <a:rPr lang="pt-BR" sz="2400" dirty="0">
+                <a:solidFill>
+                  <a:schemeClr val="tx1"/>
+                </a:solidFill>
+                <a:latin typeface="Times New Roman" panose="02020603050405020304" pitchFamily="18" charset="0"/>
+                <a:cs typeface="Times New Roman" panose="02020603050405020304" pitchFamily="18" charset="0"/>
+              </a:rPr>
+              <a:t>	</a:t>
+            </a:r>
+            <a:r>
+              <a:rPr lang="pt-BR" sz="2400" b="1" dirty="0">
+                <a:solidFill>
+                  <a:schemeClr val="tx1"/>
+                </a:solidFill>
+                <a:latin typeface="Times New Roman" panose="02020603050405020304" pitchFamily="18" charset="0"/>
+                <a:cs typeface="Times New Roman" panose="02020603050405020304" pitchFamily="18" charset="0"/>
+              </a:rPr>
+              <a:t>case</a:t>
+            </a:r>
+            <a:r>
+              <a:rPr lang="pt-BR" sz="2400" dirty="0">
+                <a:solidFill>
+                  <a:schemeClr val="tx1"/>
+                </a:solidFill>
+                <a:latin typeface="Times New Roman" panose="02020603050405020304" pitchFamily="18" charset="0"/>
+                <a:cs typeface="Times New Roman" panose="02020603050405020304" pitchFamily="18" charset="0"/>
+              </a:rPr>
+              <a:t> 3: { Instruções; break; }</a:t>
+            </a:r>
+          </a:p>
+          <a:p>
+            <a:pPr marL="891540" lvl="2" indent="0" algn="just">
+              <a:buNone/>
+            </a:pPr>
+            <a:r>
+              <a:rPr lang="pt-BR" sz="2400" b="1" dirty="0">
                 <a:solidFill>
                   <a:srgbClr val="FF0000"/>
                 </a:solidFill>
                 <a:latin typeface="Times New Roman" panose="02020603050405020304" pitchFamily="18" charset="0"/>
                 <a:cs typeface="Times New Roman" panose="02020603050405020304" pitchFamily="18" charset="0"/>
               </a:rPr>
-              <a:t>Desafio em Sala de Aula</a:t>
-            </a:r>
-            <a:r>
-              <a:rPr lang="pt-BR" dirty="0">
-                <a:latin typeface="Times New Roman" panose="02020603050405020304" pitchFamily="18" charset="0"/>
-                <a:cs typeface="Times New Roman" panose="02020603050405020304" pitchFamily="18" charset="0"/>
-              </a:rPr>
-              <a:t>.</a:t>
-            </a:r>
-          </a:p>
-          <a:p>
-            <a:pPr marL="0" indent="0" algn="just">
-              <a:buNone/>
-            </a:pPr>
-            <a:r>
-              <a:rPr lang="pt-BR" dirty="0">
-                <a:latin typeface="Times New Roman" panose="02020603050405020304" pitchFamily="18" charset="0"/>
-                <a:cs typeface="Times New Roman" panose="02020603050405020304" pitchFamily="18" charset="0"/>
-              </a:rPr>
-              <a:t>		</a:t>
-            </a:r>
-          </a:p>
-          <a:p>
-            <a:pPr marL="0" indent="0" algn="just">
-              <a:buNone/>
-            </a:pPr>
-            <a:r>
-              <a:rPr lang="es-ES" dirty="0">
-                <a:latin typeface="Times New Roman" panose="02020603050405020304" pitchFamily="18" charset="0"/>
-                <a:cs typeface="Times New Roman" panose="02020603050405020304" pitchFamily="18" charset="0"/>
-              </a:rPr>
-              <a:t>- </a:t>
-            </a:r>
-            <a:r>
-              <a:rPr lang="es-ES" b="1" dirty="0">
-                <a:latin typeface="Times New Roman" panose="02020603050405020304" pitchFamily="18" charset="0"/>
-                <a:cs typeface="Times New Roman" panose="02020603050405020304" pitchFamily="18" charset="0"/>
-              </a:rPr>
-              <a:t>Quiz</a:t>
-            </a:r>
-            <a:r>
-              <a:rPr lang="es-ES" dirty="0">
-                <a:latin typeface="Times New Roman" panose="02020603050405020304" pitchFamily="18" charset="0"/>
-                <a:cs typeface="Times New Roman" panose="02020603050405020304" pitchFamily="18" charset="0"/>
-              </a:rPr>
-              <a:t> PHP</a:t>
-            </a:r>
-          </a:p>
-          <a:p>
-            <a:pPr marL="0" indent="0" algn="just">
-              <a:buNone/>
-            </a:pPr>
-            <a:r>
-              <a:rPr lang="es-ES" dirty="0">
-                <a:latin typeface="Times New Roman" panose="02020603050405020304" pitchFamily="18" charset="0"/>
-                <a:cs typeface="Times New Roman" panose="02020603050405020304" pitchFamily="18" charset="0"/>
-                <a:hlinkClick r:id="rId3"/>
-              </a:rPr>
-              <a:t>https://www.w3schools.com/php/php_quiz.asp</a:t>
-            </a:r>
-            <a:endParaRPr lang="es-ES" dirty="0">
+              <a:t>	</a:t>
+            </a:r>
+            <a:r>
+              <a:rPr lang="pt-BR" sz="2400" b="1" dirty="0">
+                <a:solidFill>
+                  <a:schemeClr val="tx1"/>
+                </a:solidFill>
+                <a:latin typeface="Times New Roman" panose="02020603050405020304" pitchFamily="18" charset="0"/>
+                <a:cs typeface="Times New Roman" panose="02020603050405020304" pitchFamily="18" charset="0"/>
+              </a:rPr>
+              <a:t>case</a:t>
+            </a:r>
+            <a:r>
+              <a:rPr lang="pt-BR" sz="2400" dirty="0">
+                <a:solidFill>
+                  <a:schemeClr val="tx1"/>
+                </a:solidFill>
+                <a:latin typeface="Times New Roman" panose="02020603050405020304" pitchFamily="18" charset="0"/>
+                <a:cs typeface="Times New Roman" panose="02020603050405020304" pitchFamily="18" charset="0"/>
+              </a:rPr>
+              <a:t> 4: { Instruções; break; }</a:t>
+            </a:r>
+          </a:p>
+          <a:p>
+            <a:pPr marL="891540" lvl="2" indent="0" algn="just">
+              <a:buNone/>
+            </a:pPr>
+            <a:r>
+              <a:rPr lang="pt-BR" sz="2400" b="1" dirty="0">
+                <a:solidFill>
+                  <a:srgbClr val="FF0000"/>
+                </a:solidFill>
+                <a:latin typeface="Times New Roman" panose="02020603050405020304" pitchFamily="18" charset="0"/>
+                <a:cs typeface="Times New Roman" panose="02020603050405020304" pitchFamily="18" charset="0"/>
+              </a:rPr>
+              <a:t>	</a:t>
+            </a:r>
+            <a:r>
+              <a:rPr lang="pt-BR" sz="2400" b="1" dirty="0">
+                <a:solidFill>
+                  <a:schemeClr val="tx1"/>
+                </a:solidFill>
+                <a:latin typeface="Times New Roman" panose="02020603050405020304" pitchFamily="18" charset="0"/>
+                <a:cs typeface="Times New Roman" panose="02020603050405020304" pitchFamily="18" charset="0"/>
+              </a:rPr>
+              <a:t>case</a:t>
+            </a:r>
+            <a:r>
+              <a:rPr lang="pt-BR" sz="2400" dirty="0">
+                <a:solidFill>
+                  <a:schemeClr val="tx1"/>
+                </a:solidFill>
+                <a:latin typeface="Times New Roman" panose="02020603050405020304" pitchFamily="18" charset="0"/>
+                <a:cs typeface="Times New Roman" panose="02020603050405020304" pitchFamily="18" charset="0"/>
+              </a:rPr>
+              <a:t> 5:</a:t>
+            </a:r>
+          </a:p>
+          <a:p>
+            <a:pPr marL="891540" lvl="2" indent="0" algn="just">
+              <a:buNone/>
+            </a:pPr>
+            <a:r>
+              <a:rPr lang="pt-BR" sz="2400" b="1" dirty="0">
+                <a:solidFill>
+                  <a:srgbClr val="FF0000"/>
+                </a:solidFill>
+                <a:latin typeface="Times New Roman" panose="02020603050405020304" pitchFamily="18" charset="0"/>
+                <a:cs typeface="Times New Roman" panose="02020603050405020304" pitchFamily="18" charset="0"/>
+              </a:rPr>
+              <a:t>	</a:t>
+            </a:r>
+            <a:r>
+              <a:rPr lang="pt-BR" sz="2400" b="1" dirty="0">
+                <a:solidFill>
+                  <a:schemeClr val="tx1"/>
+                </a:solidFill>
+                <a:latin typeface="Times New Roman" panose="02020603050405020304" pitchFamily="18" charset="0"/>
+                <a:cs typeface="Times New Roman" panose="02020603050405020304" pitchFamily="18" charset="0"/>
+              </a:rPr>
+              <a:t>case</a:t>
+            </a:r>
+            <a:r>
+              <a:rPr lang="pt-BR" sz="2400" dirty="0">
+                <a:solidFill>
+                  <a:schemeClr val="tx1"/>
+                </a:solidFill>
+                <a:latin typeface="Times New Roman" panose="02020603050405020304" pitchFamily="18" charset="0"/>
+                <a:cs typeface="Times New Roman" panose="02020603050405020304" pitchFamily="18" charset="0"/>
+              </a:rPr>
+              <a:t> 6: { Instruções; break; }</a:t>
+            </a:r>
+          </a:p>
+          <a:p>
+            <a:pPr marL="0" indent="0" algn="just">
+              <a:buNone/>
+            </a:pPr>
+            <a:r>
+              <a:rPr lang="pt-BR" sz="2400" b="1" dirty="0">
+                <a:solidFill>
+                  <a:srgbClr val="FF0000"/>
+                </a:solidFill>
+                <a:latin typeface="Times New Roman" panose="02020603050405020304" pitchFamily="18" charset="0"/>
+                <a:cs typeface="Times New Roman" panose="02020603050405020304" pitchFamily="18" charset="0"/>
+              </a:rPr>
+              <a:t>		default</a:t>
+            </a:r>
+            <a:r>
+              <a:rPr lang="pt-BR" sz="2400" dirty="0">
+                <a:solidFill>
+                  <a:schemeClr val="tx1"/>
+                </a:solidFill>
+                <a:latin typeface="Times New Roman" panose="02020603050405020304" pitchFamily="18" charset="0"/>
+                <a:cs typeface="Times New Roman" panose="02020603050405020304" pitchFamily="18" charset="0"/>
+              </a:rPr>
+              <a:t>: { Instruções; }</a:t>
+            </a:r>
+            <a:endParaRPr lang="pt-BR" sz="2400" b="1" dirty="0">
+              <a:solidFill>
+                <a:srgbClr val="FF0000"/>
+              </a:solidFill>
               <a:latin typeface="Times New Roman" panose="02020603050405020304" pitchFamily="18" charset="0"/>
               <a:cs typeface="Times New Roman" panose="02020603050405020304" pitchFamily="18" charset="0"/>
             </a:endParaRPr>
@@ -12575,8 +14080,22 @@
             <a:pPr marL="0" indent="0" algn="just">
               <a:buNone/>
             </a:pPr>
-            <a:endParaRPr lang="pt-BR" dirty="0">
-              <a:latin typeface="Calibri" panose="020F0502020204030204" pitchFamily="34" charset="0"/>
+            <a:r>
+              <a:rPr lang="pt-BR" sz="2400" b="1" dirty="0">
+                <a:solidFill>
+                  <a:srgbClr val="FF0000"/>
+                </a:solidFill>
+                <a:latin typeface="Times New Roman" panose="02020603050405020304" pitchFamily="18" charset="0"/>
+                <a:cs typeface="Times New Roman" panose="02020603050405020304" pitchFamily="18" charset="0"/>
+              </a:rPr>
+              <a:t>	}</a:t>
+            </a:r>
+            <a:endParaRPr lang="pt-BR" sz="2400" dirty="0">
+              <a:solidFill>
+                <a:schemeClr val="tx1"/>
+              </a:solidFill>
+              <a:latin typeface="Times New Roman" panose="02020603050405020304" pitchFamily="18" charset="0"/>
+              <a:cs typeface="Times New Roman" panose="02020603050405020304" pitchFamily="18" charset="0"/>
             </a:endParaRPr>
           </a:p>
         </p:txBody>
@@ -12584,7 +14103,7 @@
     </p:spTree>
     <p:extLst>
       <p:ext uri="{BB962C8B-B14F-4D97-AF65-F5344CB8AC3E}">
-        <p14:creationId xmlns:p14="http://schemas.microsoft.com/office/powerpoint/2010/main" val="2470652989"/>
+        <p14:creationId xmlns:p14="http://schemas.microsoft.com/office/powerpoint/2010/main" val="3835862548"/>
       </p:ext>
     </p:extLst>
   </p:cSld>
@@ -12635,6 +14154,2436 @@
           <a:lstStyle/>
           <a:p>
             <a:r>
+              <a:rPr lang="en-US" b="1" dirty="0">
+                <a:solidFill>
+                  <a:srgbClr val="0070C0"/>
+                </a:solidFill>
+              </a:rPr>
+              <a:t>PHP – </a:t>
+            </a:r>
+            <a:r>
+              <a:rPr lang="en-US" b="1" dirty="0" err="1">
+                <a:solidFill>
+                  <a:srgbClr val="0070C0"/>
+                </a:solidFill>
+              </a:rPr>
+              <a:t>Estrutura</a:t>
+            </a:r>
+            <a:r>
+              <a:rPr lang="en-US" b="1" dirty="0">
+                <a:solidFill>
+                  <a:srgbClr val="0070C0"/>
+                </a:solidFill>
+              </a:rPr>
+              <a:t> de </a:t>
+            </a:r>
+            <a:r>
+              <a:rPr lang="en-US" b="1" dirty="0" err="1">
+                <a:solidFill>
+                  <a:srgbClr val="0070C0"/>
+                </a:solidFill>
+              </a:rPr>
+              <a:t>Repetição</a:t>
+            </a:r>
+            <a:endParaRPr lang="en-US" b="1" dirty="0">
+              <a:solidFill>
+                <a:srgbClr val="0070C0"/>
+              </a:solidFill>
+            </a:endParaRPr>
+          </a:p>
+        </p:txBody>
+      </p:sp>
+      <p:sp>
+        <p:nvSpPr>
+          <p:cNvPr id="8" name="Text Placeholder 2"/>
+          <p:cNvSpPr>
+            <a:spLocks noGrp="1"/>
+          </p:cNvSpPr>
+          <p:nvPr>
+            <p:ph type="body" sz="half" idx="1"/>
+          </p:nvPr>
+        </p:nvSpPr>
+        <p:spPr>
+          <a:xfrm>
+            <a:off x="142865" y="1037312"/>
+            <a:ext cx="8865056" cy="3900208"/>
+          </a:xfrm>
+        </p:spPr>
+        <p:txBody>
+          <a:bodyPr>
+            <a:noAutofit/>
+          </a:bodyPr>
+          <a:lstStyle/>
+          <a:p>
+            <a:pPr marL="0" indent="0" algn="just">
+              <a:buNone/>
+            </a:pPr>
+            <a:r>
+              <a:rPr lang="pt-BR" sz="2400" dirty="0">
+                <a:solidFill>
+                  <a:schemeClr val="tx1"/>
+                </a:solidFill>
+                <a:latin typeface="Times New Roman" panose="02020603050405020304" pitchFamily="18" charset="0"/>
+                <a:cs typeface="Times New Roman" panose="02020603050405020304" pitchFamily="18" charset="0"/>
+              </a:rPr>
+              <a:t>1. </a:t>
+            </a:r>
+            <a:r>
+              <a:rPr lang="pt-BR" sz="2400" b="1" dirty="0" err="1">
+                <a:solidFill>
+                  <a:schemeClr val="tx1"/>
+                </a:solidFill>
+                <a:latin typeface="Times New Roman" panose="02020603050405020304" pitchFamily="18" charset="0"/>
+                <a:cs typeface="Times New Roman" panose="02020603050405020304" pitchFamily="18" charset="0"/>
+              </a:rPr>
+              <a:t>while</a:t>
+            </a:r>
+            <a:r>
+              <a:rPr lang="pt-BR" sz="2400" dirty="0">
+                <a:solidFill>
+                  <a:schemeClr val="tx1"/>
+                </a:solidFill>
+                <a:latin typeface="Times New Roman" panose="02020603050405020304" pitchFamily="18" charset="0"/>
+                <a:cs typeface="Times New Roman" panose="02020603050405020304" pitchFamily="18" charset="0"/>
+              </a:rPr>
+              <a:t> (</a:t>
+            </a:r>
+            <a:r>
+              <a:rPr lang="pt-BR" sz="2400" dirty="0" err="1">
+                <a:solidFill>
+                  <a:schemeClr val="tx1"/>
+                </a:solidFill>
+                <a:latin typeface="Times New Roman" panose="02020603050405020304" pitchFamily="18" charset="0"/>
+                <a:cs typeface="Times New Roman" panose="02020603050405020304" pitchFamily="18" charset="0"/>
+              </a:rPr>
+              <a:t>exp</a:t>
+            </a:r>
+            <a:r>
+              <a:rPr lang="pt-BR" sz="2400" dirty="0">
+                <a:solidFill>
+                  <a:schemeClr val="tx1"/>
+                </a:solidFill>
+                <a:latin typeface="Times New Roman" panose="02020603050405020304" pitchFamily="18" charset="0"/>
+                <a:cs typeface="Times New Roman" panose="02020603050405020304" pitchFamily="18" charset="0"/>
+              </a:rPr>
+              <a:t>) { instruções } // </a:t>
+            </a:r>
+            <a:r>
+              <a:rPr lang="pt-BR" sz="2400" b="1" dirty="0">
+                <a:solidFill>
+                  <a:schemeClr val="tx1"/>
+                </a:solidFill>
+                <a:latin typeface="Times New Roman" panose="02020603050405020304" pitchFamily="18" charset="0"/>
+                <a:cs typeface="Times New Roman" panose="02020603050405020304" pitchFamily="18" charset="0"/>
+              </a:rPr>
+              <a:t>break</a:t>
+            </a:r>
+            <a:r>
+              <a:rPr lang="pt-BR" sz="2400" dirty="0">
+                <a:solidFill>
+                  <a:schemeClr val="tx1"/>
+                </a:solidFill>
+                <a:latin typeface="Times New Roman" panose="02020603050405020304" pitchFamily="18" charset="0"/>
+                <a:cs typeface="Times New Roman" panose="02020603050405020304" pitchFamily="18" charset="0"/>
+              </a:rPr>
+              <a:t>; </a:t>
+            </a:r>
+            <a:r>
+              <a:rPr lang="pt-BR" sz="2400" b="1" dirty="0">
+                <a:solidFill>
+                  <a:srgbClr val="FF0000"/>
+                </a:solidFill>
+                <a:latin typeface="Times New Roman" panose="02020603050405020304" pitchFamily="18" charset="0"/>
+                <a:cs typeface="Times New Roman" panose="02020603050405020304" pitchFamily="18" charset="0"/>
+              </a:rPr>
+              <a:t>continue</a:t>
+            </a:r>
+            <a:r>
+              <a:rPr lang="pt-BR" sz="2400" dirty="0">
+                <a:solidFill>
+                  <a:schemeClr val="tx1"/>
+                </a:solidFill>
+                <a:latin typeface="Times New Roman" panose="02020603050405020304" pitchFamily="18" charset="0"/>
+                <a:cs typeface="Times New Roman" panose="02020603050405020304" pitchFamily="18" charset="0"/>
+              </a:rPr>
+              <a:t>;</a:t>
+            </a:r>
+          </a:p>
+          <a:p>
+            <a:pPr marL="0" indent="0" algn="just">
+              <a:buNone/>
+            </a:pPr>
+            <a:endParaRPr lang="pt-BR" sz="2400" dirty="0">
+              <a:solidFill>
+                <a:schemeClr val="tx1"/>
+              </a:solidFill>
+              <a:latin typeface="Times New Roman" panose="02020603050405020304" pitchFamily="18" charset="0"/>
+              <a:cs typeface="Times New Roman" panose="02020603050405020304" pitchFamily="18" charset="0"/>
+            </a:endParaRPr>
+          </a:p>
+          <a:p>
+            <a:pPr marL="0" indent="0" algn="just">
+              <a:buNone/>
+            </a:pPr>
+            <a:r>
+              <a:rPr lang="pt-BR" sz="2400" dirty="0">
+                <a:solidFill>
+                  <a:schemeClr val="tx1"/>
+                </a:solidFill>
+                <a:latin typeface="Times New Roman" panose="02020603050405020304" pitchFamily="18" charset="0"/>
+                <a:cs typeface="Times New Roman" panose="02020603050405020304" pitchFamily="18" charset="0"/>
+              </a:rPr>
+              <a:t>2. 	{ instruções }</a:t>
+            </a:r>
+          </a:p>
+          <a:p>
+            <a:pPr marL="0" indent="0" algn="just">
+              <a:buNone/>
+            </a:pPr>
+            <a:r>
+              <a:rPr lang="pt-BR" sz="2400" b="1" dirty="0">
+                <a:solidFill>
+                  <a:schemeClr val="tx1"/>
+                </a:solidFill>
+                <a:latin typeface="Times New Roman" panose="02020603050405020304" pitchFamily="18" charset="0"/>
+                <a:cs typeface="Times New Roman" panose="02020603050405020304" pitchFamily="18" charset="0"/>
+              </a:rPr>
+              <a:t>do </a:t>
+            </a:r>
+            <a:r>
+              <a:rPr lang="pt-BR" sz="2400" b="1" dirty="0" err="1">
+                <a:solidFill>
+                  <a:schemeClr val="tx1"/>
+                </a:solidFill>
+                <a:latin typeface="Times New Roman" panose="02020603050405020304" pitchFamily="18" charset="0"/>
+                <a:cs typeface="Times New Roman" panose="02020603050405020304" pitchFamily="18" charset="0"/>
+              </a:rPr>
+              <a:t>while</a:t>
+            </a:r>
+            <a:r>
+              <a:rPr lang="pt-BR" sz="2400" dirty="0">
+                <a:solidFill>
+                  <a:schemeClr val="tx1"/>
+                </a:solidFill>
+                <a:latin typeface="Times New Roman" panose="02020603050405020304" pitchFamily="18" charset="0"/>
+                <a:cs typeface="Times New Roman" panose="02020603050405020304" pitchFamily="18" charset="0"/>
+              </a:rPr>
+              <a:t> (</a:t>
+            </a:r>
+            <a:r>
+              <a:rPr lang="pt-BR" sz="2400" dirty="0" err="1">
+                <a:solidFill>
+                  <a:schemeClr val="tx1"/>
+                </a:solidFill>
+                <a:latin typeface="Times New Roman" panose="02020603050405020304" pitchFamily="18" charset="0"/>
+                <a:cs typeface="Times New Roman" panose="02020603050405020304" pitchFamily="18" charset="0"/>
+              </a:rPr>
+              <a:t>exp</a:t>
+            </a:r>
+            <a:r>
+              <a:rPr lang="pt-BR" sz="2400" dirty="0">
+                <a:solidFill>
+                  <a:schemeClr val="tx1"/>
+                </a:solidFill>
+                <a:latin typeface="Times New Roman" panose="02020603050405020304" pitchFamily="18" charset="0"/>
+                <a:cs typeface="Times New Roman" panose="02020603050405020304" pitchFamily="18" charset="0"/>
+              </a:rPr>
+              <a:t>); // </a:t>
+            </a:r>
+            <a:r>
+              <a:rPr lang="pt-BR" sz="2400" b="1" dirty="0">
+                <a:solidFill>
+                  <a:srgbClr val="FF0000"/>
+                </a:solidFill>
+                <a:latin typeface="Times New Roman" panose="02020603050405020304" pitchFamily="18" charset="0"/>
+                <a:cs typeface="Times New Roman" panose="02020603050405020304" pitchFamily="18" charset="0"/>
+              </a:rPr>
+              <a:t>Repita</a:t>
+            </a:r>
+          </a:p>
+          <a:p>
+            <a:pPr marL="0" indent="0" algn="just">
+              <a:buNone/>
+            </a:pPr>
+            <a:endParaRPr lang="pt-BR" sz="2400" dirty="0">
+              <a:solidFill>
+                <a:schemeClr val="tx1"/>
+              </a:solidFill>
+              <a:latin typeface="Times New Roman" panose="02020603050405020304" pitchFamily="18" charset="0"/>
+              <a:cs typeface="Times New Roman" panose="02020603050405020304" pitchFamily="18" charset="0"/>
+            </a:endParaRPr>
+          </a:p>
+          <a:p>
+            <a:pPr marL="0" indent="0" algn="just">
+              <a:buNone/>
+            </a:pPr>
+            <a:r>
+              <a:rPr lang="pt-BR" sz="2400" dirty="0">
+                <a:solidFill>
+                  <a:schemeClr val="tx1"/>
+                </a:solidFill>
+                <a:latin typeface="Times New Roman" panose="02020603050405020304" pitchFamily="18" charset="0"/>
+                <a:cs typeface="Times New Roman" panose="02020603050405020304" pitchFamily="18" charset="0"/>
+              </a:rPr>
+              <a:t>3. </a:t>
+            </a:r>
+            <a:r>
+              <a:rPr lang="pt-BR" sz="2400" b="1" dirty="0">
+                <a:solidFill>
+                  <a:schemeClr val="tx1"/>
+                </a:solidFill>
+                <a:latin typeface="Times New Roman" panose="02020603050405020304" pitchFamily="18" charset="0"/>
+                <a:cs typeface="Times New Roman" panose="02020603050405020304" pitchFamily="18" charset="0"/>
+              </a:rPr>
+              <a:t>for</a:t>
+            </a:r>
+            <a:r>
+              <a:rPr lang="pt-BR" sz="2400" dirty="0">
+                <a:solidFill>
+                  <a:schemeClr val="tx1"/>
+                </a:solidFill>
+                <a:latin typeface="Times New Roman" panose="02020603050405020304" pitchFamily="18" charset="0"/>
+                <a:cs typeface="Times New Roman" panose="02020603050405020304" pitchFamily="18" charset="0"/>
+              </a:rPr>
+              <a:t> ($x = 0; $x &lt; 10; $x++) { instruções }</a:t>
+            </a:r>
+          </a:p>
+          <a:p>
+            <a:pPr marL="0" indent="0" algn="just">
+              <a:buNone/>
+            </a:pPr>
+            <a:endParaRPr lang="pt-BR" sz="2400" dirty="0">
+              <a:solidFill>
+                <a:schemeClr val="tx1"/>
+              </a:solidFill>
+              <a:latin typeface="Times New Roman" panose="02020603050405020304" pitchFamily="18" charset="0"/>
+              <a:cs typeface="Times New Roman" panose="02020603050405020304" pitchFamily="18" charset="0"/>
+            </a:endParaRPr>
+          </a:p>
+        </p:txBody>
+      </p:sp>
+    </p:spTree>
+    <p:extLst>
+      <p:ext uri="{BB962C8B-B14F-4D97-AF65-F5344CB8AC3E}">
+        <p14:creationId xmlns:p14="http://schemas.microsoft.com/office/powerpoint/2010/main" val="3523219720"/>
+      </p:ext>
+    </p:extLst>
+  </p:cSld>
+  <p:clrMapOvr>
+    <a:masterClrMapping/>
+  </p:clrMapOvr>
+  <p:transition spd="med"/>
+</p:sld>
+</file>
+
+<file path=ppt/slides/slide29.xml><?xml version="1.0" encoding="utf-8"?>
+<p:sld xmlns:a="http://schemas.openxmlformats.org/drawingml/2006/main" xmlns:r="http://schemas.openxmlformats.org/officeDocument/2006/relationships" xmlns:p="http://schemas.openxmlformats.org/presentationml/2006/main">
+  <p:cSld>
+    <p:spTree>
+      <p:nvGrpSpPr>
+        <p:cNvPr id="1" name=""/>
+        <p:cNvGrpSpPr/>
+        <p:nvPr/>
+      </p:nvGrpSpPr>
+      <p:grpSpPr>
+        <a:xfrm>
+          <a:off x="0" y="0"/>
+          <a:ext cx="0" cy="0"/>
+          <a:chOff x="0" y="0"/>
+          <a:chExt cx="0" cy="0"/>
+        </a:xfrm>
+      </p:grpSpPr>
+      <p:sp>
+        <p:nvSpPr>
+          <p:cNvPr id="6" name="Title 1"/>
+          <p:cNvSpPr>
+            <a:spLocks noGrp="1"/>
+          </p:cNvSpPr>
+          <p:nvPr>
+            <p:ph type="title"/>
+          </p:nvPr>
+        </p:nvSpPr>
+        <p:spPr>
+          <a:xfrm>
+            <a:off x="457200" y="205980"/>
+            <a:ext cx="8229600" cy="857251"/>
+          </a:xfrm>
+        </p:spPr>
+        <p:txBody>
+          <a:bodyPr>
+            <a:normAutofit/>
+          </a:bodyPr>
+          <a:lstStyle/>
+          <a:p>
+            <a:r>
+              <a:rPr lang="en-US" b="1" dirty="0">
+                <a:solidFill>
+                  <a:srgbClr val="0070C0"/>
+                </a:solidFill>
+              </a:rPr>
+              <a:t>PHP – BD MySQL com PDO</a:t>
+            </a:r>
+          </a:p>
+        </p:txBody>
+      </p:sp>
+      <p:sp>
+        <p:nvSpPr>
+          <p:cNvPr id="8" name="Text Placeholder 2"/>
+          <p:cNvSpPr>
+            <a:spLocks noGrp="1"/>
+          </p:cNvSpPr>
+          <p:nvPr>
+            <p:ph type="body" sz="half" idx="1"/>
+          </p:nvPr>
+        </p:nvSpPr>
+        <p:spPr>
+          <a:xfrm>
+            <a:off x="142865" y="1037312"/>
+            <a:ext cx="8865056" cy="3900208"/>
+          </a:xfrm>
+        </p:spPr>
+        <p:txBody>
+          <a:bodyPr>
+            <a:noAutofit/>
+          </a:bodyPr>
+          <a:lstStyle/>
+          <a:p>
+            <a:pPr marL="0" indent="0" algn="just">
+              <a:buNone/>
+            </a:pPr>
+            <a:r>
+              <a:rPr lang="pt-BR" sz="2400" dirty="0">
+                <a:solidFill>
+                  <a:schemeClr val="tx1"/>
+                </a:solidFill>
+                <a:latin typeface="Times New Roman" panose="02020603050405020304" pitchFamily="18" charset="0"/>
+                <a:cs typeface="Times New Roman" panose="02020603050405020304" pitchFamily="18" charset="0"/>
+              </a:rPr>
+              <a:t>1. </a:t>
+            </a:r>
+            <a:endParaRPr lang="pt-BR" sz="2400" b="1" dirty="0">
+              <a:solidFill>
+                <a:schemeClr val="tx1"/>
+              </a:solidFill>
+              <a:latin typeface="Times New Roman" panose="02020603050405020304" pitchFamily="18" charset="0"/>
+              <a:cs typeface="Times New Roman" panose="02020603050405020304" pitchFamily="18" charset="0"/>
+            </a:endParaRPr>
+          </a:p>
+          <a:p>
+            <a:pPr marL="0" indent="0" algn="just">
+              <a:buNone/>
+            </a:pPr>
+            <a:endParaRPr lang="pt-BR" sz="2400" dirty="0">
+              <a:solidFill>
+                <a:schemeClr val="tx1"/>
+              </a:solidFill>
+              <a:latin typeface="Times New Roman" panose="02020603050405020304" pitchFamily="18" charset="0"/>
+              <a:cs typeface="Times New Roman" panose="02020603050405020304" pitchFamily="18" charset="0"/>
+            </a:endParaRPr>
+          </a:p>
+        </p:txBody>
+      </p:sp>
+    </p:spTree>
+    <p:extLst>
+      <p:ext uri="{BB962C8B-B14F-4D97-AF65-F5344CB8AC3E}">
+        <p14:creationId xmlns:p14="http://schemas.microsoft.com/office/powerpoint/2010/main" val="1235422409"/>
+      </p:ext>
+    </p:extLst>
+  </p:cSld>
+  <p:clrMapOvr>
+    <a:masterClrMapping/>
+  </p:clrMapOvr>
+  <p:transition spd="med"/>
+</p:sld>
+</file>
+
+<file path=ppt/slides/slide3.xml><?xml version="1.0" encoding="utf-8"?>
+<p:sld xmlns:a="http://schemas.openxmlformats.org/drawingml/2006/main" xmlns:r="http://schemas.openxmlformats.org/officeDocument/2006/relationships" xmlns:p="http://schemas.openxmlformats.org/presentationml/2006/main">
+  <p:cSld>
+    <p:spTree>
+      <p:nvGrpSpPr>
+        <p:cNvPr id="1" name=""/>
+        <p:cNvGrpSpPr/>
+        <p:nvPr/>
+      </p:nvGrpSpPr>
+      <p:grpSpPr>
+        <a:xfrm>
+          <a:off x="0" y="0"/>
+          <a:ext cx="0" cy="0"/>
+          <a:chOff x="0" y="0"/>
+          <a:chExt cx="0" cy="0"/>
+        </a:xfrm>
+      </p:grpSpPr>
+      <p:sp>
+        <p:nvSpPr>
+          <p:cNvPr id="6" name="Title 1"/>
+          <p:cNvSpPr>
+            <a:spLocks noGrp="1"/>
+          </p:cNvSpPr>
+          <p:nvPr>
+            <p:ph type="title"/>
+          </p:nvPr>
+        </p:nvSpPr>
+        <p:spPr>
+          <a:xfrm>
+            <a:off x="457200" y="155876"/>
+            <a:ext cx="8229600" cy="857251"/>
+          </a:xfrm>
+        </p:spPr>
+        <p:txBody>
+          <a:bodyPr>
+            <a:normAutofit/>
+          </a:bodyPr>
+          <a:lstStyle/>
+          <a:p>
+            <a:r>
+              <a:rPr lang="en-US" b="1" dirty="0">
+                <a:solidFill>
+                  <a:srgbClr val="0070C0"/>
+                </a:solidFill>
+              </a:rPr>
+              <a:t>PHP – </a:t>
+            </a:r>
+            <a:r>
+              <a:rPr lang="en-US" b="1" dirty="0" err="1">
+                <a:solidFill>
+                  <a:srgbClr val="0070C0"/>
+                </a:solidFill>
+              </a:rPr>
+              <a:t>Características</a:t>
+            </a:r>
+            <a:endParaRPr lang="en-US" b="1" dirty="0">
+              <a:solidFill>
+                <a:srgbClr val="0070C0"/>
+              </a:solidFill>
+            </a:endParaRPr>
+          </a:p>
+        </p:txBody>
+      </p:sp>
+      <p:sp>
+        <p:nvSpPr>
+          <p:cNvPr id="8" name="Text Placeholder 2"/>
+          <p:cNvSpPr>
+            <a:spLocks noGrp="1"/>
+          </p:cNvSpPr>
+          <p:nvPr>
+            <p:ph type="body" sz="half" idx="1"/>
+          </p:nvPr>
+        </p:nvSpPr>
+        <p:spPr>
+          <a:xfrm>
+            <a:off x="142865" y="1037312"/>
+            <a:ext cx="8865056" cy="3900208"/>
+          </a:xfrm>
+        </p:spPr>
+        <p:txBody>
+          <a:bodyPr>
+            <a:noAutofit/>
+          </a:bodyPr>
+          <a:lstStyle/>
+          <a:p>
+            <a:pPr marL="0" indent="0" algn="just">
+              <a:buNone/>
+            </a:pPr>
+            <a:r>
+              <a:rPr lang="pt-BR" sz="2400" dirty="0">
+                <a:solidFill>
+                  <a:schemeClr val="tx1"/>
+                </a:solidFill>
+                <a:latin typeface="Times New Roman" panose="02020603050405020304" pitchFamily="18" charset="0"/>
+                <a:cs typeface="Times New Roman" panose="02020603050405020304" pitchFamily="18" charset="0"/>
+              </a:rPr>
+              <a:t>É uma </a:t>
+            </a:r>
+            <a:r>
+              <a:rPr lang="pt-BR" sz="2400" b="1" dirty="0">
+                <a:solidFill>
+                  <a:schemeClr val="tx1"/>
+                </a:solidFill>
+                <a:latin typeface="Times New Roman" panose="02020603050405020304" pitchFamily="18" charset="0"/>
+                <a:cs typeface="Times New Roman" panose="02020603050405020304" pitchFamily="18" charset="0"/>
+              </a:rPr>
+              <a:t>linguagem de programação,</a:t>
+            </a:r>
+            <a:r>
+              <a:rPr lang="pt-BR" sz="2400" dirty="0">
+                <a:solidFill>
+                  <a:schemeClr val="tx1"/>
+                </a:solidFill>
+                <a:latin typeface="Times New Roman" panose="02020603050405020304" pitchFamily="18" charset="0"/>
+                <a:cs typeface="Times New Roman" panose="02020603050405020304" pitchFamily="18" charset="0"/>
+              </a:rPr>
+              <a:t> que em </a:t>
+            </a:r>
+            <a:r>
+              <a:rPr lang="pt-BR" sz="2400" b="1" dirty="0">
+                <a:solidFill>
+                  <a:srgbClr val="0070C0"/>
+                </a:solidFill>
+                <a:latin typeface="Times New Roman" panose="02020603050405020304" pitchFamily="18" charset="0"/>
+                <a:cs typeface="Times New Roman" panose="02020603050405020304" pitchFamily="18" charset="0"/>
+              </a:rPr>
+              <a:t>1990</a:t>
+            </a:r>
+            <a:r>
+              <a:rPr lang="pt-BR" sz="2400" dirty="0">
+                <a:solidFill>
+                  <a:schemeClr val="tx1"/>
+                </a:solidFill>
+                <a:latin typeface="Times New Roman" panose="02020603050405020304" pitchFamily="18" charset="0"/>
+                <a:cs typeface="Times New Roman" panose="02020603050405020304" pitchFamily="18" charset="0"/>
+              </a:rPr>
+              <a:t>, chamava-se de </a:t>
+            </a:r>
+            <a:r>
+              <a:rPr lang="pt-BR" sz="2400" b="1" dirty="0" err="1">
+                <a:solidFill>
+                  <a:srgbClr val="FF0000"/>
+                </a:solidFill>
+                <a:latin typeface="Times New Roman" panose="02020603050405020304" pitchFamily="18" charset="0"/>
+                <a:cs typeface="Times New Roman" panose="02020603050405020304" pitchFamily="18" charset="0"/>
+              </a:rPr>
+              <a:t>P</a:t>
+            </a:r>
+            <a:r>
+              <a:rPr lang="pt-BR" sz="2400" b="1" dirty="0" err="1">
+                <a:solidFill>
+                  <a:schemeClr val="tx1"/>
+                </a:solidFill>
+                <a:latin typeface="Times New Roman" panose="02020603050405020304" pitchFamily="18" charset="0"/>
+                <a:cs typeface="Times New Roman" panose="02020603050405020304" pitchFamily="18" charset="0"/>
+              </a:rPr>
+              <a:t>ersonal</a:t>
+            </a:r>
+            <a:r>
+              <a:rPr lang="pt-BR" sz="2400" b="1" dirty="0">
+                <a:solidFill>
+                  <a:schemeClr val="tx1"/>
+                </a:solidFill>
+                <a:latin typeface="Times New Roman" panose="02020603050405020304" pitchFamily="18" charset="0"/>
+                <a:cs typeface="Times New Roman" panose="02020603050405020304" pitchFamily="18" charset="0"/>
+              </a:rPr>
+              <a:t> </a:t>
+            </a:r>
+            <a:r>
+              <a:rPr lang="pt-BR" sz="2400" b="1" dirty="0">
+                <a:solidFill>
+                  <a:srgbClr val="FF0000"/>
+                </a:solidFill>
+                <a:latin typeface="Times New Roman" panose="02020603050405020304" pitchFamily="18" charset="0"/>
+                <a:cs typeface="Times New Roman" panose="02020603050405020304" pitchFamily="18" charset="0"/>
+              </a:rPr>
+              <a:t>H</a:t>
+            </a:r>
+            <a:r>
+              <a:rPr lang="pt-BR" sz="2400" b="1" dirty="0">
+                <a:solidFill>
+                  <a:schemeClr val="tx1"/>
+                </a:solidFill>
+                <a:latin typeface="Times New Roman" panose="02020603050405020304" pitchFamily="18" charset="0"/>
+                <a:cs typeface="Times New Roman" panose="02020603050405020304" pitchFamily="18" charset="0"/>
+              </a:rPr>
+              <a:t>ome </a:t>
+            </a:r>
+            <a:r>
+              <a:rPr lang="pt-BR" sz="2400" b="1" dirty="0">
+                <a:solidFill>
+                  <a:srgbClr val="FF0000"/>
+                </a:solidFill>
+                <a:latin typeface="Times New Roman" panose="02020603050405020304" pitchFamily="18" charset="0"/>
+                <a:cs typeface="Times New Roman" panose="02020603050405020304" pitchFamily="18" charset="0"/>
+              </a:rPr>
+              <a:t>P</a:t>
+            </a:r>
+            <a:r>
+              <a:rPr lang="pt-BR" sz="2400" b="1" dirty="0">
+                <a:solidFill>
+                  <a:schemeClr val="tx1"/>
+                </a:solidFill>
+                <a:latin typeface="Times New Roman" panose="02020603050405020304" pitchFamily="18" charset="0"/>
+                <a:cs typeface="Times New Roman" panose="02020603050405020304" pitchFamily="18" charset="0"/>
+              </a:rPr>
+              <a:t>age </a:t>
+            </a:r>
+            <a:r>
+              <a:rPr lang="pt-BR" sz="2400" b="1" dirty="0">
+                <a:solidFill>
+                  <a:srgbClr val="FF0000"/>
+                </a:solidFill>
+                <a:latin typeface="Times New Roman" panose="02020603050405020304" pitchFamily="18" charset="0"/>
+                <a:cs typeface="Times New Roman" panose="02020603050405020304" pitchFamily="18" charset="0"/>
+              </a:rPr>
+              <a:t>T</a:t>
+            </a:r>
+            <a:r>
+              <a:rPr lang="pt-BR" sz="2400" b="1" dirty="0">
+                <a:solidFill>
+                  <a:schemeClr val="tx1"/>
+                </a:solidFill>
+                <a:latin typeface="Times New Roman" panose="02020603050405020304" pitchFamily="18" charset="0"/>
+                <a:cs typeface="Times New Roman" panose="02020603050405020304" pitchFamily="18" charset="0"/>
+              </a:rPr>
+              <a:t>ools</a:t>
+            </a:r>
+            <a:r>
+              <a:rPr lang="pt-BR" sz="2400" dirty="0">
+                <a:solidFill>
+                  <a:schemeClr val="tx1"/>
+                </a:solidFill>
+                <a:latin typeface="Times New Roman" panose="02020603050405020304" pitchFamily="18" charset="0"/>
+                <a:cs typeface="Times New Roman" panose="02020603050405020304" pitchFamily="18" charset="0"/>
+              </a:rPr>
+              <a:t> (interação de contagem, </a:t>
+            </a:r>
+            <a:r>
+              <a:rPr lang="pt-BR" sz="2400" b="1" dirty="0">
+                <a:solidFill>
+                  <a:schemeClr val="tx1"/>
+                </a:solidFill>
+                <a:latin typeface="Times New Roman" panose="02020603050405020304" pitchFamily="18" charset="0"/>
+                <a:cs typeface="Times New Roman" panose="02020603050405020304" pitchFamily="18" charset="0"/>
+              </a:rPr>
+              <a:t>linguagem C</a:t>
+            </a:r>
+            <a:r>
+              <a:rPr lang="pt-BR" sz="2400" dirty="0">
+                <a:solidFill>
+                  <a:schemeClr val="tx1"/>
+                </a:solidFill>
+                <a:latin typeface="Times New Roman" panose="02020603050405020304" pitchFamily="18" charset="0"/>
+                <a:cs typeface="Times New Roman" panose="02020603050405020304" pitchFamily="18" charset="0"/>
+              </a:rPr>
+              <a:t>). </a:t>
+            </a:r>
+          </a:p>
+          <a:p>
+            <a:pPr marL="0" indent="0" algn="just">
+              <a:buNone/>
+            </a:pPr>
+            <a:endParaRPr lang="pt-BR" sz="2400" dirty="0">
+              <a:solidFill>
+                <a:schemeClr val="tx1"/>
+              </a:solidFill>
+              <a:latin typeface="Times New Roman" panose="02020603050405020304" pitchFamily="18" charset="0"/>
+              <a:cs typeface="Times New Roman" panose="02020603050405020304" pitchFamily="18" charset="0"/>
+            </a:endParaRPr>
+          </a:p>
+          <a:p>
+            <a:pPr marL="0" indent="0" algn="just">
+              <a:buNone/>
+            </a:pPr>
+            <a:r>
+              <a:rPr lang="pt-BR" sz="2400" dirty="0">
+                <a:solidFill>
+                  <a:schemeClr val="tx1"/>
+                </a:solidFill>
+                <a:latin typeface="Times New Roman" panose="02020603050405020304" pitchFamily="18" charset="0"/>
+                <a:cs typeface="Times New Roman" panose="02020603050405020304" pitchFamily="18" charset="0"/>
+              </a:rPr>
+              <a:t>Com a sua evolução, em </a:t>
+            </a:r>
+            <a:r>
+              <a:rPr lang="pt-BR" sz="2400" b="1" dirty="0">
+                <a:solidFill>
+                  <a:srgbClr val="0070C0"/>
+                </a:solidFill>
+                <a:latin typeface="Times New Roman" panose="02020603050405020304" pitchFamily="18" charset="0"/>
+                <a:cs typeface="Times New Roman" panose="02020603050405020304" pitchFamily="18" charset="0"/>
+              </a:rPr>
+              <a:t>1995</a:t>
+            </a:r>
+            <a:r>
+              <a:rPr lang="pt-BR" sz="2400" dirty="0">
+                <a:solidFill>
+                  <a:schemeClr val="tx1"/>
+                </a:solidFill>
+                <a:latin typeface="Times New Roman" panose="02020603050405020304" pitchFamily="18" charset="0"/>
+                <a:cs typeface="Times New Roman" panose="02020603050405020304" pitchFamily="18" charset="0"/>
+              </a:rPr>
+              <a:t>, passou a ser chamada de </a:t>
+            </a:r>
+            <a:r>
+              <a:rPr lang="pt-BR" sz="2400" b="1" dirty="0" err="1">
+                <a:solidFill>
+                  <a:srgbClr val="FF0000"/>
+                </a:solidFill>
+                <a:latin typeface="Times New Roman" panose="02020603050405020304" pitchFamily="18" charset="0"/>
+                <a:cs typeface="Times New Roman" panose="02020603050405020304" pitchFamily="18" charset="0"/>
+              </a:rPr>
+              <a:t>P</a:t>
+            </a:r>
+            <a:r>
+              <a:rPr lang="pt-BR" sz="2400" b="1" dirty="0" err="1">
+                <a:solidFill>
+                  <a:schemeClr val="tx1"/>
+                </a:solidFill>
+                <a:latin typeface="Times New Roman" panose="02020603050405020304" pitchFamily="18" charset="0"/>
+                <a:cs typeface="Times New Roman" panose="02020603050405020304" pitchFamily="18" charset="0"/>
+              </a:rPr>
+              <a:t>ersonal</a:t>
+            </a:r>
+            <a:r>
+              <a:rPr lang="pt-BR" sz="2400" b="1" dirty="0">
+                <a:solidFill>
+                  <a:schemeClr val="tx1"/>
+                </a:solidFill>
+                <a:latin typeface="Times New Roman" panose="02020603050405020304" pitchFamily="18" charset="0"/>
+                <a:cs typeface="Times New Roman" panose="02020603050405020304" pitchFamily="18" charset="0"/>
+              </a:rPr>
+              <a:t> </a:t>
+            </a:r>
+            <a:r>
+              <a:rPr lang="pt-BR" sz="2400" b="1" dirty="0">
+                <a:solidFill>
+                  <a:srgbClr val="FF0000"/>
+                </a:solidFill>
+                <a:latin typeface="Times New Roman" panose="02020603050405020304" pitchFamily="18" charset="0"/>
+                <a:cs typeface="Times New Roman" panose="02020603050405020304" pitchFamily="18" charset="0"/>
+              </a:rPr>
+              <a:t>H</a:t>
+            </a:r>
+            <a:r>
+              <a:rPr lang="pt-BR" sz="2400" b="1" dirty="0">
+                <a:solidFill>
+                  <a:schemeClr val="tx1"/>
+                </a:solidFill>
+                <a:latin typeface="Times New Roman" panose="02020603050405020304" pitchFamily="18" charset="0"/>
+                <a:cs typeface="Times New Roman" panose="02020603050405020304" pitchFamily="18" charset="0"/>
+              </a:rPr>
+              <a:t>ome </a:t>
+            </a:r>
+            <a:r>
+              <a:rPr lang="pt-BR" sz="2400" b="1" dirty="0">
+                <a:solidFill>
+                  <a:srgbClr val="FF0000"/>
+                </a:solidFill>
+                <a:latin typeface="Times New Roman" panose="02020603050405020304" pitchFamily="18" charset="0"/>
+                <a:cs typeface="Times New Roman" panose="02020603050405020304" pitchFamily="18" charset="0"/>
+              </a:rPr>
+              <a:t>P</a:t>
+            </a:r>
+            <a:r>
+              <a:rPr lang="pt-BR" sz="2400" b="1" dirty="0">
+                <a:solidFill>
+                  <a:schemeClr val="tx1"/>
+                </a:solidFill>
+                <a:latin typeface="Times New Roman" panose="02020603050405020304" pitchFamily="18" charset="0"/>
+                <a:cs typeface="Times New Roman" panose="02020603050405020304" pitchFamily="18" charset="0"/>
+              </a:rPr>
+              <a:t>age </a:t>
+            </a:r>
+            <a:r>
+              <a:rPr lang="pt-BR" sz="2400" b="1" dirty="0" err="1">
+                <a:solidFill>
+                  <a:srgbClr val="FF0000"/>
+                </a:solidFill>
+                <a:latin typeface="Times New Roman" panose="02020603050405020304" pitchFamily="18" charset="0"/>
+                <a:cs typeface="Times New Roman" panose="02020603050405020304" pitchFamily="18" charset="0"/>
+              </a:rPr>
+              <a:t>F</a:t>
+            </a:r>
+            <a:r>
+              <a:rPr lang="pt-BR" sz="2400" b="1" dirty="0" err="1">
+                <a:solidFill>
+                  <a:schemeClr val="tx1"/>
+                </a:solidFill>
+                <a:latin typeface="Times New Roman" panose="02020603050405020304" pitchFamily="18" charset="0"/>
+                <a:cs typeface="Times New Roman" panose="02020603050405020304" pitchFamily="18" charset="0"/>
+              </a:rPr>
+              <a:t>orm</a:t>
+            </a:r>
+            <a:r>
+              <a:rPr lang="pt-BR" sz="2400" b="1" dirty="0">
+                <a:solidFill>
+                  <a:schemeClr val="tx1"/>
+                </a:solidFill>
+                <a:latin typeface="Times New Roman" panose="02020603050405020304" pitchFamily="18" charset="0"/>
+                <a:cs typeface="Times New Roman" panose="02020603050405020304" pitchFamily="18" charset="0"/>
+              </a:rPr>
+              <a:t> </a:t>
+            </a:r>
+            <a:r>
+              <a:rPr lang="pt-BR" sz="2400" b="1" dirty="0" err="1">
+                <a:solidFill>
+                  <a:srgbClr val="FF0000"/>
+                </a:solidFill>
+                <a:latin typeface="Times New Roman" panose="02020603050405020304" pitchFamily="18" charset="0"/>
+                <a:cs typeface="Times New Roman" panose="02020603050405020304" pitchFamily="18" charset="0"/>
+              </a:rPr>
+              <a:t>I</a:t>
+            </a:r>
+            <a:r>
+              <a:rPr lang="pt-BR" sz="2400" b="1" dirty="0" err="1">
+                <a:solidFill>
+                  <a:schemeClr val="tx1"/>
+                </a:solidFill>
+                <a:latin typeface="Times New Roman" panose="02020603050405020304" pitchFamily="18" charset="0"/>
+                <a:cs typeface="Times New Roman" panose="02020603050405020304" pitchFamily="18" charset="0"/>
+              </a:rPr>
+              <a:t>nterpreter</a:t>
+            </a:r>
+            <a:r>
+              <a:rPr lang="pt-BR" sz="2400" b="1" dirty="0">
+                <a:solidFill>
+                  <a:schemeClr val="tx1"/>
+                </a:solidFill>
+                <a:latin typeface="Times New Roman" panose="02020603050405020304" pitchFamily="18" charset="0"/>
+                <a:cs typeface="Times New Roman" panose="02020603050405020304" pitchFamily="18" charset="0"/>
+              </a:rPr>
+              <a:t> </a:t>
+            </a:r>
+            <a:r>
+              <a:rPr lang="pt-BR" sz="2400" dirty="0">
+                <a:solidFill>
+                  <a:schemeClr val="tx1"/>
+                </a:solidFill>
+                <a:latin typeface="Times New Roman" panose="02020603050405020304" pitchFamily="18" charset="0"/>
+                <a:cs typeface="Times New Roman" panose="02020603050405020304" pitchFamily="18" charset="0"/>
+              </a:rPr>
+              <a:t>(</a:t>
+            </a:r>
+            <a:r>
+              <a:rPr lang="pt-BR" sz="2400" b="1" dirty="0">
+                <a:solidFill>
+                  <a:srgbClr val="FF0000"/>
+                </a:solidFill>
+                <a:latin typeface="Times New Roman" panose="02020603050405020304" pitchFamily="18" charset="0"/>
+                <a:cs typeface="Times New Roman" panose="02020603050405020304" pitchFamily="18" charset="0"/>
+              </a:rPr>
+              <a:t>HTML</a:t>
+            </a:r>
+            <a:r>
+              <a:rPr lang="pt-BR" sz="2400" b="1" dirty="0">
+                <a:solidFill>
+                  <a:schemeClr val="tx1"/>
+                </a:solidFill>
+                <a:latin typeface="Times New Roman" panose="02020603050405020304" pitchFamily="18" charset="0"/>
+                <a:cs typeface="Times New Roman" panose="02020603050405020304" pitchFamily="18" charset="0"/>
+              </a:rPr>
+              <a:t>, </a:t>
+            </a:r>
+            <a:r>
+              <a:rPr lang="pt-BR" sz="2400" b="1" dirty="0">
+                <a:solidFill>
+                  <a:srgbClr val="FF0000"/>
+                </a:solidFill>
+                <a:latin typeface="Times New Roman" panose="02020603050405020304" pitchFamily="18" charset="0"/>
+                <a:cs typeface="Times New Roman" panose="02020603050405020304" pitchFamily="18" charset="0"/>
+              </a:rPr>
+              <a:t>CGI</a:t>
+            </a:r>
+            <a:r>
+              <a:rPr lang="pt-BR" sz="2400" b="1" dirty="0">
+                <a:solidFill>
+                  <a:schemeClr val="tx1"/>
+                </a:solidFill>
+                <a:latin typeface="Times New Roman" panose="02020603050405020304" pitchFamily="18" charset="0"/>
+                <a:cs typeface="Times New Roman" panose="02020603050405020304" pitchFamily="18" charset="0"/>
+              </a:rPr>
+              <a:t>, </a:t>
+            </a:r>
+            <a:r>
+              <a:rPr lang="pt-BR" sz="2400" b="1" dirty="0">
+                <a:solidFill>
+                  <a:srgbClr val="FF0000"/>
+                </a:solidFill>
+                <a:latin typeface="Times New Roman" panose="02020603050405020304" pitchFamily="18" charset="0"/>
+                <a:cs typeface="Times New Roman" panose="02020603050405020304" pitchFamily="18" charset="0"/>
+              </a:rPr>
+              <a:t>biblioteca</a:t>
+            </a:r>
+            <a:r>
+              <a:rPr lang="pt-BR" sz="2400" dirty="0">
+                <a:solidFill>
+                  <a:schemeClr val="tx1"/>
+                </a:solidFill>
+                <a:latin typeface="Times New Roman" panose="02020603050405020304" pitchFamily="18" charset="0"/>
+                <a:cs typeface="Times New Roman" panose="02020603050405020304" pitchFamily="18" charset="0"/>
+              </a:rPr>
+              <a:t>). Em </a:t>
+            </a:r>
+            <a:r>
+              <a:rPr lang="pt-BR" sz="2400" b="1" dirty="0">
+                <a:solidFill>
+                  <a:srgbClr val="0070C0"/>
+                </a:solidFill>
+                <a:latin typeface="Times New Roman" panose="02020603050405020304" pitchFamily="18" charset="0"/>
+                <a:cs typeface="Times New Roman" panose="02020603050405020304" pitchFamily="18" charset="0"/>
+              </a:rPr>
+              <a:t>1998</a:t>
+            </a:r>
+            <a:r>
+              <a:rPr lang="pt-BR" sz="2400" dirty="0">
+                <a:solidFill>
+                  <a:schemeClr val="tx1"/>
+                </a:solidFill>
+                <a:latin typeface="Times New Roman" panose="02020603050405020304" pitchFamily="18" charset="0"/>
+                <a:cs typeface="Times New Roman" panose="02020603050405020304" pitchFamily="18" charset="0"/>
+              </a:rPr>
+              <a:t>, passou a integrar com BD, </a:t>
+            </a:r>
+            <a:r>
+              <a:rPr lang="pt-BR" sz="2400" b="1" dirty="0">
+                <a:solidFill>
+                  <a:srgbClr val="FF0000"/>
+                </a:solidFill>
+                <a:latin typeface="Times New Roman" panose="02020603050405020304" pitchFamily="18" charset="0"/>
+                <a:cs typeface="Times New Roman" panose="02020603050405020304" pitchFamily="18" charset="0"/>
+              </a:rPr>
+              <a:t>PHP</a:t>
+            </a:r>
+            <a:r>
+              <a:rPr lang="pt-BR" sz="2400" b="1" dirty="0">
+                <a:solidFill>
+                  <a:schemeClr val="tx1"/>
+                </a:solidFill>
+                <a:latin typeface="Times New Roman" panose="02020603050405020304" pitchFamily="18" charset="0"/>
+                <a:cs typeface="Times New Roman" panose="02020603050405020304" pitchFamily="18" charset="0"/>
+              </a:rPr>
+              <a:t> </a:t>
+            </a:r>
+            <a:r>
+              <a:rPr lang="pt-BR" sz="2400" b="1" dirty="0">
+                <a:solidFill>
+                  <a:srgbClr val="FF0000"/>
+                </a:solidFill>
+                <a:latin typeface="Times New Roman" panose="02020603050405020304" pitchFamily="18" charset="0"/>
+                <a:cs typeface="Times New Roman" panose="02020603050405020304" pitchFamily="18" charset="0"/>
+              </a:rPr>
+              <a:t>H</a:t>
+            </a:r>
+            <a:r>
+              <a:rPr lang="pt-BR" sz="2400" b="1" dirty="0">
+                <a:solidFill>
+                  <a:schemeClr val="tx1"/>
+                </a:solidFill>
+                <a:latin typeface="Times New Roman" panose="02020603050405020304" pitchFamily="18" charset="0"/>
+                <a:cs typeface="Times New Roman" panose="02020603050405020304" pitchFamily="18" charset="0"/>
+              </a:rPr>
+              <a:t>ypertext </a:t>
+            </a:r>
+            <a:r>
+              <a:rPr lang="pt-BR" sz="2400" b="1" dirty="0" err="1">
+                <a:solidFill>
+                  <a:srgbClr val="FF0000"/>
+                </a:solidFill>
+                <a:latin typeface="Times New Roman" panose="02020603050405020304" pitchFamily="18" charset="0"/>
+                <a:cs typeface="Times New Roman" panose="02020603050405020304" pitchFamily="18" charset="0"/>
+              </a:rPr>
+              <a:t>P</a:t>
+            </a:r>
+            <a:r>
+              <a:rPr lang="pt-BR" sz="2400" b="1" dirty="0" err="1">
+                <a:solidFill>
+                  <a:schemeClr val="tx1"/>
+                </a:solidFill>
+                <a:latin typeface="Times New Roman" panose="02020603050405020304" pitchFamily="18" charset="0"/>
+                <a:cs typeface="Times New Roman" panose="02020603050405020304" pitchFamily="18" charset="0"/>
+              </a:rPr>
+              <a:t>reprocessor</a:t>
+            </a:r>
+            <a:r>
+              <a:rPr lang="pt-BR" sz="2400" b="1" dirty="0">
+                <a:solidFill>
+                  <a:schemeClr val="tx1"/>
+                </a:solidFill>
+                <a:latin typeface="Times New Roman" panose="02020603050405020304" pitchFamily="18" charset="0"/>
+                <a:cs typeface="Times New Roman" panose="02020603050405020304" pitchFamily="18" charset="0"/>
+              </a:rPr>
+              <a:t>.</a:t>
+            </a:r>
+          </a:p>
+          <a:p>
+            <a:pPr marL="0" indent="0" algn="just">
+              <a:buNone/>
+            </a:pPr>
+            <a:endParaRPr lang="pt-BR" sz="2400" b="1" dirty="0">
+              <a:solidFill>
+                <a:schemeClr val="tx1"/>
+              </a:solidFill>
+              <a:latin typeface="Times New Roman" panose="02020603050405020304" pitchFamily="18" charset="0"/>
+              <a:cs typeface="Times New Roman" panose="02020603050405020304" pitchFamily="18" charset="0"/>
+            </a:endParaRPr>
+          </a:p>
+          <a:p>
+            <a:pPr marL="0" indent="0" algn="just">
+              <a:buNone/>
+            </a:pPr>
+            <a:r>
+              <a:rPr lang="pt-BR" sz="2400" b="1" dirty="0">
+                <a:solidFill>
+                  <a:schemeClr val="tx1"/>
+                </a:solidFill>
+                <a:latin typeface="Times New Roman" panose="02020603050405020304" pitchFamily="18" charset="0"/>
+                <a:cs typeface="Times New Roman" panose="02020603050405020304" pitchFamily="18" charset="0"/>
+              </a:rPr>
+              <a:t>Criador</a:t>
+            </a:r>
+            <a:r>
+              <a:rPr lang="pt-BR" sz="2400" dirty="0">
+                <a:solidFill>
+                  <a:schemeClr val="tx1"/>
+                </a:solidFill>
+                <a:latin typeface="Times New Roman" panose="02020603050405020304" pitchFamily="18" charset="0"/>
+                <a:cs typeface="Times New Roman" panose="02020603050405020304" pitchFamily="18" charset="0"/>
+              </a:rPr>
+              <a:t>: </a:t>
+            </a:r>
+            <a:r>
+              <a:rPr lang="pt-BR" sz="2400" dirty="0" err="1">
+                <a:solidFill>
+                  <a:schemeClr val="tx1"/>
+                </a:solidFill>
+                <a:latin typeface="Times New Roman" panose="02020603050405020304" pitchFamily="18" charset="0"/>
+                <a:cs typeface="Times New Roman" panose="02020603050405020304" pitchFamily="18" charset="0"/>
+              </a:rPr>
+              <a:t>Rasmus</a:t>
+            </a:r>
+            <a:r>
+              <a:rPr lang="pt-BR" sz="2400" dirty="0">
+                <a:solidFill>
+                  <a:schemeClr val="tx1"/>
+                </a:solidFill>
+                <a:latin typeface="Times New Roman" panose="02020603050405020304" pitchFamily="18" charset="0"/>
+                <a:cs typeface="Times New Roman" panose="02020603050405020304" pitchFamily="18" charset="0"/>
+              </a:rPr>
+              <a:t> </a:t>
+            </a:r>
+            <a:r>
+              <a:rPr lang="pt-BR" sz="2400" dirty="0" err="1">
+                <a:solidFill>
+                  <a:schemeClr val="tx1"/>
+                </a:solidFill>
+                <a:latin typeface="Times New Roman" panose="02020603050405020304" pitchFamily="18" charset="0"/>
+                <a:cs typeface="Times New Roman" panose="02020603050405020304" pitchFamily="18" charset="0"/>
+              </a:rPr>
+              <a:t>Lerdorf</a:t>
+            </a:r>
+            <a:r>
+              <a:rPr lang="pt-BR" sz="2400" dirty="0">
+                <a:solidFill>
+                  <a:schemeClr val="tx1"/>
+                </a:solidFill>
+                <a:latin typeface="Times New Roman" panose="02020603050405020304" pitchFamily="18" charset="0"/>
+                <a:cs typeface="Times New Roman" panose="02020603050405020304" pitchFamily="18" charset="0"/>
+              </a:rPr>
+              <a:t> </a:t>
+            </a:r>
+            <a:r>
+              <a:rPr lang="pt-BR" sz="2000" dirty="0">
+                <a:solidFill>
+                  <a:schemeClr val="tx1"/>
+                </a:solidFill>
+                <a:latin typeface="Times New Roman" panose="02020603050405020304" pitchFamily="18" charset="0"/>
+                <a:cs typeface="Times New Roman" panose="02020603050405020304" pitchFamily="18" charset="0"/>
+              </a:rPr>
+              <a:t>(</a:t>
+            </a:r>
+            <a:r>
+              <a:rPr lang="pt-BR" sz="2000" b="1" dirty="0" err="1">
+                <a:solidFill>
+                  <a:schemeClr val="tx1"/>
+                </a:solidFill>
+                <a:latin typeface="Times New Roman" panose="02020603050405020304" pitchFamily="18" charset="0"/>
+                <a:cs typeface="Times New Roman" panose="02020603050405020304" pitchFamily="18" charset="0"/>
+              </a:rPr>
+              <a:t>Zend</a:t>
+            </a:r>
+            <a:r>
+              <a:rPr lang="pt-BR" sz="2000" b="1" dirty="0">
+                <a:solidFill>
+                  <a:schemeClr val="tx1"/>
+                </a:solidFill>
+                <a:latin typeface="Times New Roman" panose="02020603050405020304" pitchFamily="18" charset="0"/>
+                <a:cs typeface="Times New Roman" panose="02020603050405020304" pitchFamily="18" charset="0"/>
+              </a:rPr>
+              <a:t> Technologies</a:t>
+            </a:r>
+            <a:r>
+              <a:rPr lang="pt-BR" sz="2000" dirty="0">
+                <a:solidFill>
+                  <a:schemeClr val="tx1"/>
+                </a:solidFill>
+                <a:latin typeface="Times New Roman" panose="02020603050405020304" pitchFamily="18" charset="0"/>
+                <a:cs typeface="Times New Roman" panose="02020603050405020304" pitchFamily="18" charset="0"/>
+              </a:rPr>
+              <a:t> - </a:t>
+            </a:r>
+            <a:r>
+              <a:rPr lang="pt-BR" sz="2000" dirty="0" err="1">
+                <a:solidFill>
+                  <a:schemeClr val="tx1"/>
+                </a:solidFill>
+                <a:latin typeface="Times New Roman" panose="02020603050405020304" pitchFamily="18" charset="0"/>
+                <a:cs typeface="Times New Roman" panose="02020603050405020304" pitchFamily="18" charset="0"/>
+              </a:rPr>
+              <a:t>Andi</a:t>
+            </a:r>
+            <a:r>
+              <a:rPr lang="pt-BR" sz="2000" dirty="0">
+                <a:solidFill>
+                  <a:schemeClr val="tx1"/>
+                </a:solidFill>
+                <a:latin typeface="Times New Roman" panose="02020603050405020304" pitchFamily="18" charset="0"/>
+                <a:cs typeface="Times New Roman" panose="02020603050405020304" pitchFamily="18" charset="0"/>
+              </a:rPr>
+              <a:t> </a:t>
+            </a:r>
+            <a:r>
+              <a:rPr lang="pt-BR" sz="2000" dirty="0" err="1">
+                <a:solidFill>
+                  <a:schemeClr val="tx1"/>
+                </a:solidFill>
+                <a:latin typeface="Times New Roman" panose="02020603050405020304" pitchFamily="18" charset="0"/>
+                <a:cs typeface="Times New Roman" panose="02020603050405020304" pitchFamily="18" charset="0"/>
+              </a:rPr>
+              <a:t>Gutmans</a:t>
+            </a:r>
+            <a:r>
+              <a:rPr lang="pt-BR" sz="2000" dirty="0">
+                <a:solidFill>
+                  <a:schemeClr val="tx1"/>
+                </a:solidFill>
+                <a:latin typeface="Times New Roman" panose="02020603050405020304" pitchFamily="18" charset="0"/>
+                <a:cs typeface="Times New Roman" panose="02020603050405020304" pitchFamily="18" charset="0"/>
+              </a:rPr>
+              <a:t> e Zeev </a:t>
+            </a:r>
+            <a:r>
+              <a:rPr lang="pt-BR" sz="2000" dirty="0" err="1">
+                <a:solidFill>
+                  <a:schemeClr val="tx1"/>
+                </a:solidFill>
+                <a:latin typeface="Times New Roman" panose="02020603050405020304" pitchFamily="18" charset="0"/>
+                <a:cs typeface="Times New Roman" panose="02020603050405020304" pitchFamily="18" charset="0"/>
+              </a:rPr>
+              <a:t>Suraski</a:t>
+            </a:r>
+            <a:r>
+              <a:rPr lang="pt-BR" sz="2000" dirty="0">
+                <a:solidFill>
+                  <a:schemeClr val="tx1"/>
+                </a:solidFill>
+                <a:latin typeface="Times New Roman" panose="02020603050405020304" pitchFamily="18" charset="0"/>
+                <a:cs typeface="Times New Roman" panose="02020603050405020304" pitchFamily="18" charset="0"/>
+              </a:rPr>
+              <a:t>)</a:t>
+            </a:r>
+            <a:endParaRPr lang="pt-BR" sz="2400" dirty="0">
+              <a:solidFill>
+                <a:schemeClr val="tx1"/>
+              </a:solidFill>
+              <a:latin typeface="Times New Roman" panose="02020603050405020304" pitchFamily="18" charset="0"/>
+              <a:cs typeface="Times New Roman" panose="02020603050405020304" pitchFamily="18" charset="0"/>
+            </a:endParaRPr>
+          </a:p>
+        </p:txBody>
+      </p:sp>
+    </p:spTree>
+    <p:extLst>
+      <p:ext uri="{BB962C8B-B14F-4D97-AF65-F5344CB8AC3E}">
+        <p14:creationId xmlns:p14="http://schemas.microsoft.com/office/powerpoint/2010/main" val="3049810001"/>
+      </p:ext>
+    </p:extLst>
+  </p:cSld>
+  <p:clrMapOvr>
+    <a:masterClrMapping/>
+  </p:clrMapOvr>
+  <p:transition spd="med"/>
+</p:sld>
+</file>
+
+<file path=ppt/slides/slide30.xml><?xml version="1.0" encoding="utf-8"?>
+<p:sld xmlns:a="http://schemas.openxmlformats.org/drawingml/2006/main" xmlns:r="http://schemas.openxmlformats.org/officeDocument/2006/relationships" xmlns:p="http://schemas.openxmlformats.org/presentationml/2006/main">
+  <p:cSld>
+    <p:spTree>
+      <p:nvGrpSpPr>
+        <p:cNvPr id="1" name=""/>
+        <p:cNvGrpSpPr/>
+        <p:nvPr/>
+      </p:nvGrpSpPr>
+      <p:grpSpPr>
+        <a:xfrm>
+          <a:off x="0" y="0"/>
+          <a:ext cx="0" cy="0"/>
+          <a:chOff x="0" y="0"/>
+          <a:chExt cx="0" cy="0"/>
+        </a:xfrm>
+      </p:grpSpPr>
+      <p:sp>
+        <p:nvSpPr>
+          <p:cNvPr id="6" name="Title 1"/>
+          <p:cNvSpPr>
+            <a:spLocks noGrp="1"/>
+          </p:cNvSpPr>
+          <p:nvPr>
+            <p:ph type="title"/>
+          </p:nvPr>
+        </p:nvSpPr>
+        <p:spPr>
+          <a:xfrm>
+            <a:off x="457200" y="205980"/>
+            <a:ext cx="8229600" cy="857251"/>
+          </a:xfrm>
+        </p:spPr>
+        <p:txBody>
+          <a:bodyPr>
+            <a:normAutofit/>
+          </a:bodyPr>
+          <a:lstStyle/>
+          <a:p>
+            <a:r>
+              <a:rPr lang="en-US" b="1" dirty="0">
+                <a:solidFill>
+                  <a:srgbClr val="0070C0"/>
+                </a:solidFill>
+              </a:rPr>
+              <a:t>PHP – </a:t>
+            </a:r>
+            <a:r>
+              <a:rPr lang="en-US" b="1" dirty="0" err="1">
+                <a:solidFill>
+                  <a:srgbClr val="0070C0"/>
+                </a:solidFill>
+              </a:rPr>
+              <a:t>Seções</a:t>
+            </a:r>
+            <a:r>
+              <a:rPr lang="en-US" b="1" dirty="0">
+                <a:solidFill>
+                  <a:srgbClr val="0070C0"/>
+                </a:solidFill>
+              </a:rPr>
+              <a:t>/Cookies</a:t>
+            </a:r>
+          </a:p>
+        </p:txBody>
+      </p:sp>
+      <p:sp>
+        <p:nvSpPr>
+          <p:cNvPr id="8" name="Text Placeholder 2"/>
+          <p:cNvSpPr>
+            <a:spLocks noGrp="1"/>
+          </p:cNvSpPr>
+          <p:nvPr>
+            <p:ph type="body" sz="half" idx="1"/>
+          </p:nvPr>
+        </p:nvSpPr>
+        <p:spPr>
+          <a:xfrm>
+            <a:off x="142865" y="1037312"/>
+            <a:ext cx="8865056" cy="3900208"/>
+          </a:xfrm>
+        </p:spPr>
+        <p:txBody>
+          <a:bodyPr>
+            <a:noAutofit/>
+          </a:bodyPr>
+          <a:lstStyle/>
+          <a:p>
+            <a:pPr marL="0" indent="0" algn="just">
+              <a:buNone/>
+            </a:pPr>
+            <a:r>
+              <a:rPr lang="pt-BR" sz="2400" dirty="0">
+                <a:solidFill>
+                  <a:schemeClr val="tx1"/>
+                </a:solidFill>
+                <a:latin typeface="Times New Roman" panose="02020603050405020304" pitchFamily="18" charset="0"/>
+                <a:cs typeface="Times New Roman" panose="02020603050405020304" pitchFamily="18" charset="0"/>
+              </a:rPr>
+              <a:t>1. </a:t>
+            </a:r>
+            <a:endParaRPr lang="pt-BR" sz="2400" b="1" dirty="0">
+              <a:solidFill>
+                <a:schemeClr val="tx1"/>
+              </a:solidFill>
+              <a:latin typeface="Times New Roman" panose="02020603050405020304" pitchFamily="18" charset="0"/>
+              <a:cs typeface="Times New Roman" panose="02020603050405020304" pitchFamily="18" charset="0"/>
+            </a:endParaRPr>
+          </a:p>
+          <a:p>
+            <a:pPr marL="0" indent="0" algn="just">
+              <a:buNone/>
+            </a:pPr>
+            <a:endParaRPr lang="pt-BR" sz="2400" dirty="0">
+              <a:solidFill>
+                <a:schemeClr val="tx1"/>
+              </a:solidFill>
+              <a:latin typeface="Times New Roman" panose="02020603050405020304" pitchFamily="18" charset="0"/>
+              <a:cs typeface="Times New Roman" panose="02020603050405020304" pitchFamily="18" charset="0"/>
+            </a:endParaRPr>
+          </a:p>
+        </p:txBody>
+      </p:sp>
+    </p:spTree>
+    <p:extLst>
+      <p:ext uri="{BB962C8B-B14F-4D97-AF65-F5344CB8AC3E}">
+        <p14:creationId xmlns:p14="http://schemas.microsoft.com/office/powerpoint/2010/main" val="2842231583"/>
+      </p:ext>
+    </p:extLst>
+  </p:cSld>
+  <p:clrMapOvr>
+    <a:masterClrMapping/>
+  </p:clrMapOvr>
+  <p:transition spd="med"/>
+</p:sld>
+</file>
+
+<file path=ppt/slides/slide31.xml><?xml version="1.0" encoding="utf-8"?>
+<p:sld xmlns:a="http://schemas.openxmlformats.org/drawingml/2006/main" xmlns:r="http://schemas.openxmlformats.org/officeDocument/2006/relationships" xmlns:p="http://schemas.openxmlformats.org/presentationml/2006/main">
+  <p:cSld>
+    <p:spTree>
+      <p:nvGrpSpPr>
+        <p:cNvPr id="1" name=""/>
+        <p:cNvGrpSpPr/>
+        <p:nvPr/>
+      </p:nvGrpSpPr>
+      <p:grpSpPr>
+        <a:xfrm>
+          <a:off x="0" y="0"/>
+          <a:ext cx="0" cy="0"/>
+          <a:chOff x="0" y="0"/>
+          <a:chExt cx="0" cy="0"/>
+        </a:xfrm>
+      </p:grpSpPr>
+      <p:sp>
+        <p:nvSpPr>
+          <p:cNvPr id="6" name="Title 1"/>
+          <p:cNvSpPr>
+            <a:spLocks noGrp="1"/>
+          </p:cNvSpPr>
+          <p:nvPr>
+            <p:ph type="title"/>
+          </p:nvPr>
+        </p:nvSpPr>
+        <p:spPr>
+          <a:xfrm>
+            <a:off x="457200" y="205980"/>
+            <a:ext cx="8229600" cy="857251"/>
+          </a:xfrm>
+        </p:spPr>
+        <p:txBody>
+          <a:bodyPr>
+            <a:normAutofit/>
+          </a:bodyPr>
+          <a:lstStyle/>
+          <a:p>
+            <a:r>
+              <a:rPr lang="en-US" b="1" dirty="0">
+                <a:solidFill>
+                  <a:srgbClr val="0070C0"/>
+                </a:solidFill>
+              </a:rPr>
+              <a:t>PHP – Namespaces</a:t>
+            </a:r>
+          </a:p>
+        </p:txBody>
+      </p:sp>
+      <p:sp>
+        <p:nvSpPr>
+          <p:cNvPr id="8" name="Text Placeholder 2"/>
+          <p:cNvSpPr>
+            <a:spLocks noGrp="1"/>
+          </p:cNvSpPr>
+          <p:nvPr>
+            <p:ph type="body" sz="half" idx="1"/>
+          </p:nvPr>
+        </p:nvSpPr>
+        <p:spPr>
+          <a:xfrm>
+            <a:off x="142865" y="1037312"/>
+            <a:ext cx="8865056" cy="3900208"/>
+          </a:xfrm>
+        </p:spPr>
+        <p:txBody>
+          <a:bodyPr>
+            <a:noAutofit/>
+          </a:bodyPr>
+          <a:lstStyle/>
+          <a:p>
+            <a:pPr marL="0" indent="0" algn="just">
+              <a:buNone/>
+            </a:pPr>
+            <a:r>
+              <a:rPr lang="pt-BR" sz="2400" dirty="0">
+                <a:solidFill>
+                  <a:schemeClr val="tx1"/>
+                </a:solidFill>
+                <a:latin typeface="Times New Roman" panose="02020603050405020304" pitchFamily="18" charset="0"/>
+                <a:cs typeface="Times New Roman" panose="02020603050405020304" pitchFamily="18" charset="0"/>
+              </a:rPr>
+              <a:t>1. </a:t>
+            </a:r>
+            <a:endParaRPr lang="pt-BR" sz="2400" b="1" dirty="0">
+              <a:solidFill>
+                <a:schemeClr val="tx1"/>
+              </a:solidFill>
+              <a:latin typeface="Times New Roman" panose="02020603050405020304" pitchFamily="18" charset="0"/>
+              <a:cs typeface="Times New Roman" panose="02020603050405020304" pitchFamily="18" charset="0"/>
+            </a:endParaRPr>
+          </a:p>
+          <a:p>
+            <a:pPr marL="0" indent="0" algn="just">
+              <a:buNone/>
+            </a:pPr>
+            <a:endParaRPr lang="pt-BR" sz="2400" dirty="0">
+              <a:solidFill>
+                <a:schemeClr val="tx1"/>
+              </a:solidFill>
+              <a:latin typeface="Times New Roman" panose="02020603050405020304" pitchFamily="18" charset="0"/>
+              <a:cs typeface="Times New Roman" panose="02020603050405020304" pitchFamily="18" charset="0"/>
+            </a:endParaRPr>
+          </a:p>
+        </p:txBody>
+      </p:sp>
+    </p:spTree>
+    <p:extLst>
+      <p:ext uri="{BB962C8B-B14F-4D97-AF65-F5344CB8AC3E}">
+        <p14:creationId xmlns:p14="http://schemas.microsoft.com/office/powerpoint/2010/main" val="76520187"/>
+      </p:ext>
+    </p:extLst>
+  </p:cSld>
+  <p:clrMapOvr>
+    <a:masterClrMapping/>
+  </p:clrMapOvr>
+  <p:transition spd="med"/>
+</p:sld>
+</file>
+
+<file path=ppt/slides/slide32.xml><?xml version="1.0" encoding="utf-8"?>
+<p:sld xmlns:a="http://schemas.openxmlformats.org/drawingml/2006/main" xmlns:r="http://schemas.openxmlformats.org/officeDocument/2006/relationships" xmlns:p="http://schemas.openxmlformats.org/presentationml/2006/main">
+  <p:cSld>
+    <p:spTree>
+      <p:nvGrpSpPr>
+        <p:cNvPr id="1" name=""/>
+        <p:cNvGrpSpPr/>
+        <p:nvPr/>
+      </p:nvGrpSpPr>
+      <p:grpSpPr>
+        <a:xfrm>
+          <a:off x="0" y="0"/>
+          <a:ext cx="0" cy="0"/>
+          <a:chOff x="0" y="0"/>
+          <a:chExt cx="0" cy="0"/>
+        </a:xfrm>
+      </p:grpSpPr>
+      <p:sp>
+        <p:nvSpPr>
+          <p:cNvPr id="6" name="Title 1"/>
+          <p:cNvSpPr>
+            <a:spLocks noGrp="1"/>
+          </p:cNvSpPr>
+          <p:nvPr>
+            <p:ph type="title"/>
+          </p:nvPr>
+        </p:nvSpPr>
+        <p:spPr>
+          <a:xfrm>
+            <a:off x="457200" y="205980"/>
+            <a:ext cx="8229600" cy="857251"/>
+          </a:xfrm>
+        </p:spPr>
+        <p:txBody>
+          <a:bodyPr>
+            <a:normAutofit/>
+          </a:bodyPr>
+          <a:lstStyle/>
+          <a:p>
+            <a:r>
+              <a:rPr lang="en-US" b="1" dirty="0">
+                <a:solidFill>
+                  <a:srgbClr val="0070C0"/>
+                </a:solidFill>
+              </a:rPr>
+              <a:t>PHP – </a:t>
+            </a:r>
+            <a:r>
+              <a:rPr lang="en-US" b="1" dirty="0" err="1">
+                <a:solidFill>
+                  <a:srgbClr val="0070C0"/>
+                </a:solidFill>
+              </a:rPr>
+              <a:t>Tratamento</a:t>
+            </a:r>
+            <a:r>
+              <a:rPr lang="en-US" b="1" dirty="0">
+                <a:solidFill>
+                  <a:srgbClr val="0070C0"/>
+                </a:solidFill>
+              </a:rPr>
+              <a:t> de </a:t>
+            </a:r>
+            <a:r>
+              <a:rPr lang="en-US" b="1" dirty="0" err="1">
+                <a:solidFill>
+                  <a:srgbClr val="0070C0"/>
+                </a:solidFill>
+              </a:rPr>
+              <a:t>Exceção</a:t>
+            </a:r>
+            <a:endParaRPr lang="en-US" b="1" dirty="0">
+              <a:solidFill>
+                <a:srgbClr val="0070C0"/>
+              </a:solidFill>
+            </a:endParaRPr>
+          </a:p>
+        </p:txBody>
+      </p:sp>
+      <p:sp>
+        <p:nvSpPr>
+          <p:cNvPr id="8" name="Text Placeholder 2"/>
+          <p:cNvSpPr>
+            <a:spLocks noGrp="1"/>
+          </p:cNvSpPr>
+          <p:nvPr>
+            <p:ph type="body" sz="half" idx="1"/>
+          </p:nvPr>
+        </p:nvSpPr>
+        <p:spPr>
+          <a:xfrm>
+            <a:off x="142865" y="1037312"/>
+            <a:ext cx="8865056" cy="3900208"/>
+          </a:xfrm>
+        </p:spPr>
+        <p:txBody>
+          <a:bodyPr>
+            <a:noAutofit/>
+          </a:bodyPr>
+          <a:lstStyle/>
+          <a:p>
+            <a:pPr marL="0" indent="0" algn="just">
+              <a:buNone/>
+            </a:pPr>
+            <a:r>
+              <a:rPr lang="pt-BR" sz="2400" dirty="0">
+                <a:solidFill>
+                  <a:schemeClr val="tx1"/>
+                </a:solidFill>
+                <a:latin typeface="Times New Roman" panose="02020603050405020304" pitchFamily="18" charset="0"/>
+                <a:cs typeface="Times New Roman" panose="02020603050405020304" pitchFamily="18" charset="0"/>
+              </a:rPr>
+              <a:t>1. </a:t>
+            </a:r>
+            <a:endParaRPr lang="pt-BR" sz="2400" b="1" dirty="0">
+              <a:solidFill>
+                <a:schemeClr val="tx1"/>
+              </a:solidFill>
+              <a:latin typeface="Times New Roman" panose="02020603050405020304" pitchFamily="18" charset="0"/>
+              <a:cs typeface="Times New Roman" panose="02020603050405020304" pitchFamily="18" charset="0"/>
+            </a:endParaRPr>
+          </a:p>
+          <a:p>
+            <a:pPr marL="0" indent="0" algn="just">
+              <a:buNone/>
+            </a:pPr>
+            <a:endParaRPr lang="pt-BR" sz="2400" dirty="0">
+              <a:solidFill>
+                <a:schemeClr val="tx1"/>
+              </a:solidFill>
+              <a:latin typeface="Times New Roman" panose="02020603050405020304" pitchFamily="18" charset="0"/>
+              <a:cs typeface="Times New Roman" panose="02020603050405020304" pitchFamily="18" charset="0"/>
+            </a:endParaRPr>
+          </a:p>
+        </p:txBody>
+      </p:sp>
+    </p:spTree>
+    <p:extLst>
+      <p:ext uri="{BB962C8B-B14F-4D97-AF65-F5344CB8AC3E}">
+        <p14:creationId xmlns:p14="http://schemas.microsoft.com/office/powerpoint/2010/main" val="492692185"/>
+      </p:ext>
+    </p:extLst>
+  </p:cSld>
+  <p:clrMapOvr>
+    <a:masterClrMapping/>
+  </p:clrMapOvr>
+  <p:transition spd="med"/>
+</p:sld>
+</file>
+
+<file path=ppt/slides/slide33.xml><?xml version="1.0" encoding="utf-8"?>
+<p:sld xmlns:a="http://schemas.openxmlformats.org/drawingml/2006/main" xmlns:r="http://schemas.openxmlformats.org/officeDocument/2006/relationships" xmlns:p="http://schemas.openxmlformats.org/presentationml/2006/main">
+  <p:cSld>
+    <p:spTree>
+      <p:nvGrpSpPr>
+        <p:cNvPr id="1" name=""/>
+        <p:cNvGrpSpPr/>
+        <p:nvPr/>
+      </p:nvGrpSpPr>
+      <p:grpSpPr>
+        <a:xfrm>
+          <a:off x="0" y="0"/>
+          <a:ext cx="0" cy="0"/>
+          <a:chOff x="0" y="0"/>
+          <a:chExt cx="0" cy="0"/>
+        </a:xfrm>
+      </p:grpSpPr>
+      <p:sp>
+        <p:nvSpPr>
+          <p:cNvPr id="6" name="Title 1"/>
+          <p:cNvSpPr>
+            <a:spLocks noGrp="1"/>
+          </p:cNvSpPr>
+          <p:nvPr>
+            <p:ph type="title"/>
+          </p:nvPr>
+        </p:nvSpPr>
+        <p:spPr>
+          <a:xfrm>
+            <a:off x="457200" y="205980"/>
+            <a:ext cx="8229600" cy="857251"/>
+          </a:xfrm>
+        </p:spPr>
+        <p:txBody>
+          <a:bodyPr>
+            <a:normAutofit/>
+          </a:bodyPr>
+          <a:lstStyle/>
+          <a:p>
+            <a:r>
+              <a:rPr lang="en-US" b="1" dirty="0" err="1">
+                <a:solidFill>
+                  <a:srgbClr val="0070C0"/>
+                </a:solidFill>
+              </a:rPr>
+              <a:t>Leitura</a:t>
+            </a:r>
+            <a:r>
+              <a:rPr lang="en-US" b="1" dirty="0">
+                <a:solidFill>
+                  <a:srgbClr val="0070C0"/>
+                </a:solidFill>
+              </a:rPr>
+              <a:t> </a:t>
+            </a:r>
+            <a:r>
+              <a:rPr lang="en-US" b="1" dirty="0" err="1">
+                <a:solidFill>
+                  <a:srgbClr val="0070C0"/>
+                </a:solidFill>
+              </a:rPr>
+              <a:t>Específica</a:t>
+            </a:r>
+            <a:endParaRPr lang="en-US" b="1" dirty="0">
+              <a:solidFill>
+                <a:srgbClr val="0070C0"/>
+              </a:solidFill>
+            </a:endParaRPr>
+          </a:p>
+        </p:txBody>
+      </p:sp>
+      <p:sp>
+        <p:nvSpPr>
+          <p:cNvPr id="8" name="Text Placeholder 2"/>
+          <p:cNvSpPr>
+            <a:spLocks noGrp="1"/>
+          </p:cNvSpPr>
+          <p:nvPr>
+            <p:ph type="body" sz="half" idx="1"/>
+          </p:nvPr>
+        </p:nvSpPr>
+        <p:spPr>
+          <a:xfrm>
+            <a:off x="142865" y="1012261"/>
+            <a:ext cx="8865056" cy="3835312"/>
+          </a:xfrm>
+        </p:spPr>
+        <p:txBody>
+          <a:bodyPr>
+            <a:noAutofit/>
+          </a:bodyPr>
+          <a:lstStyle/>
+          <a:p>
+            <a:pPr marL="0" indent="0" algn="just">
+              <a:buNone/>
+            </a:pPr>
+            <a:endParaRPr lang="pt-BR" sz="2000" dirty="0">
+              <a:latin typeface="Times New Roman" panose="02020603050405020304" pitchFamily="18" charset="0"/>
+              <a:cs typeface="Times New Roman" panose="02020603050405020304" pitchFamily="18" charset="0"/>
+            </a:endParaRPr>
+          </a:p>
+          <a:p>
+            <a:pPr marL="0" indent="0" algn="just">
+              <a:buNone/>
+            </a:pPr>
+            <a:r>
+              <a:rPr lang="pt-BR" sz="2000" dirty="0">
+                <a:latin typeface="Times New Roman" panose="02020603050405020304" pitchFamily="18" charset="0"/>
+                <a:cs typeface="Times New Roman" panose="02020603050405020304" pitchFamily="18" charset="0"/>
+              </a:rPr>
+              <a:t>[1] </a:t>
+            </a:r>
+            <a:r>
+              <a:rPr lang="pt-BR" sz="2000" b="1" dirty="0">
+                <a:latin typeface="Times New Roman" panose="02020603050405020304" pitchFamily="18" charset="0"/>
+                <a:cs typeface="Times New Roman" panose="02020603050405020304" pitchFamily="18" charset="0"/>
+              </a:rPr>
+              <a:t>PHP</a:t>
+            </a:r>
+          </a:p>
+          <a:p>
+            <a:pPr marL="0" indent="0" algn="just">
+              <a:buNone/>
+            </a:pPr>
+            <a:r>
+              <a:rPr lang="pt-BR" sz="2000" b="1" dirty="0">
+                <a:latin typeface="Times New Roman" panose="02020603050405020304" pitchFamily="18" charset="0"/>
+                <a:cs typeface="Times New Roman" panose="02020603050405020304" pitchFamily="18" charset="0"/>
+              </a:rPr>
+              <a:t>	Disponível em</a:t>
+            </a:r>
+            <a:r>
+              <a:rPr lang="pt-BR" sz="2000" dirty="0">
+                <a:latin typeface="Times New Roman" panose="02020603050405020304" pitchFamily="18" charset="0"/>
+                <a:cs typeface="Times New Roman" panose="02020603050405020304" pitchFamily="18" charset="0"/>
+              </a:rPr>
+              <a:t>: </a:t>
+            </a:r>
+            <a:r>
+              <a:rPr lang="pt-BR" sz="2000" dirty="0">
+                <a:latin typeface="Times New Roman" panose="02020603050405020304" pitchFamily="18" charset="0"/>
+                <a:cs typeface="Times New Roman" panose="02020603050405020304" pitchFamily="18" charset="0"/>
+                <a:hlinkClick r:id="rId3"/>
+              </a:rPr>
+              <a:t>https://www.php.net/</a:t>
+            </a:r>
+            <a:endParaRPr lang="pt-BR" sz="2000" dirty="0">
+              <a:latin typeface="Times New Roman" panose="02020603050405020304" pitchFamily="18" charset="0"/>
+              <a:cs typeface="Times New Roman" panose="02020603050405020304" pitchFamily="18" charset="0"/>
+            </a:endParaRPr>
+          </a:p>
+          <a:p>
+            <a:pPr marL="0" indent="0" algn="just">
+              <a:buNone/>
+            </a:pPr>
+            <a:endParaRPr lang="pt-BR" sz="2000" dirty="0">
+              <a:latin typeface="Times New Roman" panose="02020603050405020304" pitchFamily="18" charset="0"/>
+              <a:cs typeface="Times New Roman" panose="02020603050405020304" pitchFamily="18" charset="0"/>
+            </a:endParaRPr>
+          </a:p>
+          <a:p>
+            <a:pPr marL="0" indent="0" algn="just">
+              <a:buNone/>
+            </a:pPr>
+            <a:endParaRPr lang="pt-BR" sz="2000" dirty="0">
+              <a:latin typeface="Times New Roman" panose="02020603050405020304" pitchFamily="18" charset="0"/>
+              <a:cs typeface="Times New Roman" panose="02020603050405020304" pitchFamily="18" charset="0"/>
+            </a:endParaRPr>
+          </a:p>
+          <a:p>
+            <a:pPr marL="0" indent="0" algn="just">
+              <a:buNone/>
+            </a:pPr>
+            <a:r>
+              <a:rPr lang="pt-BR" sz="2000" dirty="0">
+                <a:latin typeface="Times New Roman" panose="02020603050405020304" pitchFamily="18" charset="0"/>
+                <a:cs typeface="Times New Roman" panose="02020603050405020304" pitchFamily="18" charset="0"/>
+              </a:rPr>
+              <a:t>[2] </a:t>
+            </a:r>
+            <a:r>
+              <a:rPr lang="pt-BR" sz="2000" b="1" dirty="0">
+                <a:latin typeface="Times New Roman" panose="02020603050405020304" pitchFamily="18" charset="0"/>
+                <a:cs typeface="Times New Roman" panose="02020603050405020304" pitchFamily="18" charset="0"/>
+              </a:rPr>
+              <a:t>W3Schools</a:t>
+            </a:r>
+          </a:p>
+          <a:p>
+            <a:pPr marL="0" indent="0" algn="just">
+              <a:buNone/>
+            </a:pPr>
+            <a:r>
+              <a:rPr lang="pt-BR" sz="2000" dirty="0">
+                <a:latin typeface="Times New Roman" panose="02020603050405020304" pitchFamily="18" charset="0"/>
+                <a:cs typeface="Times New Roman" panose="02020603050405020304" pitchFamily="18" charset="0"/>
+              </a:rPr>
+              <a:t>	</a:t>
+            </a:r>
+            <a:r>
+              <a:rPr lang="pt-BR" sz="2000" b="1" dirty="0">
+                <a:latin typeface="Times New Roman" panose="02020603050405020304" pitchFamily="18" charset="0"/>
+                <a:cs typeface="Times New Roman" panose="02020603050405020304" pitchFamily="18" charset="0"/>
+              </a:rPr>
+              <a:t> Disponível em</a:t>
+            </a:r>
+            <a:r>
+              <a:rPr lang="pt-BR" sz="2000" dirty="0">
+                <a:latin typeface="Times New Roman" panose="02020603050405020304" pitchFamily="18" charset="0"/>
+                <a:cs typeface="Times New Roman" panose="02020603050405020304" pitchFamily="18" charset="0"/>
+              </a:rPr>
+              <a:t>: </a:t>
+            </a:r>
+            <a:r>
+              <a:rPr lang="pt-BR" sz="2000" dirty="0">
+                <a:latin typeface="Times New Roman" panose="02020603050405020304" pitchFamily="18" charset="0"/>
+                <a:cs typeface="Times New Roman" panose="02020603050405020304" pitchFamily="18" charset="0"/>
+                <a:hlinkClick r:id="rId4"/>
+              </a:rPr>
+              <a:t>https://www.w3schools.com/php/default.asp</a:t>
+            </a:r>
+            <a:endParaRPr lang="pt-BR" sz="2000" dirty="0">
+              <a:latin typeface="Times New Roman" panose="02020603050405020304" pitchFamily="18" charset="0"/>
+              <a:cs typeface="Times New Roman" panose="02020603050405020304" pitchFamily="18" charset="0"/>
+            </a:endParaRPr>
+          </a:p>
+          <a:p>
+            <a:pPr marL="0" indent="0" algn="just">
+              <a:buNone/>
+            </a:pPr>
+            <a:endParaRPr lang="pt-BR" sz="2000" dirty="0">
+              <a:latin typeface="Times New Roman" panose="02020603050405020304" pitchFamily="18" charset="0"/>
+              <a:cs typeface="Times New Roman" panose="02020603050405020304" pitchFamily="18" charset="0"/>
+            </a:endParaRPr>
+          </a:p>
+        </p:txBody>
+      </p:sp>
+    </p:spTree>
+    <p:extLst>
+      <p:ext uri="{BB962C8B-B14F-4D97-AF65-F5344CB8AC3E}">
+        <p14:creationId xmlns:p14="http://schemas.microsoft.com/office/powerpoint/2010/main" val="3680270425"/>
+      </p:ext>
+    </p:extLst>
+  </p:cSld>
+  <p:clrMapOvr>
+    <a:masterClrMapping/>
+  </p:clrMapOvr>
+  <p:transition spd="med"/>
+</p:sld>
+</file>
+
+<file path=ppt/slides/slide34.xml><?xml version="1.0" encoding="utf-8"?>
+<p:sld xmlns:a="http://schemas.openxmlformats.org/drawingml/2006/main" xmlns:r="http://schemas.openxmlformats.org/officeDocument/2006/relationships" xmlns:p="http://schemas.openxmlformats.org/presentationml/2006/main">
+  <p:cSld>
+    <p:spTree>
+      <p:nvGrpSpPr>
+        <p:cNvPr id="1" name=""/>
+        <p:cNvGrpSpPr/>
+        <p:nvPr/>
+      </p:nvGrpSpPr>
+      <p:grpSpPr>
+        <a:xfrm>
+          <a:off x="0" y="0"/>
+          <a:ext cx="0" cy="0"/>
+          <a:chOff x="0" y="0"/>
+          <a:chExt cx="0" cy="0"/>
+        </a:xfrm>
+      </p:grpSpPr>
+      <p:sp>
+        <p:nvSpPr>
+          <p:cNvPr id="6" name="Title 1"/>
+          <p:cNvSpPr>
+            <a:spLocks noGrp="1"/>
+          </p:cNvSpPr>
+          <p:nvPr>
+            <p:ph type="title"/>
+          </p:nvPr>
+        </p:nvSpPr>
+        <p:spPr>
+          <a:xfrm>
+            <a:off x="457200" y="205980"/>
+            <a:ext cx="8229600" cy="857251"/>
+          </a:xfrm>
+        </p:spPr>
+        <p:txBody>
+          <a:bodyPr>
+            <a:normAutofit/>
+          </a:bodyPr>
+          <a:lstStyle/>
+          <a:p>
+            <a:r>
+              <a:rPr lang="en-US" b="1" dirty="0" err="1">
+                <a:solidFill>
+                  <a:srgbClr val="0070C0"/>
+                </a:solidFill>
+              </a:rPr>
+              <a:t>Aprenda</a:t>
+            </a:r>
+            <a:r>
+              <a:rPr lang="en-US" b="1" dirty="0">
+                <a:solidFill>
+                  <a:srgbClr val="0070C0"/>
+                </a:solidFill>
+              </a:rPr>
+              <a:t>+</a:t>
+            </a:r>
+          </a:p>
+        </p:txBody>
+      </p:sp>
+      <p:sp>
+        <p:nvSpPr>
+          <p:cNvPr id="8" name="Text Placeholder 2"/>
+          <p:cNvSpPr>
+            <a:spLocks noGrp="1"/>
+          </p:cNvSpPr>
+          <p:nvPr>
+            <p:ph type="body" sz="half" idx="1"/>
+          </p:nvPr>
+        </p:nvSpPr>
+        <p:spPr>
+          <a:xfrm>
+            <a:off x="142865" y="1200151"/>
+            <a:ext cx="8865056" cy="3394472"/>
+          </a:xfrm>
+        </p:spPr>
+        <p:txBody>
+          <a:bodyPr>
+            <a:noAutofit/>
+          </a:bodyPr>
+          <a:lstStyle/>
+          <a:p>
+            <a:pPr marL="0" indent="0" algn="just">
+              <a:buNone/>
+            </a:pPr>
+            <a:endParaRPr lang="pt-BR" sz="2400" dirty="0">
+              <a:latin typeface="Times New Roman" panose="02020603050405020304" pitchFamily="18" charset="0"/>
+              <a:cs typeface="Times New Roman" panose="02020603050405020304" pitchFamily="18" charset="0"/>
+            </a:endParaRPr>
+          </a:p>
+          <a:p>
+            <a:pPr marL="0" indent="0" algn="just">
+              <a:buNone/>
+            </a:pPr>
+            <a:r>
+              <a:rPr lang="pt-BR" sz="2400" dirty="0">
+                <a:latin typeface="Times New Roman" panose="02020603050405020304" pitchFamily="18" charset="0"/>
+                <a:cs typeface="Times New Roman" panose="02020603050405020304" pitchFamily="18" charset="0"/>
+              </a:rPr>
+              <a:t>[1] Construindo classes no PHP orientado a objetos</a:t>
+            </a:r>
+          </a:p>
+          <a:p>
+            <a:pPr marL="0" indent="0" algn="just">
+              <a:buNone/>
+            </a:pPr>
+            <a:r>
+              <a:rPr lang="pt-BR" sz="2400" dirty="0">
+                <a:latin typeface="Times New Roman" panose="02020603050405020304" pitchFamily="18" charset="0"/>
+                <a:cs typeface="Times New Roman" panose="02020603050405020304" pitchFamily="18" charset="0"/>
+              </a:rPr>
+              <a:t>	</a:t>
+            </a:r>
+            <a:r>
+              <a:rPr lang="pt-BR" sz="2400" dirty="0">
+                <a:latin typeface="Times New Roman" panose="02020603050405020304" pitchFamily="18" charset="0"/>
+                <a:cs typeface="Times New Roman" panose="02020603050405020304" pitchFamily="18" charset="0"/>
+                <a:hlinkClick r:id="rId3"/>
+              </a:rPr>
+              <a:t>https://www.youtube.com/watch?v=xoH1WDI9l0I</a:t>
+            </a:r>
+            <a:endParaRPr lang="pt-BR" sz="2400" dirty="0">
+              <a:latin typeface="Times New Roman" panose="02020603050405020304" pitchFamily="18" charset="0"/>
+              <a:cs typeface="Times New Roman" panose="02020603050405020304" pitchFamily="18" charset="0"/>
+            </a:endParaRPr>
+          </a:p>
+          <a:p>
+            <a:pPr marL="0" indent="0" algn="just">
+              <a:buNone/>
+            </a:pPr>
+            <a:endParaRPr lang="pt-BR" sz="2400" dirty="0">
+              <a:latin typeface="Times New Roman" panose="02020603050405020304" pitchFamily="18" charset="0"/>
+              <a:cs typeface="Times New Roman" panose="02020603050405020304" pitchFamily="18" charset="0"/>
+            </a:endParaRPr>
+          </a:p>
+          <a:p>
+            <a:pPr marL="0" indent="0" algn="just">
+              <a:buNone/>
+            </a:pPr>
+            <a:r>
+              <a:rPr lang="pt-BR" sz="2400" dirty="0">
+                <a:latin typeface="Times New Roman" panose="02020603050405020304" pitchFamily="18" charset="0"/>
+                <a:cs typeface="Times New Roman" panose="02020603050405020304" pitchFamily="18" charset="0"/>
+              </a:rPr>
+              <a:t>[2] </a:t>
+            </a:r>
+            <a:r>
+              <a:rPr lang="pt-BR" sz="2400" dirty="0" err="1">
+                <a:latin typeface="Times New Roman" panose="02020603050405020304" pitchFamily="18" charset="0"/>
+                <a:cs typeface="Times New Roman" panose="02020603050405020304" pitchFamily="18" charset="0"/>
+              </a:rPr>
+              <a:t>Creating</a:t>
+            </a:r>
+            <a:r>
+              <a:rPr lang="pt-BR" sz="2400" dirty="0">
+                <a:latin typeface="Times New Roman" panose="02020603050405020304" pitchFamily="18" charset="0"/>
+                <a:cs typeface="Times New Roman" panose="02020603050405020304" pitchFamily="18" charset="0"/>
+              </a:rPr>
+              <a:t> classes, </a:t>
+            </a:r>
+            <a:r>
+              <a:rPr lang="pt-BR" sz="2400" dirty="0" err="1">
+                <a:latin typeface="Times New Roman" panose="02020603050405020304" pitchFamily="18" charset="0"/>
+                <a:cs typeface="Times New Roman" panose="02020603050405020304" pitchFamily="18" charset="0"/>
+              </a:rPr>
+              <a:t>properties</a:t>
+            </a:r>
+            <a:r>
+              <a:rPr lang="pt-BR" sz="2400" dirty="0">
+                <a:latin typeface="Times New Roman" panose="02020603050405020304" pitchFamily="18" charset="0"/>
+                <a:cs typeface="Times New Roman" panose="02020603050405020304" pitchFamily="18" charset="0"/>
+              </a:rPr>
+              <a:t>, </a:t>
+            </a:r>
+            <a:r>
+              <a:rPr lang="pt-BR" sz="2400" dirty="0" err="1">
+                <a:latin typeface="Times New Roman" panose="02020603050405020304" pitchFamily="18" charset="0"/>
+                <a:cs typeface="Times New Roman" panose="02020603050405020304" pitchFamily="18" charset="0"/>
+              </a:rPr>
+              <a:t>methods</a:t>
+            </a:r>
+            <a:r>
+              <a:rPr lang="pt-BR" sz="2400" dirty="0">
+                <a:latin typeface="Times New Roman" panose="02020603050405020304" pitchFamily="18" charset="0"/>
+                <a:cs typeface="Times New Roman" panose="02020603050405020304" pitchFamily="18" charset="0"/>
+              </a:rPr>
+              <a:t> - OOP in PHP – Part 1</a:t>
+            </a:r>
+          </a:p>
+          <a:p>
+            <a:pPr marL="0" indent="0" algn="just">
+              <a:buNone/>
+            </a:pPr>
+            <a:r>
+              <a:rPr lang="pt-BR" sz="2400" dirty="0">
+                <a:latin typeface="Times New Roman" panose="02020603050405020304" pitchFamily="18" charset="0"/>
+                <a:cs typeface="Times New Roman" panose="02020603050405020304" pitchFamily="18" charset="0"/>
+              </a:rPr>
+              <a:t>	</a:t>
+            </a:r>
+            <a:r>
+              <a:rPr lang="pt-BR" sz="2400" dirty="0">
+                <a:latin typeface="Times New Roman" panose="02020603050405020304" pitchFamily="18" charset="0"/>
+                <a:cs typeface="Times New Roman" panose="02020603050405020304" pitchFamily="18" charset="0"/>
+                <a:hlinkClick r:id="rId4"/>
+              </a:rPr>
+              <a:t>https://www.youtube.com/watch?v=4xvCT7UPY3k</a:t>
+            </a:r>
+            <a:endParaRPr lang="pt-BR" sz="2400" dirty="0">
+              <a:latin typeface="Times New Roman" panose="02020603050405020304" pitchFamily="18" charset="0"/>
+              <a:cs typeface="Times New Roman" panose="02020603050405020304" pitchFamily="18" charset="0"/>
+            </a:endParaRPr>
+          </a:p>
+          <a:p>
+            <a:pPr marL="0" indent="0" algn="just">
+              <a:buNone/>
+            </a:pPr>
+            <a:endParaRPr lang="pt-BR" sz="2400" dirty="0">
+              <a:latin typeface="Times New Roman" panose="02020603050405020304" pitchFamily="18" charset="0"/>
+              <a:cs typeface="Times New Roman" panose="02020603050405020304" pitchFamily="18" charset="0"/>
+            </a:endParaRPr>
+          </a:p>
+          <a:p>
+            <a:pPr marL="0" indent="0" algn="just">
+              <a:buNone/>
+            </a:pPr>
+            <a:endParaRPr lang="pt-BR" sz="2400" dirty="0">
+              <a:latin typeface="Times New Roman" panose="02020603050405020304" pitchFamily="18" charset="0"/>
+              <a:cs typeface="Times New Roman" panose="02020603050405020304" pitchFamily="18" charset="0"/>
+            </a:endParaRPr>
+          </a:p>
+          <a:p>
+            <a:pPr marL="0" indent="0" algn="just">
+              <a:buNone/>
+            </a:pPr>
+            <a:endParaRPr lang="pt-BR" sz="2400" dirty="0">
+              <a:latin typeface="Times New Roman" panose="02020603050405020304" pitchFamily="18" charset="0"/>
+              <a:cs typeface="Times New Roman" panose="02020603050405020304" pitchFamily="18" charset="0"/>
+            </a:endParaRPr>
+          </a:p>
+          <a:p>
+            <a:pPr marL="0" indent="0" algn="just">
+              <a:buNone/>
+            </a:pPr>
+            <a:endParaRPr lang="pt-BR" sz="2400" dirty="0">
+              <a:latin typeface="Times New Roman" panose="02020603050405020304" pitchFamily="18" charset="0"/>
+              <a:cs typeface="Times New Roman" panose="02020603050405020304" pitchFamily="18" charset="0"/>
+            </a:endParaRPr>
+          </a:p>
+          <a:p>
+            <a:pPr marL="0" indent="0" algn="just">
+              <a:buNone/>
+            </a:pPr>
+            <a:endParaRPr lang="pt-BR" sz="2400" dirty="0">
+              <a:latin typeface="Times New Roman" panose="02020603050405020304" pitchFamily="18" charset="0"/>
+              <a:cs typeface="Times New Roman" panose="02020603050405020304" pitchFamily="18" charset="0"/>
+            </a:endParaRPr>
+          </a:p>
+        </p:txBody>
+      </p:sp>
+    </p:spTree>
+    <p:extLst>
+      <p:ext uri="{BB962C8B-B14F-4D97-AF65-F5344CB8AC3E}">
+        <p14:creationId xmlns:p14="http://schemas.microsoft.com/office/powerpoint/2010/main" val="2747596967"/>
+      </p:ext>
+    </p:extLst>
+  </p:cSld>
+  <p:clrMapOvr>
+    <a:masterClrMapping/>
+  </p:clrMapOvr>
+  <p:transition spd="med"/>
+</p:sld>
+</file>
+
+<file path=ppt/slides/slide35.xml><?xml version="1.0" encoding="utf-8"?>
+<p:sld xmlns:a="http://schemas.openxmlformats.org/drawingml/2006/main" xmlns:r="http://schemas.openxmlformats.org/officeDocument/2006/relationships" xmlns:p="http://schemas.openxmlformats.org/presentationml/2006/main">
+  <p:cSld>
+    <p:spTree>
+      <p:nvGrpSpPr>
+        <p:cNvPr id="1" name=""/>
+        <p:cNvGrpSpPr/>
+        <p:nvPr/>
+      </p:nvGrpSpPr>
+      <p:grpSpPr>
+        <a:xfrm>
+          <a:off x="0" y="0"/>
+          <a:ext cx="0" cy="0"/>
+          <a:chOff x="0" y="0"/>
+          <a:chExt cx="0" cy="0"/>
+        </a:xfrm>
+      </p:grpSpPr>
+      <p:sp>
+        <p:nvSpPr>
+          <p:cNvPr id="6" name="Title 1"/>
+          <p:cNvSpPr>
+            <a:spLocks noGrp="1"/>
+          </p:cNvSpPr>
+          <p:nvPr>
+            <p:ph type="title"/>
+          </p:nvPr>
+        </p:nvSpPr>
+        <p:spPr>
+          <a:xfrm>
+            <a:off x="457200" y="205980"/>
+            <a:ext cx="8229600" cy="857251"/>
+          </a:xfrm>
+        </p:spPr>
+        <p:txBody>
+          <a:bodyPr>
+            <a:normAutofit/>
+          </a:bodyPr>
+          <a:lstStyle/>
+          <a:p>
+            <a:r>
+              <a:rPr lang="en-US" b="1" dirty="0" err="1">
+                <a:solidFill>
+                  <a:srgbClr val="0070C0"/>
+                </a:solidFill>
+              </a:rPr>
+              <a:t>Dinâmica</a:t>
+            </a:r>
+            <a:r>
+              <a:rPr lang="en-US" b="1" dirty="0">
+                <a:solidFill>
+                  <a:srgbClr val="0070C0"/>
+                </a:solidFill>
+              </a:rPr>
+              <a:t>/</a:t>
+            </a:r>
+            <a:r>
+              <a:rPr lang="en-US" b="1" dirty="0" err="1">
+                <a:solidFill>
+                  <a:srgbClr val="0070C0"/>
+                </a:solidFill>
+              </a:rPr>
+              <a:t>Atividades</a:t>
+            </a:r>
+            <a:endParaRPr lang="en-US" b="1" dirty="0">
+              <a:solidFill>
+                <a:srgbClr val="0070C0"/>
+              </a:solidFill>
+            </a:endParaRPr>
+          </a:p>
+        </p:txBody>
+      </p:sp>
+      <p:sp>
+        <p:nvSpPr>
+          <p:cNvPr id="8" name="Text Placeholder 2"/>
+          <p:cNvSpPr>
+            <a:spLocks noGrp="1"/>
+          </p:cNvSpPr>
+          <p:nvPr>
+            <p:ph type="body" sz="half" idx="1"/>
+          </p:nvPr>
+        </p:nvSpPr>
+        <p:spPr>
+          <a:xfrm>
+            <a:off x="139472" y="1063230"/>
+            <a:ext cx="8865056" cy="3606305"/>
+          </a:xfrm>
+        </p:spPr>
+        <p:txBody>
+          <a:bodyPr>
+            <a:noAutofit/>
+          </a:bodyPr>
+          <a:lstStyle/>
+          <a:p>
+            <a:pPr algn="just">
+              <a:buFontTx/>
+              <a:buChar char="-"/>
+            </a:pPr>
+            <a:r>
+              <a:rPr lang="pt-BR" dirty="0">
+                <a:latin typeface="Times New Roman" panose="02020603050405020304" pitchFamily="18" charset="0"/>
+                <a:cs typeface="Times New Roman" panose="02020603050405020304" pitchFamily="18" charset="0"/>
+              </a:rPr>
+              <a:t>Exercícios de Fixação </a:t>
+            </a:r>
+            <a:r>
+              <a:rPr lang="pt-BR" b="1" dirty="0">
+                <a:latin typeface="Times New Roman" panose="02020603050405020304" pitchFamily="18" charset="0"/>
+                <a:cs typeface="Times New Roman" panose="02020603050405020304" pitchFamily="18" charset="0"/>
+              </a:rPr>
+              <a:t>PHP</a:t>
+            </a:r>
+          </a:p>
+          <a:p>
+            <a:pPr marL="0" indent="0" algn="just">
+              <a:buNone/>
+            </a:pPr>
+            <a:r>
+              <a:rPr lang="pt-BR" dirty="0">
+                <a:latin typeface="Times New Roman" panose="02020603050405020304" pitchFamily="18" charset="0"/>
+                <a:cs typeface="Times New Roman" panose="02020603050405020304" pitchFamily="18" charset="0"/>
+              </a:rPr>
+              <a:t>	</a:t>
+            </a:r>
+            <a:r>
+              <a:rPr lang="pt-BR" b="1" dirty="0">
+                <a:solidFill>
+                  <a:srgbClr val="FF0000"/>
+                </a:solidFill>
+                <a:latin typeface="Times New Roman" panose="02020603050405020304" pitchFamily="18" charset="0"/>
+                <a:cs typeface="Times New Roman" panose="02020603050405020304" pitchFamily="18" charset="0"/>
+              </a:rPr>
+              <a:t>Desafio em Sala de Aula</a:t>
+            </a:r>
+            <a:r>
+              <a:rPr lang="pt-BR" dirty="0">
+                <a:latin typeface="Times New Roman" panose="02020603050405020304" pitchFamily="18" charset="0"/>
+                <a:cs typeface="Times New Roman" panose="02020603050405020304" pitchFamily="18" charset="0"/>
+              </a:rPr>
+              <a:t>.</a:t>
+            </a:r>
+          </a:p>
+          <a:p>
+            <a:pPr marL="0" indent="0" algn="just">
+              <a:buNone/>
+            </a:pPr>
+            <a:r>
+              <a:rPr lang="pt-BR" dirty="0">
+                <a:latin typeface="Times New Roman" panose="02020603050405020304" pitchFamily="18" charset="0"/>
+                <a:cs typeface="Times New Roman" panose="02020603050405020304" pitchFamily="18" charset="0"/>
+              </a:rPr>
+              <a:t>		</a:t>
+            </a:r>
+          </a:p>
+          <a:p>
+            <a:pPr marL="0" indent="0" algn="just">
+              <a:buNone/>
+            </a:pPr>
+            <a:r>
+              <a:rPr lang="es-ES" dirty="0">
+                <a:latin typeface="Times New Roman" panose="02020603050405020304" pitchFamily="18" charset="0"/>
+                <a:cs typeface="Times New Roman" panose="02020603050405020304" pitchFamily="18" charset="0"/>
+              </a:rPr>
+              <a:t>- </a:t>
+            </a:r>
+            <a:r>
+              <a:rPr lang="es-ES" b="1" dirty="0">
+                <a:latin typeface="Times New Roman" panose="02020603050405020304" pitchFamily="18" charset="0"/>
+                <a:cs typeface="Times New Roman" panose="02020603050405020304" pitchFamily="18" charset="0"/>
+              </a:rPr>
+              <a:t>Quiz</a:t>
+            </a:r>
+            <a:r>
+              <a:rPr lang="es-ES" dirty="0">
+                <a:latin typeface="Times New Roman" panose="02020603050405020304" pitchFamily="18" charset="0"/>
+                <a:cs typeface="Times New Roman" panose="02020603050405020304" pitchFamily="18" charset="0"/>
+              </a:rPr>
+              <a:t> PHP</a:t>
+            </a:r>
+          </a:p>
+          <a:p>
+            <a:pPr marL="0" indent="0" algn="just">
+              <a:buNone/>
+            </a:pPr>
+            <a:r>
+              <a:rPr lang="es-ES" dirty="0">
+                <a:latin typeface="Times New Roman" panose="02020603050405020304" pitchFamily="18" charset="0"/>
+                <a:cs typeface="Times New Roman" panose="02020603050405020304" pitchFamily="18" charset="0"/>
+                <a:hlinkClick r:id="rId3"/>
+              </a:rPr>
+              <a:t>https://www.w3schools.com/php/php_quiz.asp</a:t>
+            </a:r>
+            <a:endParaRPr lang="es-ES" dirty="0">
+              <a:latin typeface="Times New Roman" panose="02020603050405020304" pitchFamily="18" charset="0"/>
+              <a:cs typeface="Times New Roman" panose="02020603050405020304" pitchFamily="18" charset="0"/>
+            </a:endParaRPr>
+          </a:p>
+          <a:p>
+            <a:pPr marL="0" indent="0" algn="just">
+              <a:buNone/>
+            </a:pPr>
+            <a:endParaRPr lang="pt-BR" dirty="0">
+              <a:latin typeface="Calibri" panose="020F0502020204030204" pitchFamily="34" charset="0"/>
+            </a:endParaRPr>
+          </a:p>
+        </p:txBody>
+      </p:sp>
+    </p:spTree>
+    <p:extLst>
+      <p:ext uri="{BB962C8B-B14F-4D97-AF65-F5344CB8AC3E}">
+        <p14:creationId xmlns:p14="http://schemas.microsoft.com/office/powerpoint/2010/main" val="2470652989"/>
+      </p:ext>
+    </p:extLst>
+  </p:cSld>
+  <p:clrMapOvr>
+    <a:masterClrMapping/>
+  </p:clrMapOvr>
+  <p:transition spd="med"/>
+</p:sld>
+</file>
+
+<file path=ppt/slides/slide36.xml><?xml version="1.0" encoding="utf-8"?>
+<p:sld xmlns:a="http://schemas.openxmlformats.org/drawingml/2006/main" xmlns:r="http://schemas.openxmlformats.org/officeDocument/2006/relationships" xmlns:p="http://schemas.openxmlformats.org/presentationml/2006/main">
+  <p:cSld>
+    <p:spTree>
+      <p:nvGrpSpPr>
+        <p:cNvPr id="1" name=""/>
+        <p:cNvGrpSpPr/>
+        <p:nvPr/>
+      </p:nvGrpSpPr>
+      <p:grpSpPr>
+        <a:xfrm>
+          <a:off x="0" y="0"/>
+          <a:ext cx="0" cy="0"/>
+          <a:chOff x="0" y="0"/>
+          <a:chExt cx="0" cy="0"/>
+        </a:xfrm>
+      </p:grpSpPr>
+      <p:sp>
+        <p:nvSpPr>
+          <p:cNvPr id="6" name="Title 1"/>
+          <p:cNvSpPr>
+            <a:spLocks noGrp="1"/>
+          </p:cNvSpPr>
+          <p:nvPr>
+            <p:ph type="title"/>
+          </p:nvPr>
+        </p:nvSpPr>
+        <p:spPr>
+          <a:xfrm>
+            <a:off x="457200" y="205980"/>
+            <a:ext cx="8229600" cy="857251"/>
+          </a:xfrm>
+        </p:spPr>
+        <p:txBody>
+          <a:bodyPr>
+            <a:normAutofit/>
+          </a:bodyPr>
+          <a:lstStyle/>
+          <a:p>
+            <a:r>
               <a:rPr lang="en-US" b="1" dirty="0" err="1">
                 <a:solidFill>
                   <a:srgbClr val="0070C0"/>
@@ -12985,7 +16934,7 @@
 </p:sld>
 </file>
 
-<file path=ppt/slides/slide29.xml><?xml version="1.0" encoding="utf-8"?>
+<file path=ppt/slides/slide37.xml><?xml version="1.0" encoding="utf-8"?>
 <p:sld xmlns:a="http://schemas.openxmlformats.org/drawingml/2006/main" xmlns:r="http://schemas.openxmlformats.org/officeDocument/2006/relationships" xmlns:p="http://schemas.openxmlformats.org/presentationml/2006/main">
   <p:cSld>
     <p:spTree>
@@ -13451,802 +17400,6 @@
 </p:sld>
 </file>
 
-<file path=ppt/slides/slide3.xml><?xml version="1.0" encoding="utf-8"?>
-<p:sld xmlns:a="http://schemas.openxmlformats.org/drawingml/2006/main" xmlns:r="http://schemas.openxmlformats.org/officeDocument/2006/relationships" xmlns:p="http://schemas.openxmlformats.org/presentationml/2006/main">
-  <p:cSld>
-    <p:spTree>
-      <p:nvGrpSpPr>
-        <p:cNvPr id="1" name=""/>
-        <p:cNvGrpSpPr/>
-        <p:nvPr/>
-      </p:nvGrpSpPr>
-      <p:grpSpPr>
-        <a:xfrm>
-          <a:off x="0" y="0"/>
-          <a:ext cx="0" cy="0"/>
-          <a:chOff x="0" y="0"/>
-          <a:chExt cx="0" cy="0"/>
-        </a:xfrm>
-      </p:grpSpPr>
-      <p:sp>
-        <p:nvSpPr>
-          <p:cNvPr id="6" name="Title 1"/>
-          <p:cNvSpPr>
-            <a:spLocks noGrp="1"/>
-          </p:cNvSpPr>
-          <p:nvPr>
-            <p:ph type="title"/>
-          </p:nvPr>
-        </p:nvSpPr>
-        <p:spPr>
-          <a:xfrm>
-            <a:off x="457200" y="155876"/>
-            <a:ext cx="8229600" cy="857251"/>
-          </a:xfrm>
-        </p:spPr>
-        <p:txBody>
-          <a:bodyPr>
-            <a:normAutofit/>
-          </a:bodyPr>
-          <a:lstStyle/>
-          <a:p>
-            <a:r>
-              <a:rPr lang="en-US" b="1" dirty="0">
-                <a:solidFill>
-                  <a:srgbClr val="0070C0"/>
-                </a:solidFill>
-              </a:rPr>
-              <a:t>PHP – </a:t>
-            </a:r>
-            <a:r>
-              <a:rPr lang="en-US" b="1" dirty="0" err="1">
-                <a:solidFill>
-                  <a:srgbClr val="0070C0"/>
-                </a:solidFill>
-              </a:rPr>
-              <a:t>Características</a:t>
-            </a:r>
-            <a:endParaRPr lang="en-US" b="1" dirty="0">
-              <a:solidFill>
-                <a:srgbClr val="0070C0"/>
-              </a:solidFill>
-            </a:endParaRPr>
-          </a:p>
-        </p:txBody>
-      </p:sp>
-      <p:sp>
-        <p:nvSpPr>
-          <p:cNvPr id="8" name="Text Placeholder 2"/>
-          <p:cNvSpPr>
-            <a:spLocks noGrp="1"/>
-          </p:cNvSpPr>
-          <p:nvPr>
-            <p:ph type="body" sz="half" idx="1"/>
-          </p:nvPr>
-        </p:nvSpPr>
-        <p:spPr>
-          <a:xfrm>
-            <a:off x="142865" y="1037312"/>
-            <a:ext cx="8865056" cy="3900208"/>
-          </a:xfrm>
-        </p:spPr>
-        <p:txBody>
-          <a:bodyPr>
-            <a:noAutofit/>
-          </a:bodyPr>
-          <a:lstStyle/>
-          <a:p>
-            <a:pPr marL="0" indent="0" algn="just">
-              <a:buNone/>
-            </a:pPr>
-            <a:r>
-              <a:rPr lang="pt-BR" sz="2400" dirty="0">
-                <a:solidFill>
-                  <a:schemeClr val="tx1"/>
-                </a:solidFill>
-                <a:latin typeface="Times New Roman" panose="02020603050405020304" pitchFamily="18" charset="0"/>
-                <a:cs typeface="Times New Roman" panose="02020603050405020304" pitchFamily="18" charset="0"/>
-              </a:rPr>
-              <a:t>É uma </a:t>
-            </a:r>
-            <a:r>
-              <a:rPr lang="pt-BR" sz="2400" b="1" dirty="0">
-                <a:solidFill>
-                  <a:schemeClr val="tx1"/>
-                </a:solidFill>
-                <a:latin typeface="Times New Roman" panose="02020603050405020304" pitchFamily="18" charset="0"/>
-                <a:cs typeface="Times New Roman" panose="02020603050405020304" pitchFamily="18" charset="0"/>
-              </a:rPr>
-              <a:t>linguagem de programação,</a:t>
-            </a:r>
-            <a:r>
-              <a:rPr lang="pt-BR" sz="2400" dirty="0">
-                <a:solidFill>
-                  <a:schemeClr val="tx1"/>
-                </a:solidFill>
-                <a:latin typeface="Times New Roman" panose="02020603050405020304" pitchFamily="18" charset="0"/>
-                <a:cs typeface="Times New Roman" panose="02020603050405020304" pitchFamily="18" charset="0"/>
-              </a:rPr>
-              <a:t> que em </a:t>
-            </a:r>
-            <a:r>
-              <a:rPr lang="pt-BR" sz="2400" b="1" dirty="0">
-                <a:solidFill>
-                  <a:srgbClr val="0070C0"/>
-                </a:solidFill>
-                <a:latin typeface="Times New Roman" panose="02020603050405020304" pitchFamily="18" charset="0"/>
-                <a:cs typeface="Times New Roman" panose="02020603050405020304" pitchFamily="18" charset="0"/>
-              </a:rPr>
-              <a:t>1990</a:t>
-            </a:r>
-            <a:r>
-              <a:rPr lang="pt-BR" sz="2400" dirty="0">
-                <a:solidFill>
-                  <a:schemeClr val="tx1"/>
-                </a:solidFill>
-                <a:latin typeface="Times New Roman" panose="02020603050405020304" pitchFamily="18" charset="0"/>
-                <a:cs typeface="Times New Roman" panose="02020603050405020304" pitchFamily="18" charset="0"/>
-              </a:rPr>
-              <a:t>, chamava-se de </a:t>
-            </a:r>
-            <a:r>
-              <a:rPr lang="pt-BR" sz="2400" b="1" dirty="0" err="1">
-                <a:solidFill>
-                  <a:srgbClr val="FF0000"/>
-                </a:solidFill>
-                <a:latin typeface="Times New Roman" panose="02020603050405020304" pitchFamily="18" charset="0"/>
-                <a:cs typeface="Times New Roman" panose="02020603050405020304" pitchFamily="18" charset="0"/>
-              </a:rPr>
-              <a:t>P</a:t>
-            </a:r>
-            <a:r>
-              <a:rPr lang="pt-BR" sz="2400" b="1" dirty="0" err="1">
-                <a:solidFill>
-                  <a:schemeClr val="tx1"/>
-                </a:solidFill>
-                <a:latin typeface="Times New Roman" panose="02020603050405020304" pitchFamily="18" charset="0"/>
-                <a:cs typeface="Times New Roman" panose="02020603050405020304" pitchFamily="18" charset="0"/>
-              </a:rPr>
-              <a:t>ersonal</a:t>
-            </a:r>
-            <a:r>
-              <a:rPr lang="pt-BR" sz="2400" b="1" dirty="0">
-                <a:solidFill>
-                  <a:schemeClr val="tx1"/>
-                </a:solidFill>
-                <a:latin typeface="Times New Roman" panose="02020603050405020304" pitchFamily="18" charset="0"/>
-                <a:cs typeface="Times New Roman" panose="02020603050405020304" pitchFamily="18" charset="0"/>
-              </a:rPr>
-              <a:t> </a:t>
-            </a:r>
-            <a:r>
-              <a:rPr lang="pt-BR" sz="2400" b="1" dirty="0">
-                <a:solidFill>
-                  <a:srgbClr val="FF0000"/>
-                </a:solidFill>
-                <a:latin typeface="Times New Roman" panose="02020603050405020304" pitchFamily="18" charset="0"/>
-                <a:cs typeface="Times New Roman" panose="02020603050405020304" pitchFamily="18" charset="0"/>
-              </a:rPr>
-              <a:t>H</a:t>
-            </a:r>
-            <a:r>
-              <a:rPr lang="pt-BR" sz="2400" b="1" dirty="0">
-                <a:solidFill>
-                  <a:schemeClr val="tx1"/>
-                </a:solidFill>
-                <a:latin typeface="Times New Roman" panose="02020603050405020304" pitchFamily="18" charset="0"/>
-                <a:cs typeface="Times New Roman" panose="02020603050405020304" pitchFamily="18" charset="0"/>
-              </a:rPr>
-              <a:t>ome </a:t>
-            </a:r>
-            <a:r>
-              <a:rPr lang="pt-BR" sz="2400" b="1" dirty="0">
-                <a:solidFill>
-                  <a:srgbClr val="FF0000"/>
-                </a:solidFill>
-                <a:latin typeface="Times New Roman" panose="02020603050405020304" pitchFamily="18" charset="0"/>
-                <a:cs typeface="Times New Roman" panose="02020603050405020304" pitchFamily="18" charset="0"/>
-              </a:rPr>
-              <a:t>P</a:t>
-            </a:r>
-            <a:r>
-              <a:rPr lang="pt-BR" sz="2400" b="1" dirty="0">
-                <a:solidFill>
-                  <a:schemeClr val="tx1"/>
-                </a:solidFill>
-                <a:latin typeface="Times New Roman" panose="02020603050405020304" pitchFamily="18" charset="0"/>
-                <a:cs typeface="Times New Roman" panose="02020603050405020304" pitchFamily="18" charset="0"/>
-              </a:rPr>
-              <a:t>age </a:t>
-            </a:r>
-            <a:r>
-              <a:rPr lang="pt-BR" sz="2400" b="1" dirty="0">
-                <a:solidFill>
-                  <a:srgbClr val="FF0000"/>
-                </a:solidFill>
-                <a:latin typeface="Times New Roman" panose="02020603050405020304" pitchFamily="18" charset="0"/>
-                <a:cs typeface="Times New Roman" panose="02020603050405020304" pitchFamily="18" charset="0"/>
-              </a:rPr>
-              <a:t>T</a:t>
-            </a:r>
-            <a:r>
-              <a:rPr lang="pt-BR" sz="2400" b="1" dirty="0">
-                <a:solidFill>
-                  <a:schemeClr val="tx1"/>
-                </a:solidFill>
-                <a:latin typeface="Times New Roman" panose="02020603050405020304" pitchFamily="18" charset="0"/>
-                <a:cs typeface="Times New Roman" panose="02020603050405020304" pitchFamily="18" charset="0"/>
-              </a:rPr>
-              <a:t>ools</a:t>
-            </a:r>
-            <a:r>
-              <a:rPr lang="pt-BR" sz="2400" dirty="0">
-                <a:solidFill>
-                  <a:schemeClr val="tx1"/>
-                </a:solidFill>
-                <a:latin typeface="Times New Roman" panose="02020603050405020304" pitchFamily="18" charset="0"/>
-                <a:cs typeface="Times New Roman" panose="02020603050405020304" pitchFamily="18" charset="0"/>
-              </a:rPr>
-              <a:t> (interação de contagem, </a:t>
-            </a:r>
-            <a:r>
-              <a:rPr lang="pt-BR" sz="2400" b="1" dirty="0">
-                <a:solidFill>
-                  <a:schemeClr val="tx1"/>
-                </a:solidFill>
-                <a:latin typeface="Times New Roman" panose="02020603050405020304" pitchFamily="18" charset="0"/>
-                <a:cs typeface="Times New Roman" panose="02020603050405020304" pitchFamily="18" charset="0"/>
-              </a:rPr>
-              <a:t>linguagem C</a:t>
-            </a:r>
-            <a:r>
-              <a:rPr lang="pt-BR" sz="2400" dirty="0">
-                <a:solidFill>
-                  <a:schemeClr val="tx1"/>
-                </a:solidFill>
-                <a:latin typeface="Times New Roman" panose="02020603050405020304" pitchFamily="18" charset="0"/>
-                <a:cs typeface="Times New Roman" panose="02020603050405020304" pitchFamily="18" charset="0"/>
-              </a:rPr>
-              <a:t>). </a:t>
-            </a:r>
-          </a:p>
-          <a:p>
-            <a:pPr marL="0" indent="0" algn="just">
-              <a:buNone/>
-            </a:pPr>
-            <a:endParaRPr lang="pt-BR" sz="2400" dirty="0">
-              <a:solidFill>
-                <a:schemeClr val="tx1"/>
-              </a:solidFill>
-              <a:latin typeface="Times New Roman" panose="02020603050405020304" pitchFamily="18" charset="0"/>
-              <a:cs typeface="Times New Roman" panose="02020603050405020304" pitchFamily="18" charset="0"/>
-            </a:endParaRPr>
-          </a:p>
-          <a:p>
-            <a:pPr marL="0" indent="0" algn="just">
-              <a:buNone/>
-            </a:pPr>
-            <a:r>
-              <a:rPr lang="pt-BR" sz="2400" dirty="0">
-                <a:solidFill>
-                  <a:schemeClr val="tx1"/>
-                </a:solidFill>
-                <a:latin typeface="Times New Roman" panose="02020603050405020304" pitchFamily="18" charset="0"/>
-                <a:cs typeface="Times New Roman" panose="02020603050405020304" pitchFamily="18" charset="0"/>
-              </a:rPr>
-              <a:t>Com a sua evolução, em </a:t>
-            </a:r>
-            <a:r>
-              <a:rPr lang="pt-BR" sz="2400" b="1" dirty="0">
-                <a:solidFill>
-                  <a:srgbClr val="0070C0"/>
-                </a:solidFill>
-                <a:latin typeface="Times New Roman" panose="02020603050405020304" pitchFamily="18" charset="0"/>
-                <a:cs typeface="Times New Roman" panose="02020603050405020304" pitchFamily="18" charset="0"/>
-              </a:rPr>
-              <a:t>1995</a:t>
-            </a:r>
-            <a:r>
-              <a:rPr lang="pt-BR" sz="2400" dirty="0">
-                <a:solidFill>
-                  <a:schemeClr val="tx1"/>
-                </a:solidFill>
-                <a:latin typeface="Times New Roman" panose="02020603050405020304" pitchFamily="18" charset="0"/>
-                <a:cs typeface="Times New Roman" panose="02020603050405020304" pitchFamily="18" charset="0"/>
-              </a:rPr>
-              <a:t>, passou a ser chamada de </a:t>
-            </a:r>
-            <a:r>
-              <a:rPr lang="pt-BR" sz="2400" b="1" dirty="0" err="1">
-                <a:solidFill>
-                  <a:srgbClr val="FF0000"/>
-                </a:solidFill>
-                <a:latin typeface="Times New Roman" panose="02020603050405020304" pitchFamily="18" charset="0"/>
-                <a:cs typeface="Times New Roman" panose="02020603050405020304" pitchFamily="18" charset="0"/>
-              </a:rPr>
-              <a:t>P</a:t>
-            </a:r>
-            <a:r>
-              <a:rPr lang="pt-BR" sz="2400" b="1" dirty="0" err="1">
-                <a:solidFill>
-                  <a:schemeClr val="tx1"/>
-                </a:solidFill>
-                <a:latin typeface="Times New Roman" panose="02020603050405020304" pitchFamily="18" charset="0"/>
-                <a:cs typeface="Times New Roman" panose="02020603050405020304" pitchFamily="18" charset="0"/>
-              </a:rPr>
-              <a:t>ersonal</a:t>
-            </a:r>
-            <a:r>
-              <a:rPr lang="pt-BR" sz="2400" b="1" dirty="0">
-                <a:solidFill>
-                  <a:schemeClr val="tx1"/>
-                </a:solidFill>
-                <a:latin typeface="Times New Roman" panose="02020603050405020304" pitchFamily="18" charset="0"/>
-                <a:cs typeface="Times New Roman" panose="02020603050405020304" pitchFamily="18" charset="0"/>
-              </a:rPr>
-              <a:t> </a:t>
-            </a:r>
-            <a:r>
-              <a:rPr lang="pt-BR" sz="2400" b="1" dirty="0">
-                <a:solidFill>
-                  <a:srgbClr val="FF0000"/>
-                </a:solidFill>
-                <a:latin typeface="Times New Roman" panose="02020603050405020304" pitchFamily="18" charset="0"/>
-                <a:cs typeface="Times New Roman" panose="02020603050405020304" pitchFamily="18" charset="0"/>
-              </a:rPr>
-              <a:t>H</a:t>
-            </a:r>
-            <a:r>
-              <a:rPr lang="pt-BR" sz="2400" b="1" dirty="0">
-                <a:solidFill>
-                  <a:schemeClr val="tx1"/>
-                </a:solidFill>
-                <a:latin typeface="Times New Roman" panose="02020603050405020304" pitchFamily="18" charset="0"/>
-                <a:cs typeface="Times New Roman" panose="02020603050405020304" pitchFamily="18" charset="0"/>
-              </a:rPr>
-              <a:t>ome </a:t>
-            </a:r>
-            <a:r>
-              <a:rPr lang="pt-BR" sz="2400" b="1" dirty="0">
-                <a:solidFill>
-                  <a:srgbClr val="FF0000"/>
-                </a:solidFill>
-                <a:latin typeface="Times New Roman" panose="02020603050405020304" pitchFamily="18" charset="0"/>
-                <a:cs typeface="Times New Roman" panose="02020603050405020304" pitchFamily="18" charset="0"/>
-              </a:rPr>
-              <a:t>P</a:t>
-            </a:r>
-            <a:r>
-              <a:rPr lang="pt-BR" sz="2400" b="1" dirty="0">
-                <a:solidFill>
-                  <a:schemeClr val="tx1"/>
-                </a:solidFill>
-                <a:latin typeface="Times New Roman" panose="02020603050405020304" pitchFamily="18" charset="0"/>
-                <a:cs typeface="Times New Roman" panose="02020603050405020304" pitchFamily="18" charset="0"/>
-              </a:rPr>
-              <a:t>age </a:t>
-            </a:r>
-            <a:r>
-              <a:rPr lang="pt-BR" sz="2400" b="1" dirty="0" err="1">
-                <a:solidFill>
-                  <a:srgbClr val="FF0000"/>
-                </a:solidFill>
-                <a:latin typeface="Times New Roman" panose="02020603050405020304" pitchFamily="18" charset="0"/>
-                <a:cs typeface="Times New Roman" panose="02020603050405020304" pitchFamily="18" charset="0"/>
-              </a:rPr>
-              <a:t>F</a:t>
-            </a:r>
-            <a:r>
-              <a:rPr lang="pt-BR" sz="2400" b="1" dirty="0" err="1">
-                <a:solidFill>
-                  <a:schemeClr val="tx1"/>
-                </a:solidFill>
-                <a:latin typeface="Times New Roman" panose="02020603050405020304" pitchFamily="18" charset="0"/>
-                <a:cs typeface="Times New Roman" panose="02020603050405020304" pitchFamily="18" charset="0"/>
-              </a:rPr>
-              <a:t>orm</a:t>
-            </a:r>
-            <a:r>
-              <a:rPr lang="pt-BR" sz="2400" b="1" dirty="0">
-                <a:solidFill>
-                  <a:schemeClr val="tx1"/>
-                </a:solidFill>
-                <a:latin typeface="Times New Roman" panose="02020603050405020304" pitchFamily="18" charset="0"/>
-                <a:cs typeface="Times New Roman" panose="02020603050405020304" pitchFamily="18" charset="0"/>
-              </a:rPr>
-              <a:t> </a:t>
-            </a:r>
-            <a:r>
-              <a:rPr lang="pt-BR" sz="2400" b="1" dirty="0" err="1">
-                <a:solidFill>
-                  <a:srgbClr val="FF0000"/>
-                </a:solidFill>
-                <a:latin typeface="Times New Roman" panose="02020603050405020304" pitchFamily="18" charset="0"/>
-                <a:cs typeface="Times New Roman" panose="02020603050405020304" pitchFamily="18" charset="0"/>
-              </a:rPr>
-              <a:t>I</a:t>
-            </a:r>
-            <a:r>
-              <a:rPr lang="pt-BR" sz="2400" b="1" dirty="0" err="1">
-                <a:solidFill>
-                  <a:schemeClr val="tx1"/>
-                </a:solidFill>
-                <a:latin typeface="Times New Roman" panose="02020603050405020304" pitchFamily="18" charset="0"/>
-                <a:cs typeface="Times New Roman" panose="02020603050405020304" pitchFamily="18" charset="0"/>
-              </a:rPr>
-              <a:t>nterpreter</a:t>
-            </a:r>
-            <a:r>
-              <a:rPr lang="pt-BR" sz="2400" b="1" dirty="0">
-                <a:solidFill>
-                  <a:schemeClr val="tx1"/>
-                </a:solidFill>
-                <a:latin typeface="Times New Roman" panose="02020603050405020304" pitchFamily="18" charset="0"/>
-                <a:cs typeface="Times New Roman" panose="02020603050405020304" pitchFamily="18" charset="0"/>
-              </a:rPr>
-              <a:t> </a:t>
-            </a:r>
-            <a:r>
-              <a:rPr lang="pt-BR" sz="2400" dirty="0">
-                <a:solidFill>
-                  <a:schemeClr val="tx1"/>
-                </a:solidFill>
-                <a:latin typeface="Times New Roman" panose="02020603050405020304" pitchFamily="18" charset="0"/>
-                <a:cs typeface="Times New Roman" panose="02020603050405020304" pitchFamily="18" charset="0"/>
-              </a:rPr>
-              <a:t>(</a:t>
-            </a:r>
-            <a:r>
-              <a:rPr lang="pt-BR" sz="2400" b="1" dirty="0">
-                <a:solidFill>
-                  <a:srgbClr val="FF0000"/>
-                </a:solidFill>
-                <a:latin typeface="Times New Roman" panose="02020603050405020304" pitchFamily="18" charset="0"/>
-                <a:cs typeface="Times New Roman" panose="02020603050405020304" pitchFamily="18" charset="0"/>
-              </a:rPr>
-              <a:t>HTML</a:t>
-            </a:r>
-            <a:r>
-              <a:rPr lang="pt-BR" sz="2400" b="1" dirty="0">
-                <a:solidFill>
-                  <a:schemeClr val="tx1"/>
-                </a:solidFill>
-                <a:latin typeface="Times New Roman" panose="02020603050405020304" pitchFamily="18" charset="0"/>
-                <a:cs typeface="Times New Roman" panose="02020603050405020304" pitchFamily="18" charset="0"/>
-              </a:rPr>
-              <a:t>, </a:t>
-            </a:r>
-            <a:r>
-              <a:rPr lang="pt-BR" sz="2400" b="1" dirty="0">
-                <a:solidFill>
-                  <a:srgbClr val="FF0000"/>
-                </a:solidFill>
-                <a:latin typeface="Times New Roman" panose="02020603050405020304" pitchFamily="18" charset="0"/>
-                <a:cs typeface="Times New Roman" panose="02020603050405020304" pitchFamily="18" charset="0"/>
-              </a:rPr>
-              <a:t>CGI</a:t>
-            </a:r>
-            <a:r>
-              <a:rPr lang="pt-BR" sz="2400" b="1" dirty="0">
-                <a:solidFill>
-                  <a:schemeClr val="tx1"/>
-                </a:solidFill>
-                <a:latin typeface="Times New Roman" panose="02020603050405020304" pitchFamily="18" charset="0"/>
-                <a:cs typeface="Times New Roman" panose="02020603050405020304" pitchFamily="18" charset="0"/>
-              </a:rPr>
-              <a:t>, </a:t>
-            </a:r>
-            <a:r>
-              <a:rPr lang="pt-BR" sz="2400" b="1" dirty="0">
-                <a:solidFill>
-                  <a:srgbClr val="FF0000"/>
-                </a:solidFill>
-                <a:latin typeface="Times New Roman" panose="02020603050405020304" pitchFamily="18" charset="0"/>
-                <a:cs typeface="Times New Roman" panose="02020603050405020304" pitchFamily="18" charset="0"/>
-              </a:rPr>
-              <a:t>biblioteca</a:t>
-            </a:r>
-            <a:r>
-              <a:rPr lang="pt-BR" sz="2400" dirty="0">
-                <a:solidFill>
-                  <a:schemeClr val="tx1"/>
-                </a:solidFill>
-                <a:latin typeface="Times New Roman" panose="02020603050405020304" pitchFamily="18" charset="0"/>
-                <a:cs typeface="Times New Roman" panose="02020603050405020304" pitchFamily="18" charset="0"/>
-              </a:rPr>
-              <a:t>). Em </a:t>
-            </a:r>
-            <a:r>
-              <a:rPr lang="pt-BR" sz="2400" b="1" dirty="0">
-                <a:solidFill>
-                  <a:srgbClr val="0070C0"/>
-                </a:solidFill>
-                <a:latin typeface="Times New Roman" panose="02020603050405020304" pitchFamily="18" charset="0"/>
-                <a:cs typeface="Times New Roman" panose="02020603050405020304" pitchFamily="18" charset="0"/>
-              </a:rPr>
-              <a:t>1998</a:t>
-            </a:r>
-            <a:r>
-              <a:rPr lang="pt-BR" sz="2400" dirty="0">
-                <a:solidFill>
-                  <a:schemeClr val="tx1"/>
-                </a:solidFill>
-                <a:latin typeface="Times New Roman" panose="02020603050405020304" pitchFamily="18" charset="0"/>
-                <a:cs typeface="Times New Roman" panose="02020603050405020304" pitchFamily="18" charset="0"/>
-              </a:rPr>
-              <a:t>, passou a integrar com BD, </a:t>
-            </a:r>
-            <a:r>
-              <a:rPr lang="pt-BR" sz="2400" b="1" dirty="0">
-                <a:solidFill>
-                  <a:srgbClr val="FF0000"/>
-                </a:solidFill>
-                <a:latin typeface="Times New Roman" panose="02020603050405020304" pitchFamily="18" charset="0"/>
-                <a:cs typeface="Times New Roman" panose="02020603050405020304" pitchFamily="18" charset="0"/>
-              </a:rPr>
-              <a:t>PHP</a:t>
-            </a:r>
-            <a:r>
-              <a:rPr lang="pt-BR" sz="2400" b="1" dirty="0">
-                <a:solidFill>
-                  <a:schemeClr val="tx1"/>
-                </a:solidFill>
-                <a:latin typeface="Times New Roman" panose="02020603050405020304" pitchFamily="18" charset="0"/>
-                <a:cs typeface="Times New Roman" panose="02020603050405020304" pitchFamily="18" charset="0"/>
-              </a:rPr>
-              <a:t> </a:t>
-            </a:r>
-            <a:r>
-              <a:rPr lang="pt-BR" sz="2400" b="1" dirty="0">
-                <a:solidFill>
-                  <a:srgbClr val="FF0000"/>
-                </a:solidFill>
-                <a:latin typeface="Times New Roman" panose="02020603050405020304" pitchFamily="18" charset="0"/>
-                <a:cs typeface="Times New Roman" panose="02020603050405020304" pitchFamily="18" charset="0"/>
-              </a:rPr>
-              <a:t>H</a:t>
-            </a:r>
-            <a:r>
-              <a:rPr lang="pt-BR" sz="2400" b="1" dirty="0">
-                <a:solidFill>
-                  <a:schemeClr val="tx1"/>
-                </a:solidFill>
-                <a:latin typeface="Times New Roman" panose="02020603050405020304" pitchFamily="18" charset="0"/>
-                <a:cs typeface="Times New Roman" panose="02020603050405020304" pitchFamily="18" charset="0"/>
-              </a:rPr>
-              <a:t>ypertext </a:t>
-            </a:r>
-            <a:r>
-              <a:rPr lang="pt-BR" sz="2400" b="1" dirty="0" err="1">
-                <a:solidFill>
-                  <a:srgbClr val="FF0000"/>
-                </a:solidFill>
-                <a:latin typeface="Times New Roman" panose="02020603050405020304" pitchFamily="18" charset="0"/>
-                <a:cs typeface="Times New Roman" panose="02020603050405020304" pitchFamily="18" charset="0"/>
-              </a:rPr>
-              <a:t>P</a:t>
-            </a:r>
-            <a:r>
-              <a:rPr lang="pt-BR" sz="2400" b="1" dirty="0" err="1">
-                <a:solidFill>
-                  <a:schemeClr val="tx1"/>
-                </a:solidFill>
-                <a:latin typeface="Times New Roman" panose="02020603050405020304" pitchFamily="18" charset="0"/>
-                <a:cs typeface="Times New Roman" panose="02020603050405020304" pitchFamily="18" charset="0"/>
-              </a:rPr>
-              <a:t>reprocessor</a:t>
-            </a:r>
-            <a:r>
-              <a:rPr lang="pt-BR" sz="2400" b="1" dirty="0">
-                <a:solidFill>
-                  <a:schemeClr val="tx1"/>
-                </a:solidFill>
-                <a:latin typeface="Times New Roman" panose="02020603050405020304" pitchFamily="18" charset="0"/>
-                <a:cs typeface="Times New Roman" panose="02020603050405020304" pitchFamily="18" charset="0"/>
-              </a:rPr>
-              <a:t>.</a:t>
-            </a:r>
-          </a:p>
-          <a:p>
-            <a:pPr marL="0" indent="0" algn="just">
-              <a:buNone/>
-            </a:pPr>
-            <a:endParaRPr lang="pt-BR" sz="2400" b="1" dirty="0">
-              <a:solidFill>
-                <a:schemeClr val="tx1"/>
-              </a:solidFill>
-              <a:latin typeface="Times New Roman" panose="02020603050405020304" pitchFamily="18" charset="0"/>
-              <a:cs typeface="Times New Roman" panose="02020603050405020304" pitchFamily="18" charset="0"/>
-            </a:endParaRPr>
-          </a:p>
-          <a:p>
-            <a:pPr marL="0" indent="0" algn="just">
-              <a:buNone/>
-            </a:pPr>
-            <a:r>
-              <a:rPr lang="pt-BR" sz="2400" b="1" dirty="0">
-                <a:solidFill>
-                  <a:schemeClr val="tx1"/>
-                </a:solidFill>
-                <a:latin typeface="Times New Roman" panose="02020603050405020304" pitchFamily="18" charset="0"/>
-                <a:cs typeface="Times New Roman" panose="02020603050405020304" pitchFamily="18" charset="0"/>
-              </a:rPr>
-              <a:t>Criador</a:t>
-            </a:r>
-            <a:r>
-              <a:rPr lang="pt-BR" sz="2400" dirty="0">
-                <a:solidFill>
-                  <a:schemeClr val="tx1"/>
-                </a:solidFill>
-                <a:latin typeface="Times New Roman" panose="02020603050405020304" pitchFamily="18" charset="0"/>
-                <a:cs typeface="Times New Roman" panose="02020603050405020304" pitchFamily="18" charset="0"/>
-              </a:rPr>
-              <a:t>: </a:t>
-            </a:r>
-            <a:r>
-              <a:rPr lang="pt-BR" sz="2400" dirty="0" err="1">
-                <a:solidFill>
-                  <a:schemeClr val="tx1"/>
-                </a:solidFill>
-                <a:latin typeface="Times New Roman" panose="02020603050405020304" pitchFamily="18" charset="0"/>
-                <a:cs typeface="Times New Roman" panose="02020603050405020304" pitchFamily="18" charset="0"/>
-              </a:rPr>
-              <a:t>Rasmus</a:t>
-            </a:r>
-            <a:r>
-              <a:rPr lang="pt-BR" sz="2400" dirty="0">
-                <a:solidFill>
-                  <a:schemeClr val="tx1"/>
-                </a:solidFill>
-                <a:latin typeface="Times New Roman" panose="02020603050405020304" pitchFamily="18" charset="0"/>
-                <a:cs typeface="Times New Roman" panose="02020603050405020304" pitchFamily="18" charset="0"/>
-              </a:rPr>
-              <a:t> </a:t>
-            </a:r>
-            <a:r>
-              <a:rPr lang="pt-BR" sz="2400" dirty="0" err="1">
-                <a:solidFill>
-                  <a:schemeClr val="tx1"/>
-                </a:solidFill>
-                <a:latin typeface="Times New Roman" panose="02020603050405020304" pitchFamily="18" charset="0"/>
-                <a:cs typeface="Times New Roman" panose="02020603050405020304" pitchFamily="18" charset="0"/>
-              </a:rPr>
-              <a:t>Lerdorf</a:t>
-            </a:r>
-            <a:r>
-              <a:rPr lang="pt-BR" sz="2400" dirty="0">
-                <a:solidFill>
-                  <a:schemeClr val="tx1"/>
-                </a:solidFill>
-                <a:latin typeface="Times New Roman" panose="02020603050405020304" pitchFamily="18" charset="0"/>
-                <a:cs typeface="Times New Roman" panose="02020603050405020304" pitchFamily="18" charset="0"/>
-              </a:rPr>
-              <a:t> </a:t>
-            </a:r>
-            <a:r>
-              <a:rPr lang="pt-BR" sz="2000" dirty="0">
-                <a:solidFill>
-                  <a:schemeClr val="tx1"/>
-                </a:solidFill>
-                <a:latin typeface="Times New Roman" panose="02020603050405020304" pitchFamily="18" charset="0"/>
-                <a:cs typeface="Times New Roman" panose="02020603050405020304" pitchFamily="18" charset="0"/>
-              </a:rPr>
-              <a:t>(</a:t>
-            </a:r>
-            <a:r>
-              <a:rPr lang="pt-BR" sz="2000" b="1" dirty="0" err="1">
-                <a:solidFill>
-                  <a:schemeClr val="tx1"/>
-                </a:solidFill>
-                <a:latin typeface="Times New Roman" panose="02020603050405020304" pitchFamily="18" charset="0"/>
-                <a:cs typeface="Times New Roman" panose="02020603050405020304" pitchFamily="18" charset="0"/>
-              </a:rPr>
-              <a:t>Zend</a:t>
-            </a:r>
-            <a:r>
-              <a:rPr lang="pt-BR" sz="2000" b="1" dirty="0">
-                <a:solidFill>
-                  <a:schemeClr val="tx1"/>
-                </a:solidFill>
-                <a:latin typeface="Times New Roman" panose="02020603050405020304" pitchFamily="18" charset="0"/>
-                <a:cs typeface="Times New Roman" panose="02020603050405020304" pitchFamily="18" charset="0"/>
-              </a:rPr>
-              <a:t> Technologies</a:t>
-            </a:r>
-            <a:r>
-              <a:rPr lang="pt-BR" sz="2000" dirty="0">
-                <a:solidFill>
-                  <a:schemeClr val="tx1"/>
-                </a:solidFill>
-                <a:latin typeface="Times New Roman" panose="02020603050405020304" pitchFamily="18" charset="0"/>
-                <a:cs typeface="Times New Roman" panose="02020603050405020304" pitchFamily="18" charset="0"/>
-              </a:rPr>
-              <a:t> - </a:t>
-            </a:r>
-            <a:r>
-              <a:rPr lang="pt-BR" sz="2000" dirty="0" err="1">
-                <a:solidFill>
-                  <a:schemeClr val="tx1"/>
-                </a:solidFill>
-                <a:latin typeface="Times New Roman" panose="02020603050405020304" pitchFamily="18" charset="0"/>
-                <a:cs typeface="Times New Roman" panose="02020603050405020304" pitchFamily="18" charset="0"/>
-              </a:rPr>
-              <a:t>Andi</a:t>
-            </a:r>
-            <a:r>
-              <a:rPr lang="pt-BR" sz="2000" dirty="0">
-                <a:solidFill>
-                  <a:schemeClr val="tx1"/>
-                </a:solidFill>
-                <a:latin typeface="Times New Roman" panose="02020603050405020304" pitchFamily="18" charset="0"/>
-                <a:cs typeface="Times New Roman" panose="02020603050405020304" pitchFamily="18" charset="0"/>
-              </a:rPr>
-              <a:t> </a:t>
-            </a:r>
-            <a:r>
-              <a:rPr lang="pt-BR" sz="2000" dirty="0" err="1">
-                <a:solidFill>
-                  <a:schemeClr val="tx1"/>
-                </a:solidFill>
-                <a:latin typeface="Times New Roman" panose="02020603050405020304" pitchFamily="18" charset="0"/>
-                <a:cs typeface="Times New Roman" panose="02020603050405020304" pitchFamily="18" charset="0"/>
-              </a:rPr>
-              <a:t>Gutmans</a:t>
-            </a:r>
-            <a:r>
-              <a:rPr lang="pt-BR" sz="2000" dirty="0">
-                <a:solidFill>
-                  <a:schemeClr val="tx1"/>
-                </a:solidFill>
-                <a:latin typeface="Times New Roman" panose="02020603050405020304" pitchFamily="18" charset="0"/>
-                <a:cs typeface="Times New Roman" panose="02020603050405020304" pitchFamily="18" charset="0"/>
-              </a:rPr>
-              <a:t> e Zeev </a:t>
-            </a:r>
-            <a:r>
-              <a:rPr lang="pt-BR" sz="2000" dirty="0" err="1">
-                <a:solidFill>
-                  <a:schemeClr val="tx1"/>
-                </a:solidFill>
-                <a:latin typeface="Times New Roman" panose="02020603050405020304" pitchFamily="18" charset="0"/>
-                <a:cs typeface="Times New Roman" panose="02020603050405020304" pitchFamily="18" charset="0"/>
-              </a:rPr>
-              <a:t>Suraski</a:t>
-            </a:r>
-            <a:r>
-              <a:rPr lang="pt-BR" sz="2000" dirty="0">
-                <a:solidFill>
-                  <a:schemeClr val="tx1"/>
-                </a:solidFill>
-                <a:latin typeface="Times New Roman" panose="02020603050405020304" pitchFamily="18" charset="0"/>
-                <a:cs typeface="Times New Roman" panose="02020603050405020304" pitchFamily="18" charset="0"/>
-              </a:rPr>
-              <a:t>)</a:t>
-            </a:r>
-            <a:endParaRPr lang="pt-BR" sz="2400" dirty="0">
-              <a:solidFill>
-                <a:schemeClr val="tx1"/>
-              </a:solidFill>
-              <a:latin typeface="Times New Roman" panose="02020603050405020304" pitchFamily="18" charset="0"/>
-              <a:cs typeface="Times New Roman" panose="02020603050405020304" pitchFamily="18" charset="0"/>
-            </a:endParaRPr>
-          </a:p>
-        </p:txBody>
-      </p:sp>
-    </p:spTree>
-    <p:extLst>
-      <p:ext uri="{BB962C8B-B14F-4D97-AF65-F5344CB8AC3E}">
-        <p14:creationId xmlns:p14="http://schemas.microsoft.com/office/powerpoint/2010/main" val="3049810001"/>
-      </p:ext>
-    </p:extLst>
-  </p:cSld>
-  <p:clrMapOvr>
-    <a:masterClrMapping/>
-  </p:clrMapOvr>
-  <p:transition spd="med"/>
-</p:sld>
-</file>
-
 <file path=ppt/slides/slide4.xml><?xml version="1.0" encoding="utf-8"?>
 <p:sld xmlns:a="http://schemas.openxmlformats.org/drawingml/2006/main" xmlns:r="http://schemas.openxmlformats.org/officeDocument/2006/relationships" xmlns:p="http://schemas.openxmlformats.org/presentationml/2006/main">
   <p:cSld>
@@ -14999,7 +18152,27 @@
                 <a:latin typeface="Times New Roman" panose="02020603050405020304" pitchFamily="18" charset="0"/>
                 <a:cs typeface="Times New Roman" panose="02020603050405020304" pitchFamily="18" charset="0"/>
               </a:rPr>
-              <a:t> XAMPP)</a:t>
+              <a:t> XAMPP); </a:t>
+            </a:r>
+            <a:r>
+              <a:rPr lang="pt-BR" sz="2400" b="1" dirty="0" err="1">
+                <a:solidFill>
+                  <a:srgbClr val="FF0000"/>
+                </a:solidFill>
+                <a:latin typeface="Times New Roman" panose="02020603050405020304" pitchFamily="18" charset="0"/>
+                <a:cs typeface="Times New Roman" panose="02020603050405020304" pitchFamily="18" charset="0"/>
+              </a:rPr>
+              <a:t>Laragon</a:t>
+            </a:r>
+            <a:r>
+              <a:rPr lang="pt-BR" sz="2400" b="1" dirty="0">
+                <a:solidFill>
+                  <a:schemeClr val="tx1"/>
+                </a:solidFill>
+                <a:latin typeface="Times New Roman" panose="02020603050405020304" pitchFamily="18" charset="0"/>
+                <a:cs typeface="Times New Roman" panose="02020603050405020304" pitchFamily="18" charset="0"/>
+              </a:rPr>
+              <a:t>;</a:t>
             </a:r>
           </a:p>
           <a:p>
@@ -15279,7 +18452,7 @@
                 <a:latin typeface="Times New Roman" panose="02020603050405020304" pitchFamily="18" charset="0"/>
                 <a:cs typeface="Times New Roman" panose="02020603050405020304" pitchFamily="18" charset="0"/>
               </a:rPr>
-              <a:t>	1. Criar pasta dentro dele chamada: </a:t>
+              <a:t>	1. </a:t>
             </a:r>
             <a:r>
               <a:rPr lang="pt-BR" sz="2400" b="1" dirty="0">
@@ -15289,8 +18462,208 @@
                 <a:latin typeface="Times New Roman" panose="02020603050405020304" pitchFamily="18" charset="0"/>
                 <a:cs typeface="Times New Roman" panose="02020603050405020304" pitchFamily="18" charset="0"/>
               </a:rPr>
-              <a:t>data</a:t>
-            </a:r>
+              <a:t>Extensões Gerais</a:t>
+            </a:r>
+            <a:r>
+              <a:rPr lang="pt-BR" sz="2400" b="1" dirty="0">
+                <a:solidFill>
+                  <a:schemeClr val="tx1"/>
+                </a:solidFill>
+                <a:latin typeface="Times New Roman" panose="02020603050405020304" pitchFamily="18" charset="0"/>
+                <a:cs typeface="Times New Roman" panose="02020603050405020304" pitchFamily="18" charset="0"/>
+              </a:rPr>
+              <a:t>: </a:t>
+            </a:r>
+          </a:p>
+          <a:p>
+            <a:pPr marL="0" indent="0" algn="just">
+              <a:buNone/>
+            </a:pPr>
+            <a:r>
+              <a:rPr lang="pt-BR" sz="2400" b="1" dirty="0">
+                <a:solidFill>
+                  <a:schemeClr val="tx1"/>
+                </a:solidFill>
+                <a:latin typeface="Times New Roman" panose="02020603050405020304" pitchFamily="18" charset="0"/>
+                <a:cs typeface="Times New Roman" panose="02020603050405020304" pitchFamily="18" charset="0"/>
+              </a:rPr>
+              <a:t>	    </a:t>
+            </a:r>
+            <a:r>
+              <a:rPr lang="pt-BR" sz="2400" b="1" dirty="0" err="1">
+                <a:solidFill>
+                  <a:schemeClr val="tx1"/>
+                </a:solidFill>
+                <a:latin typeface="Times New Roman" panose="02020603050405020304" pitchFamily="18" charset="0"/>
+                <a:cs typeface="Times New Roman" panose="02020603050405020304" pitchFamily="18" charset="0"/>
+              </a:rPr>
+              <a:t>code</a:t>
+            </a:r>
+            <a:r>
+              <a:rPr lang="pt-BR" sz="2400" b="1" dirty="0">
+                <a:solidFill>
+                  <a:schemeClr val="tx1"/>
+                </a:solidFill>
+                <a:latin typeface="Times New Roman" panose="02020603050405020304" pitchFamily="18" charset="0"/>
+                <a:cs typeface="Times New Roman" panose="02020603050405020304" pitchFamily="18" charset="0"/>
+              </a:rPr>
+              <a:t> </a:t>
+            </a:r>
+            <a:r>
+              <a:rPr lang="pt-BR" sz="2400" b="1" dirty="0" err="1">
+                <a:solidFill>
+                  <a:schemeClr val="tx1"/>
+                </a:solidFill>
+                <a:latin typeface="Times New Roman" panose="02020603050405020304" pitchFamily="18" charset="0"/>
+                <a:cs typeface="Times New Roman" panose="02020603050405020304" pitchFamily="18" charset="0"/>
+              </a:rPr>
+              <a:t>Runner</a:t>
+            </a:r>
+            <a:r>
+              <a:rPr lang="pt-BR" sz="2400" b="1" dirty="0">
+                <a:solidFill>
+                  <a:schemeClr val="tx1"/>
+                </a:solidFill>
+                <a:latin typeface="Times New Roman" panose="02020603050405020304" pitchFamily="18" charset="0"/>
+                <a:cs typeface="Times New Roman" panose="02020603050405020304" pitchFamily="18" charset="0"/>
+              </a:rPr>
+              <a:t>; </a:t>
+            </a:r>
+            <a:r>
+              <a:rPr lang="pt-BR" sz="2400" b="1" dirty="0" err="1">
+                <a:solidFill>
+                  <a:schemeClr val="tx1"/>
+                </a:solidFill>
+                <a:latin typeface="Times New Roman" panose="02020603050405020304" pitchFamily="18" charset="0"/>
+                <a:cs typeface="Times New Roman" panose="02020603050405020304" pitchFamily="18" charset="0"/>
+              </a:rPr>
+              <a:t>DotEnv</a:t>
+            </a:r>
+            <a:r>
+              <a:rPr lang="pt-BR" sz="2400" b="1" dirty="0">
+                <a:solidFill>
+                  <a:schemeClr val="tx1"/>
+                </a:solidFill>
+                <a:latin typeface="Times New Roman" panose="02020603050405020304" pitchFamily="18" charset="0"/>
+                <a:cs typeface="Times New Roman" panose="02020603050405020304" pitchFamily="18" charset="0"/>
+              </a:rPr>
+              <a:t> (.</a:t>
+            </a:r>
+            <a:r>
+              <a:rPr lang="pt-BR" sz="2400" b="1" dirty="0" err="1">
+                <a:solidFill>
+                  <a:schemeClr val="tx1"/>
+                </a:solidFill>
+                <a:latin typeface="Times New Roman" panose="02020603050405020304" pitchFamily="18" charset="0"/>
+                <a:cs typeface="Times New Roman" panose="02020603050405020304" pitchFamily="18" charset="0"/>
+              </a:rPr>
+              <a:t>env</a:t>
+            </a:r>
+            <a:r>
+              <a:rPr lang="pt-BR" sz="2400" b="1" dirty="0">
+                <a:solidFill>
+                  <a:schemeClr val="tx1"/>
+                </a:solidFill>
+                <a:latin typeface="Times New Roman" panose="02020603050405020304" pitchFamily="18" charset="0"/>
+                <a:cs typeface="Times New Roman" panose="02020603050405020304" pitchFamily="18" charset="0"/>
+              </a:rPr>
+              <a:t> = </a:t>
+            </a:r>
+            <a:r>
+              <a:rPr lang="pt-BR" sz="2400" dirty="0">
+                <a:solidFill>
+                  <a:schemeClr val="tx1"/>
+                </a:solidFill>
+                <a:latin typeface="Times New Roman" panose="02020603050405020304" pitchFamily="18" charset="0"/>
+                <a:cs typeface="Times New Roman" panose="02020603050405020304" pitchFamily="18" charset="0"/>
+              </a:rPr>
+              <a:t>variáveis de ambiente</a:t>
+            </a:r>
+            <a:r>
+              <a:rPr lang="pt-BR" sz="2400" b="1" dirty="0">
+                <a:solidFill>
+                  <a:schemeClr val="tx1"/>
+                </a:solidFill>
+                <a:latin typeface="Times New Roman" panose="02020603050405020304" pitchFamily="18" charset="0"/>
+                <a:cs typeface="Times New Roman" panose="02020603050405020304" pitchFamily="18" charset="0"/>
+              </a:rPr>
+              <a:t>); </a:t>
+            </a:r>
+            <a:r>
+              <a:rPr lang="pt-BR" sz="2400" b="1" dirty="0" err="1">
+                <a:solidFill>
+                  <a:schemeClr val="tx1"/>
+                </a:solidFill>
+                <a:latin typeface="Times New Roman" panose="02020603050405020304" pitchFamily="18" charset="0"/>
+                <a:cs typeface="Times New Roman" panose="02020603050405020304" pitchFamily="18" charset="0"/>
+              </a:rPr>
+              <a:t>EditorConfig</a:t>
+            </a:r>
+            <a:r>
+              <a:rPr lang="pt-BR" sz="2400" b="1" dirty="0">
+                <a:solidFill>
+                  <a:schemeClr val="tx1"/>
+                </a:solidFill>
+                <a:latin typeface="Times New Roman" panose="02020603050405020304" pitchFamily="18" charset="0"/>
+                <a:cs typeface="Times New Roman" panose="02020603050405020304" pitchFamily="18" charset="0"/>
+              </a:rPr>
+              <a:t> for VS </a:t>
+            </a:r>
+            <a:r>
+              <a:rPr lang="pt-BR" sz="2400" b="1" dirty="0" err="1">
+                <a:solidFill>
+                  <a:schemeClr val="tx1"/>
+                </a:solidFill>
+                <a:latin typeface="Times New Roman" panose="02020603050405020304" pitchFamily="18" charset="0"/>
+                <a:cs typeface="Times New Roman" panose="02020603050405020304" pitchFamily="18" charset="0"/>
+              </a:rPr>
+              <a:t>Code</a:t>
+            </a:r>
+            <a:r>
+              <a:rPr lang="pt-BR" sz="2400" b="1" dirty="0">
+                <a:solidFill>
+                  <a:schemeClr val="tx1"/>
+                </a:solidFill>
+                <a:latin typeface="Times New Roman" panose="02020603050405020304" pitchFamily="18" charset="0"/>
+                <a:cs typeface="Times New Roman" panose="02020603050405020304" pitchFamily="18" charset="0"/>
+              </a:rPr>
+              <a:t> (</a:t>
+            </a:r>
+            <a:r>
+              <a:rPr lang="pt-BR" sz="2400" dirty="0">
+                <a:solidFill>
+                  <a:schemeClr val="tx1"/>
+                </a:solidFill>
+                <a:latin typeface="Times New Roman" panose="02020603050405020304" pitchFamily="18" charset="0"/>
+                <a:cs typeface="Times New Roman" panose="02020603050405020304" pitchFamily="18" charset="0"/>
+              </a:rPr>
+              <a:t>.</a:t>
+            </a:r>
+            <a:r>
+              <a:rPr lang="pt-BR" sz="2400" dirty="0" err="1">
+                <a:solidFill>
+                  <a:schemeClr val="tx1"/>
+                </a:solidFill>
+                <a:latin typeface="Times New Roman" panose="02020603050405020304" pitchFamily="18" charset="0"/>
+                <a:cs typeface="Times New Roman" panose="02020603050405020304" pitchFamily="18" charset="0"/>
+              </a:rPr>
+              <a:t>editorconfig</a:t>
+            </a:r>
+            <a:r>
+              <a:rPr lang="pt-BR" sz="2400" b="1" dirty="0">
+                <a:solidFill>
+                  <a:schemeClr val="tx1"/>
+                </a:solidFill>
+                <a:latin typeface="Times New Roman" panose="02020603050405020304" pitchFamily="18" charset="0"/>
+                <a:cs typeface="Times New Roman" panose="02020603050405020304" pitchFamily="18" charset="0"/>
+              </a:rPr>
+              <a:t>)</a:t>
+            </a:r>
+          </a:p>
+          <a:p>
+            <a:pPr marL="0" indent="0" algn="just">
+              <a:buNone/>
+            </a:pPr>
             <a:endParaRPr lang="pt-BR" sz="2400" b="1" dirty="0">
               <a:solidFill>
                 <a:schemeClr val="tx1"/>
@@ -15306,232 +18679,12 @@
             <a:r>
               <a:rPr lang="pt-BR" sz="2400" b="1" dirty="0">
                 <a:solidFill>
-                  <a:schemeClr val="tx1"/>
-                </a:solidFill>
-                <a:latin typeface="Times New Roman" panose="02020603050405020304" pitchFamily="18" charset="0"/>
-                <a:cs typeface="Times New Roman" panose="02020603050405020304" pitchFamily="18" charset="0"/>
-              </a:rPr>
-              <a:t>	2. </a:t>
-            </a:r>
-            <a:r>
-              <a:rPr lang="pt-BR" sz="2400" b="1" dirty="0">
-                <a:solidFill>
                   <a:srgbClr val="FF0000"/>
                 </a:solidFill>
                 <a:latin typeface="Times New Roman" panose="02020603050405020304" pitchFamily="18" charset="0"/>
                 <a:cs typeface="Times New Roman" panose="02020603050405020304" pitchFamily="18" charset="0"/>
               </a:rPr>
-              <a:t>Extensões Gerais</a:t>
-            </a:r>
-            <a:r>
-              <a:rPr lang="pt-BR" sz="2400" b="1" dirty="0">
-                <a:solidFill>
-                  <a:schemeClr val="tx1"/>
-                </a:solidFill>
-                <a:latin typeface="Times New Roman" panose="02020603050405020304" pitchFamily="18" charset="0"/>
-                <a:cs typeface="Times New Roman" panose="02020603050405020304" pitchFamily="18" charset="0"/>
-              </a:rPr>
-              <a:t>: </a:t>
-            </a:r>
-          </a:p>
-          <a:p>
-            <a:pPr marL="0" indent="0" algn="just">
-              <a:buNone/>
-            </a:pPr>
-            <a:r>
-              <a:rPr lang="pt-BR" sz="2400" b="1" dirty="0">
-                <a:solidFill>
-                  <a:schemeClr val="tx1"/>
-                </a:solidFill>
-                <a:latin typeface="Times New Roman" panose="02020603050405020304" pitchFamily="18" charset="0"/>
-                <a:cs typeface="Times New Roman" panose="02020603050405020304" pitchFamily="18" charset="0"/>
-              </a:rPr>
-              <a:t>	    </a:t>
-            </a:r>
-            <a:r>
-              <a:rPr lang="pt-BR" sz="2400" b="1" dirty="0" err="1">
-                <a:solidFill>
-                  <a:schemeClr val="tx1"/>
-                </a:solidFill>
-                <a:latin typeface="Times New Roman" panose="02020603050405020304" pitchFamily="18" charset="0"/>
-                <a:cs typeface="Times New Roman" panose="02020603050405020304" pitchFamily="18" charset="0"/>
-              </a:rPr>
-              <a:t>code</a:t>
-            </a:r>
-            <a:r>
-              <a:rPr lang="pt-BR" sz="2400" b="1" dirty="0">
-                <a:solidFill>
-                  <a:schemeClr val="tx1"/>
-                </a:solidFill>
-                <a:latin typeface="Times New Roman" panose="02020603050405020304" pitchFamily="18" charset="0"/>
-                <a:cs typeface="Times New Roman" panose="02020603050405020304" pitchFamily="18" charset="0"/>
-              </a:rPr>
-              <a:t> </a:t>
-            </a:r>
-            <a:r>
-              <a:rPr lang="pt-BR" sz="2400" b="1" dirty="0" err="1">
-                <a:solidFill>
-                  <a:schemeClr val="tx1"/>
-                </a:solidFill>
-                <a:latin typeface="Times New Roman" panose="02020603050405020304" pitchFamily="18" charset="0"/>
-                <a:cs typeface="Times New Roman" panose="02020603050405020304" pitchFamily="18" charset="0"/>
-              </a:rPr>
-              <a:t>Runner</a:t>
-            </a:r>
-            <a:r>
-              <a:rPr lang="pt-BR" sz="2400" b="1" dirty="0">
-                <a:solidFill>
-                  <a:schemeClr val="tx1"/>
-                </a:solidFill>
-                <a:latin typeface="Times New Roman" panose="02020603050405020304" pitchFamily="18" charset="0"/>
-                <a:cs typeface="Times New Roman" panose="02020603050405020304" pitchFamily="18" charset="0"/>
-              </a:rPr>
-              <a:t>; </a:t>
-            </a:r>
-            <a:r>
-              <a:rPr lang="pt-BR" sz="2400" b="1" dirty="0" err="1">
-                <a:solidFill>
-                  <a:schemeClr val="tx1"/>
-                </a:solidFill>
-                <a:latin typeface="Times New Roman" panose="02020603050405020304" pitchFamily="18" charset="0"/>
-                <a:cs typeface="Times New Roman" panose="02020603050405020304" pitchFamily="18" charset="0"/>
-              </a:rPr>
-              <a:t>DotEnv</a:t>
-            </a:r>
-            <a:r>
-              <a:rPr lang="pt-BR" sz="2400" b="1" dirty="0">
-                <a:solidFill>
-                  <a:schemeClr val="tx1"/>
-                </a:solidFill>
-                <a:latin typeface="Times New Roman" panose="02020603050405020304" pitchFamily="18" charset="0"/>
-                <a:cs typeface="Times New Roman" panose="02020603050405020304" pitchFamily="18" charset="0"/>
-              </a:rPr>
-              <a:t> (.</a:t>
-            </a:r>
-            <a:r>
-              <a:rPr lang="pt-BR" sz="2400" b="1" dirty="0" err="1">
-                <a:solidFill>
-                  <a:schemeClr val="tx1"/>
-                </a:solidFill>
-                <a:latin typeface="Times New Roman" panose="02020603050405020304" pitchFamily="18" charset="0"/>
-                <a:cs typeface="Times New Roman" panose="02020603050405020304" pitchFamily="18" charset="0"/>
-              </a:rPr>
-              <a:t>env</a:t>
-            </a:r>
-            <a:r>
-              <a:rPr lang="pt-BR" sz="2400" b="1" dirty="0">
-                <a:solidFill>
-                  <a:schemeClr val="tx1"/>
-                </a:solidFill>
-                <a:latin typeface="Times New Roman" panose="02020603050405020304" pitchFamily="18" charset="0"/>
-                <a:cs typeface="Times New Roman" panose="02020603050405020304" pitchFamily="18" charset="0"/>
-              </a:rPr>
-              <a:t> = </a:t>
-            </a:r>
-            <a:r>
-              <a:rPr lang="pt-BR" sz="2400" dirty="0">
-                <a:solidFill>
-                  <a:schemeClr val="tx1"/>
-                </a:solidFill>
-                <a:latin typeface="Times New Roman" panose="02020603050405020304" pitchFamily="18" charset="0"/>
-                <a:cs typeface="Times New Roman" panose="02020603050405020304" pitchFamily="18" charset="0"/>
-              </a:rPr>
-              <a:t>variáveis de ambiente</a:t>
-            </a:r>
-            <a:r>
-              <a:rPr lang="pt-BR" sz="2400" b="1" dirty="0">
-                <a:solidFill>
-                  <a:schemeClr val="tx1"/>
-                </a:solidFill>
-                <a:latin typeface="Times New Roman" panose="02020603050405020304" pitchFamily="18" charset="0"/>
-                <a:cs typeface="Times New Roman" panose="02020603050405020304" pitchFamily="18" charset="0"/>
-              </a:rPr>
-              <a:t>); </a:t>
-            </a:r>
-            <a:r>
-              <a:rPr lang="pt-BR" sz="2400" b="1" dirty="0" err="1">
-                <a:solidFill>
-                  <a:schemeClr val="tx1"/>
-                </a:solidFill>
-                <a:latin typeface="Times New Roman" panose="02020603050405020304" pitchFamily="18" charset="0"/>
-                <a:cs typeface="Times New Roman" panose="02020603050405020304" pitchFamily="18" charset="0"/>
-              </a:rPr>
-              <a:t>EditorConfig</a:t>
-            </a:r>
-            <a:r>
-              <a:rPr lang="pt-BR" sz="2400" b="1" dirty="0">
-                <a:solidFill>
-                  <a:schemeClr val="tx1"/>
-                </a:solidFill>
-                <a:latin typeface="Times New Roman" panose="02020603050405020304" pitchFamily="18" charset="0"/>
-                <a:cs typeface="Times New Roman" panose="02020603050405020304" pitchFamily="18" charset="0"/>
-              </a:rPr>
-              <a:t> for VS </a:t>
-            </a:r>
-            <a:r>
-              <a:rPr lang="pt-BR" sz="2400" b="1" dirty="0" err="1">
-                <a:solidFill>
-                  <a:schemeClr val="tx1"/>
-                </a:solidFill>
-                <a:latin typeface="Times New Roman" panose="02020603050405020304" pitchFamily="18" charset="0"/>
-                <a:cs typeface="Times New Roman" panose="02020603050405020304" pitchFamily="18" charset="0"/>
-              </a:rPr>
-              <a:t>Code</a:t>
-            </a:r>
-            <a:r>
-              <a:rPr lang="pt-BR" sz="2400" b="1" dirty="0">
-                <a:solidFill>
-                  <a:schemeClr val="tx1"/>
-                </a:solidFill>
-                <a:latin typeface="Times New Roman" panose="02020603050405020304" pitchFamily="18" charset="0"/>
-                <a:cs typeface="Times New Roman" panose="02020603050405020304" pitchFamily="18" charset="0"/>
-              </a:rPr>
-              <a:t> (</a:t>
-            </a:r>
-            <a:r>
-              <a:rPr lang="pt-BR" sz="2400" dirty="0">
-                <a:solidFill>
-                  <a:schemeClr val="tx1"/>
-                </a:solidFill>
-                <a:latin typeface="Times New Roman" panose="02020603050405020304" pitchFamily="18" charset="0"/>
-                <a:cs typeface="Times New Roman" panose="02020603050405020304" pitchFamily="18" charset="0"/>
-              </a:rPr>
-              <a:t>.</a:t>
-            </a:r>
-            <a:r>
-              <a:rPr lang="pt-BR" sz="2400" dirty="0" err="1">
-                <a:solidFill>
-                  <a:schemeClr val="tx1"/>
-                </a:solidFill>
-                <a:latin typeface="Times New Roman" panose="02020603050405020304" pitchFamily="18" charset="0"/>
-                <a:cs typeface="Times New Roman" panose="02020603050405020304" pitchFamily="18" charset="0"/>
-              </a:rPr>
-              <a:t>editorconfig</a:t>
-            </a:r>
-            <a:r>
-              <a:rPr lang="pt-BR" sz="2400" b="1" dirty="0">
-                <a:solidFill>
-                  <a:schemeClr val="tx1"/>
-                </a:solidFill>
-                <a:latin typeface="Times New Roman" panose="02020603050405020304" pitchFamily="18" charset="0"/>
-                <a:cs typeface="Times New Roman" panose="02020603050405020304" pitchFamily="18" charset="0"/>
-              </a:rPr>
-              <a:t>)</a:t>
-            </a:r>
-          </a:p>
-          <a:p>
-            <a:pPr marL="0" indent="0" algn="just">
-              <a:buNone/>
-            </a:pPr>
-            <a:r>
-              <a:rPr lang="pt-BR" sz="2400" b="1" dirty="0">
-                <a:solidFill>
-                  <a:srgbClr val="FF0000"/>
-                </a:solidFill>
-                <a:latin typeface="Times New Roman" panose="02020603050405020304" pitchFamily="18" charset="0"/>
-                <a:cs typeface="Times New Roman" panose="02020603050405020304" pitchFamily="18" charset="0"/>
-              </a:rPr>
-              <a:t> 	3. Extensões Gerais PHP:</a:t>
+              <a:t> 	2. Extensões Gerais PHP:</a:t>
             </a:r>
           </a:p>
           <a:p>
